--- a/teoricas/acite2019-06-auditoria_teste.pptx
+++ b/teoricas/acite2019-06-auditoria_teste.pptx
@@ -5,23 +5,35 @@
     <p:sldMasterId id="2147484373" r:id="rId1"/>
   </p:sldMasterIdLst>
   <p:notesMasterIdLst>
-    <p:notesMasterId r:id="rId13"/>
+    <p:notesMasterId r:id="rId25"/>
   </p:notesMasterIdLst>
   <p:handoutMasterIdLst>
-    <p:handoutMasterId r:id="rId14"/>
+    <p:handoutMasterId r:id="rId26"/>
   </p:handoutMasterIdLst>
   <p:sldIdLst>
     <p:sldId id="256" r:id="rId2"/>
-    <p:sldId id="1414" r:id="rId3"/>
-    <p:sldId id="1413" r:id="rId4"/>
-    <p:sldId id="1404" r:id="rId5"/>
-    <p:sldId id="1405" r:id="rId6"/>
-    <p:sldId id="1412" r:id="rId7"/>
-    <p:sldId id="1410" r:id="rId8"/>
-    <p:sldId id="1411" r:id="rId9"/>
-    <p:sldId id="1406" r:id="rId10"/>
-    <p:sldId id="1407" r:id="rId11"/>
-    <p:sldId id="1408" r:id="rId12"/>
+    <p:sldId id="1336" r:id="rId3"/>
+    <p:sldId id="1410" r:id="rId4"/>
+    <p:sldId id="1392" r:id="rId5"/>
+    <p:sldId id="1393" r:id="rId6"/>
+    <p:sldId id="1450" r:id="rId7"/>
+    <p:sldId id="1456" r:id="rId8"/>
+    <p:sldId id="1451" r:id="rId9"/>
+    <p:sldId id="1452" r:id="rId10"/>
+    <p:sldId id="1453" r:id="rId11"/>
+    <p:sldId id="1454" r:id="rId12"/>
+    <p:sldId id="1415" r:id="rId13"/>
+    <p:sldId id="1457" r:id="rId14"/>
+    <p:sldId id="1458" r:id="rId15"/>
+    <p:sldId id="1459" r:id="rId16"/>
+    <p:sldId id="1460" r:id="rId17"/>
+    <p:sldId id="1461" r:id="rId18"/>
+    <p:sldId id="1463" r:id="rId19"/>
+    <p:sldId id="1462" r:id="rId20"/>
+    <p:sldId id="1464" r:id="rId21"/>
+    <p:sldId id="1465" r:id="rId22"/>
+    <p:sldId id="1387" r:id="rId23"/>
+    <p:sldId id="1210" r:id="rId24"/>
   </p:sldIdLst>
   <p:sldSz cx="9144000" cy="6858000" type="screen4x3"/>
   <p:notesSz cx="6858000" cy="9144000"/>
@@ -219,10 +231,6 @@
             </a:lvl1pPr>
           </a:lstStyle>
           <a:p>
-            <a:fld id="{96F33694-7D96-9E45-85C8-90270390A1DD}" type="datetimeFigureOut">
-              <a:rPr lang="en-US" smtClean="0"/>
-              <a:t>7/5/19</a:t>
-            </a:fld>
             <a:endParaRPr lang="en-US" dirty="0"/>
           </a:p>
         </p:txBody>
@@ -301,7 +309,7 @@
     </p:extLst>
   </p:cSld>
   <p:clrMap bg1="lt1" tx1="dk1" bg2="lt2" tx2="dk2" accent1="accent1" accent2="accent2" accent3="accent3" accent4="accent4" accent5="accent5" accent6="accent6" hlink="hlink" folHlink="folHlink"/>
-  <p:hf hdr="0" ftr="0" dt="0"/>
+  <p:hf hdr="0" ftr="0"/>
 </p:handoutMaster>
 </file>
 
@@ -385,10 +393,6 @@
             </a:lvl1pPr>
           </a:lstStyle>
           <a:p>
-            <a:fld id="{5025419D-BD0B-A741-A559-F9EA484ADA67}" type="datetimeFigureOut">
-              <a:rPr lang="en-US" smtClean="0"/>
-              <a:t>7/5/19</a:t>
-            </a:fld>
             <a:endParaRPr lang="en-US" dirty="0"/>
           </a:p>
         </p:txBody>
@@ -559,7 +563,7 @@
     </p:extLst>
   </p:cSld>
   <p:clrMap bg1="lt1" tx1="dk1" bg2="lt2" tx2="dk2" accent1="accent1" accent2="accent2" accent3="accent3" accent4="accent4" accent5="accent5" accent6="accent6" hlink="hlink" folHlink="folHlink"/>
-  <p:hf hdr="0" ftr="0" dt="0"/>
+  <p:hf hdr="0" ftr="0"/>
   <p:notesStyle>
     <a:lvl1pPr marL="0" algn="l" defTabSz="457200" rtl="0" eaLnBrk="1" latinLnBrk="0" hangingPunct="1">
       <a:defRPr sz="1200" kern="1200">
@@ -730,6 +734,31 @@
           </a:p>
         </p:txBody>
       </p:sp>
+      <p:sp>
+        <p:nvSpPr>
+          <p:cNvPr id="5" name="Date Placeholder 4">
+            <a:extLst>
+              <a:ext uri="{FF2B5EF4-FFF2-40B4-BE49-F238E27FC236}">
+                <a16:creationId xmlns:a16="http://schemas.microsoft.com/office/drawing/2014/main" id="{7B7A494D-859D-274A-AC48-992865109D24}"/>
+              </a:ext>
+            </a:extLst>
+          </p:cNvPr>
+          <p:cNvSpPr>
+            <a:spLocks noGrp="1"/>
+          </p:cNvSpPr>
+          <p:nvPr>
+            <p:ph type="dt" idx="1"/>
+          </p:nvPr>
+        </p:nvSpPr>
+        <p:spPr/>
+        <p:txBody>
+          <a:bodyPr/>
+          <a:lstStyle/>
+          <a:p>
+            <a:endParaRPr lang="en-US" dirty="0"/>
+          </a:p>
+        </p:txBody>
+      </p:sp>
     </p:spTree>
     <p:extLst>
       <p:ext uri="{BB962C8B-B14F-4D97-AF65-F5344CB8AC3E}">
@@ -787,7 +816,7 @@
           <a:bodyPr/>
           <a:lstStyle/>
           <a:p>
-            <a:endParaRPr lang="en-US"/>
+            <a:endParaRPr lang="en-US" dirty="0"/>
           </a:p>
         </p:txBody>
       </p:sp>
@@ -814,10 +843,35 @@
           </a:p>
         </p:txBody>
       </p:sp>
+      <p:sp>
+        <p:nvSpPr>
+          <p:cNvPr id="5" name="Date Placeholder 4">
+            <a:extLst>
+              <a:ext uri="{FF2B5EF4-FFF2-40B4-BE49-F238E27FC236}">
+                <a16:creationId xmlns:a16="http://schemas.microsoft.com/office/drawing/2014/main" id="{C54AE0D6-8482-7C4F-9ECF-D947BC5FB43E}"/>
+              </a:ext>
+            </a:extLst>
+          </p:cNvPr>
+          <p:cNvSpPr>
+            <a:spLocks noGrp="1"/>
+          </p:cNvSpPr>
+          <p:nvPr>
+            <p:ph type="dt" idx="1"/>
+          </p:nvPr>
+        </p:nvSpPr>
+        <p:spPr/>
+        <p:txBody>
+          <a:bodyPr/>
+          <a:lstStyle/>
+          <a:p>
+            <a:endParaRPr lang="en-US" dirty="0"/>
+          </a:p>
+        </p:txBody>
+      </p:sp>
     </p:spTree>
     <p:extLst>
       <p:ext uri="{BB962C8B-B14F-4D97-AF65-F5344CB8AC3E}">
-        <p14:creationId xmlns:p14="http://schemas.microsoft.com/office/powerpoint/2010/main" val="484687236"/>
+        <p14:creationId xmlns:p14="http://schemas.microsoft.com/office/powerpoint/2010/main" val="2325038453"/>
       </p:ext>
     </p:extLst>
   </p:cSld>
@@ -871,7 +925,7 @@
           <a:bodyPr/>
           <a:lstStyle/>
           <a:p>
-            <a:endParaRPr lang="en-US" dirty="0"/>
+            <a:endParaRPr lang="en-US"/>
           </a:p>
         </p:txBody>
       </p:sp>
@@ -882,26 +936,51 @@
             <a:spLocks noGrp="1"/>
           </p:cNvSpPr>
           <p:nvPr>
-            <p:ph type="sldNum" sz="quarter" idx="10"/>
-          </p:nvPr>
-        </p:nvSpPr>
-        <p:spPr/>
-        <p:txBody>
-          <a:bodyPr/>
-          <a:lstStyle/>
-          <a:p>
-            <a:fld id="{438EC054-EFBD-43D3-92B8-4D3BFE9C817D}" type="slidenum">
+            <p:ph type="sldNum" sz="quarter" idx="5"/>
+          </p:nvPr>
+        </p:nvSpPr>
+        <p:spPr/>
+        <p:txBody>
+          <a:bodyPr/>
+          <a:lstStyle/>
+          <a:p>
+            <a:fld id="{3990217E-CD0F-B146-A013-B9F5B8025669}" type="slidenum">
               <a:rPr lang="en-US" smtClean="0"/>
-              <a:t>9</a:t>
+              <a:t>22</a:t>
             </a:fld>
-            <a:endParaRPr lang="en-US"/>
+            <a:endParaRPr lang="en-US" dirty="0"/>
+          </a:p>
+        </p:txBody>
+      </p:sp>
+      <p:sp>
+        <p:nvSpPr>
+          <p:cNvPr id="5" name="Date Placeholder 4">
+            <a:extLst>
+              <a:ext uri="{FF2B5EF4-FFF2-40B4-BE49-F238E27FC236}">
+                <a16:creationId xmlns:a16="http://schemas.microsoft.com/office/drawing/2014/main" id="{B7B32DD6-4393-954B-BD90-5ECC0B0E31A0}"/>
+              </a:ext>
+            </a:extLst>
+          </p:cNvPr>
+          <p:cNvSpPr>
+            <a:spLocks noGrp="1"/>
+          </p:cNvSpPr>
+          <p:nvPr>
+            <p:ph type="dt" idx="1"/>
+          </p:nvPr>
+        </p:nvSpPr>
+        <p:spPr/>
+        <p:txBody>
+          <a:bodyPr/>
+          <a:lstStyle/>
+          <a:p>
+            <a:endParaRPr lang="en-US" dirty="0"/>
           </a:p>
         </p:txBody>
       </p:sp>
     </p:spTree>
     <p:extLst>
       <p:ext uri="{BB962C8B-B14F-4D97-AF65-F5344CB8AC3E}">
-        <p14:creationId xmlns:p14="http://schemas.microsoft.com/office/powerpoint/2010/main" val="255064900"/>
+        <p14:creationId xmlns:p14="http://schemas.microsoft.com/office/powerpoint/2010/main" val="621051686"/>
       </p:ext>
     </p:extLst>
   </p:cSld>
@@ -955,7 +1034,7 @@
           <a:bodyPr/>
           <a:lstStyle/>
           <a:p>
-            <a:endParaRPr lang="en-US" dirty="0"/>
+            <a:endParaRPr lang="en-US"/>
           </a:p>
         </p:txBody>
       </p:sp>
@@ -966,7 +1045,7 @@
             <a:spLocks noGrp="1"/>
           </p:cNvSpPr>
           <p:nvPr>
-            <p:ph type="sldNum" sz="quarter" idx="10"/>
+            <p:ph type="sldNum" sz="quarter" idx="5"/>
           </p:nvPr>
         </p:nvSpPr>
         <p:spPr/>
@@ -976,8 +1055,33 @@
           <a:p>
             <a:fld id="{3990217E-CD0F-B146-A013-B9F5B8025669}" type="slidenum">
               <a:rPr lang="en-US" smtClean="0"/>
-              <a:t>10</a:t>
+              <a:t>23</a:t>
             </a:fld>
+            <a:endParaRPr lang="en-US" dirty="0"/>
+          </a:p>
+        </p:txBody>
+      </p:sp>
+      <p:sp>
+        <p:nvSpPr>
+          <p:cNvPr id="5" name="Date Placeholder 4">
+            <a:extLst>
+              <a:ext uri="{FF2B5EF4-FFF2-40B4-BE49-F238E27FC236}">
+                <a16:creationId xmlns:a16="http://schemas.microsoft.com/office/drawing/2014/main" id="{D72782DB-05E4-0D49-BD17-38084C52DDE2}"/>
+              </a:ext>
+            </a:extLst>
+          </p:cNvPr>
+          <p:cNvSpPr>
+            <a:spLocks noGrp="1"/>
+          </p:cNvSpPr>
+          <p:nvPr>
+            <p:ph type="dt" idx="1"/>
+          </p:nvPr>
+        </p:nvSpPr>
+        <p:spPr/>
+        <p:txBody>
+          <a:bodyPr/>
+          <a:lstStyle/>
+          <a:p>
             <a:endParaRPr lang="en-US" dirty="0"/>
           </a:p>
         </p:txBody>
@@ -985,7 +1089,7 @@
     </p:spTree>
     <p:extLst>
       <p:ext uri="{BB962C8B-B14F-4D97-AF65-F5344CB8AC3E}">
-        <p14:creationId xmlns:p14="http://schemas.microsoft.com/office/powerpoint/2010/main" val="1672799316"/>
+        <p14:creationId xmlns:p14="http://schemas.microsoft.com/office/powerpoint/2010/main" val="2431233193"/>
       </p:ext>
     </p:extLst>
   </p:cSld>
@@ -1014,7 +1118,13 @@
       </p:grpSpPr>
       <p:pic>
         <p:nvPicPr>
-          <p:cNvPr id="5" name="Picture 4"/>
+          <p:cNvPr id="14" name="Picture 13">
+            <a:extLst>
+              <a:ext uri="{FF2B5EF4-FFF2-40B4-BE49-F238E27FC236}">
+                <a16:creationId xmlns:a16="http://schemas.microsoft.com/office/drawing/2014/main" id="{5E7AD725-2994-8245-AD02-A263368B93CC}"/>
+              </a:ext>
+            </a:extLst>
+          </p:cNvPr>
           <p:cNvPicPr>
             <a:picLocks noChangeAspect="1"/>
           </p:cNvPicPr>
@@ -1034,7 +1144,7 @@
         </p:blipFill>
         <p:spPr>
           <a:xfrm>
-            <a:off x="0" y="-5319"/>
+            <a:off x="0" y="-2109"/>
             <a:ext cx="9144000" cy="2748519"/>
           </a:xfrm>
           <a:prstGeom prst="rect">
@@ -1070,7 +1180,7 @@
           </a:lstStyle>
           <a:p>
             <a:r>
-              <a:rPr lang="en-US" smtClean="0"/>
+              <a:rPr lang="en-US"/>
               <a:t>2019</a:t>
             </a:r>
             <a:endParaRPr lang="en-US" dirty="0"/>
@@ -1105,7 +1215,7 @@
           </a:lstStyle>
           <a:p>
             <a:r>
-              <a:rPr lang="en-US" smtClean="0"/>
+              <a:rPr lang="en-US"/>
               <a:t>SS - Nuno Santos</a:t>
             </a:r>
             <a:endParaRPr lang="en-US" dirty="0"/>
@@ -1250,6 +1360,35 @@
           </a:p>
         </p:txBody>
       </p:sp>
+      <p:pic>
+        <p:nvPicPr>
+          <p:cNvPr id="3" name="Picture 2" descr="IST_A_RGB_POS.png"/>
+          <p:cNvPicPr>
+            <a:picLocks noChangeAspect="1"/>
+          </p:cNvPicPr>
+          <p:nvPr userDrawn="1"/>
+        </p:nvPicPr>
+        <p:blipFill rotWithShape="1">
+          <a:blip r:embed="rId3">
+            <a:extLst>
+              <a:ext uri="{28A0092B-C50C-407E-A947-70E740481C1C}">
+                <a14:useLocalDpi xmlns:a14="http://schemas.microsoft.com/office/drawing/2010/main" val="0"/>
+              </a:ext>
+            </a:extLst>
+          </a:blip>
+          <a:srcRect l="17273" t="29876" r="17272" b="27670"/>
+          <a:stretch/>
+        </p:blipFill>
+        <p:spPr>
+          <a:xfrm>
+            <a:off x="154953" y="5530682"/>
+            <a:ext cx="2272142" cy="1041400"/>
+          </a:xfrm>
+          <a:prstGeom prst="rect">
+            <a:avLst/>
+          </a:prstGeom>
+        </p:spPr>
+      </p:pic>
       <p:sp>
         <p:nvSpPr>
           <p:cNvPr id="8" name="Title 7"/>
@@ -1350,36 +1489,6 @@
           </a:p>
         </p:txBody>
       </p:sp>
-      <p:pic>
-        <p:nvPicPr>
-          <p:cNvPr id="2" name="Picture 1"/>
-          <p:cNvPicPr>
-            <a:picLocks noChangeAspect="1"/>
-          </p:cNvPicPr>
-          <p:nvPr userDrawn="1"/>
-        </p:nvPicPr>
-        <p:blipFill>
-          <a:blip r:embed="rId3">
-            <a:extLst>
-              <a:ext uri="{28A0092B-C50C-407E-A947-70E740481C1C}">
-                <a14:useLocalDpi xmlns:a14="http://schemas.microsoft.com/office/drawing/2010/main" val="0"/>
-              </a:ext>
-            </a:extLst>
-          </a:blip>
-          <a:stretch>
-            <a:fillRect/>
-          </a:stretch>
-        </p:blipFill>
-        <p:spPr>
-          <a:xfrm>
-            <a:off x="247034" y="5458255"/>
-            <a:ext cx="1883372" cy="1186254"/>
-          </a:xfrm>
-          <a:prstGeom prst="rect">
-            <a:avLst/>
-          </a:prstGeom>
-        </p:spPr>
-      </p:pic>
     </p:spTree>
   </p:cSld>
   <p:clrMapOvr>
@@ -1495,7 +1604,7 @@
           <a:lstStyle/>
           <a:p>
             <a:r>
-              <a:rPr lang="en-US" smtClean="0"/>
+              <a:rPr lang="en-US"/>
               <a:t>2019</a:t>
             </a:r>
             <a:endParaRPr lang="en-US" dirty="0"/>
@@ -1518,7 +1627,7 @@
           <a:lstStyle/>
           <a:p>
             <a:r>
-              <a:rPr lang="en-US" smtClean="0"/>
+              <a:rPr lang="en-US"/>
               <a:t>SS - Nuno Santos</a:t>
             </a:r>
             <a:endParaRPr lang="en-US" dirty="0"/>
@@ -1673,7 +1782,7 @@
           <a:lstStyle/>
           <a:p>
             <a:r>
-              <a:rPr lang="en-US" smtClean="0"/>
+              <a:rPr lang="en-US"/>
               <a:t>2019</a:t>
             </a:r>
             <a:endParaRPr lang="en-US" dirty="0"/>
@@ -1696,7 +1805,7 @@
           <a:lstStyle/>
           <a:p>
             <a:r>
-              <a:rPr lang="en-US" smtClean="0"/>
+              <a:rPr lang="en-US"/>
               <a:t>SS - Nuno Santos</a:t>
             </a:r>
             <a:endParaRPr lang="en-US" dirty="0"/>
@@ -1916,7 +2025,7 @@
           <a:lstStyle/>
           <a:p>
             <a:r>
-              <a:rPr lang="en-US" smtClean="0"/>
+              <a:rPr lang="en-US"/>
               <a:t>2019</a:t>
             </a:r>
             <a:endParaRPr lang="en-US" dirty="0"/>
@@ -1939,7 +2048,7 @@
           <a:lstStyle/>
           <a:p>
             <a:r>
-              <a:rPr lang="en-US" smtClean="0"/>
+              <a:rPr lang="en-US"/>
               <a:t>SS - Nuno Santos</a:t>
             </a:r>
             <a:endParaRPr lang="en-US" dirty="0"/>
@@ -2028,13 +2137,13 @@
       </p:sp>
       <p:pic>
         <p:nvPicPr>
-          <p:cNvPr id="9" name="Picture 8"/>
+          <p:cNvPr id="7" name="Picture 6" descr="IST_A_RGB_POS.png"/>
           <p:cNvPicPr>
             <a:picLocks noChangeAspect="1"/>
           </p:cNvPicPr>
           <p:nvPr userDrawn="1"/>
         </p:nvPicPr>
-        <p:blipFill>
+        <p:blipFill rotWithShape="1">
           <a:blip r:embed="rId2">
             <a:extLst>
               <a:ext uri="{28A0092B-C50C-407E-A947-70E740481C1C}">
@@ -2042,14 +2151,13 @@
               </a:ext>
             </a:extLst>
           </a:blip>
-          <a:stretch>
-            <a:fillRect/>
-          </a:stretch>
+          <a:srcRect l="18908" t="31900" r="59362" b="31346"/>
+          <a:stretch/>
         </p:blipFill>
         <p:spPr>
           <a:xfrm>
-            <a:off x="60006" y="308399"/>
-            <a:ext cx="1105284" cy="696171"/>
+            <a:off x="418286" y="261887"/>
+            <a:ext cx="673412" cy="804913"/>
           </a:xfrm>
           <a:prstGeom prst="rect">
             <a:avLst/>
@@ -2154,7 +2262,7 @@
           </a:lstStyle>
           <a:p>
             <a:r>
-              <a:rPr lang="en-US" smtClean="0"/>
+              <a:rPr lang="en-US"/>
               <a:t>2019</a:t>
             </a:r>
             <a:endParaRPr lang="en-US" dirty="0"/>
@@ -2190,7 +2298,7 @@
           </a:lstStyle>
           <a:p>
             <a:r>
-              <a:rPr lang="en-US" smtClean="0"/>
+              <a:rPr lang="en-US"/>
               <a:t>SS - Nuno Santos</a:t>
             </a:r>
             <a:endParaRPr lang="en-US" dirty="0"/>
@@ -2336,13 +2444,13 @@
       </p:sp>
       <p:pic>
         <p:nvPicPr>
-          <p:cNvPr id="9" name="Picture 8"/>
+          <p:cNvPr id="10" name="Picture 9" descr="IST_A_RGB_POS.png"/>
           <p:cNvPicPr>
             <a:picLocks noChangeAspect="1"/>
           </p:cNvPicPr>
           <p:nvPr userDrawn="1"/>
         </p:nvPicPr>
-        <p:blipFill>
+        <p:blipFill rotWithShape="1">
           <a:blip r:embed="rId2">
             <a:extLst>
               <a:ext uri="{28A0092B-C50C-407E-A947-70E740481C1C}">
@@ -2350,14 +2458,13 @@
               </a:ext>
             </a:extLst>
           </a:blip>
-          <a:stretch>
-            <a:fillRect/>
-          </a:stretch>
+          <a:srcRect l="18909" t="31900" r="18296" b="31346"/>
+          <a:stretch/>
         </p:blipFill>
         <p:spPr>
           <a:xfrm>
-            <a:off x="280396" y="228600"/>
-            <a:ext cx="1725208" cy="1086634"/>
+            <a:off x="418286" y="261887"/>
+            <a:ext cx="1946032" cy="804913"/>
           </a:xfrm>
           <a:prstGeom prst="rect">
             <a:avLst/>
@@ -2432,7 +2539,7 @@
           <a:lstStyle/>
           <a:p>
             <a:r>
-              <a:rPr lang="en-US" smtClean="0"/>
+              <a:rPr lang="en-US"/>
               <a:t>2019</a:t>
             </a:r>
             <a:endParaRPr lang="en-US" dirty="0"/>
@@ -2455,7 +2562,7 @@
           <a:lstStyle/>
           <a:p>
             <a:r>
-              <a:rPr lang="en-US" smtClean="0"/>
+              <a:rPr lang="en-US"/>
               <a:t>SS - Nuno Santos</a:t>
             </a:r>
             <a:endParaRPr lang="en-US" dirty="0"/>
@@ -2601,13 +2708,13 @@
       </p:sp>
       <p:pic>
         <p:nvPicPr>
-          <p:cNvPr id="10" name="Picture 9"/>
+          <p:cNvPr id="8" name="Picture 7" descr="IST_A_RGB_POS.png"/>
           <p:cNvPicPr>
             <a:picLocks noChangeAspect="1"/>
           </p:cNvPicPr>
           <p:nvPr userDrawn="1"/>
         </p:nvPicPr>
-        <p:blipFill>
+        <p:blipFill rotWithShape="1">
           <a:blip r:embed="rId2">
             <a:extLst>
               <a:ext uri="{28A0092B-C50C-407E-A947-70E740481C1C}">
@@ -2615,14 +2722,13 @@
               </a:ext>
             </a:extLst>
           </a:blip>
-          <a:stretch>
-            <a:fillRect/>
-          </a:stretch>
+          <a:srcRect l="18908" t="31900" r="59362" b="31346"/>
+          <a:stretch/>
         </p:blipFill>
         <p:spPr>
           <a:xfrm>
-            <a:off x="60006" y="308399"/>
-            <a:ext cx="1105284" cy="696171"/>
+            <a:off x="418286" y="261887"/>
+            <a:ext cx="673412" cy="804913"/>
           </a:xfrm>
           <a:prstGeom prst="rect">
             <a:avLst/>
@@ -2817,7 +2923,7 @@
           <a:lstStyle/>
           <a:p>
             <a:r>
-              <a:rPr lang="en-US" smtClean="0"/>
+              <a:rPr lang="en-US"/>
               <a:t>2019</a:t>
             </a:r>
             <a:endParaRPr lang="en-US" dirty="0"/>
@@ -2840,7 +2946,7 @@
           <a:lstStyle/>
           <a:p>
             <a:r>
-              <a:rPr lang="en-US" smtClean="0"/>
+              <a:rPr lang="en-US"/>
               <a:t>SS - Nuno Santos</a:t>
             </a:r>
             <a:endParaRPr lang="en-US" dirty="0"/>
@@ -2986,13 +3092,13 @@
       </p:sp>
       <p:pic>
         <p:nvPicPr>
-          <p:cNvPr id="12" name="Picture 11"/>
+          <p:cNvPr id="10" name="Picture 9" descr="IST_A_RGB_POS.png"/>
           <p:cNvPicPr>
             <a:picLocks noChangeAspect="1"/>
           </p:cNvPicPr>
           <p:nvPr userDrawn="1"/>
         </p:nvPicPr>
-        <p:blipFill>
+        <p:blipFill rotWithShape="1">
           <a:blip r:embed="rId2">
             <a:extLst>
               <a:ext uri="{28A0092B-C50C-407E-A947-70E740481C1C}">
@@ -3000,14 +3106,13 @@
               </a:ext>
             </a:extLst>
           </a:blip>
-          <a:stretch>
-            <a:fillRect/>
-          </a:stretch>
+          <a:srcRect l="18908" t="31900" r="59362" b="31346"/>
+          <a:stretch/>
         </p:blipFill>
         <p:spPr>
           <a:xfrm>
-            <a:off x="60006" y="308399"/>
-            <a:ext cx="1105284" cy="696171"/>
+            <a:off x="418286" y="261887"/>
+            <a:ext cx="673412" cy="804913"/>
           </a:xfrm>
           <a:prstGeom prst="rect">
             <a:avLst/>
@@ -3082,7 +3187,7 @@
           <a:lstStyle/>
           <a:p>
             <a:r>
-              <a:rPr lang="en-US" smtClean="0"/>
+              <a:rPr lang="en-US"/>
               <a:t>2019</a:t>
             </a:r>
             <a:endParaRPr lang="en-US" dirty="0"/>
@@ -3105,7 +3210,7 @@
           <a:lstStyle/>
           <a:p>
             <a:r>
-              <a:rPr lang="en-US" smtClean="0"/>
+              <a:rPr lang="en-US"/>
               <a:t>SS - Nuno Santos</a:t>
             </a:r>
             <a:endParaRPr lang="en-US" dirty="0"/>
@@ -3187,13 +3292,13 @@
       </p:sp>
       <p:pic>
         <p:nvPicPr>
-          <p:cNvPr id="8" name="Picture 7"/>
+          <p:cNvPr id="7" name="Picture 6" descr="IST_A_RGB_POS.png"/>
           <p:cNvPicPr>
             <a:picLocks noChangeAspect="1"/>
           </p:cNvPicPr>
           <p:nvPr userDrawn="1"/>
         </p:nvPicPr>
-        <p:blipFill>
+        <p:blipFill rotWithShape="1">
           <a:blip r:embed="rId2">
             <a:extLst>
               <a:ext uri="{28A0092B-C50C-407E-A947-70E740481C1C}">
@@ -3201,14 +3306,13 @@
               </a:ext>
             </a:extLst>
           </a:blip>
-          <a:stretch>
-            <a:fillRect/>
-          </a:stretch>
+          <a:srcRect l="18908" t="31900" r="59362" b="31346"/>
+          <a:stretch/>
         </p:blipFill>
         <p:spPr>
           <a:xfrm>
-            <a:off x="60006" y="308399"/>
-            <a:ext cx="1105284" cy="696171"/>
+            <a:off x="418286" y="261887"/>
+            <a:ext cx="673412" cy="804913"/>
           </a:xfrm>
           <a:prstGeom prst="rect">
             <a:avLst/>
@@ -3256,7 +3360,7 @@
           <a:lstStyle/>
           <a:p>
             <a:r>
-              <a:rPr lang="en-US" smtClean="0"/>
+              <a:rPr lang="en-US"/>
               <a:t>2019</a:t>
             </a:r>
             <a:endParaRPr lang="en-US" dirty="0"/>
@@ -3279,7 +3383,7 @@
           <a:lstStyle/>
           <a:p>
             <a:r>
-              <a:rPr lang="en-US" smtClean="0"/>
+              <a:rPr lang="en-US"/>
               <a:t>SS - Nuno Santos</a:t>
             </a:r>
             <a:endParaRPr lang="en-US" dirty="0"/>
@@ -3545,7 +3649,7 @@
           </a:lstStyle>
           <a:p>
             <a:r>
-              <a:rPr lang="en-US" smtClean="0"/>
+              <a:rPr lang="en-US"/>
               <a:t>2019</a:t>
             </a:r>
             <a:endParaRPr lang="en-US" dirty="0"/>
@@ -3575,7 +3679,7 @@
           </a:lstStyle>
           <a:p>
             <a:r>
-              <a:rPr lang="en-US" smtClean="0"/>
+              <a:rPr lang="en-US"/>
               <a:t>SS - Nuno Santos</a:t>
             </a:r>
             <a:endParaRPr lang="en-US" dirty="0"/>
@@ -4009,7 +4113,7 @@
           <a:lstStyle/>
           <a:p>
             <a:r>
-              <a:rPr lang="en-US" smtClean="0"/>
+              <a:rPr lang="en-US"/>
               <a:t>2019</a:t>
             </a:r>
             <a:endParaRPr lang="en-US" dirty="0"/>
@@ -4032,7 +4136,7 @@
           <a:lstStyle/>
           <a:p>
             <a:r>
-              <a:rPr lang="en-US" smtClean="0"/>
+              <a:rPr lang="en-US"/>
               <a:t>SS - Nuno Santos</a:t>
             </a:r>
             <a:endParaRPr lang="en-US" dirty="0"/>
@@ -4351,7 +4455,7 @@
           </a:lstStyle>
           <a:p>
             <a:r>
-              <a:rPr lang="en-US" smtClean="0"/>
+              <a:rPr lang="en-US"/>
               <a:t>2019</a:t>
             </a:r>
             <a:endParaRPr lang="en-US" dirty="0"/>
@@ -4392,7 +4496,7 @@
           </a:lstStyle>
           <a:p>
             <a:r>
-              <a:rPr lang="en-US" smtClean="0"/>
+              <a:rPr lang="en-US"/>
               <a:t>SS - Nuno Santos</a:t>
             </a:r>
             <a:endParaRPr lang="en-US" dirty="0"/>
@@ -4924,66 +5028,62 @@
           </a:bodyPr>
           <a:lstStyle/>
           <a:p>
-            <a:r>
-              <a:rPr lang="en-US" sz="3600" b="1" dirty="0" smtClean="0">
+            <a:pPr algn="ctr"/>
+            <a:r>
+              <a:rPr lang="en-US" sz="3600" b="1" dirty="0">
                 <a:latin typeface="Arial"/>
                 <a:cs typeface="Arial"/>
               </a:rPr>
               <a:t>Auditoria e Teste de Software</a:t>
             </a:r>
-            <a:r>
-              <a:rPr lang="en-US" sz="3600" b="1" dirty="0" smtClean="0">
-                <a:latin typeface="Arial"/>
-                <a:cs typeface="Arial"/>
-              </a:rPr>
-              <a:t/>
-            </a:r>
             <a:br>
-              <a:rPr lang="en-US" sz="3600" b="1" dirty="0" smtClean="0">
+              <a:rPr lang="en-US" sz="3600" b="1" dirty="0">
                 <a:latin typeface="Arial"/>
                 <a:cs typeface="Arial"/>
               </a:rPr>
             </a:br>
-            <a:r>
-              <a:rPr lang="en-US" sz="3600" dirty="0"/>
-              <a:t/>
-            </a:r>
             <a:br>
-              <a:rPr lang="en-US" sz="3600" dirty="0"/>
+              <a:rPr lang="en-US" sz="3600" b="1" dirty="0">
+                <a:latin typeface="Arial"/>
+                <a:cs typeface="Arial"/>
+              </a:rPr>
             </a:br>
             <a:r>
-              <a:rPr lang="en-US" sz="2400" dirty="0"/>
-              <a:t> </a:t>
-            </a:r>
-            <a:r>
-              <a:rPr lang="en-US" sz="2200" dirty="0" smtClean="0"/>
-              <a:t>Parte </a:t>
-            </a:r>
-            <a:r>
-              <a:rPr lang="en-US" sz="2200" dirty="0" smtClean="0"/>
-              <a:t>III</a:t>
-            </a:r>
-            <a:r>
-              <a:rPr lang="en-US" sz="2200" dirty="0" smtClean="0"/>
-              <a:t>. </a:t>
-            </a:r>
-            <a:r>
-              <a:rPr lang="en-US" sz="2200" dirty="0" err="1" smtClean="0"/>
-              <a:t>T</a:t>
-            </a:r>
-            <a:r>
-              <a:rPr lang="en-US" sz="2200" dirty="0" err="1" smtClean="0"/>
-              <a:t>écnicas</a:t>
-            </a:r>
-            <a:r>
-              <a:rPr lang="en-US" sz="2200" dirty="0" smtClean="0"/>
+              <a:rPr lang="en-US" sz="2200" b="1" dirty="0" err="1">
+                <a:latin typeface="Arial"/>
+                <a:cs typeface="Arial"/>
+              </a:rPr>
+              <a:t>Parte</a:t>
+            </a:r>
+            <a:r>
+              <a:rPr lang="en-US" sz="2200" b="1" dirty="0">
+                <a:latin typeface="Arial"/>
+                <a:cs typeface="Arial"/>
+              </a:rPr>
+              <a:t> III: </a:t>
+            </a:r>
+            <a:r>
+              <a:rPr lang="en-US" sz="2200" b="1" dirty="0" err="1">
+                <a:latin typeface="Arial"/>
+                <a:cs typeface="Arial"/>
+              </a:rPr>
+              <a:t>Técnicas</a:t>
+            </a:r>
+            <a:r>
+              <a:rPr lang="en-US" sz="2200" b="1" dirty="0">
+                <a:latin typeface="Arial"/>
+                <a:cs typeface="Arial"/>
+              </a:rPr>
               <a:t> de </a:t>
             </a:r>
             <a:r>
-              <a:rPr lang="en-US" sz="2200" dirty="0" err="1" smtClean="0"/>
+              <a:rPr lang="en-US" sz="2200" b="1" dirty="0" err="1">
+                <a:latin typeface="Arial"/>
+                <a:cs typeface="Arial"/>
+              </a:rPr>
               <a:t>Protecção</a:t>
             </a:r>
-            <a:endParaRPr lang="en-US" sz="2200" b="1" dirty="0">
+            <a:endParaRPr lang="en-US" sz="2800" b="1" dirty="0">
               <a:latin typeface="Arial"/>
               <a:cs typeface="Arial"/>
             </a:endParaRPr>
@@ -5014,7 +5114,7 @@
           <a:p>
             <a:pPr algn="ctr"/>
             <a:r>
-              <a:rPr lang="en-US" sz="2800" dirty="0" err="1" smtClean="0">
+              <a:rPr lang="en-US" sz="2800" dirty="0" err="1">
                 <a:solidFill>
                   <a:srgbClr val="7F7F7F"/>
                 </a:solidFill>
@@ -5024,7 +5124,7 @@
               <a:t>Segurança</a:t>
             </a:r>
             <a:r>
-              <a:rPr lang="en-US" sz="2800" dirty="0" smtClean="0">
+              <a:rPr lang="en-US" sz="2800" dirty="0">
                 <a:solidFill>
                   <a:srgbClr val="7F7F7F"/>
                 </a:solidFill>
@@ -5033,43 +5133,19 @@
               </a:rPr>
               <a:t> de Software</a:t>
             </a:r>
-            <a:endParaRPr lang="en-US" sz="2800" dirty="0">
-              <a:solidFill>
-                <a:srgbClr val="7F7F7F"/>
-              </a:solidFill>
-              <a:latin typeface="Arial"/>
-              <a:cs typeface="Arial"/>
-            </a:endParaRPr>
           </a:p>
           <a:p>
             <a:pPr algn="ctr"/>
             <a:r>
-              <a:rPr lang="en-US" sz="2200" dirty="0" err="1" smtClean="0">
+              <a:rPr lang="en-US" sz="2200" dirty="0">
                 <a:solidFill>
                   <a:srgbClr val="7F7F7F"/>
                 </a:solidFill>
                 <a:latin typeface="Arial"/>
                 <a:cs typeface="Arial"/>
               </a:rPr>
-              <a:t>Julho</a:t>
-            </a:r>
-            <a:r>
-              <a:rPr lang="en-US" sz="2200" dirty="0" smtClean="0">
-                <a:solidFill>
-                  <a:srgbClr val="7F7F7F"/>
-                </a:solidFill>
-                <a:latin typeface="Arial"/>
-                <a:cs typeface="Arial"/>
-              </a:rPr>
-              <a:t> 2019</a:t>
-            </a:r>
-            <a:endParaRPr lang="en-US" sz="2200" dirty="0">
-              <a:solidFill>
-                <a:srgbClr val="7F7F7F"/>
-              </a:solidFill>
-              <a:latin typeface="Arial"/>
-              <a:cs typeface="Arial"/>
-            </a:endParaRPr>
+              <a:t>2019</a:t>
+            </a:r>
           </a:p>
           <a:p>
             <a:pPr algn="ctr"/>
@@ -5110,13 +5186,6 @@
   <p:clrMapOvr>
     <a:masterClrMapping/>
   </p:clrMapOvr>
-  <p:timing>
-    <p:tnLst>
-      <p:par>
-        <p:cTn id="1" dur="indefinite" restart="never" nodeType="tmRoot"/>
-      </p:par>
-    </p:tnLst>
-  </p:timing>
 </p:sld>
 </file>
 
@@ -5139,7 +5208,13 @@
       </p:grpSpPr>
       <p:sp>
         <p:nvSpPr>
-          <p:cNvPr id="2" name="Title 1"/>
+          <p:cNvPr id="2" name="Title 1">
+            <a:extLst>
+              <a:ext uri="{FF2B5EF4-FFF2-40B4-BE49-F238E27FC236}">
+                <a16:creationId xmlns:a16="http://schemas.microsoft.com/office/drawing/2014/main" id="{C6781C5F-2A70-734F-92E8-7A9F12284A0B}"/>
+              </a:ext>
+            </a:extLst>
+          </p:cNvPr>
           <p:cNvSpPr>
             <a:spLocks noGrp="1"/>
           </p:cNvSpPr>
@@ -5149,20 +5224,48 @@
         </p:nvSpPr>
         <p:spPr/>
         <p:txBody>
-          <a:bodyPr/>
-          <a:lstStyle/>
-          <a:p>
-            <a:r>
-              <a:rPr lang="en-US" dirty="0" err="1" smtClean="0"/>
-              <a:t>Referências</a:t>
-            </a:r>
-            <a:endParaRPr lang="en-US" dirty="0"/>
-          </a:p>
-        </p:txBody>
-      </p:sp>
-      <p:sp>
-        <p:nvSpPr>
-          <p:cNvPr id="3" name="Date Placeholder 2"/>
+          <a:bodyPr>
+            <a:normAutofit fontScale="90000"/>
+          </a:bodyPr>
+          <a:lstStyle/>
+          <a:p>
+            <a:r>
+              <a:rPr lang="en-US" dirty="0"/>
+              <a:t>DREAD: </a:t>
+            </a:r>
+            <a:r>
+              <a:rPr lang="en-US" dirty="0" err="1"/>
+              <a:t>Classificação</a:t>
+            </a:r>
+            <a:r>
+              <a:rPr lang="en-US" dirty="0"/>
+              <a:t> dos </a:t>
+            </a:r>
+            <a:r>
+              <a:rPr lang="en-US" dirty="0" err="1"/>
+              <a:t>ataques</a:t>
+            </a:r>
+            <a:r>
+              <a:rPr lang="en-US" dirty="0"/>
+              <a:t> / </a:t>
+            </a:r>
+            <a:r>
+              <a:rPr lang="en-US" dirty="0" err="1"/>
+              <a:t>ameaças</a:t>
+            </a:r>
+            <a:endParaRPr lang="en-US" dirty="0"/>
+          </a:p>
+        </p:txBody>
+      </p:sp>
+      <p:sp>
+        <p:nvSpPr>
+          <p:cNvPr id="3" name="Date Placeholder 2">
+            <a:extLst>
+              <a:ext uri="{FF2B5EF4-FFF2-40B4-BE49-F238E27FC236}">
+                <a16:creationId xmlns:a16="http://schemas.microsoft.com/office/drawing/2014/main" id="{93740264-8B6E-374E-B869-E5EC3B46F4A8}"/>
+              </a:ext>
+            </a:extLst>
+          </p:cNvPr>
           <p:cNvSpPr>
             <a:spLocks noGrp="1"/>
           </p:cNvSpPr>
@@ -5176,7 +5279,7 @@
           <a:lstStyle/>
           <a:p>
             <a:r>
-              <a:rPr lang="en-US" smtClean="0"/>
+              <a:rPr lang="en-US"/>
               <a:t>2019</a:t>
             </a:r>
             <a:endParaRPr lang="en-US" dirty="0"/>
@@ -5185,7 +5288,13 @@
       </p:sp>
       <p:sp>
         <p:nvSpPr>
-          <p:cNvPr id="4" name="Footer Placeholder 3"/>
+          <p:cNvPr id="4" name="Footer Placeholder 3">
+            <a:extLst>
+              <a:ext uri="{FF2B5EF4-FFF2-40B4-BE49-F238E27FC236}">
+                <a16:creationId xmlns:a16="http://schemas.microsoft.com/office/drawing/2014/main" id="{A768B1DA-D941-1F47-B120-ABC407E5D691}"/>
+              </a:ext>
+            </a:extLst>
+          </p:cNvPr>
           <p:cNvSpPr>
             <a:spLocks noGrp="1"/>
           </p:cNvSpPr>
@@ -5199,7 +5308,7 @@
           <a:lstStyle/>
           <a:p>
             <a:r>
-              <a:rPr lang="en-US" smtClean="0"/>
+              <a:rPr lang="en-US"/>
               <a:t>SS - Nuno Santos</a:t>
             </a:r>
             <a:endParaRPr lang="en-US" dirty="0"/>
@@ -5208,60 +5317,13 @@
       </p:sp>
       <p:sp>
         <p:nvSpPr>
-          <p:cNvPr id="6" name="Content Placeholder 5"/>
-          <p:cNvSpPr>
-            <a:spLocks noGrp="1"/>
-          </p:cNvSpPr>
-          <p:nvPr>
-            <p:ph sz="quarter" idx="1"/>
-          </p:nvPr>
-        </p:nvSpPr>
-        <p:spPr/>
-        <p:txBody>
-          <a:bodyPr/>
-          <a:lstStyle/>
-          <a:p>
-            <a:r>
-              <a:rPr lang="en-US" dirty="0" err="1" smtClean="0"/>
-              <a:t>Bibliografia</a:t>
-            </a:r>
-            <a:r>
-              <a:rPr lang="en-US" dirty="0" smtClean="0"/>
-              <a:t> principal</a:t>
-            </a:r>
-            <a:endParaRPr lang="en-US" dirty="0"/>
-          </a:p>
-          <a:p>
-            <a:pPr lvl="1"/>
-            <a:r>
-              <a:rPr lang="en-US" dirty="0" smtClean="0"/>
-              <a:t>[Correia17] </a:t>
-            </a:r>
-            <a:r>
-              <a:rPr lang="en-US" dirty="0" err="1" smtClean="0"/>
-              <a:t>Capítulo</a:t>
-            </a:r>
-            <a:r>
-              <a:rPr lang="en-US" dirty="0" smtClean="0"/>
-              <a:t> X</a:t>
-            </a:r>
-            <a:endParaRPr lang="en-US" dirty="0"/>
-          </a:p>
-          <a:p>
-            <a:endParaRPr lang="en-US" dirty="0"/>
-          </a:p>
-          <a:p>
-            <a:pPr lvl="1"/>
-            <a:endParaRPr lang="en-US" dirty="0"/>
-          </a:p>
-          <a:p>
-            <a:endParaRPr lang="en-US" dirty="0"/>
-          </a:p>
-        </p:txBody>
-      </p:sp>
-      <p:sp>
-        <p:nvSpPr>
-          <p:cNvPr id="7" name="Slide Number Placeholder 6"/>
+          <p:cNvPr id="5" name="Slide Number Placeholder 4">
+            <a:extLst>
+              <a:ext uri="{FF2B5EF4-FFF2-40B4-BE49-F238E27FC236}">
+                <a16:creationId xmlns:a16="http://schemas.microsoft.com/office/drawing/2014/main" id="{D65C184B-B7F2-424E-89CF-4BF39F445B59}"/>
+              </a:ext>
+            </a:extLst>
+          </p:cNvPr>
           <p:cNvSpPr>
             <a:spLocks noGrp="1"/>
           </p:cNvSpPr>
@@ -5282,10 +5344,173 @@
           </a:p>
         </p:txBody>
       </p:sp>
+      <p:sp>
+        <p:nvSpPr>
+          <p:cNvPr id="6" name="Content Placeholder 5">
+            <a:extLst>
+              <a:ext uri="{FF2B5EF4-FFF2-40B4-BE49-F238E27FC236}">
+                <a16:creationId xmlns:a16="http://schemas.microsoft.com/office/drawing/2014/main" id="{4D91D990-FFB0-314A-B8E7-BE480DF21716}"/>
+              </a:ext>
+            </a:extLst>
+          </p:cNvPr>
+          <p:cNvSpPr>
+            <a:spLocks noGrp="1"/>
+          </p:cNvSpPr>
+          <p:nvPr>
+            <p:ph sz="quarter" idx="1"/>
+          </p:nvPr>
+        </p:nvSpPr>
+        <p:spPr/>
+        <p:txBody>
+          <a:bodyPr/>
+          <a:lstStyle/>
+          <a:p>
+            <a:pPr>
+              <a:lnSpc>
+                <a:spcPct val="90000"/>
+              </a:lnSpc>
+            </a:pPr>
+            <a:endParaRPr lang="en-US" sz="2400" b="1" dirty="0"/>
+          </a:p>
+          <a:p>
+            <a:pPr>
+              <a:lnSpc>
+                <a:spcPct val="90000"/>
+              </a:lnSpc>
+            </a:pPr>
+            <a:r>
+              <a:rPr lang="en-US" sz="2400" b="1" dirty="0"/>
+              <a:t>D</a:t>
+            </a:r>
+            <a:r>
+              <a:rPr lang="en-US" sz="2400" dirty="0"/>
+              <a:t>amage potential</a:t>
+            </a:r>
+          </a:p>
+          <a:p>
+            <a:pPr lvl="1">
+              <a:lnSpc>
+                <a:spcPct val="90000"/>
+              </a:lnSpc>
+            </a:pPr>
+            <a:r>
+              <a:rPr lang="en-US" sz="2000" dirty="0"/>
+              <a:t>10 if attacker circumvents all security mechanisms</a:t>
+            </a:r>
+          </a:p>
+          <a:p>
+            <a:pPr>
+              <a:lnSpc>
+                <a:spcPct val="90000"/>
+              </a:lnSpc>
+            </a:pPr>
+            <a:r>
+              <a:rPr lang="en-US" sz="2400" b="1" dirty="0"/>
+              <a:t>R</a:t>
+            </a:r>
+            <a:r>
+              <a:rPr lang="en-US" sz="2400" dirty="0"/>
+              <a:t>eproducibility</a:t>
+            </a:r>
+          </a:p>
+          <a:p>
+            <a:pPr lvl="1">
+              <a:lnSpc>
+                <a:spcPct val="90000"/>
+              </a:lnSpc>
+            </a:pPr>
+            <a:r>
+              <a:rPr lang="en-US" sz="2000" dirty="0"/>
+              <a:t>how easy is it to put the attack to work?</a:t>
+            </a:r>
+          </a:p>
+          <a:p>
+            <a:pPr>
+              <a:lnSpc>
+                <a:spcPct val="90000"/>
+              </a:lnSpc>
+            </a:pPr>
+            <a:r>
+              <a:rPr lang="en-US" sz="2400" b="1" dirty="0"/>
+              <a:t>E</a:t>
+            </a:r>
+            <a:r>
+              <a:rPr lang="en-US" sz="2400" dirty="0"/>
+              <a:t>xploitability</a:t>
+            </a:r>
+          </a:p>
+          <a:p>
+            <a:pPr lvl="1">
+              <a:lnSpc>
+                <a:spcPct val="90000"/>
+              </a:lnSpc>
+            </a:pPr>
+            <a:r>
+              <a:rPr lang="en-US" sz="2000" dirty="0"/>
+              <a:t>how much effort and expertise is required to mount the attack?</a:t>
+            </a:r>
+          </a:p>
+          <a:p>
+            <a:pPr>
+              <a:lnSpc>
+                <a:spcPct val="90000"/>
+              </a:lnSpc>
+            </a:pPr>
+            <a:r>
+              <a:rPr lang="en-US" sz="2400" b="1" dirty="0"/>
+              <a:t>A</a:t>
+            </a:r>
+            <a:r>
+              <a:rPr lang="en-US" sz="2400" dirty="0"/>
+              <a:t>ffected users</a:t>
+            </a:r>
+          </a:p>
+          <a:p>
+            <a:pPr lvl="1">
+              <a:lnSpc>
+                <a:spcPct val="90000"/>
+              </a:lnSpc>
+            </a:pPr>
+            <a:r>
+              <a:rPr lang="en-US" sz="2000" dirty="0"/>
+              <a:t>if the attack is successful how many users are affected?</a:t>
+            </a:r>
+          </a:p>
+          <a:p>
+            <a:pPr>
+              <a:lnSpc>
+                <a:spcPct val="90000"/>
+              </a:lnSpc>
+            </a:pPr>
+            <a:r>
+              <a:rPr lang="en-US" sz="2400" b="1" dirty="0"/>
+              <a:t>D</a:t>
+            </a:r>
+            <a:r>
+              <a:rPr lang="en-US" sz="2400" dirty="0"/>
+              <a:t>iscoverability</a:t>
+            </a:r>
+          </a:p>
+          <a:p>
+            <a:pPr lvl="1">
+              <a:lnSpc>
+                <a:spcPct val="90000"/>
+              </a:lnSpc>
+            </a:pPr>
+            <a:r>
+              <a:rPr lang="en-US" sz="2000" dirty="0"/>
+              <a:t>the better is to set it to 10…</a:t>
+            </a:r>
+          </a:p>
+          <a:p>
+            <a:endParaRPr lang="en-US" dirty="0"/>
+          </a:p>
+        </p:txBody>
+      </p:sp>
     </p:spTree>
     <p:extLst>
       <p:ext uri="{BB962C8B-B14F-4D97-AF65-F5344CB8AC3E}">
-        <p14:creationId xmlns:p14="http://schemas.microsoft.com/office/powerpoint/2010/main" val="498414888"/>
+        <p14:creationId xmlns:p14="http://schemas.microsoft.com/office/powerpoint/2010/main" val="1836745850"/>
       </p:ext>
     </p:extLst>
   </p:cSld>
@@ -5314,7 +5539,13 @@
       </p:grpSpPr>
       <p:sp>
         <p:nvSpPr>
-          <p:cNvPr id="2" name="Title 1"/>
+          <p:cNvPr id="2" name="Title 1">
+            <a:extLst>
+              <a:ext uri="{FF2B5EF4-FFF2-40B4-BE49-F238E27FC236}">
+                <a16:creationId xmlns:a16="http://schemas.microsoft.com/office/drawing/2014/main" id="{04328330-77D8-1A4B-984E-F887E8777CC7}"/>
+              </a:ext>
+            </a:extLst>
+          </p:cNvPr>
           <p:cNvSpPr>
             <a:spLocks noGrp="1"/>
           </p:cNvSpPr>
@@ -5328,20 +5559,59 @@
           <a:lstStyle/>
           <a:p>
             <a:r>
-              <a:rPr lang="en-US" dirty="0" err="1" smtClean="0"/>
-              <a:t>Próxima</a:t>
-            </a:r>
-            <a:r>
-              <a:rPr lang="en-US" dirty="0" smtClean="0"/>
-              <a:t> aula</a:t>
-            </a:r>
-            <a:endParaRPr lang="en-US" dirty="0"/>
-          </a:p>
-        </p:txBody>
-      </p:sp>
-      <p:sp>
-        <p:nvSpPr>
-          <p:cNvPr id="3" name="Footer Placeholder 2"/>
+              <a:rPr lang="en-US" dirty="0" err="1"/>
+              <a:t>Exemplo</a:t>
+            </a:r>
+            <a:r>
+              <a:rPr lang="en-US" dirty="0"/>
+              <a:t> de </a:t>
+            </a:r>
+            <a:r>
+              <a:rPr lang="en-US" dirty="0" err="1"/>
+              <a:t>ataque</a:t>
+            </a:r>
+            <a:endParaRPr lang="en-US" dirty="0"/>
+          </a:p>
+        </p:txBody>
+      </p:sp>
+      <p:sp>
+        <p:nvSpPr>
+          <p:cNvPr id="3" name="Date Placeholder 2">
+            <a:extLst>
+              <a:ext uri="{FF2B5EF4-FFF2-40B4-BE49-F238E27FC236}">
+                <a16:creationId xmlns:a16="http://schemas.microsoft.com/office/drawing/2014/main" id="{9C9E9EE0-E3F6-BB4F-8B38-552434AC9C61}"/>
+              </a:ext>
+            </a:extLst>
+          </p:cNvPr>
+          <p:cNvSpPr>
+            <a:spLocks noGrp="1"/>
+          </p:cNvSpPr>
+          <p:nvPr>
+            <p:ph type="dt" sz="half" idx="10"/>
+          </p:nvPr>
+        </p:nvSpPr>
+        <p:spPr/>
+        <p:txBody>
+          <a:bodyPr/>
+          <a:lstStyle/>
+          <a:p>
+            <a:r>
+              <a:rPr lang="en-US"/>
+              <a:t>2019</a:t>
+            </a:r>
+            <a:endParaRPr lang="en-US" dirty="0"/>
+          </a:p>
+        </p:txBody>
+      </p:sp>
+      <p:sp>
+        <p:nvSpPr>
+          <p:cNvPr id="4" name="Footer Placeholder 3">
+            <a:extLst>
+              <a:ext uri="{FF2B5EF4-FFF2-40B4-BE49-F238E27FC236}">
+                <a16:creationId xmlns:a16="http://schemas.microsoft.com/office/drawing/2014/main" id="{981C84AA-7DDE-CE4A-8A3E-97894624EE2F}"/>
+              </a:ext>
+            </a:extLst>
+          </p:cNvPr>
           <p:cNvSpPr>
             <a:spLocks noGrp="1"/>
           </p:cNvSpPr>
@@ -5355,7 +5625,7 @@
           <a:lstStyle/>
           <a:p>
             <a:r>
-              <a:rPr lang="en-US" smtClean="0"/>
+              <a:rPr lang="en-US"/>
               <a:t>SS - Nuno Santos</a:t>
             </a:r>
             <a:endParaRPr lang="en-US" dirty="0"/>
@@ -5364,53 +5634,13 @@
       </p:sp>
       <p:sp>
         <p:nvSpPr>
-          <p:cNvPr id="5" name="Content Placeholder 4"/>
-          <p:cNvSpPr>
-            <a:spLocks noGrp="1"/>
-          </p:cNvSpPr>
-          <p:nvPr>
-            <p:ph sz="quarter" idx="1"/>
-          </p:nvPr>
-        </p:nvSpPr>
-        <p:spPr/>
-        <p:txBody>
-          <a:bodyPr/>
-          <a:lstStyle/>
-          <a:p>
-            <a:r>
-              <a:rPr lang="mr-IN" dirty="0" smtClean="0"/>
-              <a:t>…</a:t>
-            </a:r>
-            <a:endParaRPr lang="en-US" dirty="0"/>
-          </a:p>
-        </p:txBody>
-      </p:sp>
-      <p:sp>
-        <p:nvSpPr>
-          <p:cNvPr id="6" name="Date Placeholder 5"/>
-          <p:cNvSpPr>
-            <a:spLocks noGrp="1"/>
-          </p:cNvSpPr>
-          <p:nvPr>
-            <p:ph type="dt" sz="half" idx="10"/>
-          </p:nvPr>
-        </p:nvSpPr>
-        <p:spPr/>
-        <p:txBody>
-          <a:bodyPr/>
-          <a:lstStyle/>
-          <a:p>
-            <a:r>
-              <a:rPr lang="en-US" smtClean="0"/>
-              <a:t>2019</a:t>
-            </a:r>
-            <a:endParaRPr lang="en-US" dirty="0"/>
-          </a:p>
-        </p:txBody>
-      </p:sp>
-      <p:sp>
-        <p:nvSpPr>
-          <p:cNvPr id="7" name="Slide Number Placeholder 6"/>
+          <p:cNvPr id="5" name="Slide Number Placeholder 4">
+            <a:extLst>
+              <a:ext uri="{FF2B5EF4-FFF2-40B4-BE49-F238E27FC236}">
+                <a16:creationId xmlns:a16="http://schemas.microsoft.com/office/drawing/2014/main" id="{1A7722C2-8FB7-F840-9059-8DA83BE109E7}"/>
+              </a:ext>
+            </a:extLst>
+          </p:cNvPr>
           <p:cNvSpPr>
             <a:spLocks noGrp="1"/>
           </p:cNvSpPr>
@@ -5431,10 +5661,2622 @@
           </a:p>
         </p:txBody>
       </p:sp>
+      <p:sp>
+        <p:nvSpPr>
+          <p:cNvPr id="7" name="Rectangle 3">
+            <a:extLst>
+              <a:ext uri="{FF2B5EF4-FFF2-40B4-BE49-F238E27FC236}">
+                <a16:creationId xmlns:a16="http://schemas.microsoft.com/office/drawing/2014/main" id="{5FF4AE41-67EA-FC4F-86EA-0AFF14C700CD}"/>
+              </a:ext>
+            </a:extLst>
+          </p:cNvPr>
+          <p:cNvSpPr txBox="1">
+            <a:spLocks noChangeArrowheads="1"/>
+          </p:cNvSpPr>
+          <p:nvPr/>
+        </p:nvSpPr>
+        <p:spPr>
+          <a:xfrm>
+            <a:off x="457200" y="1600200"/>
+            <a:ext cx="8229600" cy="4525963"/>
+          </a:xfrm>
+          <a:prstGeom prst="rect">
+            <a:avLst/>
+          </a:prstGeom>
+        </p:spPr>
+        <p:txBody>
+          <a:bodyPr vert="horz">
+            <a:normAutofit/>
+          </a:bodyPr>
+          <a:lstStyle>
+            <a:lvl1pPr marL="274320" indent="-274320" algn="l" rtl="0" eaLnBrk="1" latinLnBrk="0" hangingPunct="1">
+              <a:spcBef>
+                <a:spcPts val="600"/>
+              </a:spcBef>
+              <a:buClr>
+                <a:schemeClr val="accent1"/>
+              </a:buClr>
+              <a:buSzPct val="76000"/>
+              <a:buFont typeface="Wingdings 3"/>
+              <a:buChar char=""/>
+              <a:defRPr kumimoji="0" sz="2800" kern="1200">
+                <a:solidFill>
+                  <a:schemeClr val="tx1"/>
+                </a:solidFill>
+                <a:latin typeface="Tw Cen MT"/>
+                <a:ea typeface="+mn-ea"/>
+                <a:cs typeface="Tw Cen MT"/>
+              </a:defRPr>
+            </a:lvl1pPr>
+            <a:lvl2pPr marL="548640" indent="-274320" algn="l" rtl="0" eaLnBrk="1" latinLnBrk="0" hangingPunct="1">
+              <a:spcBef>
+                <a:spcPts val="500"/>
+              </a:spcBef>
+              <a:buClr>
+                <a:schemeClr val="accent2"/>
+              </a:buClr>
+              <a:buSzPct val="76000"/>
+              <a:buFont typeface="Wingdings 3"/>
+              <a:buChar char=""/>
+              <a:defRPr kumimoji="0" sz="2400" kern="1200">
+                <a:solidFill>
+                  <a:schemeClr val="tx2"/>
+                </a:solidFill>
+                <a:latin typeface="Tw Cen MT"/>
+                <a:ea typeface="+mn-ea"/>
+                <a:cs typeface="Tw Cen MT"/>
+              </a:defRPr>
+            </a:lvl2pPr>
+            <a:lvl3pPr marL="822960" indent="-228600" algn="l" rtl="0" eaLnBrk="1" latinLnBrk="0" hangingPunct="1">
+              <a:spcBef>
+                <a:spcPts val="500"/>
+              </a:spcBef>
+              <a:buClr>
+                <a:schemeClr val="bg1">
+                  <a:shade val="50000"/>
+                </a:schemeClr>
+              </a:buClr>
+              <a:buSzPct val="76000"/>
+              <a:buFont typeface="Wingdings 3"/>
+              <a:buChar char=""/>
+              <a:defRPr kumimoji="0" sz="2000" kern="1200">
+                <a:solidFill>
+                  <a:schemeClr val="tx1"/>
+                </a:solidFill>
+                <a:latin typeface="Tw Cen MT"/>
+                <a:ea typeface="+mn-ea"/>
+                <a:cs typeface="Tw Cen MT"/>
+              </a:defRPr>
+            </a:lvl3pPr>
+            <a:lvl4pPr marL="1097280" indent="-228600" algn="l" rtl="0" eaLnBrk="1" latinLnBrk="0" hangingPunct="1">
+              <a:spcBef>
+                <a:spcPts val="400"/>
+              </a:spcBef>
+              <a:buClr>
+                <a:schemeClr val="accent2">
+                  <a:shade val="75000"/>
+                </a:schemeClr>
+              </a:buClr>
+              <a:buSzPct val="70000"/>
+              <a:buFont typeface="Wingdings"/>
+              <a:buChar char=""/>
+              <a:defRPr kumimoji="0" sz="1800" kern="1200">
+                <a:solidFill>
+                  <a:schemeClr val="tx1"/>
+                </a:solidFill>
+                <a:latin typeface="Tw Cen MT"/>
+                <a:ea typeface="+mn-ea"/>
+                <a:cs typeface="Tw Cen MT"/>
+              </a:defRPr>
+            </a:lvl4pPr>
+            <a:lvl5pPr marL="1371600" indent="-228600" algn="l" rtl="0" eaLnBrk="1" latinLnBrk="0" hangingPunct="1">
+              <a:spcBef>
+                <a:spcPts val="300"/>
+              </a:spcBef>
+              <a:buClr>
+                <a:schemeClr val="accent2"/>
+              </a:buClr>
+              <a:buSzPct val="70000"/>
+              <a:buFont typeface="Wingdings"/>
+              <a:buChar char=""/>
+              <a:defRPr kumimoji="0" sz="1600" kern="1200">
+                <a:solidFill>
+                  <a:schemeClr val="tx1"/>
+                </a:solidFill>
+                <a:latin typeface="Tw Cen MT"/>
+                <a:ea typeface="+mn-ea"/>
+                <a:cs typeface="Tw Cen MT"/>
+              </a:defRPr>
+            </a:lvl5pPr>
+            <a:lvl6pPr marL="1645920" indent="-182880" algn="l" rtl="0" eaLnBrk="1" latinLnBrk="0" hangingPunct="1">
+              <a:spcBef>
+                <a:spcPts val="300"/>
+              </a:spcBef>
+              <a:buClr>
+                <a:srgbClr val="9FB8CD">
+                  <a:shade val="75000"/>
+                </a:srgbClr>
+              </a:buClr>
+              <a:buSzPct val="75000"/>
+              <a:buFont typeface="Wingdings 3"/>
+              <a:buChar char=""/>
+              <a:defRPr kumimoji="0" lang="en-US" sz="1600" kern="1200" smtClean="0">
+                <a:solidFill>
+                  <a:schemeClr val="tx1"/>
+                </a:solidFill>
+                <a:latin typeface="+mn-lt"/>
+                <a:ea typeface="+mn-ea"/>
+                <a:cs typeface="+mn-cs"/>
+              </a:defRPr>
+            </a:lvl6pPr>
+            <a:lvl7pPr marL="1828800" indent="-182880" algn="l" rtl="0" eaLnBrk="1" latinLnBrk="0" hangingPunct="1">
+              <a:spcBef>
+                <a:spcPts val="300"/>
+              </a:spcBef>
+              <a:buClr>
+                <a:srgbClr val="727CA3">
+                  <a:shade val="75000"/>
+                </a:srgbClr>
+              </a:buClr>
+              <a:buSzPct val="75000"/>
+              <a:buFont typeface="Wingdings 3"/>
+              <a:buChar char=""/>
+              <a:defRPr kumimoji="0" lang="en-US" sz="1400" kern="1200" smtClean="0">
+                <a:solidFill>
+                  <a:schemeClr val="tx1"/>
+                </a:solidFill>
+                <a:latin typeface="+mn-lt"/>
+                <a:ea typeface="+mn-ea"/>
+                <a:cs typeface="+mn-cs"/>
+              </a:defRPr>
+            </a:lvl7pPr>
+            <a:lvl8pPr marL="2011680" indent="-182880" algn="l" rtl="0" eaLnBrk="1" latinLnBrk="0" hangingPunct="1">
+              <a:spcBef>
+                <a:spcPts val="300"/>
+              </a:spcBef>
+              <a:buClr>
+                <a:prstClr val="white">
+                  <a:shade val="50000"/>
+                </a:prstClr>
+              </a:buClr>
+              <a:buSzPct val="75000"/>
+              <a:buFont typeface="Wingdings 3"/>
+              <a:buChar char=""/>
+              <a:defRPr kumimoji="0" lang="en-US" sz="1400" kern="1200" smtClean="0">
+                <a:solidFill>
+                  <a:schemeClr val="tx1"/>
+                </a:solidFill>
+                <a:latin typeface="+mn-lt"/>
+                <a:ea typeface="+mn-ea"/>
+                <a:cs typeface="+mn-cs"/>
+              </a:defRPr>
+            </a:lvl8pPr>
+            <a:lvl9pPr marL="2194560" indent="-182880" algn="l" rtl="0" eaLnBrk="1" latinLnBrk="0" hangingPunct="1">
+              <a:spcBef>
+                <a:spcPts val="300"/>
+              </a:spcBef>
+              <a:buClr>
+                <a:srgbClr val="9FB8CD"/>
+              </a:buClr>
+              <a:buSzPct val="75000"/>
+              <a:buFont typeface="Wingdings 3"/>
+              <a:buChar char=""/>
+              <a:defRPr kumimoji="0" lang="en-US" sz="1200" kern="1200" smtClean="0">
+                <a:solidFill>
+                  <a:schemeClr val="tx1"/>
+                </a:solidFill>
+                <a:latin typeface="+mn-lt"/>
+                <a:ea typeface="+mn-ea"/>
+                <a:cs typeface="+mn-cs"/>
+              </a:defRPr>
+            </a:lvl9pPr>
+          </a:lstStyle>
+          <a:p>
+            <a:pPr defTabSz="914400"/>
+            <a:endParaRPr lang="en-US"/>
+          </a:p>
+          <a:p>
+            <a:pPr defTabSz="914400"/>
+            <a:endParaRPr lang="en-US"/>
+          </a:p>
+          <a:p>
+            <a:pPr defTabSz="914400"/>
+            <a:r>
+              <a:rPr lang="en-US"/>
+              <a:t>HOWARD 98</a:t>
+            </a:r>
+          </a:p>
+          <a:p>
+            <a:pPr defTabSz="914400"/>
+            <a:endParaRPr lang="en-US"/>
+          </a:p>
+        </p:txBody>
+      </p:sp>
+      <p:pic>
+        <p:nvPicPr>
+          <p:cNvPr id="8" name="Picture 4">
+            <a:extLst>
+              <a:ext uri="{FF2B5EF4-FFF2-40B4-BE49-F238E27FC236}">
+                <a16:creationId xmlns:a16="http://schemas.microsoft.com/office/drawing/2014/main" id="{57E55AEE-4CEA-9541-A510-E640ABE152FB}"/>
+              </a:ext>
+            </a:extLst>
+          </p:cNvPr>
+          <p:cNvPicPr>
+            <a:picLocks noChangeAspect="1" noChangeArrowheads="1"/>
+          </p:cNvPicPr>
+          <p:nvPr/>
+        </p:nvPicPr>
+        <p:blipFill>
+          <a:blip r:embed="rId2" cstate="print"/>
+          <a:srcRect l="26802" t="22394" r="6700" b="8061"/>
+          <a:stretch>
+            <a:fillRect/>
+          </a:stretch>
+        </p:blipFill>
+        <p:spPr bwMode="auto">
+          <a:xfrm>
+            <a:off x="127000" y="1720850"/>
+            <a:ext cx="8024813" cy="4187825"/>
+          </a:xfrm>
+          <a:prstGeom prst="rect">
+            <a:avLst/>
+          </a:prstGeom>
+          <a:noFill/>
+          <a:ln w="12700">
+            <a:noFill/>
+            <a:miter lim="800000"/>
+            <a:headEnd type="none" w="sm" len="sm"/>
+            <a:tailEnd type="none" w="sm" len="sm"/>
+          </a:ln>
+        </p:spPr>
+      </p:pic>
+      <p:pic>
+        <p:nvPicPr>
+          <p:cNvPr id="9" name="Picture 5" descr="untitled">
+            <a:extLst>
+              <a:ext uri="{FF2B5EF4-FFF2-40B4-BE49-F238E27FC236}">
+                <a16:creationId xmlns:a16="http://schemas.microsoft.com/office/drawing/2014/main" id="{509606CD-E8AC-DB47-8C12-998DC7408DCA}"/>
+              </a:ext>
+            </a:extLst>
+          </p:cNvPr>
+          <p:cNvPicPr>
+            <a:picLocks noChangeAspect="1" noChangeArrowheads="1"/>
+          </p:cNvPicPr>
+          <p:nvPr/>
+        </p:nvPicPr>
+        <p:blipFill>
+          <a:blip r:embed="rId3" cstate="print"/>
+          <a:srcRect/>
+          <a:stretch>
+            <a:fillRect/>
+          </a:stretch>
+        </p:blipFill>
+        <p:spPr bwMode="auto">
+          <a:xfrm>
+            <a:off x="6934200" y="2514600"/>
+            <a:ext cx="1536700" cy="1676400"/>
+          </a:xfrm>
+          <a:prstGeom prst="rect">
+            <a:avLst/>
+          </a:prstGeom>
+          <a:noFill/>
+          <a:ln w="9525">
+            <a:noFill/>
+            <a:miter lim="800000"/>
+            <a:headEnd/>
+            <a:tailEnd/>
+          </a:ln>
+        </p:spPr>
+      </p:pic>
+      <p:sp>
+        <p:nvSpPr>
+          <p:cNvPr id="10" name="Text Box 6">
+            <a:extLst>
+              <a:ext uri="{FF2B5EF4-FFF2-40B4-BE49-F238E27FC236}">
+                <a16:creationId xmlns:a16="http://schemas.microsoft.com/office/drawing/2014/main" id="{B4708500-A6E8-6E40-900A-7BEBB52F751F}"/>
+              </a:ext>
+            </a:extLst>
+          </p:cNvPr>
+          <p:cNvSpPr txBox="1">
+            <a:spLocks noChangeArrowheads="1"/>
+          </p:cNvSpPr>
+          <p:nvPr/>
+        </p:nvSpPr>
+        <p:spPr bwMode="auto">
+          <a:xfrm>
+            <a:off x="4572000" y="2895600"/>
+            <a:ext cx="946150" cy="457200"/>
+          </a:xfrm>
+          <a:prstGeom prst="rect">
+            <a:avLst/>
+          </a:prstGeom>
+          <a:noFill/>
+          <a:ln w="12700">
+            <a:noFill/>
+            <a:miter lim="800000"/>
+            <a:headEnd type="none" w="sm" len="sm"/>
+            <a:tailEnd type="none" w="sm" len="sm"/>
+          </a:ln>
+        </p:spPr>
+        <p:txBody>
+          <a:bodyPr wrap="none">
+            <a:spAutoFit/>
+          </a:bodyPr>
+          <a:lstStyle/>
+          <a:p>
+            <a:r>
+              <a:rPr lang="pt-PT" sz="2400" dirty="0" err="1">
+                <a:solidFill>
+                  <a:srgbClr val="163CFF"/>
+                </a:solidFill>
+              </a:rPr>
+              <a:t>str</a:t>
+            </a:r>
+            <a:r>
+              <a:rPr lang="pt-PT" sz="2400" b="1" u="sng" dirty="0" err="1">
+                <a:solidFill>
+                  <a:srgbClr val="163CFF"/>
+                </a:solidFill>
+              </a:rPr>
+              <a:t>i</a:t>
+            </a:r>
+            <a:r>
+              <a:rPr lang="pt-PT" sz="2400" dirty="0" err="1">
+                <a:solidFill>
+                  <a:srgbClr val="163CFF"/>
+                </a:solidFill>
+              </a:rPr>
+              <a:t>de</a:t>
+            </a:r>
+            <a:endParaRPr lang="en-US" sz="2400" dirty="0">
+              <a:solidFill>
+                <a:srgbClr val="163CFF"/>
+              </a:solidFill>
+            </a:endParaRPr>
+          </a:p>
+        </p:txBody>
+      </p:sp>
+      <p:sp>
+        <p:nvSpPr>
+          <p:cNvPr id="11" name="Line 7">
+            <a:extLst>
+              <a:ext uri="{FF2B5EF4-FFF2-40B4-BE49-F238E27FC236}">
+                <a16:creationId xmlns:a16="http://schemas.microsoft.com/office/drawing/2014/main" id="{7100D555-3975-1E48-9164-95FD16792277}"/>
+              </a:ext>
+            </a:extLst>
+          </p:cNvPr>
+          <p:cNvSpPr>
+            <a:spLocks noChangeShapeType="1"/>
+          </p:cNvSpPr>
+          <p:nvPr/>
+        </p:nvSpPr>
+        <p:spPr bwMode="auto">
+          <a:xfrm>
+            <a:off x="4419600" y="2455862"/>
+            <a:ext cx="2438400" cy="820738"/>
+          </a:xfrm>
+          <a:prstGeom prst="line">
+            <a:avLst/>
+          </a:prstGeom>
+          <a:noFill/>
+          <a:ln w="12700">
+            <a:solidFill>
+              <a:schemeClr val="tx1"/>
+            </a:solidFill>
+            <a:round/>
+            <a:headEnd type="none" w="sm" len="sm"/>
+            <a:tailEnd type="triangle" w="sm" len="sm"/>
+          </a:ln>
+        </p:spPr>
+        <p:txBody>
+          <a:bodyPr/>
+          <a:lstStyle/>
+          <a:p>
+            <a:endParaRPr lang="pt-PT"/>
+          </a:p>
+        </p:txBody>
+      </p:sp>
+      <p:sp>
+        <p:nvSpPr>
+          <p:cNvPr id="12" name="Line 8">
+            <a:extLst>
+              <a:ext uri="{FF2B5EF4-FFF2-40B4-BE49-F238E27FC236}">
+                <a16:creationId xmlns:a16="http://schemas.microsoft.com/office/drawing/2014/main" id="{9F7ABD72-C82D-3C47-9D3F-467EA6C0BC12}"/>
+              </a:ext>
+            </a:extLst>
+          </p:cNvPr>
+          <p:cNvSpPr>
+            <a:spLocks noChangeShapeType="1"/>
+          </p:cNvSpPr>
+          <p:nvPr/>
+        </p:nvSpPr>
+        <p:spPr bwMode="auto">
+          <a:xfrm>
+            <a:off x="3810000" y="2819400"/>
+            <a:ext cx="1143000" cy="152400"/>
+          </a:xfrm>
+          <a:prstGeom prst="line">
+            <a:avLst/>
+          </a:prstGeom>
+          <a:noFill/>
+          <a:ln w="12700">
+            <a:solidFill>
+              <a:schemeClr val="tx1"/>
+            </a:solidFill>
+            <a:round/>
+            <a:headEnd type="none" w="sm" len="sm"/>
+            <a:tailEnd type="triangle" w="sm" len="sm"/>
+          </a:ln>
+        </p:spPr>
+        <p:txBody>
+          <a:bodyPr/>
+          <a:lstStyle/>
+          <a:p>
+            <a:endParaRPr lang="pt-PT"/>
+          </a:p>
+        </p:txBody>
+      </p:sp>
+      <p:sp>
+        <p:nvSpPr>
+          <p:cNvPr id="13" name="Text Box 9">
+            <a:extLst>
+              <a:ext uri="{FF2B5EF4-FFF2-40B4-BE49-F238E27FC236}">
+                <a16:creationId xmlns:a16="http://schemas.microsoft.com/office/drawing/2014/main" id="{834A9E95-21D1-CE4D-950F-A471B549CDCE}"/>
+              </a:ext>
+            </a:extLst>
+          </p:cNvPr>
+          <p:cNvSpPr txBox="1">
+            <a:spLocks noChangeArrowheads="1"/>
+          </p:cNvSpPr>
+          <p:nvPr/>
+        </p:nvSpPr>
+        <p:spPr bwMode="auto">
+          <a:xfrm>
+            <a:off x="568325" y="1743075"/>
+            <a:ext cx="703263" cy="225425"/>
+          </a:xfrm>
+          <a:prstGeom prst="rect">
+            <a:avLst/>
+          </a:prstGeom>
+          <a:solidFill>
+            <a:srgbClr val="270076"/>
+          </a:solidFill>
+          <a:ln w="12700">
+            <a:solidFill>
+              <a:schemeClr val="hlink"/>
+            </a:solidFill>
+            <a:miter lim="800000"/>
+            <a:headEnd type="none" w="sm" len="sm"/>
+            <a:tailEnd type="none" w="sm" len="sm"/>
+          </a:ln>
+        </p:spPr>
+        <p:txBody>
+          <a:bodyPr wrap="none" lIns="0" tIns="0" rIns="0" bIns="0">
+            <a:spAutoFit/>
+          </a:bodyPr>
+          <a:lstStyle/>
+          <a:p>
+            <a:r>
+              <a:rPr lang="en-US" sz="1400" i="1">
+                <a:solidFill>
+                  <a:schemeClr val="bg1"/>
+                </a:solidFill>
+              </a:rPr>
+              <a:t>Attack    </a:t>
+            </a:r>
+          </a:p>
+        </p:txBody>
+      </p:sp>
     </p:spTree>
     <p:extLst>
       <p:ext uri="{BB962C8B-B14F-4D97-AF65-F5344CB8AC3E}">
-        <p14:creationId xmlns:p14="http://schemas.microsoft.com/office/powerpoint/2010/main" val="2029681135"/>
+        <p14:creationId xmlns:p14="http://schemas.microsoft.com/office/powerpoint/2010/main" val="2550111057"/>
+      </p:ext>
+    </p:extLst>
+  </p:cSld>
+  <p:clrMapOvr>
+    <a:masterClrMapping/>
+  </p:clrMapOvr>
+</p:sld>
+</file>
+
+<file path=ppt/slides/slide12.xml><?xml version="1.0" encoding="utf-8"?>
+<p:sld xmlns:a="http://schemas.openxmlformats.org/drawingml/2006/main" xmlns:r="http://schemas.openxmlformats.org/officeDocument/2006/relationships" xmlns:p="http://schemas.openxmlformats.org/presentationml/2006/main">
+  <p:cSld>
+    <p:spTree>
+      <p:nvGrpSpPr>
+        <p:cNvPr id="1" name=""/>
+        <p:cNvGrpSpPr/>
+        <p:nvPr/>
+      </p:nvGrpSpPr>
+      <p:grpSpPr>
+        <a:xfrm>
+          <a:off x="0" y="0"/>
+          <a:ext cx="0" cy="0"/>
+          <a:chOff x="0" y="0"/>
+          <a:chExt cx="0" cy="0"/>
+        </a:xfrm>
+      </p:grpSpPr>
+      <p:sp>
+        <p:nvSpPr>
+          <p:cNvPr id="7" name="Title 6">
+            <a:extLst>
+              <a:ext uri="{FF2B5EF4-FFF2-40B4-BE49-F238E27FC236}">
+                <a16:creationId xmlns:a16="http://schemas.microsoft.com/office/drawing/2014/main" id="{CA065597-B38C-3C4A-A732-97A489122D28}"/>
+              </a:ext>
+            </a:extLst>
+          </p:cNvPr>
+          <p:cNvSpPr>
+            <a:spLocks noGrp="1"/>
+          </p:cNvSpPr>
+          <p:nvPr>
+            <p:ph type="title"/>
+          </p:nvPr>
+        </p:nvSpPr>
+        <p:spPr/>
+        <p:txBody>
+          <a:bodyPr/>
+          <a:lstStyle/>
+          <a:p>
+            <a:r>
+              <a:rPr lang="en-US" dirty="0" err="1"/>
+              <a:t>Fuzzers</a:t>
+            </a:r>
+            <a:endParaRPr lang="en-US" dirty="0"/>
+          </a:p>
+        </p:txBody>
+      </p:sp>
+      <p:sp>
+        <p:nvSpPr>
+          <p:cNvPr id="3" name="Date Placeholder 2">
+            <a:extLst>
+              <a:ext uri="{FF2B5EF4-FFF2-40B4-BE49-F238E27FC236}">
+                <a16:creationId xmlns:a16="http://schemas.microsoft.com/office/drawing/2014/main" id="{AD4493F9-01A7-D544-81BA-3EB4C049A4CD}"/>
+              </a:ext>
+            </a:extLst>
+          </p:cNvPr>
+          <p:cNvSpPr>
+            <a:spLocks noGrp="1"/>
+          </p:cNvSpPr>
+          <p:nvPr>
+            <p:ph type="dt" sz="half" idx="10"/>
+          </p:nvPr>
+        </p:nvSpPr>
+        <p:spPr/>
+        <p:txBody>
+          <a:bodyPr/>
+          <a:lstStyle/>
+          <a:p>
+            <a:r>
+              <a:rPr lang="en-US"/>
+              <a:t>2019</a:t>
+            </a:r>
+            <a:endParaRPr lang="en-US" dirty="0"/>
+          </a:p>
+        </p:txBody>
+      </p:sp>
+      <p:sp>
+        <p:nvSpPr>
+          <p:cNvPr id="4" name="Footer Placeholder 3">
+            <a:extLst>
+              <a:ext uri="{FF2B5EF4-FFF2-40B4-BE49-F238E27FC236}">
+                <a16:creationId xmlns:a16="http://schemas.microsoft.com/office/drawing/2014/main" id="{8177CA35-7D0A-6D4A-9185-3373EC74F745}"/>
+              </a:ext>
+            </a:extLst>
+          </p:cNvPr>
+          <p:cNvSpPr>
+            <a:spLocks noGrp="1"/>
+          </p:cNvSpPr>
+          <p:nvPr>
+            <p:ph type="ftr" sz="quarter" idx="11"/>
+          </p:nvPr>
+        </p:nvSpPr>
+        <p:spPr/>
+        <p:txBody>
+          <a:bodyPr/>
+          <a:lstStyle/>
+          <a:p>
+            <a:r>
+              <a:rPr lang="en-US"/>
+              <a:t>SS - Nuno Santos</a:t>
+            </a:r>
+            <a:endParaRPr lang="en-US" dirty="0"/>
+          </a:p>
+        </p:txBody>
+      </p:sp>
+      <p:sp>
+        <p:nvSpPr>
+          <p:cNvPr id="5" name="Slide Number Placeholder 4">
+            <a:extLst>
+              <a:ext uri="{FF2B5EF4-FFF2-40B4-BE49-F238E27FC236}">
+                <a16:creationId xmlns:a16="http://schemas.microsoft.com/office/drawing/2014/main" id="{A9726EED-259C-9F47-AD3A-0A6F09C3FB7F}"/>
+              </a:ext>
+            </a:extLst>
+          </p:cNvPr>
+          <p:cNvSpPr>
+            <a:spLocks noGrp="1"/>
+          </p:cNvSpPr>
+          <p:nvPr>
+            <p:ph type="sldNum" sz="quarter" idx="12"/>
+          </p:nvPr>
+        </p:nvSpPr>
+        <p:spPr/>
+        <p:txBody>
+          <a:bodyPr/>
+          <a:lstStyle/>
+          <a:p>
+            <a:fld id="{BAFC06C6-5388-EF48-9B75-F2C2BBFC0E68}" type="slidenum">
+              <a:rPr lang="en-US" smtClean="0"/>
+              <a:t>12</a:t>
+            </a:fld>
+            <a:endParaRPr lang="en-US" dirty="0"/>
+          </a:p>
+        </p:txBody>
+      </p:sp>
+    </p:spTree>
+    <p:extLst>
+      <p:ext uri="{BB962C8B-B14F-4D97-AF65-F5344CB8AC3E}">
+        <p14:creationId xmlns:p14="http://schemas.microsoft.com/office/powerpoint/2010/main" val="3718666015"/>
+      </p:ext>
+    </p:extLst>
+  </p:cSld>
+  <p:clrMapOvr>
+    <a:masterClrMapping/>
+  </p:clrMapOvr>
+</p:sld>
+</file>
+
+<file path=ppt/slides/slide13.xml><?xml version="1.0" encoding="utf-8"?>
+<p:sld xmlns:a="http://schemas.openxmlformats.org/drawingml/2006/main" xmlns:r="http://schemas.openxmlformats.org/officeDocument/2006/relationships" xmlns:p="http://schemas.openxmlformats.org/presentationml/2006/main">
+  <p:cSld>
+    <p:spTree>
+      <p:nvGrpSpPr>
+        <p:cNvPr id="1" name=""/>
+        <p:cNvGrpSpPr/>
+        <p:nvPr/>
+      </p:nvGrpSpPr>
+      <p:grpSpPr>
+        <a:xfrm>
+          <a:off x="0" y="0"/>
+          <a:ext cx="0" cy="0"/>
+          <a:chOff x="0" y="0"/>
+          <a:chExt cx="0" cy="0"/>
+        </a:xfrm>
+      </p:grpSpPr>
+      <p:sp>
+        <p:nvSpPr>
+          <p:cNvPr id="2" name="Title 1">
+            <a:extLst>
+              <a:ext uri="{FF2B5EF4-FFF2-40B4-BE49-F238E27FC236}">
+                <a16:creationId xmlns:a16="http://schemas.microsoft.com/office/drawing/2014/main" id="{5F87B243-73EF-8C4F-904B-EA78B662249A}"/>
+              </a:ext>
+            </a:extLst>
+          </p:cNvPr>
+          <p:cNvSpPr>
+            <a:spLocks noGrp="1"/>
+          </p:cNvSpPr>
+          <p:nvPr>
+            <p:ph type="title"/>
+          </p:nvPr>
+        </p:nvSpPr>
+        <p:spPr/>
+        <p:txBody>
+          <a:bodyPr/>
+          <a:lstStyle/>
+          <a:p>
+            <a:r>
+              <a:rPr lang="en-US" dirty="0" err="1"/>
+              <a:t>Fuzzers</a:t>
+            </a:r>
+            <a:endParaRPr lang="en-US" dirty="0"/>
+          </a:p>
+        </p:txBody>
+      </p:sp>
+      <p:sp>
+        <p:nvSpPr>
+          <p:cNvPr id="3" name="Date Placeholder 2">
+            <a:extLst>
+              <a:ext uri="{FF2B5EF4-FFF2-40B4-BE49-F238E27FC236}">
+                <a16:creationId xmlns:a16="http://schemas.microsoft.com/office/drawing/2014/main" id="{94FEAFFF-C035-C34F-906B-65E6EA2B6BB5}"/>
+              </a:ext>
+            </a:extLst>
+          </p:cNvPr>
+          <p:cNvSpPr>
+            <a:spLocks noGrp="1"/>
+          </p:cNvSpPr>
+          <p:nvPr>
+            <p:ph type="dt" sz="half" idx="10"/>
+          </p:nvPr>
+        </p:nvSpPr>
+        <p:spPr/>
+        <p:txBody>
+          <a:bodyPr/>
+          <a:lstStyle/>
+          <a:p>
+            <a:r>
+              <a:rPr lang="en-US"/>
+              <a:t>2019</a:t>
+            </a:r>
+            <a:endParaRPr lang="en-US" dirty="0"/>
+          </a:p>
+        </p:txBody>
+      </p:sp>
+      <p:sp>
+        <p:nvSpPr>
+          <p:cNvPr id="4" name="Footer Placeholder 3">
+            <a:extLst>
+              <a:ext uri="{FF2B5EF4-FFF2-40B4-BE49-F238E27FC236}">
+                <a16:creationId xmlns:a16="http://schemas.microsoft.com/office/drawing/2014/main" id="{E72D6DEC-1E70-834D-8204-38944D5EF467}"/>
+              </a:ext>
+            </a:extLst>
+          </p:cNvPr>
+          <p:cNvSpPr>
+            <a:spLocks noGrp="1"/>
+          </p:cNvSpPr>
+          <p:nvPr>
+            <p:ph type="ftr" sz="quarter" idx="11"/>
+          </p:nvPr>
+        </p:nvSpPr>
+        <p:spPr/>
+        <p:txBody>
+          <a:bodyPr/>
+          <a:lstStyle/>
+          <a:p>
+            <a:r>
+              <a:rPr lang="en-US"/>
+              <a:t>SS - Nuno Santos</a:t>
+            </a:r>
+            <a:endParaRPr lang="en-US" dirty="0"/>
+          </a:p>
+        </p:txBody>
+      </p:sp>
+      <p:sp>
+        <p:nvSpPr>
+          <p:cNvPr id="5" name="Slide Number Placeholder 4">
+            <a:extLst>
+              <a:ext uri="{FF2B5EF4-FFF2-40B4-BE49-F238E27FC236}">
+                <a16:creationId xmlns:a16="http://schemas.microsoft.com/office/drawing/2014/main" id="{12DB6EDB-A65D-724A-AC47-8234BB2A79F4}"/>
+              </a:ext>
+            </a:extLst>
+          </p:cNvPr>
+          <p:cNvSpPr>
+            <a:spLocks noGrp="1"/>
+          </p:cNvSpPr>
+          <p:nvPr>
+            <p:ph type="sldNum" sz="quarter" idx="12"/>
+          </p:nvPr>
+        </p:nvSpPr>
+        <p:spPr/>
+        <p:txBody>
+          <a:bodyPr/>
+          <a:lstStyle/>
+          <a:p>
+            <a:fld id="{BAFC06C6-5388-EF48-9B75-F2C2BBFC0E68}" type="slidenum">
+              <a:rPr lang="en-US" smtClean="0"/>
+              <a:t>13</a:t>
+            </a:fld>
+            <a:endParaRPr lang="en-US" dirty="0"/>
+          </a:p>
+        </p:txBody>
+      </p:sp>
+      <p:sp>
+        <p:nvSpPr>
+          <p:cNvPr id="6" name="Content Placeholder 5">
+            <a:extLst>
+              <a:ext uri="{FF2B5EF4-FFF2-40B4-BE49-F238E27FC236}">
+                <a16:creationId xmlns:a16="http://schemas.microsoft.com/office/drawing/2014/main" id="{27817D4A-D825-244E-8BB6-6675D5266F9B}"/>
+              </a:ext>
+            </a:extLst>
+          </p:cNvPr>
+          <p:cNvSpPr>
+            <a:spLocks noGrp="1"/>
+          </p:cNvSpPr>
+          <p:nvPr>
+            <p:ph sz="quarter" idx="1"/>
+          </p:nvPr>
+        </p:nvSpPr>
+        <p:spPr/>
+        <p:txBody>
+          <a:bodyPr>
+            <a:normAutofit fontScale="92500" lnSpcReduction="10000"/>
+          </a:bodyPr>
+          <a:lstStyle/>
+          <a:p>
+            <a:r>
+              <a:rPr lang="en-US" sz="2400" dirty="0"/>
+              <a:t>“Operating system facilities, such as the kernel and utility programs, are typically assumed to be reliable. In our recent experiments, we have been able to crash 25-33% of the utility programs on any version of UNIX that was tested.”</a:t>
+            </a:r>
+          </a:p>
+          <a:p>
+            <a:pPr lvl="1"/>
+            <a:r>
+              <a:rPr lang="en-US" sz="1800" dirty="0"/>
+              <a:t>Barton P. Miller, Lars </a:t>
+            </a:r>
+            <a:r>
+              <a:rPr lang="en-US" sz="1800" dirty="0" err="1"/>
+              <a:t>Fredriksen</a:t>
+            </a:r>
+            <a:r>
+              <a:rPr lang="en-US" sz="1800" dirty="0"/>
+              <a:t> e Bryan So, An Empirical Study of the Reliability of UNIX Utilities, CACM, Dec. 1990</a:t>
+            </a:r>
+          </a:p>
+          <a:p>
+            <a:r>
+              <a:rPr lang="en-US" sz="2600" dirty="0"/>
+              <a:t>The authors built a tool called </a:t>
+            </a:r>
+            <a:r>
+              <a:rPr lang="en-US" sz="2600" i="1" dirty="0"/>
+              <a:t>fuzz</a:t>
+            </a:r>
+            <a:endParaRPr lang="en-US" sz="2600" dirty="0"/>
+          </a:p>
+          <a:p>
+            <a:pPr lvl="1"/>
+            <a:r>
+              <a:rPr lang="en-US" sz="1800" dirty="0"/>
+              <a:t>The tool reproduced conditions they found by accident</a:t>
+            </a:r>
+          </a:p>
+          <a:p>
+            <a:pPr lvl="1"/>
+            <a:endParaRPr lang="en-US" dirty="0"/>
+          </a:p>
+          <a:p>
+            <a:r>
+              <a:rPr lang="en-US" dirty="0"/>
+              <a:t>Origin: story in the beginning</a:t>
+            </a:r>
+          </a:p>
+          <a:p>
+            <a:pPr lvl="1"/>
+            <a:r>
+              <a:rPr lang="en-US" sz="2000" dirty="0"/>
+              <a:t>Thunderstorm, then fuzz tool to inject random input</a:t>
+            </a:r>
+            <a:endParaRPr lang="en-US" dirty="0"/>
+          </a:p>
+          <a:p>
+            <a:r>
+              <a:rPr lang="en-US" dirty="0" err="1"/>
+              <a:t>Fuzzers</a:t>
+            </a:r>
+            <a:r>
+              <a:rPr lang="en-US" dirty="0"/>
+              <a:t> do “brute force search for vulnerabilities”;</a:t>
+            </a:r>
+          </a:p>
+          <a:p>
+            <a:r>
+              <a:rPr lang="en-US" dirty="0"/>
+              <a:t>Today fuzzing is much used for security testing</a:t>
+            </a:r>
+          </a:p>
+          <a:p>
+            <a:pPr lvl="1"/>
+            <a:r>
+              <a:rPr lang="en-US" sz="2000" dirty="0"/>
+              <a:t>Many recent vulnerabilities were found using fuzzing</a:t>
+            </a:r>
+          </a:p>
+          <a:p>
+            <a:endParaRPr lang="pt-PT" dirty="0"/>
+          </a:p>
+          <a:p>
+            <a:endParaRPr lang="en-US" dirty="0"/>
+          </a:p>
+        </p:txBody>
+      </p:sp>
+    </p:spTree>
+    <p:extLst>
+      <p:ext uri="{BB962C8B-B14F-4D97-AF65-F5344CB8AC3E}">
+        <p14:creationId xmlns:p14="http://schemas.microsoft.com/office/powerpoint/2010/main" val="4206596873"/>
+      </p:ext>
+    </p:extLst>
+  </p:cSld>
+  <p:clrMapOvr>
+    <a:masterClrMapping/>
+  </p:clrMapOvr>
+</p:sld>
+</file>
+
+<file path=ppt/slides/slide14.xml><?xml version="1.0" encoding="utf-8"?>
+<p:sld xmlns:a="http://schemas.openxmlformats.org/drawingml/2006/main" xmlns:r="http://schemas.openxmlformats.org/officeDocument/2006/relationships" xmlns:p="http://schemas.openxmlformats.org/presentationml/2006/main">
+  <p:cSld>
+    <p:spTree>
+      <p:nvGrpSpPr>
+        <p:cNvPr id="1" name=""/>
+        <p:cNvGrpSpPr/>
+        <p:nvPr/>
+      </p:nvGrpSpPr>
+      <p:grpSpPr>
+        <a:xfrm>
+          <a:off x="0" y="0"/>
+          <a:ext cx="0" cy="0"/>
+          <a:chOff x="0" y="0"/>
+          <a:chExt cx="0" cy="0"/>
+        </a:xfrm>
+      </p:grpSpPr>
+      <p:sp>
+        <p:nvSpPr>
+          <p:cNvPr id="2" name="Title 1">
+            <a:extLst>
+              <a:ext uri="{FF2B5EF4-FFF2-40B4-BE49-F238E27FC236}">
+                <a16:creationId xmlns:a16="http://schemas.microsoft.com/office/drawing/2014/main" id="{A7833232-7A19-6645-8B2A-5001D9518F74}"/>
+              </a:ext>
+            </a:extLst>
+          </p:cNvPr>
+          <p:cNvSpPr>
+            <a:spLocks noGrp="1"/>
+          </p:cNvSpPr>
+          <p:nvPr>
+            <p:ph type="title"/>
+          </p:nvPr>
+        </p:nvSpPr>
+        <p:spPr/>
+        <p:txBody>
+          <a:bodyPr/>
+          <a:lstStyle/>
+          <a:p>
+            <a:r>
+              <a:rPr lang="en-US" dirty="0"/>
+              <a:t>Um </a:t>
+            </a:r>
+            <a:r>
+              <a:rPr lang="en-US" dirty="0" err="1"/>
+              <a:t>fuzzer</a:t>
+            </a:r>
+            <a:r>
+              <a:rPr lang="en-US" dirty="0"/>
+              <a:t> simples</a:t>
+            </a:r>
+          </a:p>
+        </p:txBody>
+      </p:sp>
+      <p:sp>
+        <p:nvSpPr>
+          <p:cNvPr id="3" name="Date Placeholder 2">
+            <a:extLst>
+              <a:ext uri="{FF2B5EF4-FFF2-40B4-BE49-F238E27FC236}">
+                <a16:creationId xmlns:a16="http://schemas.microsoft.com/office/drawing/2014/main" id="{B74E8F9E-1E7B-4248-98E5-94F5448DB7D1}"/>
+              </a:ext>
+            </a:extLst>
+          </p:cNvPr>
+          <p:cNvSpPr>
+            <a:spLocks noGrp="1"/>
+          </p:cNvSpPr>
+          <p:nvPr>
+            <p:ph type="dt" sz="half" idx="10"/>
+          </p:nvPr>
+        </p:nvSpPr>
+        <p:spPr/>
+        <p:txBody>
+          <a:bodyPr/>
+          <a:lstStyle/>
+          <a:p>
+            <a:r>
+              <a:rPr lang="en-US"/>
+              <a:t>2019</a:t>
+            </a:r>
+            <a:endParaRPr lang="en-US" dirty="0"/>
+          </a:p>
+        </p:txBody>
+      </p:sp>
+      <p:sp>
+        <p:nvSpPr>
+          <p:cNvPr id="4" name="Footer Placeholder 3">
+            <a:extLst>
+              <a:ext uri="{FF2B5EF4-FFF2-40B4-BE49-F238E27FC236}">
+                <a16:creationId xmlns:a16="http://schemas.microsoft.com/office/drawing/2014/main" id="{3EAABEC0-1887-1D43-A1B3-0A7A72B1452A}"/>
+              </a:ext>
+            </a:extLst>
+          </p:cNvPr>
+          <p:cNvSpPr>
+            <a:spLocks noGrp="1"/>
+          </p:cNvSpPr>
+          <p:nvPr>
+            <p:ph type="ftr" sz="quarter" idx="11"/>
+          </p:nvPr>
+        </p:nvSpPr>
+        <p:spPr/>
+        <p:txBody>
+          <a:bodyPr/>
+          <a:lstStyle/>
+          <a:p>
+            <a:r>
+              <a:rPr lang="en-US"/>
+              <a:t>SS - Nuno Santos</a:t>
+            </a:r>
+            <a:endParaRPr lang="en-US" dirty="0"/>
+          </a:p>
+        </p:txBody>
+      </p:sp>
+      <p:sp>
+        <p:nvSpPr>
+          <p:cNvPr id="5" name="Slide Number Placeholder 4">
+            <a:extLst>
+              <a:ext uri="{FF2B5EF4-FFF2-40B4-BE49-F238E27FC236}">
+                <a16:creationId xmlns:a16="http://schemas.microsoft.com/office/drawing/2014/main" id="{EE80D63B-D1B0-F24D-8359-D167A1A0720C}"/>
+              </a:ext>
+            </a:extLst>
+          </p:cNvPr>
+          <p:cNvSpPr>
+            <a:spLocks noGrp="1"/>
+          </p:cNvSpPr>
+          <p:nvPr>
+            <p:ph type="sldNum" sz="quarter" idx="12"/>
+          </p:nvPr>
+        </p:nvSpPr>
+        <p:spPr/>
+        <p:txBody>
+          <a:bodyPr/>
+          <a:lstStyle/>
+          <a:p>
+            <a:fld id="{BAFC06C6-5388-EF48-9B75-F2C2BBFC0E68}" type="slidenum">
+              <a:rPr lang="en-US" smtClean="0"/>
+              <a:t>14</a:t>
+            </a:fld>
+            <a:endParaRPr lang="en-US" dirty="0"/>
+          </a:p>
+        </p:txBody>
+      </p:sp>
+      <p:sp>
+        <p:nvSpPr>
+          <p:cNvPr id="6" name="Content Placeholder 5">
+            <a:extLst>
+              <a:ext uri="{FF2B5EF4-FFF2-40B4-BE49-F238E27FC236}">
+                <a16:creationId xmlns:a16="http://schemas.microsoft.com/office/drawing/2014/main" id="{2DB76332-7162-2C4C-8D75-5FE6E162A6DE}"/>
+              </a:ext>
+            </a:extLst>
+          </p:cNvPr>
+          <p:cNvSpPr>
+            <a:spLocks noGrp="1"/>
+          </p:cNvSpPr>
+          <p:nvPr>
+            <p:ph sz="quarter" idx="1"/>
+          </p:nvPr>
+        </p:nvSpPr>
+        <p:spPr/>
+        <p:txBody>
+          <a:bodyPr/>
+          <a:lstStyle/>
+          <a:p>
+            <a:r>
+              <a:rPr lang="en-US" i="1" dirty="0" err="1"/>
+              <a:t>sharefuzz</a:t>
+            </a:r>
+            <a:endParaRPr lang="en-US" dirty="0"/>
+          </a:p>
+          <a:p>
+            <a:pPr lvl="1"/>
+            <a:r>
+              <a:rPr lang="en-US" sz="2000" dirty="0"/>
+              <a:t>simple </a:t>
+            </a:r>
+            <a:r>
+              <a:rPr lang="en-US" sz="2000" dirty="0" err="1"/>
+              <a:t>fuzzer</a:t>
+            </a:r>
+            <a:r>
+              <a:rPr lang="en-US" sz="2000" dirty="0"/>
+              <a:t> that tests environment variable usage</a:t>
+            </a:r>
+            <a:r>
+              <a:rPr lang="en-US" sz="1800" dirty="0"/>
+              <a:t> </a:t>
+            </a:r>
+            <a:r>
+              <a:rPr lang="en-US" sz="1600" dirty="0"/>
+              <a:t>(&lt;100locs)</a:t>
+            </a:r>
+          </a:p>
+          <a:p>
+            <a:r>
+              <a:rPr lang="en-US" dirty="0"/>
+              <a:t>Method of insertion</a:t>
+            </a:r>
+          </a:p>
+          <a:p>
+            <a:pPr lvl="1"/>
+            <a:r>
+              <a:rPr lang="en-US" sz="2000" dirty="0"/>
+              <a:t>Creates a shared library that:</a:t>
+            </a:r>
+          </a:p>
+          <a:p>
+            <a:pPr lvl="1"/>
+            <a:r>
+              <a:rPr lang="en-US" sz="2000" dirty="0"/>
+              <a:t>is specified in LD_PRELOAD, thus always loaded</a:t>
+            </a:r>
+          </a:p>
+          <a:p>
+            <a:pPr lvl="1"/>
+            <a:r>
+              <a:rPr lang="en-US" sz="2000" dirty="0"/>
+              <a:t>redefines </a:t>
+            </a:r>
+            <a:r>
+              <a:rPr lang="en-US" sz="2000" i="1" dirty="0" err="1"/>
+              <a:t>getenv</a:t>
+            </a:r>
+            <a:r>
+              <a:rPr lang="en-US" sz="2000" i="1" dirty="0"/>
+              <a:t>()</a:t>
+            </a:r>
+            <a:r>
+              <a:rPr lang="en-US" sz="2000" dirty="0"/>
+              <a:t>, overriding the original one,</a:t>
+            </a:r>
+            <a:r>
+              <a:rPr lang="en-US" sz="2000" i="1" dirty="0"/>
+              <a:t> </a:t>
+            </a:r>
+            <a:r>
+              <a:rPr lang="en-US" sz="2000" dirty="0"/>
+              <a:t>that always returns a long list of identical characters for any environment variable (except DISPLAY) – by default returns 11500 A’s</a:t>
+            </a:r>
+          </a:p>
+          <a:p>
+            <a:r>
+              <a:rPr lang="en-US" dirty="0"/>
+              <a:t>Detection </a:t>
+            </a:r>
+          </a:p>
+          <a:p>
+            <a:pPr lvl="1"/>
+            <a:r>
+              <a:rPr lang="en-US" sz="2000" dirty="0"/>
+              <a:t>If the application crashes it is vulnerable (no monitoring)</a:t>
+            </a:r>
+          </a:p>
+          <a:p>
+            <a:endParaRPr lang="en-US" dirty="0"/>
+          </a:p>
+        </p:txBody>
+      </p:sp>
+    </p:spTree>
+    <p:extLst>
+      <p:ext uri="{BB962C8B-B14F-4D97-AF65-F5344CB8AC3E}">
+        <p14:creationId xmlns:p14="http://schemas.microsoft.com/office/powerpoint/2010/main" val="1404595413"/>
+      </p:ext>
+    </p:extLst>
+  </p:cSld>
+  <p:clrMapOvr>
+    <a:masterClrMapping/>
+  </p:clrMapOvr>
+</p:sld>
+</file>
+
+<file path=ppt/slides/slide15.xml><?xml version="1.0" encoding="utf-8"?>
+<p:sld xmlns:a="http://schemas.openxmlformats.org/drawingml/2006/main" xmlns:r="http://schemas.openxmlformats.org/officeDocument/2006/relationships" xmlns:p="http://schemas.openxmlformats.org/presentationml/2006/main">
+  <p:cSld>
+    <p:spTree>
+      <p:nvGrpSpPr>
+        <p:cNvPr id="1" name=""/>
+        <p:cNvGrpSpPr/>
+        <p:nvPr/>
+      </p:nvGrpSpPr>
+      <p:grpSpPr>
+        <a:xfrm>
+          <a:off x="0" y="0"/>
+          <a:ext cx="0" cy="0"/>
+          <a:chOff x="0" y="0"/>
+          <a:chExt cx="0" cy="0"/>
+        </a:xfrm>
+      </p:grpSpPr>
+      <p:sp>
+        <p:nvSpPr>
+          <p:cNvPr id="2" name="Title 1">
+            <a:extLst>
+              <a:ext uri="{FF2B5EF4-FFF2-40B4-BE49-F238E27FC236}">
+                <a16:creationId xmlns:a16="http://schemas.microsoft.com/office/drawing/2014/main" id="{55BE337A-18F4-3F45-9FF1-E592D2FAE4F3}"/>
+              </a:ext>
+            </a:extLst>
+          </p:cNvPr>
+          <p:cNvSpPr>
+            <a:spLocks noGrp="1"/>
+          </p:cNvSpPr>
+          <p:nvPr>
+            <p:ph type="title"/>
+          </p:nvPr>
+        </p:nvSpPr>
+        <p:spPr/>
+        <p:txBody>
+          <a:bodyPr/>
+          <a:lstStyle/>
+          <a:p>
+            <a:r>
+              <a:rPr lang="en-US" dirty="0" err="1"/>
+              <a:t>Exemplo</a:t>
+            </a:r>
+            <a:r>
+              <a:rPr lang="en-US" dirty="0"/>
+              <a:t> de </a:t>
+            </a:r>
+            <a:r>
+              <a:rPr lang="en-US" dirty="0" err="1"/>
+              <a:t>vectores</a:t>
+            </a:r>
+            <a:r>
+              <a:rPr lang="en-US" dirty="0"/>
+              <a:t> de fuzzing</a:t>
+            </a:r>
+          </a:p>
+        </p:txBody>
+      </p:sp>
+      <p:sp>
+        <p:nvSpPr>
+          <p:cNvPr id="3" name="Date Placeholder 2">
+            <a:extLst>
+              <a:ext uri="{FF2B5EF4-FFF2-40B4-BE49-F238E27FC236}">
+                <a16:creationId xmlns:a16="http://schemas.microsoft.com/office/drawing/2014/main" id="{CB2AC079-CDCE-EA4A-8BE9-628F1F7367BA}"/>
+              </a:ext>
+            </a:extLst>
+          </p:cNvPr>
+          <p:cNvSpPr>
+            <a:spLocks noGrp="1"/>
+          </p:cNvSpPr>
+          <p:nvPr>
+            <p:ph type="dt" sz="half" idx="10"/>
+          </p:nvPr>
+        </p:nvSpPr>
+        <p:spPr/>
+        <p:txBody>
+          <a:bodyPr/>
+          <a:lstStyle/>
+          <a:p>
+            <a:r>
+              <a:rPr lang="en-US"/>
+              <a:t>2019</a:t>
+            </a:r>
+            <a:endParaRPr lang="en-US" dirty="0"/>
+          </a:p>
+        </p:txBody>
+      </p:sp>
+      <p:sp>
+        <p:nvSpPr>
+          <p:cNvPr id="4" name="Footer Placeholder 3">
+            <a:extLst>
+              <a:ext uri="{FF2B5EF4-FFF2-40B4-BE49-F238E27FC236}">
+                <a16:creationId xmlns:a16="http://schemas.microsoft.com/office/drawing/2014/main" id="{C53B201D-C05B-0F40-83DC-A64A23CFA187}"/>
+              </a:ext>
+            </a:extLst>
+          </p:cNvPr>
+          <p:cNvSpPr>
+            <a:spLocks noGrp="1"/>
+          </p:cNvSpPr>
+          <p:nvPr>
+            <p:ph type="ftr" sz="quarter" idx="11"/>
+          </p:nvPr>
+        </p:nvSpPr>
+        <p:spPr/>
+        <p:txBody>
+          <a:bodyPr/>
+          <a:lstStyle/>
+          <a:p>
+            <a:r>
+              <a:rPr lang="en-US"/>
+              <a:t>SS - Nuno Santos</a:t>
+            </a:r>
+            <a:endParaRPr lang="en-US" dirty="0"/>
+          </a:p>
+        </p:txBody>
+      </p:sp>
+      <p:sp>
+        <p:nvSpPr>
+          <p:cNvPr id="5" name="Slide Number Placeholder 4">
+            <a:extLst>
+              <a:ext uri="{FF2B5EF4-FFF2-40B4-BE49-F238E27FC236}">
+                <a16:creationId xmlns:a16="http://schemas.microsoft.com/office/drawing/2014/main" id="{DC30457E-36C1-C34C-BC18-CDF3E354FAFA}"/>
+              </a:ext>
+            </a:extLst>
+          </p:cNvPr>
+          <p:cNvSpPr>
+            <a:spLocks noGrp="1"/>
+          </p:cNvSpPr>
+          <p:nvPr>
+            <p:ph type="sldNum" sz="quarter" idx="12"/>
+          </p:nvPr>
+        </p:nvSpPr>
+        <p:spPr/>
+        <p:txBody>
+          <a:bodyPr/>
+          <a:lstStyle/>
+          <a:p>
+            <a:fld id="{BAFC06C6-5388-EF48-9B75-F2C2BBFC0E68}" type="slidenum">
+              <a:rPr lang="en-US" smtClean="0"/>
+              <a:t>15</a:t>
+            </a:fld>
+            <a:endParaRPr lang="en-US" dirty="0"/>
+          </a:p>
+        </p:txBody>
+      </p:sp>
+      <p:sp>
+        <p:nvSpPr>
+          <p:cNvPr id="6" name="Content Placeholder 5">
+            <a:extLst>
+              <a:ext uri="{FF2B5EF4-FFF2-40B4-BE49-F238E27FC236}">
+                <a16:creationId xmlns:a16="http://schemas.microsoft.com/office/drawing/2014/main" id="{5F4428D1-4E26-AE43-97F1-298B5C9B55E2}"/>
+              </a:ext>
+            </a:extLst>
+          </p:cNvPr>
+          <p:cNvSpPr>
+            <a:spLocks noGrp="1"/>
+          </p:cNvSpPr>
+          <p:nvPr>
+            <p:ph sz="quarter" idx="1"/>
+          </p:nvPr>
+        </p:nvSpPr>
+        <p:spPr/>
+        <p:txBody>
+          <a:bodyPr/>
+          <a:lstStyle/>
+          <a:p>
+            <a:r>
+              <a:rPr lang="en-US" sz="2400" dirty="0"/>
+              <a:t>To test for SQL injection</a:t>
+            </a:r>
+          </a:p>
+          <a:p>
+            <a:pPr lvl="1">
+              <a:buFont typeface="Wingdings" pitchFamily="2" charset="2"/>
+              <a:buNone/>
+            </a:pPr>
+            <a:r>
+              <a:rPr lang="pt-PT" sz="1800" dirty="0"/>
+              <a:t>’ </a:t>
+            </a:r>
+            <a:r>
+              <a:rPr lang="pt-PT" sz="1800" dirty="0" err="1"/>
+              <a:t>or</a:t>
+            </a:r>
+            <a:r>
+              <a:rPr lang="pt-PT" sz="1800" dirty="0"/>
+              <a:t> 1=1--</a:t>
+            </a:r>
+          </a:p>
+          <a:p>
+            <a:pPr lvl="1">
+              <a:buFont typeface="Wingdings" pitchFamily="2" charset="2"/>
+              <a:buNone/>
+            </a:pPr>
+            <a:r>
+              <a:rPr lang="pt-PT" sz="1800" dirty="0"/>
+              <a:t>" </a:t>
+            </a:r>
+            <a:r>
+              <a:rPr lang="pt-PT" sz="1800" dirty="0" err="1"/>
+              <a:t>or</a:t>
+            </a:r>
+            <a:r>
+              <a:rPr lang="pt-PT" sz="1800" dirty="0"/>
+              <a:t> 1=1--</a:t>
+            </a:r>
+          </a:p>
+          <a:p>
+            <a:pPr lvl="1">
+              <a:buFont typeface="Wingdings" pitchFamily="2" charset="2"/>
+              <a:buNone/>
+            </a:pPr>
+            <a:r>
+              <a:rPr lang="pt-PT" sz="1800" dirty="0"/>
+              <a:t>’ </a:t>
+            </a:r>
+            <a:r>
+              <a:rPr lang="pt-PT" sz="1800" dirty="0" err="1"/>
+              <a:t>or</a:t>
+            </a:r>
+            <a:r>
+              <a:rPr lang="pt-PT" sz="1800" dirty="0"/>
+              <a:t> 1=1 /*</a:t>
+            </a:r>
+          </a:p>
+          <a:p>
+            <a:pPr lvl="1">
+              <a:buFont typeface="Wingdings" pitchFamily="2" charset="2"/>
+              <a:buNone/>
+            </a:pPr>
+            <a:r>
+              <a:rPr lang="pt-PT" sz="1800" dirty="0" err="1"/>
+              <a:t>or</a:t>
+            </a:r>
+            <a:r>
+              <a:rPr lang="pt-PT" sz="1800" dirty="0"/>
+              <a:t> 1=1--</a:t>
+            </a:r>
+          </a:p>
+          <a:p>
+            <a:pPr lvl="1">
+              <a:buFont typeface="Wingdings" pitchFamily="2" charset="2"/>
+              <a:buNone/>
+            </a:pPr>
+            <a:r>
+              <a:rPr lang="pt-PT" sz="1800" dirty="0"/>
+              <a:t>’ </a:t>
+            </a:r>
+            <a:r>
+              <a:rPr lang="pt-PT" sz="1800" dirty="0" err="1"/>
+              <a:t>or</a:t>
+            </a:r>
+            <a:r>
+              <a:rPr lang="pt-PT" sz="1800" dirty="0"/>
+              <a:t> ’a’=’a</a:t>
+            </a:r>
+          </a:p>
+          <a:p>
+            <a:pPr lvl="1">
+              <a:buFont typeface="Wingdings" pitchFamily="2" charset="2"/>
+              <a:buNone/>
+            </a:pPr>
+            <a:r>
+              <a:rPr lang="pt-PT" sz="1800" dirty="0"/>
+              <a:t>" </a:t>
+            </a:r>
+            <a:r>
+              <a:rPr lang="pt-PT" sz="1800" dirty="0" err="1"/>
+              <a:t>or</a:t>
+            </a:r>
+            <a:r>
+              <a:rPr lang="pt-PT" sz="1800" dirty="0"/>
+              <a:t> "a"="a</a:t>
+            </a:r>
+          </a:p>
+          <a:p>
+            <a:pPr lvl="1">
+              <a:buFont typeface="Wingdings" pitchFamily="2" charset="2"/>
+              <a:buNone/>
+            </a:pPr>
+            <a:r>
+              <a:rPr lang="pt-PT" sz="1800" dirty="0"/>
+              <a:t>’) </a:t>
+            </a:r>
+            <a:r>
+              <a:rPr lang="pt-PT" sz="1800" dirty="0" err="1"/>
+              <a:t>or</a:t>
+            </a:r>
+            <a:r>
+              <a:rPr lang="pt-PT" sz="1800" dirty="0"/>
+              <a:t> (’a’=’a</a:t>
+            </a:r>
+          </a:p>
+          <a:p>
+            <a:pPr lvl="1">
+              <a:buFont typeface="Wingdings" pitchFamily="2" charset="2"/>
+              <a:buNone/>
+            </a:pPr>
+            <a:r>
+              <a:rPr lang="pt-PT" sz="1800" dirty="0" err="1"/>
+              <a:t>Admin</a:t>
+            </a:r>
+            <a:r>
+              <a:rPr lang="pt-PT" sz="1800" dirty="0"/>
+              <a:t>’ OR ’</a:t>
+            </a:r>
+          </a:p>
+          <a:p>
+            <a:pPr lvl="1">
+              <a:buFont typeface="Wingdings" pitchFamily="2" charset="2"/>
+              <a:buNone/>
+            </a:pPr>
+            <a:r>
+              <a:rPr lang="en-US" sz="1800" dirty="0"/>
+              <a:t>’ or 1 in (select @@version)--</a:t>
+            </a:r>
+          </a:p>
+          <a:p>
+            <a:pPr lvl="1">
+              <a:buFont typeface="Wingdings" pitchFamily="2" charset="2"/>
+              <a:buNone/>
+            </a:pPr>
+            <a:r>
+              <a:rPr lang="pt-PT" sz="1800" dirty="0"/>
+              <a:t>’ </a:t>
+            </a:r>
+            <a:r>
+              <a:rPr lang="pt-PT" sz="1800" dirty="0" err="1"/>
+              <a:t>union</a:t>
+            </a:r>
+            <a:r>
+              <a:rPr lang="pt-PT" sz="1800" dirty="0"/>
+              <a:t> </a:t>
+            </a:r>
+            <a:r>
+              <a:rPr lang="pt-PT" sz="1800" dirty="0" err="1"/>
+              <a:t>all</a:t>
+            </a:r>
+            <a:r>
+              <a:rPr lang="pt-PT" sz="1800" dirty="0"/>
+              <a:t> </a:t>
+            </a:r>
+            <a:r>
+              <a:rPr lang="pt-PT" sz="1800" dirty="0" err="1"/>
+              <a:t>select</a:t>
+            </a:r>
+            <a:r>
+              <a:rPr lang="pt-PT" sz="1800" dirty="0"/>
+              <a:t> @@</a:t>
+            </a:r>
+            <a:r>
+              <a:rPr lang="pt-PT" sz="1800" dirty="0" err="1"/>
+              <a:t>version</a:t>
+            </a:r>
+            <a:r>
+              <a:rPr lang="pt-PT" sz="1800" dirty="0"/>
+              <a:t>--</a:t>
+            </a:r>
+            <a:endParaRPr lang="en-US" sz="1800" dirty="0"/>
+          </a:p>
+          <a:p>
+            <a:endParaRPr lang="en-US" dirty="0"/>
+          </a:p>
+        </p:txBody>
+      </p:sp>
+    </p:spTree>
+    <p:extLst>
+      <p:ext uri="{BB962C8B-B14F-4D97-AF65-F5344CB8AC3E}">
+        <p14:creationId xmlns:p14="http://schemas.microsoft.com/office/powerpoint/2010/main" val="2922725707"/>
+      </p:ext>
+    </p:extLst>
+  </p:cSld>
+  <p:clrMapOvr>
+    <a:masterClrMapping/>
+  </p:clrMapOvr>
+</p:sld>
+</file>
+
+<file path=ppt/slides/slide16.xml><?xml version="1.0" encoding="utf-8"?>
+<p:sld xmlns:a="http://schemas.openxmlformats.org/drawingml/2006/main" xmlns:r="http://schemas.openxmlformats.org/officeDocument/2006/relationships" xmlns:p="http://schemas.openxmlformats.org/presentationml/2006/main">
+  <p:cSld>
+    <p:spTree>
+      <p:nvGrpSpPr>
+        <p:cNvPr id="1" name=""/>
+        <p:cNvGrpSpPr/>
+        <p:nvPr/>
+      </p:nvGrpSpPr>
+      <p:grpSpPr>
+        <a:xfrm>
+          <a:off x="0" y="0"/>
+          <a:ext cx="0" cy="0"/>
+          <a:chOff x="0" y="0"/>
+          <a:chExt cx="0" cy="0"/>
+        </a:xfrm>
+      </p:grpSpPr>
+      <p:sp>
+        <p:nvSpPr>
+          <p:cNvPr id="2" name="Title 1">
+            <a:extLst>
+              <a:ext uri="{FF2B5EF4-FFF2-40B4-BE49-F238E27FC236}">
+                <a16:creationId xmlns:a16="http://schemas.microsoft.com/office/drawing/2014/main" id="{775B7DA9-EEB5-2541-8577-43CF74D566BB}"/>
+              </a:ext>
+            </a:extLst>
+          </p:cNvPr>
+          <p:cNvSpPr>
+            <a:spLocks noGrp="1"/>
+          </p:cNvSpPr>
+          <p:nvPr>
+            <p:ph type="title"/>
+          </p:nvPr>
+        </p:nvSpPr>
+        <p:spPr/>
+        <p:txBody>
+          <a:bodyPr/>
+          <a:lstStyle/>
+          <a:p>
+            <a:r>
+              <a:rPr lang="en-US" dirty="0" err="1"/>
+              <a:t>Elementos</a:t>
+            </a:r>
+            <a:r>
+              <a:rPr lang="en-US" dirty="0"/>
+              <a:t> para </a:t>
+            </a:r>
+            <a:r>
+              <a:rPr lang="en-US" dirty="0" err="1"/>
+              <a:t>vectores</a:t>
+            </a:r>
+            <a:r>
+              <a:rPr lang="en-US" dirty="0"/>
+              <a:t> de fuzzing</a:t>
+            </a:r>
+          </a:p>
+        </p:txBody>
+      </p:sp>
+      <p:sp>
+        <p:nvSpPr>
+          <p:cNvPr id="3" name="Date Placeholder 2">
+            <a:extLst>
+              <a:ext uri="{FF2B5EF4-FFF2-40B4-BE49-F238E27FC236}">
+                <a16:creationId xmlns:a16="http://schemas.microsoft.com/office/drawing/2014/main" id="{8E2AED83-EF32-0B45-A1B0-99F5625908B7}"/>
+              </a:ext>
+            </a:extLst>
+          </p:cNvPr>
+          <p:cNvSpPr>
+            <a:spLocks noGrp="1"/>
+          </p:cNvSpPr>
+          <p:nvPr>
+            <p:ph type="dt" sz="half" idx="10"/>
+          </p:nvPr>
+        </p:nvSpPr>
+        <p:spPr/>
+        <p:txBody>
+          <a:bodyPr/>
+          <a:lstStyle/>
+          <a:p>
+            <a:r>
+              <a:rPr lang="en-US"/>
+              <a:t>2019</a:t>
+            </a:r>
+            <a:endParaRPr lang="en-US" dirty="0"/>
+          </a:p>
+        </p:txBody>
+      </p:sp>
+      <p:sp>
+        <p:nvSpPr>
+          <p:cNvPr id="4" name="Footer Placeholder 3">
+            <a:extLst>
+              <a:ext uri="{FF2B5EF4-FFF2-40B4-BE49-F238E27FC236}">
+                <a16:creationId xmlns:a16="http://schemas.microsoft.com/office/drawing/2014/main" id="{0016700E-C622-2944-ABE7-B6C93701E694}"/>
+              </a:ext>
+            </a:extLst>
+          </p:cNvPr>
+          <p:cNvSpPr>
+            <a:spLocks noGrp="1"/>
+          </p:cNvSpPr>
+          <p:nvPr>
+            <p:ph type="ftr" sz="quarter" idx="11"/>
+          </p:nvPr>
+        </p:nvSpPr>
+        <p:spPr/>
+        <p:txBody>
+          <a:bodyPr/>
+          <a:lstStyle/>
+          <a:p>
+            <a:r>
+              <a:rPr lang="en-US"/>
+              <a:t>SS - Nuno Santos</a:t>
+            </a:r>
+            <a:endParaRPr lang="en-US" dirty="0"/>
+          </a:p>
+        </p:txBody>
+      </p:sp>
+      <p:sp>
+        <p:nvSpPr>
+          <p:cNvPr id="5" name="Slide Number Placeholder 4">
+            <a:extLst>
+              <a:ext uri="{FF2B5EF4-FFF2-40B4-BE49-F238E27FC236}">
+                <a16:creationId xmlns:a16="http://schemas.microsoft.com/office/drawing/2014/main" id="{96AEA59A-4C2F-0640-AE13-718A3E0DFE27}"/>
+              </a:ext>
+            </a:extLst>
+          </p:cNvPr>
+          <p:cNvSpPr>
+            <a:spLocks noGrp="1"/>
+          </p:cNvSpPr>
+          <p:nvPr>
+            <p:ph type="sldNum" sz="quarter" idx="12"/>
+          </p:nvPr>
+        </p:nvSpPr>
+        <p:spPr/>
+        <p:txBody>
+          <a:bodyPr/>
+          <a:lstStyle/>
+          <a:p>
+            <a:fld id="{BAFC06C6-5388-EF48-9B75-F2C2BBFC0E68}" type="slidenum">
+              <a:rPr lang="en-US" smtClean="0"/>
+              <a:t>16</a:t>
+            </a:fld>
+            <a:endParaRPr lang="en-US" dirty="0"/>
+          </a:p>
+        </p:txBody>
+      </p:sp>
+      <p:sp>
+        <p:nvSpPr>
+          <p:cNvPr id="6" name="Content Placeholder 5">
+            <a:extLst>
+              <a:ext uri="{FF2B5EF4-FFF2-40B4-BE49-F238E27FC236}">
+                <a16:creationId xmlns:a16="http://schemas.microsoft.com/office/drawing/2014/main" id="{5F301BE7-0F98-DE44-BE15-0C9C5C9F5625}"/>
+              </a:ext>
+            </a:extLst>
+          </p:cNvPr>
+          <p:cNvSpPr>
+            <a:spLocks noGrp="1"/>
+          </p:cNvSpPr>
+          <p:nvPr>
+            <p:ph sz="quarter" idx="1"/>
+          </p:nvPr>
+        </p:nvSpPr>
+        <p:spPr/>
+        <p:txBody>
+          <a:bodyPr/>
+          <a:lstStyle/>
+          <a:p>
+            <a:pPr>
+              <a:lnSpc>
+                <a:spcPct val="90000"/>
+              </a:lnSpc>
+            </a:pPr>
+            <a:r>
+              <a:rPr lang="en-US" sz="2000" dirty="0"/>
+              <a:t>Think about known attacks: BOs, SQL inj., XSS,…</a:t>
+            </a:r>
+          </a:p>
+          <a:p>
+            <a:pPr>
+              <a:lnSpc>
+                <a:spcPct val="90000"/>
+              </a:lnSpc>
+            </a:pPr>
+            <a:r>
+              <a:rPr lang="en-US" sz="2000" dirty="0"/>
+              <a:t>Metacharacters</a:t>
+            </a:r>
+          </a:p>
+          <a:p>
+            <a:pPr lvl="1">
+              <a:lnSpc>
+                <a:spcPct val="90000"/>
+              </a:lnSpc>
+            </a:pPr>
+            <a:r>
+              <a:rPr lang="en-US" sz="1600" dirty="0"/>
+              <a:t>HTML  &lt;  &gt;</a:t>
+            </a:r>
+          </a:p>
+          <a:p>
+            <a:pPr lvl="1">
+              <a:lnSpc>
+                <a:spcPct val="90000"/>
+              </a:lnSpc>
+            </a:pPr>
+            <a:r>
+              <a:rPr lang="en-US" sz="1600" dirty="0"/>
+              <a:t>SQL  -  ;  ’  ”</a:t>
+            </a:r>
+          </a:p>
+          <a:p>
+            <a:pPr lvl="1">
+              <a:lnSpc>
+                <a:spcPct val="90000"/>
+              </a:lnSpc>
+            </a:pPr>
+            <a:r>
+              <a:rPr lang="en-US" sz="1600" dirty="0"/>
+              <a:t>OS  .  /  %00  *  |  ‘  ’</a:t>
+            </a:r>
+          </a:p>
+          <a:p>
+            <a:pPr lvl="1">
+              <a:lnSpc>
+                <a:spcPct val="90000"/>
+              </a:lnSpc>
+            </a:pPr>
+            <a:r>
+              <a:rPr lang="en-US" sz="1600" dirty="0"/>
+              <a:t>Web server  ../   %00</a:t>
+            </a:r>
+          </a:p>
+          <a:p>
+            <a:pPr lvl="1">
+              <a:lnSpc>
+                <a:spcPct val="90000"/>
+              </a:lnSpc>
+            </a:pPr>
+            <a:r>
+              <a:rPr lang="en-US" sz="1600" dirty="0"/>
+              <a:t>C / C++  %00</a:t>
+            </a:r>
+          </a:p>
+          <a:p>
+            <a:pPr>
+              <a:lnSpc>
+                <a:spcPct val="90000"/>
+              </a:lnSpc>
+            </a:pPr>
+            <a:r>
+              <a:rPr lang="en-US" sz="2000" dirty="0"/>
+              <a:t>Examples</a:t>
+            </a:r>
+          </a:p>
+          <a:p>
+            <a:pPr lvl="1">
+              <a:lnSpc>
+                <a:spcPct val="90000"/>
+              </a:lnSpc>
+            </a:pPr>
+            <a:r>
+              <a:rPr lang="en-US" sz="1600" dirty="0"/>
+              <a:t>Long string: 10K A’s </a:t>
+            </a:r>
+          </a:p>
+          <a:p>
+            <a:pPr lvl="1">
+              <a:lnSpc>
+                <a:spcPct val="90000"/>
+              </a:lnSpc>
+            </a:pPr>
+            <a:r>
+              <a:rPr lang="en-US" sz="1600" dirty="0"/>
+              <a:t>Very long string: 100K A’s</a:t>
+            </a:r>
+          </a:p>
+          <a:p>
+            <a:pPr lvl="1">
+              <a:lnSpc>
+                <a:spcPct val="90000"/>
+              </a:lnSpc>
+            </a:pPr>
+            <a:r>
+              <a:rPr lang="en-US" sz="1600" dirty="0"/>
+              <a:t>Format strings %</a:t>
+            </a:r>
+            <a:r>
+              <a:rPr lang="en-US" sz="1600" dirty="0" err="1"/>
+              <a:t>n%n%n</a:t>
+            </a:r>
+            <a:r>
+              <a:rPr lang="en-US" sz="1600" dirty="0"/>
+              <a:t>…</a:t>
+            </a:r>
+          </a:p>
+          <a:p>
+            <a:pPr lvl="1">
+              <a:lnSpc>
+                <a:spcPct val="90000"/>
+              </a:lnSpc>
+            </a:pPr>
+            <a:r>
+              <a:rPr lang="en-US" sz="1600" dirty="0"/>
+              <a:t>Paths ../../../../../../../../../../../../</a:t>
+            </a:r>
+            <a:r>
+              <a:rPr lang="en-US" sz="1600" dirty="0" err="1"/>
+              <a:t>etc</a:t>
+            </a:r>
+            <a:r>
+              <a:rPr lang="en-US" sz="1600" dirty="0"/>
+              <a:t>/</a:t>
+            </a:r>
+            <a:r>
+              <a:rPr lang="en-US" sz="1600" dirty="0" err="1"/>
+              <a:t>passwd</a:t>
+            </a:r>
+            <a:endParaRPr lang="en-US" sz="1600" dirty="0"/>
+          </a:p>
+          <a:p>
+            <a:pPr lvl="1">
+              <a:lnSpc>
+                <a:spcPct val="90000"/>
+              </a:lnSpc>
+            </a:pPr>
+            <a:r>
+              <a:rPr lang="en-US" sz="1600" dirty="0"/>
+              <a:t>Paths ../../../../../../../../../../../../</a:t>
+            </a:r>
+            <a:r>
+              <a:rPr lang="en-US" sz="1600" dirty="0" err="1"/>
+              <a:t>etc</a:t>
+            </a:r>
+            <a:r>
+              <a:rPr lang="en-US" sz="1600" dirty="0"/>
+              <a:t>/passwd%00</a:t>
+            </a:r>
+          </a:p>
+          <a:p>
+            <a:pPr lvl="1">
+              <a:lnSpc>
+                <a:spcPct val="90000"/>
+              </a:lnSpc>
+            </a:pPr>
+            <a:r>
+              <a:rPr lang="en-US" sz="1600" dirty="0"/>
+              <a:t>Odd characters: metacharacters and others</a:t>
+            </a:r>
+          </a:p>
+          <a:p>
+            <a:pPr lvl="1">
+              <a:lnSpc>
+                <a:spcPct val="90000"/>
+              </a:lnSpc>
+            </a:pPr>
+            <a:r>
+              <a:rPr lang="en-US" sz="1600" dirty="0"/>
+              <a:t>XSS  &lt;script&gt;alert(</a:t>
+            </a:r>
+            <a:r>
+              <a:rPr lang="en-US" sz="1600" dirty="0" err="1"/>
+              <a:t>document.location</a:t>
+            </a:r>
+            <a:r>
+              <a:rPr lang="en-US" sz="1600" dirty="0"/>
+              <a:t>);&lt;/script&gt;</a:t>
+            </a:r>
+          </a:p>
+          <a:p>
+            <a:endParaRPr lang="en-US" dirty="0"/>
+          </a:p>
+        </p:txBody>
+      </p:sp>
+    </p:spTree>
+    <p:extLst>
+      <p:ext uri="{BB962C8B-B14F-4D97-AF65-F5344CB8AC3E}">
+        <p14:creationId xmlns:p14="http://schemas.microsoft.com/office/powerpoint/2010/main" val="1513082448"/>
+      </p:ext>
+    </p:extLst>
+  </p:cSld>
+  <p:clrMapOvr>
+    <a:masterClrMapping/>
+  </p:clrMapOvr>
+</p:sld>
+</file>
+
+<file path=ppt/slides/slide17.xml><?xml version="1.0" encoding="utf-8"?>
+<p:sld xmlns:a="http://schemas.openxmlformats.org/drawingml/2006/main" xmlns:r="http://schemas.openxmlformats.org/officeDocument/2006/relationships" xmlns:p="http://schemas.openxmlformats.org/presentationml/2006/main">
+  <p:cSld>
+    <p:spTree>
+      <p:nvGrpSpPr>
+        <p:cNvPr id="1" name=""/>
+        <p:cNvGrpSpPr/>
+        <p:nvPr/>
+      </p:nvGrpSpPr>
+      <p:grpSpPr>
+        <a:xfrm>
+          <a:off x="0" y="0"/>
+          <a:ext cx="0" cy="0"/>
+          <a:chOff x="0" y="0"/>
+          <a:chExt cx="0" cy="0"/>
+        </a:xfrm>
+      </p:grpSpPr>
+      <p:sp>
+        <p:nvSpPr>
+          <p:cNvPr id="2" name="Title 1">
+            <a:extLst>
+              <a:ext uri="{FF2B5EF4-FFF2-40B4-BE49-F238E27FC236}">
+                <a16:creationId xmlns:a16="http://schemas.microsoft.com/office/drawing/2014/main" id="{4214FC39-80AD-A94E-9F12-45916DB50D6B}"/>
+              </a:ext>
+            </a:extLst>
+          </p:cNvPr>
+          <p:cNvSpPr>
+            <a:spLocks noGrp="1"/>
+          </p:cNvSpPr>
+          <p:nvPr>
+            <p:ph type="title"/>
+          </p:nvPr>
+        </p:nvSpPr>
+        <p:spPr/>
+        <p:txBody>
+          <a:bodyPr/>
+          <a:lstStyle/>
+          <a:p>
+            <a:r>
+              <a:rPr lang="en-US" dirty="0" err="1"/>
+              <a:t>Tipos</a:t>
+            </a:r>
+            <a:r>
+              <a:rPr lang="en-US" dirty="0"/>
+              <a:t> de </a:t>
+            </a:r>
+            <a:r>
+              <a:rPr lang="en-US" dirty="0" err="1"/>
+              <a:t>fuzzers</a:t>
+            </a:r>
+            <a:endParaRPr lang="en-US" dirty="0"/>
+          </a:p>
+        </p:txBody>
+      </p:sp>
+      <p:sp>
+        <p:nvSpPr>
+          <p:cNvPr id="3" name="Date Placeholder 2">
+            <a:extLst>
+              <a:ext uri="{FF2B5EF4-FFF2-40B4-BE49-F238E27FC236}">
+                <a16:creationId xmlns:a16="http://schemas.microsoft.com/office/drawing/2014/main" id="{6E9AD6A3-895A-954A-A80C-BA5B625BCC3D}"/>
+              </a:ext>
+            </a:extLst>
+          </p:cNvPr>
+          <p:cNvSpPr>
+            <a:spLocks noGrp="1"/>
+          </p:cNvSpPr>
+          <p:nvPr>
+            <p:ph type="dt" sz="half" idx="10"/>
+          </p:nvPr>
+        </p:nvSpPr>
+        <p:spPr/>
+        <p:txBody>
+          <a:bodyPr/>
+          <a:lstStyle/>
+          <a:p>
+            <a:r>
+              <a:rPr lang="en-US"/>
+              <a:t>2019</a:t>
+            </a:r>
+            <a:endParaRPr lang="en-US" dirty="0"/>
+          </a:p>
+        </p:txBody>
+      </p:sp>
+      <p:sp>
+        <p:nvSpPr>
+          <p:cNvPr id="4" name="Footer Placeholder 3">
+            <a:extLst>
+              <a:ext uri="{FF2B5EF4-FFF2-40B4-BE49-F238E27FC236}">
+                <a16:creationId xmlns:a16="http://schemas.microsoft.com/office/drawing/2014/main" id="{3F5DC149-8967-DB44-BCB0-93B84A7704E6}"/>
+              </a:ext>
+            </a:extLst>
+          </p:cNvPr>
+          <p:cNvSpPr>
+            <a:spLocks noGrp="1"/>
+          </p:cNvSpPr>
+          <p:nvPr>
+            <p:ph type="ftr" sz="quarter" idx="11"/>
+          </p:nvPr>
+        </p:nvSpPr>
+        <p:spPr/>
+        <p:txBody>
+          <a:bodyPr/>
+          <a:lstStyle/>
+          <a:p>
+            <a:r>
+              <a:rPr lang="en-US"/>
+              <a:t>SS - Nuno Santos</a:t>
+            </a:r>
+            <a:endParaRPr lang="en-US" dirty="0"/>
+          </a:p>
+        </p:txBody>
+      </p:sp>
+      <p:sp>
+        <p:nvSpPr>
+          <p:cNvPr id="5" name="Slide Number Placeholder 4">
+            <a:extLst>
+              <a:ext uri="{FF2B5EF4-FFF2-40B4-BE49-F238E27FC236}">
+                <a16:creationId xmlns:a16="http://schemas.microsoft.com/office/drawing/2014/main" id="{E5391EFF-FC3D-2C47-8489-4A4A47B3D735}"/>
+              </a:ext>
+            </a:extLst>
+          </p:cNvPr>
+          <p:cNvSpPr>
+            <a:spLocks noGrp="1"/>
+          </p:cNvSpPr>
+          <p:nvPr>
+            <p:ph type="sldNum" sz="quarter" idx="12"/>
+          </p:nvPr>
+        </p:nvSpPr>
+        <p:spPr/>
+        <p:txBody>
+          <a:bodyPr/>
+          <a:lstStyle/>
+          <a:p>
+            <a:fld id="{BAFC06C6-5388-EF48-9B75-F2C2BBFC0E68}" type="slidenum">
+              <a:rPr lang="en-US" smtClean="0"/>
+              <a:t>17</a:t>
+            </a:fld>
+            <a:endParaRPr lang="en-US" dirty="0"/>
+          </a:p>
+        </p:txBody>
+      </p:sp>
+      <p:sp>
+        <p:nvSpPr>
+          <p:cNvPr id="6" name="Content Placeholder 5">
+            <a:extLst>
+              <a:ext uri="{FF2B5EF4-FFF2-40B4-BE49-F238E27FC236}">
+                <a16:creationId xmlns:a16="http://schemas.microsoft.com/office/drawing/2014/main" id="{6E574340-3A98-9B41-AE71-53FDEBC0B59B}"/>
+              </a:ext>
+            </a:extLst>
+          </p:cNvPr>
+          <p:cNvSpPr>
+            <a:spLocks noGrp="1"/>
+          </p:cNvSpPr>
+          <p:nvPr>
+            <p:ph sz="quarter" idx="1"/>
+          </p:nvPr>
+        </p:nvSpPr>
+        <p:spPr/>
+        <p:txBody>
+          <a:bodyPr>
+            <a:normAutofit fontScale="92500"/>
+          </a:bodyPr>
+          <a:lstStyle/>
+          <a:p>
+            <a:pPr marL="0" indent="0">
+              <a:buNone/>
+            </a:pPr>
+            <a:r>
+              <a:rPr lang="en-US" dirty="0"/>
+              <a:t>In terms of </a:t>
+            </a:r>
+            <a:r>
+              <a:rPr lang="en-US" i="1" dirty="0"/>
+              <a:t>knowledge </a:t>
+            </a:r>
+            <a:r>
+              <a:rPr lang="en-US" dirty="0"/>
+              <a:t>of the target</a:t>
+            </a:r>
+          </a:p>
+          <a:p>
+            <a:r>
+              <a:rPr lang="en-US" dirty="0">
+                <a:solidFill>
+                  <a:schemeClr val="accent4"/>
+                </a:solidFill>
+              </a:rPr>
+              <a:t>Thin </a:t>
+            </a:r>
+            <a:r>
+              <a:rPr lang="en-US" dirty="0" err="1">
+                <a:solidFill>
+                  <a:schemeClr val="accent4"/>
+                </a:solidFill>
+              </a:rPr>
+              <a:t>fuzzers</a:t>
+            </a:r>
+            <a:r>
+              <a:rPr lang="en-US" dirty="0">
+                <a:solidFill>
+                  <a:schemeClr val="accent4"/>
+                </a:solidFill>
+              </a:rPr>
+              <a:t> </a:t>
+            </a:r>
+            <a:r>
+              <a:rPr lang="en-US" dirty="0"/>
+              <a:t>– simple tools with little knowledge about the app tested; send random invalid input to the target</a:t>
+            </a:r>
+          </a:p>
+          <a:p>
+            <a:r>
+              <a:rPr lang="en-US" dirty="0">
+                <a:solidFill>
+                  <a:schemeClr val="accent4"/>
+                </a:solidFill>
+              </a:rPr>
+              <a:t>Fat </a:t>
+            </a:r>
+            <a:r>
+              <a:rPr lang="en-US" dirty="0" err="1">
+                <a:solidFill>
+                  <a:schemeClr val="accent4"/>
+                </a:solidFill>
+              </a:rPr>
+              <a:t>fuzzers</a:t>
+            </a:r>
+            <a:r>
+              <a:rPr lang="en-US" dirty="0">
+                <a:solidFill>
+                  <a:schemeClr val="accent4"/>
+                </a:solidFill>
+              </a:rPr>
+              <a:t> </a:t>
+            </a:r>
+            <a:r>
+              <a:rPr lang="en-US" dirty="0"/>
+              <a:t>– can generate input that is valid (accepted by the parser) but irregular; better coverage</a:t>
+            </a:r>
+          </a:p>
+          <a:p>
+            <a:pPr marL="0" indent="0">
+              <a:buNone/>
+            </a:pPr>
+            <a:r>
+              <a:rPr lang="en-US" dirty="0"/>
+              <a:t>In terms of </a:t>
+            </a:r>
+            <a:r>
+              <a:rPr lang="en-US" i="1" dirty="0"/>
+              <a:t>specialization </a:t>
+            </a:r>
+          </a:p>
+          <a:p>
+            <a:r>
+              <a:rPr lang="en-US" dirty="0">
+                <a:solidFill>
+                  <a:schemeClr val="accent4"/>
+                </a:solidFill>
+              </a:rPr>
+              <a:t>Specialized</a:t>
+            </a:r>
+            <a:r>
+              <a:rPr lang="en-US" dirty="0"/>
+              <a:t> – implemented for a specific type of application, network protocol, file format; can be “intelligent”</a:t>
+            </a:r>
+          </a:p>
+          <a:p>
+            <a:r>
+              <a:rPr lang="en-US" dirty="0">
+                <a:solidFill>
+                  <a:schemeClr val="accent4"/>
+                </a:solidFill>
+              </a:rPr>
+              <a:t>Generic </a:t>
+            </a:r>
+            <a:r>
+              <a:rPr lang="en-US" dirty="0"/>
+              <a:t>– can be applied on a large spectrum of targets (</a:t>
+            </a:r>
+            <a:r>
+              <a:rPr lang="en-US" i="1" dirty="0" err="1">
+                <a:solidFill>
+                  <a:schemeClr val="accent4"/>
+                </a:solidFill>
+              </a:rPr>
+              <a:t>fuzzer</a:t>
+            </a:r>
+            <a:r>
+              <a:rPr lang="en-US" i="1" dirty="0">
+                <a:solidFill>
+                  <a:schemeClr val="accent4"/>
+                </a:solidFill>
+              </a:rPr>
+              <a:t> frameworks</a:t>
+            </a:r>
+            <a:r>
+              <a:rPr lang="en-US" dirty="0"/>
+              <a:t>)</a:t>
+            </a:r>
+          </a:p>
+          <a:p>
+            <a:endParaRPr lang="en-US" dirty="0"/>
+          </a:p>
+        </p:txBody>
+      </p:sp>
+    </p:spTree>
+    <p:extLst>
+      <p:ext uri="{BB962C8B-B14F-4D97-AF65-F5344CB8AC3E}">
+        <p14:creationId xmlns:p14="http://schemas.microsoft.com/office/powerpoint/2010/main" val="863122595"/>
+      </p:ext>
+    </p:extLst>
+  </p:cSld>
+  <p:clrMapOvr>
+    <a:masterClrMapping/>
+  </p:clrMapOvr>
+</p:sld>
+</file>
+
+<file path=ppt/slides/slide18.xml><?xml version="1.0" encoding="utf-8"?>
+<p:sld xmlns:a="http://schemas.openxmlformats.org/drawingml/2006/main" xmlns:r="http://schemas.openxmlformats.org/officeDocument/2006/relationships" xmlns:p="http://schemas.openxmlformats.org/presentationml/2006/main">
+  <p:cSld>
+    <p:spTree>
+      <p:nvGrpSpPr>
+        <p:cNvPr id="1" name=""/>
+        <p:cNvGrpSpPr/>
+        <p:nvPr/>
+      </p:nvGrpSpPr>
+      <p:grpSpPr>
+        <a:xfrm>
+          <a:off x="0" y="0"/>
+          <a:ext cx="0" cy="0"/>
+          <a:chOff x="0" y="0"/>
+          <a:chExt cx="0" cy="0"/>
+        </a:xfrm>
+      </p:grpSpPr>
+      <p:sp>
+        <p:nvSpPr>
+          <p:cNvPr id="7" name="Title 6">
+            <a:extLst>
+              <a:ext uri="{FF2B5EF4-FFF2-40B4-BE49-F238E27FC236}">
+                <a16:creationId xmlns:a16="http://schemas.microsoft.com/office/drawing/2014/main" id="{CA065597-B38C-3C4A-A732-97A489122D28}"/>
+              </a:ext>
+            </a:extLst>
+          </p:cNvPr>
+          <p:cNvSpPr>
+            <a:spLocks noGrp="1"/>
+          </p:cNvSpPr>
+          <p:nvPr>
+            <p:ph type="title"/>
+          </p:nvPr>
+        </p:nvSpPr>
+        <p:spPr/>
+        <p:txBody>
+          <a:bodyPr/>
+          <a:lstStyle/>
+          <a:p>
+            <a:r>
+              <a:rPr lang="en-US" dirty="0"/>
+              <a:t>Scanners de </a:t>
+            </a:r>
+            <a:r>
+              <a:rPr lang="en-US" dirty="0" err="1"/>
+              <a:t>vulnerabilidades</a:t>
+            </a:r>
+            <a:endParaRPr lang="en-US" dirty="0"/>
+          </a:p>
+        </p:txBody>
+      </p:sp>
+      <p:sp>
+        <p:nvSpPr>
+          <p:cNvPr id="3" name="Date Placeholder 2">
+            <a:extLst>
+              <a:ext uri="{FF2B5EF4-FFF2-40B4-BE49-F238E27FC236}">
+                <a16:creationId xmlns:a16="http://schemas.microsoft.com/office/drawing/2014/main" id="{AD4493F9-01A7-D544-81BA-3EB4C049A4CD}"/>
+              </a:ext>
+            </a:extLst>
+          </p:cNvPr>
+          <p:cNvSpPr>
+            <a:spLocks noGrp="1"/>
+          </p:cNvSpPr>
+          <p:nvPr>
+            <p:ph type="dt" sz="half" idx="10"/>
+          </p:nvPr>
+        </p:nvSpPr>
+        <p:spPr/>
+        <p:txBody>
+          <a:bodyPr/>
+          <a:lstStyle/>
+          <a:p>
+            <a:r>
+              <a:rPr lang="en-US"/>
+              <a:t>2019</a:t>
+            </a:r>
+            <a:endParaRPr lang="en-US" dirty="0"/>
+          </a:p>
+        </p:txBody>
+      </p:sp>
+      <p:sp>
+        <p:nvSpPr>
+          <p:cNvPr id="4" name="Footer Placeholder 3">
+            <a:extLst>
+              <a:ext uri="{FF2B5EF4-FFF2-40B4-BE49-F238E27FC236}">
+                <a16:creationId xmlns:a16="http://schemas.microsoft.com/office/drawing/2014/main" id="{8177CA35-7D0A-6D4A-9185-3373EC74F745}"/>
+              </a:ext>
+            </a:extLst>
+          </p:cNvPr>
+          <p:cNvSpPr>
+            <a:spLocks noGrp="1"/>
+          </p:cNvSpPr>
+          <p:nvPr>
+            <p:ph type="ftr" sz="quarter" idx="11"/>
+          </p:nvPr>
+        </p:nvSpPr>
+        <p:spPr/>
+        <p:txBody>
+          <a:bodyPr/>
+          <a:lstStyle/>
+          <a:p>
+            <a:r>
+              <a:rPr lang="en-US"/>
+              <a:t>SS - Nuno Santos</a:t>
+            </a:r>
+            <a:endParaRPr lang="en-US" dirty="0"/>
+          </a:p>
+        </p:txBody>
+      </p:sp>
+      <p:sp>
+        <p:nvSpPr>
+          <p:cNvPr id="5" name="Slide Number Placeholder 4">
+            <a:extLst>
+              <a:ext uri="{FF2B5EF4-FFF2-40B4-BE49-F238E27FC236}">
+                <a16:creationId xmlns:a16="http://schemas.microsoft.com/office/drawing/2014/main" id="{A9726EED-259C-9F47-AD3A-0A6F09C3FB7F}"/>
+              </a:ext>
+            </a:extLst>
+          </p:cNvPr>
+          <p:cNvSpPr>
+            <a:spLocks noGrp="1"/>
+          </p:cNvSpPr>
+          <p:nvPr>
+            <p:ph type="sldNum" sz="quarter" idx="12"/>
+          </p:nvPr>
+        </p:nvSpPr>
+        <p:spPr/>
+        <p:txBody>
+          <a:bodyPr/>
+          <a:lstStyle/>
+          <a:p>
+            <a:fld id="{BAFC06C6-5388-EF48-9B75-F2C2BBFC0E68}" type="slidenum">
+              <a:rPr lang="en-US" smtClean="0"/>
+              <a:t>18</a:t>
+            </a:fld>
+            <a:endParaRPr lang="en-US" dirty="0"/>
+          </a:p>
+        </p:txBody>
+      </p:sp>
+    </p:spTree>
+    <p:extLst>
+      <p:ext uri="{BB962C8B-B14F-4D97-AF65-F5344CB8AC3E}">
+        <p14:creationId xmlns:p14="http://schemas.microsoft.com/office/powerpoint/2010/main" val="2869426125"/>
+      </p:ext>
+    </p:extLst>
+  </p:cSld>
+  <p:clrMapOvr>
+    <a:masterClrMapping/>
+  </p:clrMapOvr>
+</p:sld>
+</file>
+
+<file path=ppt/slides/slide19.xml><?xml version="1.0" encoding="utf-8"?>
+<p:sld xmlns:a="http://schemas.openxmlformats.org/drawingml/2006/main" xmlns:r="http://schemas.openxmlformats.org/officeDocument/2006/relationships" xmlns:p="http://schemas.openxmlformats.org/presentationml/2006/main">
+  <p:cSld>
+    <p:spTree>
+      <p:nvGrpSpPr>
+        <p:cNvPr id="1" name=""/>
+        <p:cNvGrpSpPr/>
+        <p:nvPr/>
+      </p:nvGrpSpPr>
+      <p:grpSpPr>
+        <a:xfrm>
+          <a:off x="0" y="0"/>
+          <a:ext cx="0" cy="0"/>
+          <a:chOff x="0" y="0"/>
+          <a:chExt cx="0" cy="0"/>
+        </a:xfrm>
+      </p:grpSpPr>
+      <p:sp>
+        <p:nvSpPr>
+          <p:cNvPr id="2" name="Title 1">
+            <a:extLst>
+              <a:ext uri="{FF2B5EF4-FFF2-40B4-BE49-F238E27FC236}">
+                <a16:creationId xmlns:a16="http://schemas.microsoft.com/office/drawing/2014/main" id="{870E838D-11C4-4249-BA8A-9CEE9ACA9D0B}"/>
+              </a:ext>
+            </a:extLst>
+          </p:cNvPr>
+          <p:cNvSpPr>
+            <a:spLocks noGrp="1"/>
+          </p:cNvSpPr>
+          <p:nvPr>
+            <p:ph type="title"/>
+          </p:nvPr>
+        </p:nvSpPr>
+        <p:spPr/>
+        <p:txBody>
+          <a:bodyPr/>
+          <a:lstStyle/>
+          <a:p>
+            <a:r>
+              <a:rPr lang="en-US" dirty="0"/>
+              <a:t>Scanners de </a:t>
+            </a:r>
+            <a:r>
+              <a:rPr lang="en-US" dirty="0" err="1"/>
+              <a:t>vulnerabilidades</a:t>
+            </a:r>
+            <a:endParaRPr lang="en-US" dirty="0"/>
+          </a:p>
+        </p:txBody>
+      </p:sp>
+      <p:sp>
+        <p:nvSpPr>
+          <p:cNvPr id="3" name="Date Placeholder 2">
+            <a:extLst>
+              <a:ext uri="{FF2B5EF4-FFF2-40B4-BE49-F238E27FC236}">
+                <a16:creationId xmlns:a16="http://schemas.microsoft.com/office/drawing/2014/main" id="{34E6ED6D-D37A-184F-8C50-F84FD0E4D22E}"/>
+              </a:ext>
+            </a:extLst>
+          </p:cNvPr>
+          <p:cNvSpPr>
+            <a:spLocks noGrp="1"/>
+          </p:cNvSpPr>
+          <p:nvPr>
+            <p:ph type="dt" sz="half" idx="10"/>
+          </p:nvPr>
+        </p:nvSpPr>
+        <p:spPr/>
+        <p:txBody>
+          <a:bodyPr/>
+          <a:lstStyle/>
+          <a:p>
+            <a:r>
+              <a:rPr lang="en-US"/>
+              <a:t>2019</a:t>
+            </a:r>
+            <a:endParaRPr lang="en-US" dirty="0"/>
+          </a:p>
+        </p:txBody>
+      </p:sp>
+      <p:sp>
+        <p:nvSpPr>
+          <p:cNvPr id="4" name="Footer Placeholder 3">
+            <a:extLst>
+              <a:ext uri="{FF2B5EF4-FFF2-40B4-BE49-F238E27FC236}">
+                <a16:creationId xmlns:a16="http://schemas.microsoft.com/office/drawing/2014/main" id="{6CBF2421-0542-C943-ADBF-E21BDD3FBE96}"/>
+              </a:ext>
+            </a:extLst>
+          </p:cNvPr>
+          <p:cNvSpPr>
+            <a:spLocks noGrp="1"/>
+          </p:cNvSpPr>
+          <p:nvPr>
+            <p:ph type="ftr" sz="quarter" idx="11"/>
+          </p:nvPr>
+        </p:nvSpPr>
+        <p:spPr/>
+        <p:txBody>
+          <a:bodyPr/>
+          <a:lstStyle/>
+          <a:p>
+            <a:r>
+              <a:rPr lang="en-US"/>
+              <a:t>SS - Nuno Santos</a:t>
+            </a:r>
+            <a:endParaRPr lang="en-US" dirty="0"/>
+          </a:p>
+        </p:txBody>
+      </p:sp>
+      <p:sp>
+        <p:nvSpPr>
+          <p:cNvPr id="5" name="Slide Number Placeholder 4">
+            <a:extLst>
+              <a:ext uri="{FF2B5EF4-FFF2-40B4-BE49-F238E27FC236}">
+                <a16:creationId xmlns:a16="http://schemas.microsoft.com/office/drawing/2014/main" id="{E22BAE70-7748-DE4E-801D-E79A97E1D613}"/>
+              </a:ext>
+            </a:extLst>
+          </p:cNvPr>
+          <p:cNvSpPr>
+            <a:spLocks noGrp="1"/>
+          </p:cNvSpPr>
+          <p:nvPr>
+            <p:ph type="sldNum" sz="quarter" idx="12"/>
+          </p:nvPr>
+        </p:nvSpPr>
+        <p:spPr/>
+        <p:txBody>
+          <a:bodyPr/>
+          <a:lstStyle/>
+          <a:p>
+            <a:fld id="{BAFC06C6-5388-EF48-9B75-F2C2BBFC0E68}" type="slidenum">
+              <a:rPr lang="en-US" smtClean="0"/>
+              <a:t>19</a:t>
+            </a:fld>
+            <a:endParaRPr lang="en-US" dirty="0"/>
+          </a:p>
+        </p:txBody>
+      </p:sp>
+      <p:sp>
+        <p:nvSpPr>
+          <p:cNvPr id="6" name="Content Placeholder 5">
+            <a:extLst>
+              <a:ext uri="{FF2B5EF4-FFF2-40B4-BE49-F238E27FC236}">
+                <a16:creationId xmlns:a16="http://schemas.microsoft.com/office/drawing/2014/main" id="{29493E18-58EA-DF4C-962A-EACD82C2D46C}"/>
+              </a:ext>
+            </a:extLst>
+          </p:cNvPr>
+          <p:cNvSpPr>
+            <a:spLocks noGrp="1"/>
+          </p:cNvSpPr>
+          <p:nvPr>
+            <p:ph sz="quarter" idx="1"/>
+          </p:nvPr>
+        </p:nvSpPr>
+        <p:spPr/>
+        <p:txBody>
+          <a:bodyPr/>
+          <a:lstStyle/>
+          <a:p>
+            <a:r>
+              <a:rPr lang="en-US" dirty="0"/>
+              <a:t>The classical way to search for vulnerabilities in computer networks </a:t>
+            </a:r>
+          </a:p>
+          <a:p>
+            <a:pPr lvl="1"/>
+            <a:r>
+              <a:rPr lang="en-US" dirty="0"/>
+              <a:t>COPS, SATAN, Nessus, OpenVAS, </a:t>
+            </a:r>
+            <a:r>
+              <a:rPr lang="en-US" dirty="0" err="1"/>
+              <a:t>LANguard</a:t>
+            </a:r>
+            <a:endParaRPr lang="en-US" dirty="0"/>
+          </a:p>
+          <a:p>
+            <a:r>
+              <a:rPr lang="en-US" dirty="0"/>
+              <a:t>Web vulnerability scanners – for web applications</a:t>
+            </a:r>
+          </a:p>
+          <a:p>
+            <a:pPr lvl="1"/>
+            <a:r>
+              <a:rPr lang="en-US" dirty="0"/>
+              <a:t>Also called web application scanners, web application security scanners, web application vulnerability scanners </a:t>
+            </a:r>
+          </a:p>
+          <a:p>
+            <a:endParaRPr lang="en-US" dirty="0"/>
+          </a:p>
+        </p:txBody>
+      </p:sp>
+    </p:spTree>
+    <p:extLst>
+      <p:ext uri="{BB962C8B-B14F-4D97-AF65-F5344CB8AC3E}">
+        <p14:creationId xmlns:p14="http://schemas.microsoft.com/office/powerpoint/2010/main" val="3036660960"/>
       </p:ext>
     </p:extLst>
   </p:cSld>
@@ -5477,12 +8319,16 @@
           <a:lstStyle/>
           <a:p>
             <a:r>
-              <a:rPr lang="en-US" dirty="0" smtClean="0"/>
-              <a:t>Na aula </a:t>
-            </a:r>
-            <a:r>
-              <a:rPr lang="en-US" dirty="0" err="1" smtClean="0"/>
-              <a:t>passada</a:t>
+              <a:rPr lang="en-US" dirty="0" err="1"/>
+              <a:t>Onde</a:t>
+            </a:r>
+            <a:r>
+              <a:rPr lang="en-US" dirty="0"/>
+              <a:t> </a:t>
+            </a:r>
+            <a:r>
+              <a:rPr lang="en-US" dirty="0" err="1"/>
+              <a:t>estamos</a:t>
             </a:r>
             <a:endParaRPr lang="en-US" dirty="0"/>
           </a:p>
@@ -5504,7 +8350,7 @@
           <a:lstStyle/>
           <a:p>
             <a:r>
-              <a:rPr lang="en-US" smtClean="0"/>
+              <a:rPr lang="en-US"/>
               <a:t>2019</a:t>
             </a:r>
             <a:endParaRPr lang="en-US" dirty="0"/>
@@ -5527,7 +8373,7 @@
           <a:lstStyle/>
           <a:p>
             <a:r>
-              <a:rPr lang="en-US" smtClean="0"/>
+              <a:rPr lang="en-US"/>
               <a:t>SS - Nuno Santos</a:t>
             </a:r>
             <a:endParaRPr lang="en-US" dirty="0"/>
@@ -5567,11 +8413,486 @@
             <p:ph sz="quarter" idx="1"/>
           </p:nvPr>
         </p:nvSpPr>
-        <p:spPr/>
-        <p:txBody>
-          <a:bodyPr/>
-          <a:lstStyle/>
-          <a:p>
+        <p:spPr>
+          <a:xfrm>
+            <a:off x="1524000" y="1219200"/>
+            <a:ext cx="7467600" cy="4937760"/>
+          </a:xfrm>
+        </p:spPr>
+        <p:txBody>
+          <a:bodyPr>
+            <a:normAutofit/>
+          </a:bodyPr>
+          <a:lstStyle/>
+          <a:p>
+            <a:r>
+              <a:rPr lang="en-US" sz="2400" b="1" dirty="0" err="1">
+                <a:solidFill>
+                  <a:schemeClr val="accent1">
+                    <a:lumMod val="60000"/>
+                    <a:lumOff val="40000"/>
+                  </a:schemeClr>
+                </a:solidFill>
+              </a:rPr>
+              <a:t>Parte</a:t>
+            </a:r>
+            <a:r>
+              <a:rPr lang="en-US" sz="2400" b="1" dirty="0">
+                <a:solidFill>
+                  <a:schemeClr val="accent1">
+                    <a:lumMod val="60000"/>
+                    <a:lumOff val="40000"/>
+                  </a:schemeClr>
+                </a:solidFill>
+              </a:rPr>
+              <a:t> I: </a:t>
+            </a:r>
+            <a:r>
+              <a:rPr lang="en-US" sz="2400" b="1" dirty="0" err="1">
+                <a:solidFill>
+                  <a:schemeClr val="accent1">
+                    <a:lumMod val="60000"/>
+                    <a:lumOff val="40000"/>
+                  </a:schemeClr>
+                </a:solidFill>
+              </a:rPr>
+              <a:t>Enquadramento</a:t>
+            </a:r>
+            <a:r>
+              <a:rPr lang="en-US" sz="2400" b="1" dirty="0">
+                <a:solidFill>
+                  <a:schemeClr val="accent1">
+                    <a:lumMod val="60000"/>
+                    <a:lumOff val="40000"/>
+                  </a:schemeClr>
+                </a:solidFill>
+              </a:rPr>
+              <a:t> e </a:t>
+            </a:r>
+            <a:r>
+              <a:rPr lang="en-US" sz="2400" b="1" dirty="0" err="1">
+                <a:solidFill>
+                  <a:schemeClr val="accent1">
+                    <a:lumMod val="60000"/>
+                    <a:lumOff val="40000"/>
+                  </a:schemeClr>
+                </a:solidFill>
+              </a:rPr>
+              <a:t>protecção</a:t>
+            </a:r>
+            <a:r>
+              <a:rPr lang="en-US" sz="2400" b="1" dirty="0">
+                <a:solidFill>
+                  <a:schemeClr val="accent1">
+                    <a:lumMod val="60000"/>
+                    <a:lumOff val="40000"/>
+                  </a:schemeClr>
+                </a:solidFill>
+              </a:rPr>
+              <a:t> (2 aulas)</a:t>
+            </a:r>
+          </a:p>
+          <a:p>
+            <a:pPr lvl="1"/>
+            <a:r>
+              <a:rPr lang="en-US" sz="2000" dirty="0" err="1">
+                <a:solidFill>
+                  <a:schemeClr val="accent1">
+                    <a:lumMod val="60000"/>
+                    <a:lumOff val="40000"/>
+                  </a:schemeClr>
+                </a:solidFill>
+              </a:rPr>
+              <a:t>Conceitos</a:t>
+            </a:r>
+            <a:r>
+              <a:rPr lang="en-US" sz="2000" dirty="0">
+                <a:solidFill>
+                  <a:schemeClr val="accent1">
+                    <a:lumMod val="60000"/>
+                    <a:lumOff val="40000"/>
+                  </a:schemeClr>
+                </a:solidFill>
+              </a:rPr>
+              <a:t> de </a:t>
+            </a:r>
+            <a:r>
+              <a:rPr lang="en-US" sz="2000" dirty="0" err="1">
+                <a:solidFill>
+                  <a:schemeClr val="accent1">
+                    <a:lumMod val="60000"/>
+                    <a:lumOff val="40000"/>
+                  </a:schemeClr>
+                </a:solidFill>
+              </a:rPr>
+              <a:t>segurança</a:t>
+            </a:r>
+            <a:r>
+              <a:rPr lang="en-US" sz="2000" dirty="0">
+                <a:solidFill>
+                  <a:schemeClr val="accent1">
+                    <a:lumMod val="60000"/>
+                    <a:lumOff val="40000"/>
+                  </a:schemeClr>
+                </a:solidFill>
+              </a:rPr>
+              <a:t> de software, </a:t>
+            </a:r>
+            <a:r>
+              <a:rPr lang="en-US" sz="2000" dirty="0" err="1">
+                <a:solidFill>
+                  <a:schemeClr val="accent1">
+                    <a:lumMod val="60000"/>
+                    <a:lumOff val="40000"/>
+                  </a:schemeClr>
+                </a:solidFill>
+              </a:rPr>
+              <a:t>mecanismos</a:t>
+            </a:r>
+            <a:r>
+              <a:rPr lang="en-US" sz="2000" dirty="0">
+                <a:solidFill>
+                  <a:schemeClr val="accent1">
+                    <a:lumMod val="60000"/>
+                    <a:lumOff val="40000"/>
+                  </a:schemeClr>
+                </a:solidFill>
+              </a:rPr>
+              <a:t> </a:t>
+            </a:r>
+            <a:r>
+              <a:rPr lang="en-US" sz="2000" dirty="0" err="1">
+                <a:solidFill>
+                  <a:schemeClr val="accent1">
+                    <a:lumMod val="60000"/>
+                    <a:lumOff val="40000"/>
+                  </a:schemeClr>
+                </a:solidFill>
+              </a:rPr>
+              <a:t>básicos</a:t>
+            </a:r>
+            <a:r>
+              <a:rPr lang="en-US" sz="2000" dirty="0">
+                <a:solidFill>
+                  <a:schemeClr val="accent1">
+                    <a:lumMod val="60000"/>
+                    <a:lumOff val="40000"/>
+                  </a:schemeClr>
+                </a:solidFill>
+              </a:rPr>
+              <a:t> de </a:t>
+            </a:r>
+            <a:r>
+              <a:rPr lang="en-US" sz="2000" dirty="0" err="1">
+                <a:solidFill>
+                  <a:schemeClr val="accent1">
+                    <a:lumMod val="60000"/>
+                    <a:lumOff val="40000"/>
+                  </a:schemeClr>
+                </a:solidFill>
+              </a:rPr>
+              <a:t>segurança</a:t>
+            </a:r>
+            <a:endParaRPr lang="en-US" sz="2000" dirty="0">
+              <a:solidFill>
+                <a:schemeClr val="accent1">
+                  <a:lumMod val="60000"/>
+                  <a:lumOff val="40000"/>
+                </a:schemeClr>
+              </a:solidFill>
+            </a:endParaRPr>
+          </a:p>
+          <a:p>
+            <a:pPr lvl="1"/>
+            <a:endParaRPr lang="en-US" sz="2000" dirty="0"/>
+          </a:p>
+          <a:p>
+            <a:r>
+              <a:rPr lang="en-US" sz="2400" b="1" dirty="0" err="1">
+                <a:solidFill>
+                  <a:schemeClr val="accent1">
+                    <a:lumMod val="60000"/>
+                    <a:lumOff val="40000"/>
+                  </a:schemeClr>
+                </a:solidFill>
+              </a:rPr>
+              <a:t>Parte</a:t>
+            </a:r>
+            <a:r>
+              <a:rPr lang="en-US" sz="2400" b="1" dirty="0">
+                <a:solidFill>
+                  <a:schemeClr val="accent1">
+                    <a:lumMod val="60000"/>
+                    <a:lumOff val="40000"/>
+                  </a:schemeClr>
+                </a:solidFill>
+              </a:rPr>
+              <a:t> II: </a:t>
+            </a:r>
+            <a:r>
+              <a:rPr lang="en-US" sz="2400" b="1" dirty="0" err="1">
+                <a:solidFill>
+                  <a:schemeClr val="accent1">
+                    <a:lumMod val="60000"/>
+                    <a:lumOff val="40000"/>
+                  </a:schemeClr>
+                </a:solidFill>
+              </a:rPr>
+              <a:t>Vulnerabilidades</a:t>
+            </a:r>
+            <a:r>
+              <a:rPr lang="en-US" sz="2400" b="1" dirty="0">
+                <a:solidFill>
+                  <a:schemeClr val="accent1">
+                    <a:lumMod val="60000"/>
+                    <a:lumOff val="40000"/>
+                  </a:schemeClr>
+                </a:solidFill>
+              </a:rPr>
+              <a:t> (3 aulas)</a:t>
+            </a:r>
+          </a:p>
+          <a:p>
+            <a:pPr lvl="1"/>
+            <a:r>
+              <a:rPr lang="en-US" sz="2000" dirty="0">
+                <a:solidFill>
+                  <a:schemeClr val="accent1">
+                    <a:lumMod val="60000"/>
+                    <a:lumOff val="40000"/>
+                  </a:schemeClr>
+                </a:solidFill>
+              </a:rPr>
+              <a:t>Buffer overflows, corridas e </a:t>
+            </a:r>
+            <a:r>
+              <a:rPr lang="en-US" sz="2000" dirty="0" err="1">
+                <a:solidFill>
+                  <a:schemeClr val="accent1">
+                    <a:lumMod val="60000"/>
+                    <a:lumOff val="40000"/>
+                  </a:schemeClr>
+                </a:solidFill>
+              </a:rPr>
+              <a:t>validação</a:t>
+            </a:r>
+            <a:r>
+              <a:rPr lang="en-US" sz="2000" dirty="0">
+                <a:solidFill>
+                  <a:schemeClr val="accent1">
+                    <a:lumMod val="60000"/>
+                    <a:lumOff val="40000"/>
+                  </a:schemeClr>
+                </a:solidFill>
+              </a:rPr>
+              <a:t> de entradas, </a:t>
+            </a:r>
+            <a:r>
+              <a:rPr lang="en-US" sz="2000" dirty="0" err="1">
+                <a:solidFill>
+                  <a:schemeClr val="accent1">
+                    <a:lumMod val="60000"/>
+                    <a:lumOff val="40000"/>
+                  </a:schemeClr>
+                </a:solidFill>
+              </a:rPr>
+              <a:t>vulnerabilidades</a:t>
+            </a:r>
+            <a:r>
+              <a:rPr lang="en-US" sz="2000" dirty="0">
+                <a:solidFill>
+                  <a:schemeClr val="accent1">
+                    <a:lumMod val="60000"/>
+                    <a:lumOff val="40000"/>
+                  </a:schemeClr>
+                </a:solidFill>
+              </a:rPr>
+              <a:t> </a:t>
+            </a:r>
+            <a:r>
+              <a:rPr lang="en-US" sz="2000" dirty="0" err="1">
+                <a:solidFill>
+                  <a:schemeClr val="accent1">
+                    <a:lumMod val="60000"/>
+                    <a:lumOff val="40000"/>
+                  </a:schemeClr>
+                </a:solidFill>
+              </a:rPr>
+              <a:t>na</a:t>
+            </a:r>
+            <a:r>
+              <a:rPr lang="en-US" sz="2000" dirty="0">
+                <a:solidFill>
+                  <a:schemeClr val="accent1">
+                    <a:lumMod val="60000"/>
+                    <a:lumOff val="40000"/>
+                  </a:schemeClr>
+                </a:solidFill>
+              </a:rPr>
+              <a:t> web e </a:t>
+            </a:r>
+            <a:r>
+              <a:rPr lang="en-US" sz="2000" dirty="0" err="1">
+                <a:solidFill>
+                  <a:schemeClr val="accent1">
+                    <a:lumMod val="60000"/>
+                    <a:lumOff val="40000"/>
+                  </a:schemeClr>
+                </a:solidFill>
+              </a:rPr>
+              <a:t>em</a:t>
+            </a:r>
+            <a:r>
+              <a:rPr lang="en-US" sz="2000" dirty="0">
+                <a:solidFill>
+                  <a:schemeClr val="accent1">
+                    <a:lumMod val="60000"/>
+                    <a:lumOff val="40000"/>
+                  </a:schemeClr>
+                </a:solidFill>
+              </a:rPr>
+              <a:t> bases de dados</a:t>
+            </a:r>
+          </a:p>
+          <a:p>
+            <a:pPr lvl="1"/>
+            <a:endParaRPr lang="en-US" sz="2000" dirty="0"/>
+          </a:p>
+          <a:p>
+            <a:r>
+              <a:rPr lang="en-US" sz="2400" b="1" dirty="0" err="1"/>
+              <a:t>Parte</a:t>
+            </a:r>
+            <a:r>
+              <a:rPr lang="en-US" sz="2400" b="1" dirty="0"/>
+              <a:t> III: </a:t>
+            </a:r>
+            <a:r>
+              <a:rPr lang="en-US" sz="2400" b="1" dirty="0" err="1"/>
+              <a:t>Técnicas</a:t>
+            </a:r>
+            <a:r>
+              <a:rPr lang="en-US" sz="2400" b="1" dirty="0"/>
+              <a:t> de </a:t>
+            </a:r>
+            <a:r>
+              <a:rPr lang="en-US" sz="2400" b="1" dirty="0" err="1"/>
+              <a:t>protecção</a:t>
+            </a:r>
+            <a:r>
+              <a:rPr lang="en-US" sz="2400" b="1" dirty="0"/>
+              <a:t> (3 aulas)</a:t>
+            </a:r>
+          </a:p>
+          <a:p>
+            <a:pPr lvl="1"/>
+            <a:r>
+              <a:rPr lang="en-US" sz="2000" dirty="0"/>
+              <a:t>Auditoria e teste de software, </a:t>
+            </a:r>
+            <a:r>
+              <a:rPr lang="en-US" sz="2000" dirty="0" err="1"/>
+              <a:t>análise</a:t>
+            </a:r>
+            <a:r>
+              <a:rPr lang="en-US" sz="2000" dirty="0"/>
+              <a:t> </a:t>
+            </a:r>
+            <a:r>
+              <a:rPr lang="en-US" sz="2000" dirty="0" err="1"/>
+              <a:t>estática</a:t>
+            </a:r>
+            <a:r>
+              <a:rPr lang="en-US" sz="2000" dirty="0"/>
+              <a:t> de </a:t>
+            </a:r>
+            <a:r>
+              <a:rPr lang="en-US" sz="2000" dirty="0" err="1"/>
+              <a:t>código</a:t>
+            </a:r>
+            <a:r>
+              <a:rPr lang="en-US" sz="2000" dirty="0"/>
+              <a:t>, </a:t>
+            </a:r>
+            <a:r>
+              <a:rPr lang="en-US" sz="2000" dirty="0" err="1"/>
+              <a:t>protecção</a:t>
+            </a:r>
+            <a:r>
+              <a:rPr lang="en-US" sz="2000" dirty="0"/>
+              <a:t> </a:t>
+            </a:r>
+            <a:r>
+              <a:rPr lang="en-US" sz="2000" dirty="0" err="1"/>
+              <a:t>dinâmica</a:t>
+            </a:r>
+            <a:r>
+              <a:rPr lang="en-US" sz="2000" dirty="0"/>
+              <a:t>, </a:t>
+            </a:r>
+            <a:r>
+              <a:rPr lang="en-US" sz="2000" dirty="0" err="1"/>
+              <a:t>validação</a:t>
+            </a:r>
+            <a:r>
+              <a:rPr lang="en-US" sz="2000" dirty="0"/>
+              <a:t> e </a:t>
+            </a:r>
+            <a:r>
+              <a:rPr lang="en-US" sz="2000" dirty="0" err="1"/>
+              <a:t>codificação</a:t>
+            </a:r>
+            <a:endParaRPr lang="en-US" sz="2000" dirty="0"/>
+          </a:p>
+          <a:p>
+            <a:pPr lvl="1"/>
+            <a:endParaRPr lang="en-US" sz="2000" dirty="0"/>
+          </a:p>
+          <a:p>
+            <a:endParaRPr lang="en-US" sz="2400" dirty="0"/>
+          </a:p>
+        </p:txBody>
+      </p:sp>
+      <p:sp>
+        <p:nvSpPr>
+          <p:cNvPr id="7" name="Right Arrow 6">
+            <a:extLst>
+              <a:ext uri="{FF2B5EF4-FFF2-40B4-BE49-F238E27FC236}">
+                <a16:creationId xmlns:a16="http://schemas.microsoft.com/office/drawing/2014/main" id="{94597A12-8B88-3547-9C33-6DC79CAAFD94}"/>
+              </a:ext>
+            </a:extLst>
+          </p:cNvPr>
+          <p:cNvSpPr/>
+          <p:nvPr/>
+        </p:nvSpPr>
+        <p:spPr>
+          <a:xfrm>
+            <a:off x="240792" y="4191000"/>
+            <a:ext cx="978408" cy="484632"/>
+          </a:xfrm>
+          <a:prstGeom prst="rightArrow">
+            <a:avLst/>
+          </a:prstGeom>
+        </p:spPr>
+        <p:style>
+          <a:lnRef idx="1">
+            <a:schemeClr val="accent1"/>
+          </a:lnRef>
+          <a:fillRef idx="3">
+            <a:schemeClr val="accent1"/>
+          </a:fillRef>
+          <a:effectRef idx="2">
+            <a:schemeClr val="accent1"/>
+          </a:effectRef>
+          <a:fontRef idx="minor">
+            <a:schemeClr val="lt1"/>
+          </a:fontRef>
+        </p:style>
+        <p:txBody>
+          <a:bodyPr rtlCol="0" anchor="ctr"/>
+          <a:lstStyle/>
+          <a:p>
+            <a:pPr algn="ctr"/>
             <a:endParaRPr lang="en-US"/>
           </a:p>
         </p:txBody>
@@ -5579,7 +8900,1244 @@
     </p:spTree>
     <p:extLst>
       <p:ext uri="{BB962C8B-B14F-4D97-AF65-F5344CB8AC3E}">
-        <p14:creationId xmlns:p14="http://schemas.microsoft.com/office/powerpoint/2010/main" val="473792503"/>
+        <p14:creationId xmlns:p14="http://schemas.microsoft.com/office/powerpoint/2010/main" val="2241717667"/>
+      </p:ext>
+    </p:extLst>
+  </p:cSld>
+  <p:clrMapOvr>
+    <a:masterClrMapping/>
+  </p:clrMapOvr>
+</p:sld>
+</file>
+
+<file path=ppt/slides/slide20.xml><?xml version="1.0" encoding="utf-8"?>
+<p:sld xmlns:a="http://schemas.openxmlformats.org/drawingml/2006/main" xmlns:r="http://schemas.openxmlformats.org/officeDocument/2006/relationships" xmlns:p="http://schemas.openxmlformats.org/presentationml/2006/main">
+  <p:cSld>
+    <p:spTree>
+      <p:nvGrpSpPr>
+        <p:cNvPr id="1" name=""/>
+        <p:cNvGrpSpPr/>
+        <p:nvPr/>
+      </p:nvGrpSpPr>
+      <p:grpSpPr>
+        <a:xfrm>
+          <a:off x="0" y="0"/>
+          <a:ext cx="0" cy="0"/>
+          <a:chOff x="0" y="0"/>
+          <a:chExt cx="0" cy="0"/>
+        </a:xfrm>
+      </p:grpSpPr>
+      <p:sp>
+        <p:nvSpPr>
+          <p:cNvPr id="2" name="Title 1">
+            <a:extLst>
+              <a:ext uri="{FF2B5EF4-FFF2-40B4-BE49-F238E27FC236}">
+                <a16:creationId xmlns:a16="http://schemas.microsoft.com/office/drawing/2014/main" id="{A997A2AC-343B-0A4C-B258-A25D671CEE32}"/>
+              </a:ext>
+            </a:extLst>
+          </p:cNvPr>
+          <p:cNvSpPr>
+            <a:spLocks noGrp="1"/>
+          </p:cNvSpPr>
+          <p:nvPr>
+            <p:ph type="title"/>
+          </p:nvPr>
+        </p:nvSpPr>
+        <p:spPr/>
+        <p:txBody>
+          <a:bodyPr/>
+          <a:lstStyle/>
+          <a:p>
+            <a:r>
+              <a:rPr lang="en-US" dirty="0"/>
+              <a:t>Scanners de </a:t>
+            </a:r>
+            <a:r>
+              <a:rPr lang="en-US" dirty="0" err="1"/>
+              <a:t>vulnerabilidades</a:t>
+            </a:r>
+            <a:r>
+              <a:rPr lang="en-US" dirty="0"/>
+              <a:t> para a web</a:t>
+            </a:r>
+          </a:p>
+        </p:txBody>
+      </p:sp>
+      <p:sp>
+        <p:nvSpPr>
+          <p:cNvPr id="3" name="Date Placeholder 2">
+            <a:extLst>
+              <a:ext uri="{FF2B5EF4-FFF2-40B4-BE49-F238E27FC236}">
+                <a16:creationId xmlns:a16="http://schemas.microsoft.com/office/drawing/2014/main" id="{AD0CA95C-CE5D-DE42-9651-DD1534146B4F}"/>
+              </a:ext>
+            </a:extLst>
+          </p:cNvPr>
+          <p:cNvSpPr>
+            <a:spLocks noGrp="1"/>
+          </p:cNvSpPr>
+          <p:nvPr>
+            <p:ph type="dt" sz="half" idx="10"/>
+          </p:nvPr>
+        </p:nvSpPr>
+        <p:spPr/>
+        <p:txBody>
+          <a:bodyPr/>
+          <a:lstStyle/>
+          <a:p>
+            <a:r>
+              <a:rPr lang="en-US"/>
+              <a:t>2019</a:t>
+            </a:r>
+            <a:endParaRPr lang="en-US" dirty="0"/>
+          </a:p>
+        </p:txBody>
+      </p:sp>
+      <p:sp>
+        <p:nvSpPr>
+          <p:cNvPr id="4" name="Footer Placeholder 3">
+            <a:extLst>
+              <a:ext uri="{FF2B5EF4-FFF2-40B4-BE49-F238E27FC236}">
+                <a16:creationId xmlns:a16="http://schemas.microsoft.com/office/drawing/2014/main" id="{C3017E86-E1BC-6344-9C49-3070BE16C9B5}"/>
+              </a:ext>
+            </a:extLst>
+          </p:cNvPr>
+          <p:cNvSpPr>
+            <a:spLocks noGrp="1"/>
+          </p:cNvSpPr>
+          <p:nvPr>
+            <p:ph type="ftr" sz="quarter" idx="11"/>
+          </p:nvPr>
+        </p:nvSpPr>
+        <p:spPr/>
+        <p:txBody>
+          <a:bodyPr/>
+          <a:lstStyle/>
+          <a:p>
+            <a:r>
+              <a:rPr lang="en-US"/>
+              <a:t>SS - Nuno Santos</a:t>
+            </a:r>
+            <a:endParaRPr lang="en-US" dirty="0"/>
+          </a:p>
+        </p:txBody>
+      </p:sp>
+      <p:sp>
+        <p:nvSpPr>
+          <p:cNvPr id="5" name="Slide Number Placeholder 4">
+            <a:extLst>
+              <a:ext uri="{FF2B5EF4-FFF2-40B4-BE49-F238E27FC236}">
+                <a16:creationId xmlns:a16="http://schemas.microsoft.com/office/drawing/2014/main" id="{012F8263-A900-AA43-93D0-B77586A74D6D}"/>
+              </a:ext>
+            </a:extLst>
+          </p:cNvPr>
+          <p:cNvSpPr>
+            <a:spLocks noGrp="1"/>
+          </p:cNvSpPr>
+          <p:nvPr>
+            <p:ph type="sldNum" sz="quarter" idx="12"/>
+          </p:nvPr>
+        </p:nvSpPr>
+        <p:spPr/>
+        <p:txBody>
+          <a:bodyPr/>
+          <a:lstStyle/>
+          <a:p>
+            <a:fld id="{BAFC06C6-5388-EF48-9B75-F2C2BBFC0E68}" type="slidenum">
+              <a:rPr lang="en-US" smtClean="0"/>
+              <a:t>20</a:t>
+            </a:fld>
+            <a:endParaRPr lang="en-US" dirty="0"/>
+          </a:p>
+        </p:txBody>
+      </p:sp>
+      <p:sp>
+        <p:nvSpPr>
+          <p:cNvPr id="6" name="Content Placeholder 5">
+            <a:extLst>
+              <a:ext uri="{FF2B5EF4-FFF2-40B4-BE49-F238E27FC236}">
+                <a16:creationId xmlns:a16="http://schemas.microsoft.com/office/drawing/2014/main" id="{FC650391-8D48-AA41-AA41-2F98B9179C6F}"/>
+              </a:ext>
+            </a:extLst>
+          </p:cNvPr>
+          <p:cNvSpPr>
+            <a:spLocks noGrp="1"/>
+          </p:cNvSpPr>
+          <p:nvPr>
+            <p:ph sz="quarter" idx="1"/>
+          </p:nvPr>
+        </p:nvSpPr>
+        <p:spPr/>
+        <p:txBody>
+          <a:bodyPr/>
+          <a:lstStyle/>
+          <a:p>
+            <a:pPr>
+              <a:lnSpc>
+                <a:spcPct val="110000"/>
+              </a:lnSpc>
+            </a:pPr>
+            <a:r>
+              <a:rPr lang="en-US" dirty="0"/>
+              <a:t>NIST defined 14 mandatory classes of vulnerabilities that have to be detected</a:t>
+            </a:r>
+          </a:p>
+          <a:p>
+            <a:pPr lvl="1">
+              <a:lnSpc>
+                <a:spcPct val="110000"/>
+              </a:lnSpc>
+            </a:pPr>
+            <a:r>
+              <a:rPr lang="en-US" dirty="0"/>
+              <a:t>XSS, SQLI, command injection, XML injection, HTTP response splitting, file inclusion, direct reference to objects, CSRF, improper information disclosure, broken authentication / weak session management, session fixation, insecure communication, failure to restrict URL access</a:t>
+            </a:r>
+          </a:p>
+          <a:p>
+            <a:pPr lvl="1">
+              <a:lnSpc>
+                <a:spcPct val="110000"/>
+              </a:lnSpc>
+            </a:pPr>
+            <a:r>
+              <a:rPr lang="en-US" dirty="0"/>
+              <a:t>But not all vulnerabilities (impossible), only all the best-known classes</a:t>
+            </a:r>
+          </a:p>
+        </p:txBody>
+      </p:sp>
+    </p:spTree>
+    <p:extLst>
+      <p:ext uri="{BB962C8B-B14F-4D97-AF65-F5344CB8AC3E}">
+        <p14:creationId xmlns:p14="http://schemas.microsoft.com/office/powerpoint/2010/main" val="702081648"/>
+      </p:ext>
+    </p:extLst>
+  </p:cSld>
+  <p:clrMapOvr>
+    <a:masterClrMapping/>
+  </p:clrMapOvr>
+</p:sld>
+</file>
+
+<file path=ppt/slides/slide21.xml><?xml version="1.0" encoding="utf-8"?>
+<p:sld xmlns:a="http://schemas.openxmlformats.org/drawingml/2006/main" xmlns:r="http://schemas.openxmlformats.org/officeDocument/2006/relationships" xmlns:p="http://schemas.openxmlformats.org/presentationml/2006/main">
+  <p:cSld>
+    <p:spTree>
+      <p:nvGrpSpPr>
+        <p:cNvPr id="1" name=""/>
+        <p:cNvGrpSpPr/>
+        <p:nvPr/>
+      </p:nvGrpSpPr>
+      <p:grpSpPr>
+        <a:xfrm>
+          <a:off x="0" y="0"/>
+          <a:ext cx="0" cy="0"/>
+          <a:chOff x="0" y="0"/>
+          <a:chExt cx="0" cy="0"/>
+        </a:xfrm>
+      </p:grpSpPr>
+      <p:sp>
+        <p:nvSpPr>
+          <p:cNvPr id="2" name="Title 1">
+            <a:extLst>
+              <a:ext uri="{FF2B5EF4-FFF2-40B4-BE49-F238E27FC236}">
+                <a16:creationId xmlns:a16="http://schemas.microsoft.com/office/drawing/2014/main" id="{480AE512-CADC-D14E-A56D-55E9AB623C10}"/>
+              </a:ext>
+            </a:extLst>
+          </p:cNvPr>
+          <p:cNvSpPr>
+            <a:spLocks noGrp="1"/>
+          </p:cNvSpPr>
+          <p:nvPr>
+            <p:ph type="title"/>
+          </p:nvPr>
+        </p:nvSpPr>
+        <p:spPr/>
+        <p:txBody>
+          <a:bodyPr/>
+          <a:lstStyle/>
+          <a:p>
+            <a:r>
+              <a:rPr lang="en-US" dirty="0"/>
+              <a:t>Scanners de </a:t>
+            </a:r>
+            <a:r>
+              <a:rPr lang="en-US" dirty="0" err="1"/>
+              <a:t>vulnerabilidades</a:t>
+            </a:r>
+            <a:r>
+              <a:rPr lang="en-US" dirty="0"/>
+              <a:t> vs. </a:t>
+            </a:r>
+            <a:r>
+              <a:rPr lang="en-US" dirty="0" err="1"/>
+              <a:t>fuzzers</a:t>
+            </a:r>
+            <a:endParaRPr lang="en-US" dirty="0"/>
+          </a:p>
+        </p:txBody>
+      </p:sp>
+      <p:sp>
+        <p:nvSpPr>
+          <p:cNvPr id="3" name="Date Placeholder 2">
+            <a:extLst>
+              <a:ext uri="{FF2B5EF4-FFF2-40B4-BE49-F238E27FC236}">
+                <a16:creationId xmlns:a16="http://schemas.microsoft.com/office/drawing/2014/main" id="{82684F16-F901-C742-8059-999AD0C0F21B}"/>
+              </a:ext>
+            </a:extLst>
+          </p:cNvPr>
+          <p:cNvSpPr>
+            <a:spLocks noGrp="1"/>
+          </p:cNvSpPr>
+          <p:nvPr>
+            <p:ph type="dt" sz="half" idx="10"/>
+          </p:nvPr>
+        </p:nvSpPr>
+        <p:spPr/>
+        <p:txBody>
+          <a:bodyPr/>
+          <a:lstStyle/>
+          <a:p>
+            <a:r>
+              <a:rPr lang="en-US"/>
+              <a:t>2019</a:t>
+            </a:r>
+            <a:endParaRPr lang="en-US" dirty="0"/>
+          </a:p>
+        </p:txBody>
+      </p:sp>
+      <p:sp>
+        <p:nvSpPr>
+          <p:cNvPr id="4" name="Footer Placeholder 3">
+            <a:extLst>
+              <a:ext uri="{FF2B5EF4-FFF2-40B4-BE49-F238E27FC236}">
+                <a16:creationId xmlns:a16="http://schemas.microsoft.com/office/drawing/2014/main" id="{2E9F300B-8A07-F746-97D9-A312EBE249D0}"/>
+              </a:ext>
+            </a:extLst>
+          </p:cNvPr>
+          <p:cNvSpPr>
+            <a:spLocks noGrp="1"/>
+          </p:cNvSpPr>
+          <p:nvPr>
+            <p:ph type="ftr" sz="quarter" idx="11"/>
+          </p:nvPr>
+        </p:nvSpPr>
+        <p:spPr/>
+        <p:txBody>
+          <a:bodyPr/>
+          <a:lstStyle/>
+          <a:p>
+            <a:r>
+              <a:rPr lang="en-US"/>
+              <a:t>SS - Nuno Santos</a:t>
+            </a:r>
+            <a:endParaRPr lang="en-US" dirty="0"/>
+          </a:p>
+        </p:txBody>
+      </p:sp>
+      <p:sp>
+        <p:nvSpPr>
+          <p:cNvPr id="5" name="Slide Number Placeholder 4">
+            <a:extLst>
+              <a:ext uri="{FF2B5EF4-FFF2-40B4-BE49-F238E27FC236}">
+                <a16:creationId xmlns:a16="http://schemas.microsoft.com/office/drawing/2014/main" id="{60154F0A-7C7B-C645-8F6D-AE78967E4971}"/>
+              </a:ext>
+            </a:extLst>
+          </p:cNvPr>
+          <p:cNvSpPr>
+            <a:spLocks noGrp="1"/>
+          </p:cNvSpPr>
+          <p:nvPr>
+            <p:ph type="sldNum" sz="quarter" idx="12"/>
+          </p:nvPr>
+        </p:nvSpPr>
+        <p:spPr/>
+        <p:txBody>
+          <a:bodyPr/>
+          <a:lstStyle/>
+          <a:p>
+            <a:fld id="{BAFC06C6-5388-EF48-9B75-F2C2BBFC0E68}" type="slidenum">
+              <a:rPr lang="en-US" smtClean="0"/>
+              <a:t>21</a:t>
+            </a:fld>
+            <a:endParaRPr lang="en-US" dirty="0"/>
+          </a:p>
+        </p:txBody>
+      </p:sp>
+      <p:sp>
+        <p:nvSpPr>
+          <p:cNvPr id="6" name="Content Placeholder 5">
+            <a:extLst>
+              <a:ext uri="{FF2B5EF4-FFF2-40B4-BE49-F238E27FC236}">
+                <a16:creationId xmlns:a16="http://schemas.microsoft.com/office/drawing/2014/main" id="{D1E52E20-A4E0-F749-90E3-A810A9383F57}"/>
+              </a:ext>
+            </a:extLst>
+          </p:cNvPr>
+          <p:cNvSpPr>
+            <a:spLocks noGrp="1"/>
+          </p:cNvSpPr>
+          <p:nvPr>
+            <p:ph sz="quarter" idx="1"/>
+          </p:nvPr>
+        </p:nvSpPr>
+        <p:spPr/>
+        <p:txBody>
+          <a:bodyPr/>
+          <a:lstStyle/>
+          <a:p>
+            <a:r>
+              <a:rPr lang="en-US" dirty="0"/>
+              <a:t>Web vulnerability scanners also “inject attacks”, similarly to attack injectors and </a:t>
+            </a:r>
+            <a:r>
+              <a:rPr lang="en-US" dirty="0" err="1"/>
+              <a:t>fuzzers</a:t>
+            </a:r>
+            <a:endParaRPr lang="en-US" dirty="0"/>
+          </a:p>
+          <a:p>
+            <a:pPr lvl="1"/>
+            <a:r>
+              <a:rPr lang="en-US" dirty="0"/>
+              <a:t>Attack injectors / </a:t>
+            </a:r>
+            <a:r>
+              <a:rPr lang="en-US" dirty="0" err="1"/>
+              <a:t>fuzzers</a:t>
+            </a:r>
+            <a:r>
+              <a:rPr lang="en-US" dirty="0"/>
+              <a:t> – they do </a:t>
+            </a:r>
+            <a:r>
+              <a:rPr lang="en-US" dirty="0">
+                <a:solidFill>
+                  <a:srgbClr val="4E8542"/>
+                </a:solidFill>
+              </a:rPr>
+              <a:t>exhaustive search</a:t>
+            </a:r>
+            <a:r>
+              <a:rPr lang="en-US" dirty="0"/>
+              <a:t>, so they look for </a:t>
+            </a:r>
+            <a:r>
+              <a:rPr lang="en-US" dirty="0">
+                <a:solidFill>
+                  <a:srgbClr val="0070C0"/>
+                </a:solidFill>
+              </a:rPr>
+              <a:t>new vulnerabilities </a:t>
+            </a:r>
+            <a:endParaRPr lang="en-US" dirty="0"/>
+          </a:p>
+          <a:p>
+            <a:pPr lvl="1"/>
+            <a:r>
+              <a:rPr lang="en-US" dirty="0"/>
+              <a:t>Scanners – they use </a:t>
+            </a:r>
+            <a:r>
+              <a:rPr lang="en-US" dirty="0">
+                <a:solidFill>
+                  <a:srgbClr val="4E8542"/>
+                </a:solidFill>
+              </a:rPr>
+              <a:t>known attacks and heuristics </a:t>
+            </a:r>
+            <a:r>
+              <a:rPr lang="en-US" dirty="0"/>
+              <a:t>to look mostly for </a:t>
+            </a:r>
+            <a:r>
+              <a:rPr lang="en-US" dirty="0">
+                <a:solidFill>
+                  <a:srgbClr val="0070C0"/>
+                </a:solidFill>
+              </a:rPr>
+              <a:t>known vulnerabilities</a:t>
+            </a:r>
+            <a:endParaRPr lang="en-US" dirty="0"/>
+          </a:p>
+          <a:p>
+            <a:r>
+              <a:rPr lang="en-US" dirty="0"/>
+              <a:t>Web vulnerability scanners are often commercial tools, while the others tend to be free/open</a:t>
+            </a:r>
+          </a:p>
+          <a:p>
+            <a:pPr lvl="1"/>
+            <a:r>
+              <a:rPr lang="pt-PT" dirty="0" err="1"/>
+              <a:t>Acunetix</a:t>
+            </a:r>
+            <a:r>
+              <a:rPr lang="pt-PT" dirty="0"/>
+              <a:t> WVS, IBM </a:t>
+            </a:r>
+            <a:r>
+              <a:rPr lang="pt-PT" dirty="0" err="1"/>
+              <a:t>Rational</a:t>
+            </a:r>
+            <a:r>
+              <a:rPr lang="pt-PT" dirty="0"/>
+              <a:t> </a:t>
+            </a:r>
+            <a:r>
+              <a:rPr lang="pt-PT" dirty="0" err="1"/>
+              <a:t>AppScan</a:t>
+            </a:r>
+            <a:r>
+              <a:rPr lang="pt-PT" dirty="0"/>
+              <a:t>, </a:t>
+            </a:r>
+            <a:r>
+              <a:rPr lang="pt-PT" dirty="0" err="1"/>
+              <a:t>HPWebInspect</a:t>
+            </a:r>
+            <a:endParaRPr lang="pt-PT" dirty="0"/>
+          </a:p>
+          <a:p>
+            <a:pPr lvl="1"/>
+            <a:r>
+              <a:rPr lang="pt-PT" dirty="0" err="1"/>
+              <a:t>Why</a:t>
+            </a:r>
+            <a:r>
+              <a:rPr lang="pt-PT" dirty="0"/>
+              <a:t>?</a:t>
+            </a:r>
+          </a:p>
+          <a:p>
+            <a:endParaRPr lang="en-US" dirty="0"/>
+          </a:p>
+        </p:txBody>
+      </p:sp>
+    </p:spTree>
+    <p:extLst>
+      <p:ext uri="{BB962C8B-B14F-4D97-AF65-F5344CB8AC3E}">
+        <p14:creationId xmlns:p14="http://schemas.microsoft.com/office/powerpoint/2010/main" val="498448531"/>
+      </p:ext>
+    </p:extLst>
+  </p:cSld>
+  <p:clrMapOvr>
+    <a:masterClrMapping/>
+  </p:clrMapOvr>
+</p:sld>
+</file>
+
+<file path=ppt/slides/slide22.xml><?xml version="1.0" encoding="utf-8"?>
+<p:sld xmlns:a="http://schemas.openxmlformats.org/drawingml/2006/main" xmlns:r="http://schemas.openxmlformats.org/officeDocument/2006/relationships" xmlns:p="http://schemas.openxmlformats.org/presentationml/2006/main">
+  <p:cSld>
+    <p:spTree>
+      <p:nvGrpSpPr>
+        <p:cNvPr id="1" name=""/>
+        <p:cNvGrpSpPr/>
+        <p:nvPr/>
+      </p:nvGrpSpPr>
+      <p:grpSpPr>
+        <a:xfrm>
+          <a:off x="0" y="0"/>
+          <a:ext cx="0" cy="0"/>
+          <a:chOff x="0" y="0"/>
+          <a:chExt cx="0" cy="0"/>
+        </a:xfrm>
+      </p:grpSpPr>
+      <p:sp>
+        <p:nvSpPr>
+          <p:cNvPr id="2" name="Title 1">
+            <a:extLst>
+              <a:ext uri="{FF2B5EF4-FFF2-40B4-BE49-F238E27FC236}">
+                <a16:creationId xmlns:a16="http://schemas.microsoft.com/office/drawing/2014/main" id="{158968CC-CA8C-E34B-813D-D0DA2E219EF0}"/>
+              </a:ext>
+            </a:extLst>
+          </p:cNvPr>
+          <p:cNvSpPr>
+            <a:spLocks noGrp="1"/>
+          </p:cNvSpPr>
+          <p:nvPr>
+            <p:ph type="title"/>
+          </p:nvPr>
+        </p:nvSpPr>
+        <p:spPr/>
+        <p:txBody>
+          <a:bodyPr/>
+          <a:lstStyle/>
+          <a:p>
+            <a:r>
+              <a:rPr lang="en-US" dirty="0" err="1"/>
+              <a:t>Conclusões</a:t>
+            </a:r>
+            <a:endParaRPr lang="en-US" dirty="0"/>
+          </a:p>
+        </p:txBody>
+      </p:sp>
+      <p:sp>
+        <p:nvSpPr>
+          <p:cNvPr id="3" name="Date Placeholder 2">
+            <a:extLst>
+              <a:ext uri="{FF2B5EF4-FFF2-40B4-BE49-F238E27FC236}">
+                <a16:creationId xmlns:a16="http://schemas.microsoft.com/office/drawing/2014/main" id="{5C8CFD20-D222-B242-A802-432C14F458EA}"/>
+              </a:ext>
+            </a:extLst>
+          </p:cNvPr>
+          <p:cNvSpPr>
+            <a:spLocks noGrp="1"/>
+          </p:cNvSpPr>
+          <p:nvPr>
+            <p:ph type="dt" sz="half" idx="10"/>
+          </p:nvPr>
+        </p:nvSpPr>
+        <p:spPr/>
+        <p:txBody>
+          <a:bodyPr/>
+          <a:lstStyle/>
+          <a:p>
+            <a:r>
+              <a:rPr lang="en-US"/>
+              <a:t>2019</a:t>
+            </a:r>
+            <a:endParaRPr lang="en-US" dirty="0"/>
+          </a:p>
+        </p:txBody>
+      </p:sp>
+      <p:sp>
+        <p:nvSpPr>
+          <p:cNvPr id="4" name="Footer Placeholder 3">
+            <a:extLst>
+              <a:ext uri="{FF2B5EF4-FFF2-40B4-BE49-F238E27FC236}">
+                <a16:creationId xmlns:a16="http://schemas.microsoft.com/office/drawing/2014/main" id="{095B5A4F-9FC1-B34D-AD6E-619FDD9B7683}"/>
+              </a:ext>
+            </a:extLst>
+          </p:cNvPr>
+          <p:cNvSpPr>
+            <a:spLocks noGrp="1"/>
+          </p:cNvSpPr>
+          <p:nvPr>
+            <p:ph type="ftr" sz="quarter" idx="11"/>
+          </p:nvPr>
+        </p:nvSpPr>
+        <p:spPr/>
+        <p:txBody>
+          <a:bodyPr/>
+          <a:lstStyle/>
+          <a:p>
+            <a:r>
+              <a:rPr lang="en-US"/>
+              <a:t>SS - Nuno Santos</a:t>
+            </a:r>
+            <a:endParaRPr lang="en-US" dirty="0"/>
+          </a:p>
+        </p:txBody>
+      </p:sp>
+      <p:sp>
+        <p:nvSpPr>
+          <p:cNvPr id="5" name="Slide Number Placeholder 4">
+            <a:extLst>
+              <a:ext uri="{FF2B5EF4-FFF2-40B4-BE49-F238E27FC236}">
+                <a16:creationId xmlns:a16="http://schemas.microsoft.com/office/drawing/2014/main" id="{35E5E4CD-FBAD-5346-971E-90E40F7EC940}"/>
+              </a:ext>
+            </a:extLst>
+          </p:cNvPr>
+          <p:cNvSpPr>
+            <a:spLocks noGrp="1"/>
+          </p:cNvSpPr>
+          <p:nvPr>
+            <p:ph type="sldNum" sz="quarter" idx="12"/>
+          </p:nvPr>
+        </p:nvSpPr>
+        <p:spPr/>
+        <p:txBody>
+          <a:bodyPr/>
+          <a:lstStyle/>
+          <a:p>
+            <a:fld id="{BAFC06C6-5388-EF48-9B75-F2C2BBFC0E68}" type="slidenum">
+              <a:rPr lang="en-US" smtClean="0"/>
+              <a:t>22</a:t>
+            </a:fld>
+            <a:endParaRPr lang="en-US" dirty="0"/>
+          </a:p>
+        </p:txBody>
+      </p:sp>
+      <p:sp>
+        <p:nvSpPr>
+          <p:cNvPr id="6" name="Content Placeholder 5">
+            <a:extLst>
+              <a:ext uri="{FF2B5EF4-FFF2-40B4-BE49-F238E27FC236}">
+                <a16:creationId xmlns:a16="http://schemas.microsoft.com/office/drawing/2014/main" id="{409327FC-E482-7E48-B423-7A43B2E7C09C}"/>
+              </a:ext>
+            </a:extLst>
+          </p:cNvPr>
+          <p:cNvSpPr>
+            <a:spLocks noGrp="1"/>
+          </p:cNvSpPr>
+          <p:nvPr>
+            <p:ph sz="quarter" idx="1"/>
+          </p:nvPr>
+        </p:nvSpPr>
+        <p:spPr/>
+        <p:txBody>
+          <a:bodyPr>
+            <a:normAutofit/>
+          </a:bodyPr>
+          <a:lstStyle/>
+          <a:p>
+            <a:r>
+              <a:rPr lang="en-US" sz="2400" dirty="0"/>
+              <a:t>Corridas </a:t>
+            </a:r>
+            <a:r>
+              <a:rPr lang="en-US" sz="2400" dirty="0" err="1"/>
+              <a:t>são</a:t>
+            </a:r>
+            <a:r>
+              <a:rPr lang="en-US" sz="2400" dirty="0"/>
+              <a:t> </a:t>
+            </a:r>
+            <a:r>
+              <a:rPr lang="en-US" sz="2400" dirty="0" err="1"/>
+              <a:t>violações</a:t>
+            </a:r>
+            <a:r>
+              <a:rPr lang="en-US" sz="2400" dirty="0"/>
+              <a:t> das </a:t>
+            </a:r>
+            <a:r>
+              <a:rPr lang="en-US" sz="2400" dirty="0" err="1"/>
+              <a:t>espectativas</a:t>
+            </a:r>
+            <a:r>
+              <a:rPr lang="en-US" sz="2400" dirty="0"/>
+              <a:t> do </a:t>
+            </a:r>
+            <a:r>
+              <a:rPr lang="en-US" sz="2400" dirty="0" err="1"/>
+              <a:t>programador</a:t>
+            </a:r>
+            <a:r>
+              <a:rPr lang="en-US" sz="2400" dirty="0"/>
+              <a:t> </a:t>
+            </a:r>
+            <a:r>
+              <a:rPr lang="en-US" sz="2400" dirty="0" err="1"/>
+              <a:t>sobre</a:t>
+            </a:r>
+            <a:r>
+              <a:rPr lang="en-US" sz="2400" dirty="0"/>
+              <a:t> a </a:t>
+            </a:r>
+            <a:r>
+              <a:rPr lang="en-US" sz="2400" dirty="0" err="1"/>
+              <a:t>atomicidade</a:t>
+            </a:r>
+            <a:r>
+              <a:rPr lang="en-US" sz="2400" dirty="0"/>
+              <a:t> de um </a:t>
+            </a:r>
+            <a:r>
+              <a:rPr lang="en-US" sz="2400" dirty="0" err="1"/>
+              <a:t>programa</a:t>
+            </a:r>
+            <a:r>
+              <a:rPr lang="en-US" sz="2400" dirty="0"/>
+              <a:t> </a:t>
+            </a:r>
+            <a:r>
+              <a:rPr lang="en-US" sz="2400" dirty="0" err="1"/>
+              <a:t>durante</a:t>
+            </a:r>
+            <a:r>
+              <a:rPr lang="en-US" sz="2400" dirty="0"/>
+              <a:t> </a:t>
+            </a:r>
+            <a:r>
+              <a:rPr lang="en-US" sz="2400" dirty="0" err="1"/>
+              <a:t>uma</a:t>
+            </a:r>
+            <a:r>
+              <a:rPr lang="en-US" sz="2400" dirty="0"/>
+              <a:t> </a:t>
+            </a:r>
+            <a:r>
+              <a:rPr lang="en-US" sz="2400" dirty="0" err="1"/>
+              <a:t>janela</a:t>
+            </a:r>
+            <a:r>
+              <a:rPr lang="en-US" sz="2400" dirty="0"/>
+              <a:t> de </a:t>
+            </a:r>
+            <a:r>
+              <a:rPr lang="en-US" sz="2400" dirty="0" err="1"/>
+              <a:t>vulnerabilidade</a:t>
+            </a:r>
+            <a:endParaRPr lang="en-US" sz="2400" dirty="0"/>
+          </a:p>
+          <a:p>
+            <a:endParaRPr lang="en-US" sz="2400" dirty="0"/>
+          </a:p>
+          <a:p>
+            <a:r>
+              <a:rPr lang="en-US" sz="2400" dirty="0" err="1"/>
+              <a:t>Os</a:t>
+            </a:r>
+            <a:r>
+              <a:rPr lang="en-US" sz="2400" dirty="0"/>
+              <a:t> </a:t>
+            </a:r>
+            <a:r>
+              <a:rPr lang="en-US" sz="2400" dirty="0" err="1"/>
+              <a:t>principais</a:t>
+            </a:r>
+            <a:r>
+              <a:rPr lang="en-US" sz="2400" dirty="0"/>
+              <a:t> </a:t>
+            </a:r>
+            <a:r>
+              <a:rPr lang="en-US" sz="2400" dirty="0" err="1"/>
+              <a:t>objectivos</a:t>
+            </a:r>
+            <a:r>
+              <a:rPr lang="en-US" sz="2400" dirty="0"/>
+              <a:t> de </a:t>
+            </a:r>
+            <a:r>
+              <a:rPr lang="en-US" sz="2400" dirty="0" err="1"/>
+              <a:t>explorar</a:t>
+            </a:r>
+            <a:r>
+              <a:rPr lang="en-US" sz="2400" dirty="0"/>
+              <a:t> </a:t>
+            </a:r>
+            <a:r>
+              <a:rPr lang="en-US" sz="2400" dirty="0" err="1"/>
+              <a:t>essas</a:t>
+            </a:r>
+            <a:r>
+              <a:rPr lang="en-US" sz="2400" dirty="0"/>
+              <a:t> </a:t>
+            </a:r>
+            <a:r>
+              <a:rPr lang="en-US" sz="2400" dirty="0" err="1"/>
+              <a:t>vulnerabilidades</a:t>
+            </a:r>
+            <a:r>
+              <a:rPr lang="en-US" sz="2400" dirty="0"/>
+              <a:t> </a:t>
+            </a:r>
+            <a:r>
+              <a:rPr lang="en-US" sz="2400" dirty="0" err="1"/>
+              <a:t>são</a:t>
+            </a:r>
+            <a:r>
+              <a:rPr lang="en-US" sz="2400" dirty="0"/>
+              <a:t> </a:t>
+            </a:r>
+            <a:r>
+              <a:rPr lang="en-US" sz="2400" dirty="0" err="1"/>
+              <a:t>escalar</a:t>
+            </a:r>
+            <a:r>
+              <a:rPr lang="en-US" sz="2400" dirty="0"/>
+              <a:t> </a:t>
+            </a:r>
+            <a:r>
+              <a:rPr lang="en-US" sz="2400" dirty="0" err="1"/>
+              <a:t>privilégios</a:t>
+            </a:r>
+            <a:r>
+              <a:rPr lang="en-US" sz="2400" dirty="0"/>
+              <a:t> e as </a:t>
+            </a:r>
+            <a:r>
+              <a:rPr lang="en-US" sz="2400" dirty="0" err="1"/>
+              <a:t>mais</a:t>
+            </a:r>
+            <a:r>
+              <a:rPr lang="en-US" sz="2400" dirty="0"/>
+              <a:t> </a:t>
+            </a:r>
+            <a:r>
+              <a:rPr lang="en-US" sz="2400" dirty="0" err="1"/>
+              <a:t>comuns</a:t>
+            </a:r>
+            <a:r>
+              <a:rPr lang="en-US" sz="2400" dirty="0"/>
+              <a:t> </a:t>
+            </a:r>
+            <a:r>
+              <a:rPr lang="en-US" sz="2400" dirty="0" err="1"/>
+              <a:t>são</a:t>
+            </a:r>
+            <a:r>
+              <a:rPr lang="en-US" sz="2400" dirty="0"/>
+              <a:t>: TOCTOU, </a:t>
+            </a:r>
+            <a:r>
+              <a:rPr lang="en-US" sz="2400" dirty="0" err="1"/>
+              <a:t>ficheiros</a:t>
+            </a:r>
+            <a:r>
+              <a:rPr lang="en-US" sz="2400" dirty="0"/>
+              <a:t> </a:t>
+            </a:r>
+            <a:r>
+              <a:rPr lang="en-US" sz="2400" dirty="0" err="1"/>
+              <a:t>temporários</a:t>
+            </a:r>
+            <a:r>
+              <a:rPr lang="en-US" sz="2400" dirty="0"/>
+              <a:t>, e </a:t>
+            </a:r>
+            <a:r>
+              <a:rPr lang="en-US" sz="2400" dirty="0" err="1"/>
+              <a:t>concorrência</a:t>
+            </a:r>
+            <a:endParaRPr lang="en-US" sz="2400" dirty="0"/>
+          </a:p>
+          <a:p>
+            <a:endParaRPr lang="en-US" sz="2400" i="1" dirty="0"/>
+          </a:p>
+          <a:p>
+            <a:r>
+              <a:rPr lang="en-US" sz="2400" dirty="0" err="1"/>
+              <a:t>Outra</a:t>
+            </a:r>
+            <a:r>
+              <a:rPr lang="en-US" sz="2400" dirty="0"/>
+              <a:t> </a:t>
+            </a:r>
+            <a:r>
+              <a:rPr lang="en-US" sz="2400" dirty="0" err="1"/>
+              <a:t>classe</a:t>
+            </a:r>
+            <a:r>
+              <a:rPr lang="en-US" sz="2400" dirty="0"/>
+              <a:t> de </a:t>
+            </a:r>
+            <a:r>
+              <a:rPr lang="en-US" sz="2400" dirty="0" err="1"/>
+              <a:t>vulnerabilidades</a:t>
+            </a:r>
+            <a:r>
+              <a:rPr lang="en-US" sz="2400" dirty="0"/>
+              <a:t> </a:t>
+            </a:r>
+            <a:r>
+              <a:rPr lang="en-US" sz="2400" dirty="0" err="1"/>
+              <a:t>é</a:t>
+            </a:r>
+            <a:r>
+              <a:rPr lang="en-US" sz="2400" dirty="0"/>
+              <a:t> </a:t>
+            </a:r>
+            <a:r>
+              <a:rPr lang="en-US" sz="2400" dirty="0" err="1"/>
+              <a:t>deficiente</a:t>
+            </a:r>
+            <a:r>
+              <a:rPr lang="en-US" sz="2400" dirty="0"/>
+              <a:t> </a:t>
+            </a:r>
+            <a:r>
+              <a:rPr lang="en-US" sz="2400" dirty="0" err="1"/>
+              <a:t>validação</a:t>
+            </a:r>
+            <a:r>
+              <a:rPr lang="en-US" sz="2400" dirty="0"/>
+              <a:t> de entradas, que </a:t>
+            </a:r>
+            <a:r>
+              <a:rPr lang="en-US" sz="2400" dirty="0" err="1"/>
+              <a:t>permite</a:t>
+            </a:r>
+            <a:r>
+              <a:rPr lang="en-US" sz="2400" dirty="0"/>
+              <a:t> </a:t>
+            </a:r>
+            <a:r>
+              <a:rPr lang="en-US" sz="2400" dirty="0" err="1"/>
+              <a:t>ao</a:t>
+            </a:r>
+            <a:r>
+              <a:rPr lang="en-US" sz="2400" dirty="0"/>
+              <a:t> </a:t>
+            </a:r>
+            <a:r>
+              <a:rPr lang="en-US" sz="2400" dirty="0" err="1"/>
+              <a:t>atancante</a:t>
+            </a:r>
+            <a:r>
+              <a:rPr lang="en-US" sz="2400" dirty="0"/>
+              <a:t> </a:t>
+            </a:r>
+            <a:r>
+              <a:rPr lang="en-US" sz="2400" dirty="0" err="1"/>
+              <a:t>injectar</a:t>
+            </a:r>
+            <a:r>
+              <a:rPr lang="en-US" sz="2400" dirty="0"/>
+              <a:t> dados que </a:t>
+            </a:r>
+            <a:r>
+              <a:rPr lang="en-US" sz="2400" dirty="0" err="1"/>
+              <a:t>resultem</a:t>
+            </a:r>
+            <a:r>
+              <a:rPr lang="en-US" sz="2400" dirty="0"/>
+              <a:t> </a:t>
+            </a:r>
+            <a:r>
+              <a:rPr lang="en-US" sz="2400" dirty="0" err="1"/>
+              <a:t>num</a:t>
+            </a:r>
+            <a:r>
+              <a:rPr lang="en-US" sz="2400" dirty="0"/>
+              <a:t> </a:t>
+            </a:r>
+            <a:r>
+              <a:rPr lang="en-US" sz="2400" dirty="0" err="1"/>
+              <a:t>desvio</a:t>
+            </a:r>
+            <a:r>
+              <a:rPr lang="en-US" sz="2400" dirty="0"/>
+              <a:t> do </a:t>
+            </a:r>
+            <a:r>
+              <a:rPr lang="en-US" sz="2400" dirty="0" err="1"/>
+              <a:t>comportamento</a:t>
+            </a:r>
+            <a:r>
+              <a:rPr lang="en-US" sz="2400" dirty="0"/>
+              <a:t> normal do </a:t>
+            </a:r>
+            <a:r>
+              <a:rPr lang="en-US" sz="2400" dirty="0" err="1"/>
+              <a:t>programa</a:t>
+            </a:r>
+            <a:endParaRPr lang="en-US" sz="2000" dirty="0"/>
+          </a:p>
+        </p:txBody>
+      </p:sp>
+    </p:spTree>
+    <p:extLst>
+      <p:ext uri="{BB962C8B-B14F-4D97-AF65-F5344CB8AC3E}">
+        <p14:creationId xmlns:p14="http://schemas.microsoft.com/office/powerpoint/2010/main" val="2016546475"/>
+      </p:ext>
+    </p:extLst>
+  </p:cSld>
+  <p:clrMapOvr>
+    <a:masterClrMapping/>
+  </p:clrMapOvr>
+</p:sld>
+</file>
+
+<file path=ppt/slides/slide23.xml><?xml version="1.0" encoding="utf-8"?>
+<p:sld xmlns:a="http://schemas.openxmlformats.org/drawingml/2006/main" xmlns:r="http://schemas.openxmlformats.org/officeDocument/2006/relationships" xmlns:p="http://schemas.openxmlformats.org/presentationml/2006/main">
+  <p:cSld>
+    <p:spTree>
+      <p:nvGrpSpPr>
+        <p:cNvPr id="1" name=""/>
+        <p:cNvGrpSpPr/>
+        <p:nvPr/>
+      </p:nvGrpSpPr>
+      <p:grpSpPr>
+        <a:xfrm>
+          <a:off x="0" y="0"/>
+          <a:ext cx="0" cy="0"/>
+          <a:chOff x="0" y="0"/>
+          <a:chExt cx="0" cy="0"/>
+        </a:xfrm>
+      </p:grpSpPr>
+      <p:sp>
+        <p:nvSpPr>
+          <p:cNvPr id="2" name="Title 1"/>
+          <p:cNvSpPr>
+            <a:spLocks noGrp="1"/>
+          </p:cNvSpPr>
+          <p:nvPr>
+            <p:ph type="title"/>
+          </p:nvPr>
+        </p:nvSpPr>
+        <p:spPr/>
+        <p:txBody>
+          <a:bodyPr/>
+          <a:lstStyle/>
+          <a:p>
+            <a:r>
+              <a:rPr lang="en-US" dirty="0" err="1"/>
+              <a:t>Referências</a:t>
+            </a:r>
+            <a:r>
+              <a:rPr lang="en-US" dirty="0"/>
+              <a:t> e </a:t>
+            </a:r>
+            <a:r>
+              <a:rPr lang="en-US" dirty="0" err="1"/>
+              <a:t>próxima</a:t>
+            </a:r>
+            <a:r>
+              <a:rPr lang="en-US" dirty="0"/>
+              <a:t> aula</a:t>
+            </a:r>
+          </a:p>
+        </p:txBody>
+      </p:sp>
+      <p:sp>
+        <p:nvSpPr>
+          <p:cNvPr id="3" name="Footer Placeholder 2"/>
+          <p:cNvSpPr>
+            <a:spLocks noGrp="1"/>
+          </p:cNvSpPr>
+          <p:nvPr>
+            <p:ph type="ftr" sz="quarter" idx="11"/>
+          </p:nvPr>
+        </p:nvSpPr>
+        <p:spPr/>
+        <p:txBody>
+          <a:bodyPr/>
+          <a:lstStyle/>
+          <a:p>
+            <a:r>
+              <a:rPr lang="en-US"/>
+              <a:t>SS - Nuno Santos</a:t>
+            </a:r>
+            <a:endParaRPr lang="en-US" dirty="0"/>
+          </a:p>
+        </p:txBody>
+      </p:sp>
+      <p:sp>
+        <p:nvSpPr>
+          <p:cNvPr id="4" name="Slide Number Placeholder 3"/>
+          <p:cNvSpPr>
+            <a:spLocks noGrp="1"/>
+          </p:cNvSpPr>
+          <p:nvPr>
+            <p:ph type="sldNum" sz="quarter" idx="12"/>
+          </p:nvPr>
+        </p:nvSpPr>
+        <p:spPr/>
+        <p:txBody>
+          <a:bodyPr/>
+          <a:lstStyle/>
+          <a:p>
+            <a:fld id="{BAFC06C6-5388-EF48-9B75-F2C2BBFC0E68}" type="slidenum">
+              <a:rPr lang="en-US" smtClean="0"/>
+              <a:t>23</a:t>
+            </a:fld>
+            <a:endParaRPr lang="en-US" dirty="0"/>
+          </a:p>
+        </p:txBody>
+      </p:sp>
+      <p:sp>
+        <p:nvSpPr>
+          <p:cNvPr id="5" name="Content Placeholder 4"/>
+          <p:cNvSpPr>
+            <a:spLocks noGrp="1"/>
+          </p:cNvSpPr>
+          <p:nvPr>
+            <p:ph sz="quarter" idx="1"/>
+          </p:nvPr>
+        </p:nvSpPr>
+        <p:spPr/>
+        <p:txBody>
+          <a:bodyPr/>
+          <a:lstStyle/>
+          <a:p>
+            <a:endParaRPr lang="en-US" dirty="0"/>
+          </a:p>
+          <a:p>
+            <a:r>
+              <a:rPr lang="en-US" dirty="0" err="1"/>
+              <a:t>Bibliografia</a:t>
+            </a:r>
+            <a:endParaRPr lang="en-US" dirty="0"/>
+          </a:p>
+          <a:p>
+            <a:pPr lvl="1"/>
+            <a:r>
+              <a:rPr lang="en-US" dirty="0"/>
+              <a:t>[Correia17] </a:t>
+            </a:r>
+            <a:r>
+              <a:rPr lang="en-US" dirty="0" err="1"/>
+              <a:t>Capítulos</a:t>
+            </a:r>
+            <a:r>
+              <a:rPr lang="en-US" dirty="0"/>
+              <a:t> 6 e 7</a:t>
+            </a:r>
+          </a:p>
+          <a:p>
+            <a:endParaRPr lang="en-US" dirty="0"/>
+          </a:p>
+          <a:p>
+            <a:r>
+              <a:rPr lang="en-US" dirty="0" err="1"/>
+              <a:t>Próxima</a:t>
+            </a:r>
+            <a:r>
+              <a:rPr lang="en-US" dirty="0"/>
+              <a:t> aula</a:t>
+            </a:r>
+          </a:p>
+          <a:p>
+            <a:pPr lvl="1"/>
+            <a:r>
+              <a:rPr lang="en-US" dirty="0" err="1"/>
+              <a:t>Vulnerabilidades</a:t>
+            </a:r>
+            <a:r>
+              <a:rPr lang="en-US" dirty="0"/>
+              <a:t> </a:t>
+            </a:r>
+            <a:r>
+              <a:rPr lang="en-US" dirty="0" err="1"/>
+              <a:t>na</a:t>
+            </a:r>
+            <a:r>
+              <a:rPr lang="en-US" dirty="0"/>
+              <a:t> Web e </a:t>
+            </a:r>
+            <a:r>
+              <a:rPr lang="en-US" dirty="0" err="1"/>
+              <a:t>em</a:t>
+            </a:r>
+            <a:r>
+              <a:rPr lang="en-US" dirty="0"/>
+              <a:t> bases de dados</a:t>
+            </a:r>
+          </a:p>
+          <a:p>
+            <a:endParaRPr lang="en-US" dirty="0"/>
+          </a:p>
+        </p:txBody>
+      </p:sp>
+      <p:sp>
+        <p:nvSpPr>
+          <p:cNvPr id="6" name="Date Placeholder 5"/>
+          <p:cNvSpPr>
+            <a:spLocks noGrp="1"/>
+          </p:cNvSpPr>
+          <p:nvPr>
+            <p:ph type="dt" sz="half" idx="10"/>
+          </p:nvPr>
+        </p:nvSpPr>
+        <p:spPr/>
+        <p:txBody>
+          <a:bodyPr/>
+          <a:lstStyle/>
+          <a:p>
+            <a:r>
+              <a:rPr lang="en-US"/>
+              <a:t>2019</a:t>
+            </a:r>
+            <a:endParaRPr lang="en-US" dirty="0"/>
+          </a:p>
+        </p:txBody>
+      </p:sp>
+    </p:spTree>
+    <p:extLst>
+      <p:ext uri="{BB962C8B-B14F-4D97-AF65-F5344CB8AC3E}">
+        <p14:creationId xmlns:p14="http://schemas.microsoft.com/office/powerpoint/2010/main" val="4106125673"/>
       </p:ext>
     </p:extLst>
   </p:cSld>
@@ -5608,7 +10166,13 @@
       </p:grpSpPr>
       <p:sp>
         <p:nvSpPr>
-          <p:cNvPr id="2" name="Title 1"/>
+          <p:cNvPr id="2" name="Title 1">
+            <a:extLst>
+              <a:ext uri="{FF2B5EF4-FFF2-40B4-BE49-F238E27FC236}">
+                <a16:creationId xmlns:a16="http://schemas.microsoft.com/office/drawing/2014/main" id="{32A95344-4164-4B4D-9FE5-50EAFAF9C036}"/>
+              </a:ext>
+            </a:extLst>
+          </p:cNvPr>
           <p:cNvSpPr>
             <a:spLocks noGrp="1"/>
           </p:cNvSpPr>
@@ -5622,20 +10186,26 @@
           <a:lstStyle/>
           <a:p>
             <a:r>
-              <a:rPr lang="en-US" dirty="0" err="1" smtClean="0"/>
-              <a:t>Nesta</a:t>
-            </a:r>
-            <a:r>
-              <a:rPr lang="en-US" dirty="0" smtClean="0"/>
-              <a:t> aula</a:t>
-            </a:r>
-            <a:endParaRPr lang="en-US" dirty="0"/>
-          </a:p>
-        </p:txBody>
-      </p:sp>
-      <p:sp>
-        <p:nvSpPr>
-          <p:cNvPr id="3" name="Date Placeholder 2"/>
+              <a:rPr lang="en-US" dirty="0"/>
+              <a:t>Aula </a:t>
+            </a:r>
+            <a:r>
+              <a:rPr lang="en-US" dirty="0" err="1"/>
+              <a:t>passada</a:t>
+            </a:r>
+            <a:endParaRPr lang="en-US" dirty="0"/>
+          </a:p>
+        </p:txBody>
+      </p:sp>
+      <p:sp>
+        <p:nvSpPr>
+          <p:cNvPr id="3" name="Date Placeholder 2">
+            <a:extLst>
+              <a:ext uri="{FF2B5EF4-FFF2-40B4-BE49-F238E27FC236}">
+                <a16:creationId xmlns:a16="http://schemas.microsoft.com/office/drawing/2014/main" id="{ED774F1F-B0C5-274F-959D-65A14A0E1980}"/>
+              </a:ext>
+            </a:extLst>
+          </p:cNvPr>
           <p:cNvSpPr>
             <a:spLocks noGrp="1"/>
           </p:cNvSpPr>
@@ -5649,7 +10219,7 @@
           <a:lstStyle/>
           <a:p>
             <a:r>
-              <a:rPr lang="en-US" smtClean="0"/>
+              <a:rPr lang="en-US"/>
               <a:t>2019</a:t>
             </a:r>
             <a:endParaRPr lang="en-US" dirty="0"/>
@@ -5658,7 +10228,13 @@
       </p:sp>
       <p:sp>
         <p:nvSpPr>
-          <p:cNvPr id="4" name="Footer Placeholder 3"/>
+          <p:cNvPr id="4" name="Footer Placeholder 3">
+            <a:extLst>
+              <a:ext uri="{FF2B5EF4-FFF2-40B4-BE49-F238E27FC236}">
+                <a16:creationId xmlns:a16="http://schemas.microsoft.com/office/drawing/2014/main" id="{9CC325DC-0B32-2F46-A410-C67BF44CE02E}"/>
+              </a:ext>
+            </a:extLst>
+          </p:cNvPr>
           <p:cNvSpPr>
             <a:spLocks noGrp="1"/>
           </p:cNvSpPr>
@@ -5672,7 +10248,7 @@
           <a:lstStyle/>
           <a:p>
             <a:r>
-              <a:rPr lang="en-US" smtClean="0"/>
+              <a:rPr lang="en-US"/>
               <a:t>SS - Nuno Santos</a:t>
             </a:r>
             <a:endParaRPr lang="en-US" dirty="0"/>
@@ -5681,7 +10257,13 @@
       </p:sp>
       <p:sp>
         <p:nvSpPr>
-          <p:cNvPr id="5" name="Slide Number Placeholder 4"/>
+          <p:cNvPr id="5" name="Slide Number Placeholder 4">
+            <a:extLst>
+              <a:ext uri="{FF2B5EF4-FFF2-40B4-BE49-F238E27FC236}">
+                <a16:creationId xmlns:a16="http://schemas.microsoft.com/office/drawing/2014/main" id="{AC40A020-1A9F-F045-BE9D-659AEF8E0495}"/>
+              </a:ext>
+            </a:extLst>
+          </p:cNvPr>
           <p:cNvSpPr>
             <a:spLocks noGrp="1"/>
           </p:cNvSpPr>
@@ -5704,7 +10286,13 @@
       </p:sp>
       <p:sp>
         <p:nvSpPr>
-          <p:cNvPr id="6" name="Content Placeholder 5"/>
+          <p:cNvPr id="6" name="Content Placeholder 5">
+            <a:extLst>
+              <a:ext uri="{FF2B5EF4-FFF2-40B4-BE49-F238E27FC236}">
+                <a16:creationId xmlns:a16="http://schemas.microsoft.com/office/drawing/2014/main" id="{A52EEBCF-EE55-C94A-9BF4-D2D10AF73196}"/>
+              </a:ext>
+            </a:extLst>
+          </p:cNvPr>
           <p:cNvSpPr>
             <a:spLocks noGrp="1"/>
           </p:cNvSpPr>
@@ -5717,14 +10305,118 @@
           <a:bodyPr/>
           <a:lstStyle/>
           <a:p>
-            <a:endParaRPr lang="en-US"/>
-          </a:p>
-        </p:txBody>
-      </p:sp>
+            <a:r>
+              <a:rPr lang="en-US" dirty="0" err="1"/>
+              <a:t>Estudámos</a:t>
+            </a:r>
+            <a:r>
+              <a:rPr lang="en-US" dirty="0"/>
+              <a:t> </a:t>
+            </a:r>
+            <a:r>
+              <a:rPr lang="en-US" dirty="0" err="1"/>
+              <a:t>mais</a:t>
+            </a:r>
+            <a:r>
+              <a:rPr lang="en-US" dirty="0"/>
+              <a:t> </a:t>
+            </a:r>
+            <a:r>
+              <a:rPr lang="en-US" dirty="0" err="1"/>
+              <a:t>duas</a:t>
+            </a:r>
+            <a:r>
+              <a:rPr lang="en-US" dirty="0"/>
+              <a:t> classes de </a:t>
+            </a:r>
+            <a:r>
+              <a:rPr lang="en-US" dirty="0" err="1"/>
+              <a:t>vulnerabilidades</a:t>
+            </a:r>
+            <a:r>
+              <a:rPr lang="en-US" dirty="0"/>
+              <a:t>:</a:t>
+            </a:r>
+          </a:p>
+          <a:p>
+            <a:endParaRPr lang="en-US" dirty="0"/>
+          </a:p>
+          <a:p>
+            <a:endParaRPr lang="en-US" dirty="0"/>
+          </a:p>
+          <a:p>
+            <a:endParaRPr lang="en-US" dirty="0"/>
+          </a:p>
+          <a:p>
+            <a:endParaRPr lang="en-US" dirty="0"/>
+          </a:p>
+          <a:p>
+            <a:r>
+              <a:rPr lang="en-US" dirty="0" err="1"/>
+              <a:t>Devido</a:t>
+            </a:r>
+            <a:r>
+              <a:rPr lang="en-US" dirty="0"/>
+              <a:t> a corridas</a:t>
+            </a:r>
+          </a:p>
+          <a:p>
+            <a:endParaRPr lang="en-US" dirty="0"/>
+          </a:p>
+          <a:p>
+            <a:r>
+              <a:rPr lang="en-US" dirty="0" err="1"/>
+              <a:t>Devido</a:t>
+            </a:r>
+            <a:r>
+              <a:rPr lang="en-US" dirty="0"/>
+              <a:t> a </a:t>
+            </a:r>
+            <a:r>
+              <a:rPr lang="en-US" dirty="0" err="1"/>
+              <a:t>validação</a:t>
+            </a:r>
+            <a:r>
+              <a:rPr lang="en-US" dirty="0"/>
+              <a:t> de entradas</a:t>
+            </a:r>
+          </a:p>
+        </p:txBody>
+      </p:sp>
+      <p:pic>
+        <p:nvPicPr>
+          <p:cNvPr id="7" name="Picture 6">
+            <a:extLst>
+              <a:ext uri="{FF2B5EF4-FFF2-40B4-BE49-F238E27FC236}">
+                <a16:creationId xmlns:a16="http://schemas.microsoft.com/office/drawing/2014/main" id="{0A98A871-D597-234B-924E-B54F702DB011}"/>
+              </a:ext>
+            </a:extLst>
+          </p:cNvPr>
+          <p:cNvPicPr>
+            <a:picLocks noChangeAspect="1"/>
+          </p:cNvPicPr>
+          <p:nvPr/>
+        </p:nvPicPr>
+        <p:blipFill>
+          <a:blip r:embed="rId2"/>
+          <a:stretch>
+            <a:fillRect/>
+          </a:stretch>
+        </p:blipFill>
+        <p:spPr>
+          <a:xfrm>
+            <a:off x="3695700" y="2060761"/>
+            <a:ext cx="1752600" cy="1752600"/>
+          </a:xfrm>
+          <a:prstGeom prst="rect">
+            <a:avLst/>
+          </a:prstGeom>
+        </p:spPr>
+      </p:pic>
     </p:spTree>
     <p:extLst>
       <p:ext uri="{BB962C8B-B14F-4D97-AF65-F5344CB8AC3E}">
-        <p14:creationId xmlns:p14="http://schemas.microsoft.com/office/powerpoint/2010/main" val="1445712383"/>
+        <p14:creationId xmlns:p14="http://schemas.microsoft.com/office/powerpoint/2010/main" val="3604188621"/>
       </p:ext>
     </p:extLst>
   </p:cSld>
@@ -5753,7 +10445,13 @@
       </p:grpSpPr>
       <p:sp>
         <p:nvSpPr>
-          <p:cNvPr id="2" name="Title 1"/>
+          <p:cNvPr id="2" name="Title 1">
+            <a:extLst>
+              <a:ext uri="{FF2B5EF4-FFF2-40B4-BE49-F238E27FC236}">
+                <a16:creationId xmlns:a16="http://schemas.microsoft.com/office/drawing/2014/main" id="{6C7DA053-E710-DD40-80C5-0996E2E7A55B}"/>
+              </a:ext>
+            </a:extLst>
+          </p:cNvPr>
           <p:cNvSpPr>
             <a:spLocks noGrp="1"/>
           </p:cNvSpPr>
@@ -5767,24 +10465,29 @@
           <a:lstStyle/>
           <a:p>
             <a:r>
-              <a:rPr lang="en-US" dirty="0" smtClean="0"/>
+              <a:rPr lang="en-US" dirty="0"/>
               <a:t>Plano para </a:t>
             </a:r>
             <a:r>
-              <a:rPr lang="en-US" dirty="0" err="1" smtClean="0"/>
+              <a:rPr lang="en-US" dirty="0" err="1"/>
               <a:t>esta</a:t>
             </a:r>
             <a:r>
-              <a:rPr lang="en-US" dirty="0" smtClean="0"/>
+              <a:rPr lang="en-US" dirty="0"/>
               <a:t> aula</a:t>
             </a:r>
-            <a:endParaRPr lang="en-US" dirty="0"/>
-          </a:p>
-        </p:txBody>
-      </p:sp>
-      <p:sp>
-        <p:nvSpPr>
-          <p:cNvPr id="3" name="Date Placeholder 2"/>
+          </a:p>
+        </p:txBody>
+      </p:sp>
+      <p:sp>
+        <p:nvSpPr>
+          <p:cNvPr id="3" name="Date Placeholder 2">
+            <a:extLst>
+              <a:ext uri="{FF2B5EF4-FFF2-40B4-BE49-F238E27FC236}">
+                <a16:creationId xmlns:a16="http://schemas.microsoft.com/office/drawing/2014/main" id="{B995B8F0-DF35-734F-AFA8-1909F9DE3ADE}"/>
+              </a:ext>
+            </a:extLst>
+          </p:cNvPr>
           <p:cNvSpPr>
             <a:spLocks noGrp="1"/>
           </p:cNvSpPr>
@@ -5798,7 +10501,7 @@
           <a:lstStyle/>
           <a:p>
             <a:r>
-              <a:rPr lang="en-US" smtClean="0"/>
+              <a:rPr lang="en-US"/>
               <a:t>2019</a:t>
             </a:r>
             <a:endParaRPr lang="en-US" dirty="0"/>
@@ -5807,7 +10510,13 @@
       </p:sp>
       <p:sp>
         <p:nvSpPr>
-          <p:cNvPr id="4" name="Footer Placeholder 3"/>
+          <p:cNvPr id="4" name="Footer Placeholder 3">
+            <a:extLst>
+              <a:ext uri="{FF2B5EF4-FFF2-40B4-BE49-F238E27FC236}">
+                <a16:creationId xmlns:a16="http://schemas.microsoft.com/office/drawing/2014/main" id="{FA25D9C6-8BB1-2642-9412-838726AB0C2E}"/>
+              </a:ext>
+            </a:extLst>
+          </p:cNvPr>
           <p:cNvSpPr>
             <a:spLocks noGrp="1"/>
           </p:cNvSpPr>
@@ -5821,7 +10530,7 @@
           <a:lstStyle/>
           <a:p>
             <a:r>
-              <a:rPr lang="en-US" smtClean="0"/>
+              <a:rPr lang="en-US"/>
               <a:t>SS - Nuno Santos</a:t>
             </a:r>
             <a:endParaRPr lang="en-US" dirty="0"/>
@@ -5830,7 +10539,13 @@
       </p:sp>
       <p:sp>
         <p:nvSpPr>
-          <p:cNvPr id="5" name="Slide Number Placeholder 4"/>
+          <p:cNvPr id="5" name="Slide Number Placeholder 4">
+            <a:extLst>
+              <a:ext uri="{FF2B5EF4-FFF2-40B4-BE49-F238E27FC236}">
+                <a16:creationId xmlns:a16="http://schemas.microsoft.com/office/drawing/2014/main" id="{AA882DF4-115C-724A-975C-BC9F80A8105C}"/>
+              </a:ext>
+            </a:extLst>
+          </p:cNvPr>
           <p:cNvSpPr>
             <a:spLocks noGrp="1"/>
           </p:cNvSpPr>
@@ -5853,7 +10568,13 @@
       </p:sp>
       <p:sp>
         <p:nvSpPr>
-          <p:cNvPr id="6" name="Content Placeholder 5"/>
+          <p:cNvPr id="6" name="Content Placeholder 5">
+            <a:extLst>
+              <a:ext uri="{FF2B5EF4-FFF2-40B4-BE49-F238E27FC236}">
+                <a16:creationId xmlns:a16="http://schemas.microsoft.com/office/drawing/2014/main" id="{B8340191-56CF-B240-ADF6-14217E25AEA6}"/>
+              </a:ext>
+            </a:extLst>
+          </p:cNvPr>
           <p:cNvSpPr>
             <a:spLocks noGrp="1"/>
           </p:cNvSpPr>
@@ -5861,14 +10582,72 @@
             <p:ph sz="quarter" idx="1"/>
           </p:nvPr>
         </p:nvSpPr>
-        <p:spPr/>
-        <p:txBody>
-          <a:bodyPr>
-            <a:normAutofit/>
-          </a:bodyPr>
-          <a:lstStyle/>
-          <a:p>
-            <a:endParaRPr lang="en-US" dirty="0"/>
+        <p:spPr>
+          <a:xfrm>
+            <a:off x="457200" y="1219200"/>
+            <a:ext cx="8229600" cy="4937760"/>
+          </a:xfrm>
+        </p:spPr>
+        <p:txBody>
+          <a:bodyPr/>
+          <a:lstStyle/>
+          <a:p>
+            <a:endParaRPr lang="en-US" dirty="0"/>
+          </a:p>
+          <a:p>
+            <a:r>
+              <a:rPr lang="en-US" dirty="0" err="1"/>
+              <a:t>Arquitectura</a:t>
+            </a:r>
+            <a:r>
+              <a:rPr lang="en-US" dirty="0"/>
+              <a:t> das </a:t>
+            </a:r>
+            <a:r>
+              <a:rPr lang="en-US" dirty="0" err="1"/>
+              <a:t>aplicações</a:t>
+            </a:r>
+            <a:r>
+              <a:rPr lang="en-US" dirty="0"/>
+              <a:t> Web</a:t>
+            </a:r>
+          </a:p>
+          <a:p>
+            <a:endParaRPr lang="en-US" dirty="0"/>
+          </a:p>
+          <a:p>
+            <a:r>
+              <a:rPr lang="en-US" dirty="0" err="1"/>
+              <a:t>Principais</a:t>
+            </a:r>
+            <a:r>
+              <a:rPr lang="en-US" dirty="0"/>
+              <a:t> </a:t>
+            </a:r>
+            <a:r>
+              <a:rPr lang="en-US" dirty="0" err="1"/>
+              <a:t>vulnerabilidades</a:t>
+            </a:r>
+            <a:r>
+              <a:rPr lang="en-US" dirty="0"/>
+              <a:t> </a:t>
+            </a:r>
+            <a:r>
+              <a:rPr lang="en-US" dirty="0" err="1"/>
+              <a:t>em</a:t>
+            </a:r>
+            <a:r>
+              <a:rPr lang="en-US" dirty="0"/>
+              <a:t> </a:t>
+            </a:r>
+            <a:r>
+              <a:rPr lang="en-US" dirty="0" err="1"/>
+              <a:t>aplicações</a:t>
+            </a:r>
+            <a:r>
+              <a:rPr lang="en-US" dirty="0"/>
+              <a:t> Web</a:t>
+            </a:r>
           </a:p>
           <a:p>
             <a:endParaRPr lang="en-US" dirty="0"/>
@@ -5878,7 +10657,7 @@
     </p:spTree>
     <p:extLst>
       <p:ext uri="{BB962C8B-B14F-4D97-AF65-F5344CB8AC3E}">
-        <p14:creationId xmlns:p14="http://schemas.microsoft.com/office/powerpoint/2010/main" val="115019494"/>
+        <p14:creationId xmlns:p14="http://schemas.microsoft.com/office/powerpoint/2010/main" val="4285884446"/>
       </p:ext>
     </p:extLst>
   </p:cSld>
@@ -5907,7 +10686,13 @@
       </p:grpSpPr>
       <p:sp>
         <p:nvSpPr>
-          <p:cNvPr id="7" name="Title 6"/>
+          <p:cNvPr id="7" name="Title 6">
+            <a:extLst>
+              <a:ext uri="{FF2B5EF4-FFF2-40B4-BE49-F238E27FC236}">
+                <a16:creationId xmlns:a16="http://schemas.microsoft.com/office/drawing/2014/main" id="{CA065597-B38C-3C4A-A732-97A489122D28}"/>
+              </a:ext>
+            </a:extLst>
+          </p:cNvPr>
           <p:cNvSpPr>
             <a:spLocks noGrp="1"/>
           </p:cNvSpPr>
@@ -5917,54 +10702,42 @@
         </p:nvSpPr>
         <p:spPr/>
         <p:txBody>
-          <a:bodyPr>
-            <a:normAutofit/>
-          </a:bodyPr>
-          <a:lstStyle/>
-          <a:p>
-            <a:r>
-              <a:rPr lang="en-US" dirty="0" err="1" smtClean="0"/>
-              <a:t>Mecanismos</a:t>
-            </a:r>
-            <a:r>
-              <a:rPr lang="en-US" dirty="0" smtClean="0"/>
+          <a:bodyPr/>
+          <a:lstStyle/>
+          <a:p>
+            <a:r>
+              <a:rPr lang="en-US" dirty="0" err="1"/>
+              <a:t>Modelação</a:t>
+            </a:r>
+            <a:r>
+              <a:rPr lang="en-US" dirty="0"/>
               <a:t> de </a:t>
             </a:r>
             <a:r>
-              <a:rPr lang="en-US" dirty="0" err="1" smtClean="0"/>
-              <a:t>segurança</a:t>
-            </a:r>
-            <a:r>
-              <a:rPr lang="en-US" dirty="0" smtClean="0"/>
-              <a:t> </a:t>
-            </a:r>
-            <a:r>
-              <a:rPr lang="en-US" dirty="0" err="1" smtClean="0"/>
-              <a:t>nos</a:t>
-            </a:r>
-            <a:r>
-              <a:rPr lang="en-US" dirty="0" smtClean="0"/>
-              <a:t> </a:t>
-            </a:r>
-            <a:r>
-              <a:rPr lang="en-US" dirty="0" err="1" smtClean="0"/>
-              <a:t>sistemas</a:t>
-            </a:r>
-            <a:r>
-              <a:rPr lang="en-US" dirty="0" smtClean="0"/>
-              <a:t> </a:t>
-            </a:r>
-            <a:r>
-              <a:rPr lang="en-US" dirty="0" err="1" smtClean="0"/>
-              <a:t>operativos</a:t>
-            </a:r>
-            <a:endParaRPr lang="en-US" dirty="0"/>
-          </a:p>
-        </p:txBody>
-      </p:sp>
-      <p:sp>
-        <p:nvSpPr>
-          <p:cNvPr id="3" name="Date Placeholder 2"/>
+              <a:rPr lang="en-US" dirty="0" err="1"/>
+              <a:t>ataques</a:t>
+            </a:r>
+            <a:r>
+              <a:rPr lang="en-US" dirty="0"/>
+              <a:t> / </a:t>
+            </a:r>
+            <a:r>
+              <a:rPr lang="en-US" dirty="0" err="1"/>
+              <a:t>ameaças</a:t>
+            </a:r>
+            <a:endParaRPr lang="en-US" dirty="0"/>
+          </a:p>
+        </p:txBody>
+      </p:sp>
+      <p:sp>
+        <p:nvSpPr>
+          <p:cNvPr id="3" name="Date Placeholder 2">
+            <a:extLst>
+              <a:ext uri="{FF2B5EF4-FFF2-40B4-BE49-F238E27FC236}">
+                <a16:creationId xmlns:a16="http://schemas.microsoft.com/office/drawing/2014/main" id="{AD4493F9-01A7-D544-81BA-3EB4C049A4CD}"/>
+              </a:ext>
+            </a:extLst>
+          </p:cNvPr>
           <p:cNvSpPr>
             <a:spLocks noGrp="1"/>
           </p:cNvSpPr>
@@ -5978,54 +10751,65 @@
           <a:lstStyle/>
           <a:p>
             <a:r>
+              <a:rPr lang="en-US"/>
+              <a:t>2019</a:t>
+            </a:r>
+            <a:endParaRPr lang="en-US" dirty="0"/>
+          </a:p>
+        </p:txBody>
+      </p:sp>
+      <p:sp>
+        <p:nvSpPr>
+          <p:cNvPr id="4" name="Footer Placeholder 3">
+            <a:extLst>
+              <a:ext uri="{FF2B5EF4-FFF2-40B4-BE49-F238E27FC236}">
+                <a16:creationId xmlns:a16="http://schemas.microsoft.com/office/drawing/2014/main" id="{8177CA35-7D0A-6D4A-9185-3373EC74F745}"/>
+              </a:ext>
+            </a:extLst>
+          </p:cNvPr>
+          <p:cNvSpPr>
+            <a:spLocks noGrp="1"/>
+          </p:cNvSpPr>
+          <p:nvPr>
+            <p:ph type="ftr" sz="quarter" idx="11"/>
+          </p:nvPr>
+        </p:nvSpPr>
+        <p:spPr/>
+        <p:txBody>
+          <a:bodyPr/>
+          <a:lstStyle/>
+          <a:p>
+            <a:r>
+              <a:rPr lang="en-US"/>
+              <a:t>SS - Nuno Santos</a:t>
+            </a:r>
+            <a:endParaRPr lang="en-US" dirty="0"/>
+          </a:p>
+        </p:txBody>
+      </p:sp>
+      <p:sp>
+        <p:nvSpPr>
+          <p:cNvPr id="5" name="Slide Number Placeholder 4">
+            <a:extLst>
+              <a:ext uri="{FF2B5EF4-FFF2-40B4-BE49-F238E27FC236}">
+                <a16:creationId xmlns:a16="http://schemas.microsoft.com/office/drawing/2014/main" id="{A9726EED-259C-9F47-AD3A-0A6F09C3FB7F}"/>
+              </a:ext>
+            </a:extLst>
+          </p:cNvPr>
+          <p:cNvSpPr>
+            <a:spLocks noGrp="1"/>
+          </p:cNvSpPr>
+          <p:nvPr>
+            <p:ph type="sldNum" sz="quarter" idx="12"/>
+          </p:nvPr>
+        </p:nvSpPr>
+        <p:spPr/>
+        <p:txBody>
+          <a:bodyPr/>
+          <a:lstStyle/>
+          <a:p>
+            <a:fld id="{BAFC06C6-5388-EF48-9B75-F2C2BBFC0E68}" type="slidenum">
               <a:rPr lang="en-US" smtClean="0"/>
-              <a:t>2019</a:t>
-            </a:r>
-            <a:endParaRPr lang="en-US" dirty="0"/>
-          </a:p>
-        </p:txBody>
-      </p:sp>
-      <p:sp>
-        <p:nvSpPr>
-          <p:cNvPr id="4" name="Footer Placeholder 3"/>
-          <p:cNvSpPr>
-            <a:spLocks noGrp="1"/>
-          </p:cNvSpPr>
-          <p:nvPr>
-            <p:ph type="ftr" sz="quarter" idx="11"/>
-          </p:nvPr>
-        </p:nvSpPr>
-        <p:spPr/>
-        <p:txBody>
-          <a:bodyPr/>
-          <a:lstStyle/>
-          <a:p>
-            <a:r>
-              <a:rPr lang="en-US" smtClean="0"/>
-              <a:t>SS - Nuno Santos</a:t>
-            </a:r>
-            <a:endParaRPr lang="en-US" dirty="0"/>
-          </a:p>
-        </p:txBody>
-      </p:sp>
-      <p:sp>
-        <p:nvSpPr>
-          <p:cNvPr id="2" name="Slide Number Placeholder 1"/>
-          <p:cNvSpPr>
-            <a:spLocks noGrp="1"/>
-          </p:cNvSpPr>
-          <p:nvPr>
-            <p:ph type="sldNum" sz="quarter" idx="12"/>
-          </p:nvPr>
-        </p:nvSpPr>
-        <p:spPr/>
-        <p:txBody>
-          <a:bodyPr/>
-          <a:lstStyle/>
-          <a:p>
-            <a:fld id="{D7E63A33-8271-4DD0-9C48-789913D7C115}" type="slidenum">
-              <a:rPr lang="en-US" smtClean="0"/>
-              <a:pPr/>
               <a:t>5</a:t>
             </a:fld>
             <a:endParaRPr lang="en-US" dirty="0"/>
@@ -6035,7 +10819,7 @@
     </p:spTree>
     <p:extLst>
       <p:ext uri="{BB962C8B-B14F-4D97-AF65-F5344CB8AC3E}">
-        <p14:creationId xmlns:p14="http://schemas.microsoft.com/office/powerpoint/2010/main" val="397353358"/>
+        <p14:creationId xmlns:p14="http://schemas.microsoft.com/office/powerpoint/2010/main" val="1435246701"/>
       </p:ext>
     </p:extLst>
   </p:cSld>
@@ -6064,7 +10848,13 @@
       </p:grpSpPr>
       <p:sp>
         <p:nvSpPr>
-          <p:cNvPr id="2" name="Title 1"/>
+          <p:cNvPr id="2" name="Title 1">
+            <a:extLst>
+              <a:ext uri="{FF2B5EF4-FFF2-40B4-BE49-F238E27FC236}">
+                <a16:creationId xmlns:a16="http://schemas.microsoft.com/office/drawing/2014/main" id="{FE7BAAEC-4D11-744F-A843-037FB9E0A7F2}"/>
+              </a:ext>
+            </a:extLst>
+          </p:cNvPr>
           <p:cNvSpPr>
             <a:spLocks noGrp="1"/>
           </p:cNvSpPr>
@@ -6077,13 +10867,39 @@
           <a:bodyPr/>
           <a:lstStyle/>
           <a:p>
-            <a:endParaRPr lang="en-US"/>
-          </a:p>
-        </p:txBody>
-      </p:sp>
-      <p:sp>
-        <p:nvSpPr>
-          <p:cNvPr id="3" name="Date Placeholder 2"/>
+            <a:r>
+              <a:rPr lang="en-US" dirty="0" err="1"/>
+              <a:t>Modelação</a:t>
+            </a:r>
+            <a:r>
+              <a:rPr lang="en-US" dirty="0"/>
+              <a:t> de </a:t>
+            </a:r>
+            <a:r>
+              <a:rPr lang="en-US" dirty="0" err="1"/>
+              <a:t>ataques</a:t>
+            </a:r>
+            <a:r>
+              <a:rPr lang="en-US" dirty="0"/>
+              <a:t> / </a:t>
+            </a:r>
+            <a:r>
+              <a:rPr lang="en-US" dirty="0" err="1"/>
+              <a:t>ameaças</a:t>
+            </a:r>
+            <a:endParaRPr lang="en-US" dirty="0"/>
+          </a:p>
+        </p:txBody>
+      </p:sp>
+      <p:sp>
+        <p:nvSpPr>
+          <p:cNvPr id="3" name="Date Placeholder 2">
+            <a:extLst>
+              <a:ext uri="{FF2B5EF4-FFF2-40B4-BE49-F238E27FC236}">
+                <a16:creationId xmlns:a16="http://schemas.microsoft.com/office/drawing/2014/main" id="{C2AB5C82-A917-6248-8648-A07BA66106AE}"/>
+              </a:ext>
+            </a:extLst>
+          </p:cNvPr>
           <p:cNvSpPr>
             <a:spLocks noGrp="1"/>
           </p:cNvSpPr>
@@ -6097,7 +10913,7 @@
           <a:lstStyle/>
           <a:p>
             <a:r>
-              <a:rPr lang="en-US" smtClean="0"/>
+              <a:rPr lang="en-US"/>
               <a:t>2019</a:t>
             </a:r>
             <a:endParaRPr lang="en-US" dirty="0"/>
@@ -6106,7 +10922,13 @@
       </p:sp>
       <p:sp>
         <p:nvSpPr>
-          <p:cNvPr id="4" name="Footer Placeholder 3"/>
+          <p:cNvPr id="4" name="Footer Placeholder 3">
+            <a:extLst>
+              <a:ext uri="{FF2B5EF4-FFF2-40B4-BE49-F238E27FC236}">
+                <a16:creationId xmlns:a16="http://schemas.microsoft.com/office/drawing/2014/main" id="{0D6D286D-2934-EA41-94DF-8261E305718A}"/>
+              </a:ext>
+            </a:extLst>
+          </p:cNvPr>
           <p:cNvSpPr>
             <a:spLocks noGrp="1"/>
           </p:cNvSpPr>
@@ -6120,7 +10942,7 @@
           <a:lstStyle/>
           <a:p>
             <a:r>
-              <a:rPr lang="en-US" smtClean="0"/>
+              <a:rPr lang="en-US"/>
               <a:t>SS - Nuno Santos</a:t>
             </a:r>
             <a:endParaRPr lang="en-US" dirty="0"/>
@@ -6129,7 +10951,13 @@
       </p:sp>
       <p:sp>
         <p:nvSpPr>
-          <p:cNvPr id="5" name="Slide Number Placeholder 4"/>
+          <p:cNvPr id="5" name="Slide Number Placeholder 4">
+            <a:extLst>
+              <a:ext uri="{FF2B5EF4-FFF2-40B4-BE49-F238E27FC236}">
+                <a16:creationId xmlns:a16="http://schemas.microsoft.com/office/drawing/2014/main" id="{EADC1AFD-4C2B-4040-909A-7720BED155EE}"/>
+              </a:ext>
+            </a:extLst>
+          </p:cNvPr>
           <p:cNvSpPr>
             <a:spLocks noGrp="1"/>
           </p:cNvSpPr>
@@ -6152,7 +10980,13 @@
       </p:sp>
       <p:sp>
         <p:nvSpPr>
-          <p:cNvPr id="6" name="Content Placeholder 5"/>
+          <p:cNvPr id="6" name="Content Placeholder 5">
+            <a:extLst>
+              <a:ext uri="{FF2B5EF4-FFF2-40B4-BE49-F238E27FC236}">
+                <a16:creationId xmlns:a16="http://schemas.microsoft.com/office/drawing/2014/main" id="{6BB53F36-DD1F-BB4F-B536-9C518E33A6B7}"/>
+              </a:ext>
+            </a:extLst>
+          </p:cNvPr>
           <p:cNvSpPr>
             <a:spLocks noGrp="1"/>
           </p:cNvSpPr>
@@ -6165,14 +10999,38 @@
           <a:bodyPr/>
           <a:lstStyle/>
           <a:p>
-            <a:endParaRPr lang="en-US"/>
+            <a:r>
+              <a:rPr lang="en-US" dirty="0"/>
+              <a:t>What is modeling? Why is it important in so many areas?</a:t>
+            </a:r>
+          </a:p>
+          <a:p>
+            <a:r>
+              <a:rPr lang="en-US" dirty="0"/>
+              <a:t>Objective is to model attacks, i.e., to characterize how they can affect the system</a:t>
+            </a:r>
+          </a:p>
+          <a:p>
+            <a:r>
+              <a:rPr lang="en-US" dirty="0"/>
+              <a:t>Then remediate the problems found</a:t>
+            </a:r>
+          </a:p>
+          <a:p>
+            <a:r>
+              <a:rPr lang="en-US" dirty="0"/>
+              <a:t>Can be part of the software development cycle (recommended) or done later</a:t>
+            </a:r>
+          </a:p>
+          <a:p>
+            <a:endParaRPr lang="en-US" dirty="0"/>
           </a:p>
         </p:txBody>
       </p:sp>
     </p:spTree>
     <p:extLst>
       <p:ext uri="{BB962C8B-B14F-4D97-AF65-F5344CB8AC3E}">
-        <p14:creationId xmlns:p14="http://schemas.microsoft.com/office/powerpoint/2010/main" val="1943947973"/>
+        <p14:creationId xmlns:p14="http://schemas.microsoft.com/office/powerpoint/2010/main" val="3734689572"/>
       </p:ext>
     </p:extLst>
   </p:cSld>
@@ -6201,7 +11059,13 @@
       </p:grpSpPr>
       <p:sp>
         <p:nvSpPr>
-          <p:cNvPr id="7" name="Title 6"/>
+          <p:cNvPr id="2" name="Title 1">
+            <a:extLst>
+              <a:ext uri="{FF2B5EF4-FFF2-40B4-BE49-F238E27FC236}">
+                <a16:creationId xmlns:a16="http://schemas.microsoft.com/office/drawing/2014/main" id="{A226B5F5-72A8-9F42-B0F8-F7F214F5D489}"/>
+              </a:ext>
+            </a:extLst>
+          </p:cNvPr>
           <p:cNvSpPr>
             <a:spLocks noGrp="1"/>
           </p:cNvSpPr>
@@ -6215,48 +11079,38 @@
           <a:lstStyle/>
           <a:p>
             <a:r>
-              <a:rPr lang="en-US" dirty="0" err="1" smtClean="0"/>
-              <a:t>Mecanismos</a:t>
-            </a:r>
-            <a:r>
-              <a:rPr lang="en-US" dirty="0" smtClean="0"/>
+              <a:rPr lang="en-US" dirty="0" err="1"/>
+              <a:t>Benefícios</a:t>
+            </a:r>
+            <a:r>
+              <a:rPr lang="en-US" dirty="0"/>
               <a:t> de </a:t>
             </a:r>
             <a:r>
-              <a:rPr lang="en-US" dirty="0" err="1" smtClean="0"/>
-              <a:t>segurança</a:t>
-            </a:r>
-            <a:r>
-              <a:rPr lang="en-US" dirty="0" smtClean="0"/>
-              <a:t> </a:t>
-            </a:r>
-            <a:r>
-              <a:rPr lang="en-US" dirty="0" err="1" smtClean="0"/>
-              <a:t>nas</a:t>
-            </a:r>
-            <a:r>
-              <a:rPr lang="en-US" dirty="0" smtClean="0"/>
-              <a:t> </a:t>
-            </a:r>
-            <a:r>
-              <a:rPr lang="en-US" dirty="0" err="1" smtClean="0"/>
-              <a:t>linguagens</a:t>
-            </a:r>
-            <a:r>
-              <a:rPr lang="en-US" dirty="0" smtClean="0"/>
+              <a:rPr lang="en-US" dirty="0" err="1"/>
+              <a:t>modelação</a:t>
+            </a:r>
+            <a:r>
+              <a:rPr lang="en-US" dirty="0"/>
               <a:t> de </a:t>
             </a:r>
             <a:r>
-              <a:rPr lang="en-US" dirty="0" err="1" smtClean="0"/>
-              <a:t>programação</a:t>
-            </a:r>
-            <a:endParaRPr lang="en-US" dirty="0"/>
-          </a:p>
-        </p:txBody>
-      </p:sp>
-      <p:sp>
-        <p:nvSpPr>
-          <p:cNvPr id="3" name="Date Placeholder 2"/>
+              <a:rPr lang="en-US" dirty="0" err="1"/>
+              <a:t>ataques</a:t>
+            </a:r>
+            <a:endParaRPr lang="en-US" dirty="0"/>
+          </a:p>
+        </p:txBody>
+      </p:sp>
+      <p:sp>
+        <p:nvSpPr>
+          <p:cNvPr id="3" name="Date Placeholder 2">
+            <a:extLst>
+              <a:ext uri="{FF2B5EF4-FFF2-40B4-BE49-F238E27FC236}">
+                <a16:creationId xmlns:a16="http://schemas.microsoft.com/office/drawing/2014/main" id="{AC267237-4646-964C-A85E-5B0EFCDA4F24}"/>
+              </a:ext>
+            </a:extLst>
+          </p:cNvPr>
           <p:cNvSpPr>
             <a:spLocks noGrp="1"/>
           </p:cNvSpPr>
@@ -6270,7 +11124,7 @@
           <a:lstStyle/>
           <a:p>
             <a:r>
-              <a:rPr lang="en-US" smtClean="0"/>
+              <a:rPr lang="en-US"/>
               <a:t>2019</a:t>
             </a:r>
             <a:endParaRPr lang="en-US" dirty="0"/>
@@ -6279,7 +11133,13 @@
       </p:sp>
       <p:sp>
         <p:nvSpPr>
-          <p:cNvPr id="4" name="Footer Placeholder 3"/>
+          <p:cNvPr id="4" name="Footer Placeholder 3">
+            <a:extLst>
+              <a:ext uri="{FF2B5EF4-FFF2-40B4-BE49-F238E27FC236}">
+                <a16:creationId xmlns:a16="http://schemas.microsoft.com/office/drawing/2014/main" id="{2EB4866C-2F83-224E-A2FE-2D35E006117D}"/>
+              </a:ext>
+            </a:extLst>
+          </p:cNvPr>
           <p:cNvSpPr>
             <a:spLocks noGrp="1"/>
           </p:cNvSpPr>
@@ -6293,7 +11153,7 @@
           <a:lstStyle/>
           <a:p>
             <a:r>
-              <a:rPr lang="en-US" smtClean="0"/>
+              <a:rPr lang="en-US"/>
               <a:t>SS - Nuno Santos</a:t>
             </a:r>
             <a:endParaRPr lang="en-US" dirty="0"/>
@@ -6302,7 +11162,13 @@
       </p:sp>
       <p:sp>
         <p:nvSpPr>
-          <p:cNvPr id="5" name="Slide Number Placeholder 4"/>
+          <p:cNvPr id="5" name="Slide Number Placeholder 4">
+            <a:extLst>
+              <a:ext uri="{FF2B5EF4-FFF2-40B4-BE49-F238E27FC236}">
+                <a16:creationId xmlns:a16="http://schemas.microsoft.com/office/drawing/2014/main" id="{F422A084-2F3A-9D47-9A8E-7023D25924B0}"/>
+              </a:ext>
+            </a:extLst>
+          </p:cNvPr>
           <p:cNvSpPr>
             <a:spLocks noGrp="1"/>
           </p:cNvSpPr>
@@ -6323,10 +11189,71 @@
           </a:p>
         </p:txBody>
       </p:sp>
+      <p:sp>
+        <p:nvSpPr>
+          <p:cNvPr id="6" name="Content Placeholder 5">
+            <a:extLst>
+              <a:ext uri="{FF2B5EF4-FFF2-40B4-BE49-F238E27FC236}">
+                <a16:creationId xmlns:a16="http://schemas.microsoft.com/office/drawing/2014/main" id="{2765CD6A-64A9-9F4F-AFE5-86A09DC3E867}"/>
+              </a:ext>
+            </a:extLst>
+          </p:cNvPr>
+          <p:cNvSpPr>
+            <a:spLocks noGrp="1"/>
+          </p:cNvSpPr>
+          <p:nvPr>
+            <p:ph sz="quarter" idx="1"/>
+          </p:nvPr>
+        </p:nvSpPr>
+        <p:spPr/>
+        <p:txBody>
+          <a:bodyPr/>
+          <a:lstStyle/>
+          <a:p>
+            <a:r>
+              <a:rPr lang="en-US" u="sng" dirty="0"/>
+              <a:t>helps identity risks </a:t>
+            </a:r>
+          </a:p>
+          <a:p>
+            <a:r>
+              <a:rPr lang="en-US" dirty="0"/>
+              <a:t>helps understanding the application</a:t>
+            </a:r>
+          </a:p>
+          <a:p>
+            <a:r>
+              <a:rPr lang="en-US" dirty="0"/>
+              <a:t>helps find bugs</a:t>
+            </a:r>
+          </a:p>
+          <a:p>
+            <a:r>
+              <a:rPr lang="en-US" dirty="0"/>
+              <a:t>can help new team members understand the application</a:t>
+            </a:r>
+          </a:p>
+          <a:p>
+            <a:r>
+              <a:rPr lang="en-US" dirty="0"/>
+              <a:t>documents the application for other teams that may use it as a component</a:t>
+            </a:r>
+          </a:p>
+          <a:p>
+            <a:r>
+              <a:rPr lang="en-US" dirty="0"/>
+              <a:t>help testers define what has to be tested</a:t>
+            </a:r>
+          </a:p>
+          <a:p>
+            <a:endParaRPr lang="en-US" dirty="0"/>
+          </a:p>
+        </p:txBody>
+      </p:sp>
     </p:spTree>
     <p:extLst>
       <p:ext uri="{BB962C8B-B14F-4D97-AF65-F5344CB8AC3E}">
-        <p14:creationId xmlns:p14="http://schemas.microsoft.com/office/powerpoint/2010/main" val="1362743131"/>
+        <p14:creationId xmlns:p14="http://schemas.microsoft.com/office/powerpoint/2010/main" val="3899469251"/>
       </p:ext>
     </p:extLst>
   </p:cSld>
@@ -6355,7 +11282,13 @@
       </p:grpSpPr>
       <p:sp>
         <p:nvSpPr>
-          <p:cNvPr id="6" name="Title 5"/>
+          <p:cNvPr id="2" name="Title 1">
+            <a:extLst>
+              <a:ext uri="{FF2B5EF4-FFF2-40B4-BE49-F238E27FC236}">
+                <a16:creationId xmlns:a16="http://schemas.microsoft.com/office/drawing/2014/main" id="{60CC4B91-9AB2-F244-B743-F6D66769B1E7}"/>
+              </a:ext>
+            </a:extLst>
+          </p:cNvPr>
           <p:cNvSpPr>
             <a:spLocks noGrp="1"/>
           </p:cNvSpPr>
@@ -6368,13 +11301,39 @@
           <a:bodyPr/>
           <a:lstStyle/>
           <a:p>
-            <a:endParaRPr lang="en-US"/>
-          </a:p>
-        </p:txBody>
-      </p:sp>
-      <p:sp>
-        <p:nvSpPr>
-          <p:cNvPr id="3" name="Date Placeholder 2"/>
+            <a:r>
+              <a:rPr lang="en-US" dirty="0" err="1"/>
+              <a:t>Passos</a:t>
+            </a:r>
+            <a:r>
+              <a:rPr lang="en-US" dirty="0"/>
+              <a:t> para </a:t>
+            </a:r>
+            <a:r>
+              <a:rPr lang="en-US" dirty="0" err="1"/>
+              <a:t>modelação</a:t>
+            </a:r>
+            <a:r>
+              <a:rPr lang="en-US" dirty="0"/>
+              <a:t> de </a:t>
+            </a:r>
+            <a:r>
+              <a:rPr lang="en-US" dirty="0" err="1"/>
+              <a:t>ataques</a:t>
+            </a:r>
+            <a:endParaRPr lang="en-US" dirty="0"/>
+          </a:p>
+        </p:txBody>
+      </p:sp>
+      <p:sp>
+        <p:nvSpPr>
+          <p:cNvPr id="3" name="Date Placeholder 2">
+            <a:extLst>
+              <a:ext uri="{FF2B5EF4-FFF2-40B4-BE49-F238E27FC236}">
+                <a16:creationId xmlns:a16="http://schemas.microsoft.com/office/drawing/2014/main" id="{A556E29F-E38C-434E-A49D-58E089EB0B3A}"/>
+              </a:ext>
+            </a:extLst>
+          </p:cNvPr>
           <p:cNvSpPr>
             <a:spLocks noGrp="1"/>
           </p:cNvSpPr>
@@ -6388,54 +11347,65 @@
           <a:lstStyle/>
           <a:p>
             <a:r>
+              <a:rPr lang="en-US"/>
+              <a:t>2019</a:t>
+            </a:r>
+            <a:endParaRPr lang="en-US" dirty="0"/>
+          </a:p>
+        </p:txBody>
+      </p:sp>
+      <p:sp>
+        <p:nvSpPr>
+          <p:cNvPr id="4" name="Footer Placeholder 3">
+            <a:extLst>
+              <a:ext uri="{FF2B5EF4-FFF2-40B4-BE49-F238E27FC236}">
+                <a16:creationId xmlns:a16="http://schemas.microsoft.com/office/drawing/2014/main" id="{14D85590-ABEE-114C-80C7-C95D7D088EE6}"/>
+              </a:ext>
+            </a:extLst>
+          </p:cNvPr>
+          <p:cNvSpPr>
+            <a:spLocks noGrp="1"/>
+          </p:cNvSpPr>
+          <p:nvPr>
+            <p:ph type="ftr" sz="quarter" idx="11"/>
+          </p:nvPr>
+        </p:nvSpPr>
+        <p:spPr/>
+        <p:txBody>
+          <a:bodyPr/>
+          <a:lstStyle/>
+          <a:p>
+            <a:r>
+              <a:rPr lang="en-US"/>
+              <a:t>SS - Nuno Santos</a:t>
+            </a:r>
+            <a:endParaRPr lang="en-US" dirty="0"/>
+          </a:p>
+        </p:txBody>
+      </p:sp>
+      <p:sp>
+        <p:nvSpPr>
+          <p:cNvPr id="5" name="Slide Number Placeholder 4">
+            <a:extLst>
+              <a:ext uri="{FF2B5EF4-FFF2-40B4-BE49-F238E27FC236}">
+                <a16:creationId xmlns:a16="http://schemas.microsoft.com/office/drawing/2014/main" id="{2121F651-EB15-5F47-9ECB-D42B50A93A9B}"/>
+              </a:ext>
+            </a:extLst>
+          </p:cNvPr>
+          <p:cNvSpPr>
+            <a:spLocks noGrp="1"/>
+          </p:cNvSpPr>
+          <p:nvPr>
+            <p:ph type="sldNum" sz="quarter" idx="12"/>
+          </p:nvPr>
+        </p:nvSpPr>
+        <p:spPr/>
+        <p:txBody>
+          <a:bodyPr/>
+          <a:lstStyle/>
+          <a:p>
+            <a:fld id="{BAFC06C6-5388-EF48-9B75-F2C2BBFC0E68}" type="slidenum">
               <a:rPr lang="en-US" smtClean="0"/>
-              <a:t>2019</a:t>
-            </a:r>
-            <a:endParaRPr lang="en-US" dirty="0"/>
-          </a:p>
-        </p:txBody>
-      </p:sp>
-      <p:sp>
-        <p:nvSpPr>
-          <p:cNvPr id="4" name="Footer Placeholder 3"/>
-          <p:cNvSpPr>
-            <a:spLocks noGrp="1"/>
-          </p:cNvSpPr>
-          <p:nvPr>
-            <p:ph type="ftr" sz="quarter" idx="11"/>
-          </p:nvPr>
-        </p:nvSpPr>
-        <p:spPr/>
-        <p:txBody>
-          <a:bodyPr/>
-          <a:lstStyle/>
-          <a:p>
-            <a:r>
-              <a:rPr lang="en-US" smtClean="0"/>
-              <a:t>SS - Nuno Santos</a:t>
-            </a:r>
-            <a:endParaRPr lang="en-US" dirty="0"/>
-          </a:p>
-        </p:txBody>
-      </p:sp>
-      <p:sp>
-        <p:nvSpPr>
-          <p:cNvPr id="5" name="Slide Number Placeholder 4"/>
-          <p:cNvSpPr>
-            <a:spLocks noGrp="1"/>
-          </p:cNvSpPr>
-          <p:nvPr>
-            <p:ph type="sldNum" sz="quarter" idx="12"/>
-          </p:nvPr>
-        </p:nvSpPr>
-        <p:spPr/>
-        <p:txBody>
-          <a:bodyPr/>
-          <a:lstStyle/>
-          <a:p>
-            <a:fld id="{D7E63A33-8271-4DD0-9C48-789913D7C115}" type="slidenum">
-              <a:rPr lang="en-US" smtClean="0"/>
-              <a:pPr/>
               <a:t>8</a:t>
             </a:fld>
             <a:endParaRPr lang="en-US" dirty="0"/>
@@ -6444,7 +11414,13 @@
       </p:sp>
       <p:sp>
         <p:nvSpPr>
-          <p:cNvPr id="7" name="Content Placeholder 6"/>
+          <p:cNvPr id="6" name="Content Placeholder 5">
+            <a:extLst>
+              <a:ext uri="{FF2B5EF4-FFF2-40B4-BE49-F238E27FC236}">
+                <a16:creationId xmlns:a16="http://schemas.microsoft.com/office/drawing/2014/main" id="{48D2669E-DA50-F747-BF63-384393D2D8DC}"/>
+              </a:ext>
+            </a:extLst>
+          </p:cNvPr>
           <p:cNvSpPr>
             <a:spLocks noGrp="1"/>
           </p:cNvSpPr>
@@ -6457,14 +11433,47 @@
           <a:bodyPr/>
           <a:lstStyle/>
           <a:p>
-            <a:endParaRPr lang="en-US"/>
+            <a:r>
+              <a:rPr lang="en-US" dirty="0"/>
+              <a:t>Step 0: information gathering</a:t>
+            </a:r>
+          </a:p>
+          <a:p>
+            <a:r>
+              <a:rPr lang="en-US" dirty="0"/>
+              <a:t>Step 1: decompose the application into attack targets – create the model</a:t>
+            </a:r>
+          </a:p>
+          <a:p>
+            <a:r>
+              <a:rPr lang="en-US" dirty="0"/>
+              <a:t>Step 2: identify vulnerabilities</a:t>
+            </a:r>
+          </a:p>
+          <a:p>
+            <a:r>
+              <a:rPr lang="en-US" dirty="0"/>
+              <a:t>Step 3: describe the threats/attacks for each target</a:t>
+            </a:r>
+          </a:p>
+          <a:p>
+            <a:r>
+              <a:rPr lang="en-US" dirty="0"/>
+              <a:t>Step 4: rank risk for each attack</a:t>
+            </a:r>
+          </a:p>
+          <a:p>
+            <a:endParaRPr lang="en-US" dirty="0"/>
+          </a:p>
+          <a:p>
+            <a:endParaRPr lang="en-US" dirty="0"/>
           </a:p>
         </p:txBody>
       </p:sp>
     </p:spTree>
     <p:extLst>
       <p:ext uri="{BB962C8B-B14F-4D97-AF65-F5344CB8AC3E}">
-        <p14:creationId xmlns:p14="http://schemas.microsoft.com/office/powerpoint/2010/main" val="710707462"/>
+        <p14:creationId xmlns:p14="http://schemas.microsoft.com/office/powerpoint/2010/main" val="731187934"/>
       </p:ext>
     </p:extLst>
   </p:cSld>
@@ -6493,70 +11502,61 @@
       </p:grpSpPr>
       <p:sp>
         <p:nvSpPr>
-          <p:cNvPr id="44034" name="Rectangle 2"/>
-          <p:cNvSpPr>
-            <a:spLocks noGrp="1" noChangeArrowheads="1"/>
+          <p:cNvPr id="2" name="Title 1">
+            <a:extLst>
+              <a:ext uri="{FF2B5EF4-FFF2-40B4-BE49-F238E27FC236}">
+                <a16:creationId xmlns:a16="http://schemas.microsoft.com/office/drawing/2014/main" id="{D0BB8394-B103-DB43-9CD9-A78C76F3BB04}"/>
+              </a:ext>
+            </a:extLst>
+          </p:cNvPr>
+          <p:cNvSpPr>
+            <a:spLocks noGrp="1"/>
           </p:cNvSpPr>
           <p:nvPr>
             <p:ph type="title"/>
-          </p:nvPr>
-        </p:nvSpPr>
-        <p:spPr/>
-        <p:txBody>
-          <a:bodyPr/>
-          <a:lstStyle/>
-          <a:p>
-            <a:r>
-              <a:rPr lang="en-US" dirty="0" err="1" smtClean="0"/>
-              <a:t>Conclusões</a:t>
-            </a:r>
-            <a:endParaRPr lang="en-US" dirty="0"/>
-          </a:p>
-        </p:txBody>
-      </p:sp>
-      <p:sp>
-        <p:nvSpPr>
-          <p:cNvPr id="44035" name="Rectangle 3"/>
-          <p:cNvSpPr>
-            <a:spLocks noGrp="1" noChangeArrowheads="1"/>
-          </p:cNvSpPr>
-          <p:nvPr>
-            <p:ph type="body" idx="1"/>
           </p:nvPr>
         </p:nvSpPr>
         <p:spPr>
           <a:xfrm>
-            <a:off x="612648" y="1600200"/>
-            <a:ext cx="8153400" cy="4572000"/>
+            <a:off x="1219200" y="152400"/>
+            <a:ext cx="7467600" cy="914400"/>
           </a:xfrm>
         </p:spPr>
         <p:txBody>
           <a:bodyPr>
-            <a:normAutofit/>
+            <a:normAutofit fontScale="90000"/>
           </a:bodyPr>
           <a:lstStyle/>
           <a:p>
-            <a:pPr lvl="4"/>
-            <a:endParaRPr lang="en-US" dirty="0"/>
-          </a:p>
-          <a:p>
-            <a:r>
-              <a:rPr lang="pt-PT" dirty="0" smtClean="0"/>
-              <a:t>Conclusão</a:t>
-            </a:r>
-            <a:endParaRPr lang="pt-PT" b="1" dirty="0" smtClean="0"/>
-          </a:p>
-          <a:p>
-            <a:pPr marL="0" indent="0">
-              <a:buNone/>
-            </a:pPr>
-            <a:endParaRPr lang="en-US" dirty="0"/>
-          </a:p>
-        </p:txBody>
-      </p:sp>
-      <p:sp>
-        <p:nvSpPr>
-          <p:cNvPr id="2" name="Date Placeholder 1"/>
+            <a:r>
+              <a:rPr lang="en-US" dirty="0"/>
+              <a:t>STRIDE taxonomy: </a:t>
+            </a:r>
+            <a:r>
+              <a:rPr lang="en-US" dirty="0" err="1"/>
+              <a:t>Identificação</a:t>
+            </a:r>
+            <a:r>
+              <a:rPr lang="en-US" dirty="0"/>
+              <a:t> das </a:t>
+            </a:r>
+            <a:r>
+              <a:rPr lang="en-US" dirty="0" err="1"/>
+              <a:t>vulnerabilidades</a:t>
+            </a:r>
+            <a:endParaRPr lang="en-US" dirty="0"/>
+          </a:p>
+        </p:txBody>
+      </p:sp>
+      <p:sp>
+        <p:nvSpPr>
+          <p:cNvPr id="3" name="Date Placeholder 2">
+            <a:extLst>
+              <a:ext uri="{FF2B5EF4-FFF2-40B4-BE49-F238E27FC236}">
+                <a16:creationId xmlns:a16="http://schemas.microsoft.com/office/drawing/2014/main" id="{BCBDD4D5-69D0-E442-8269-E39914575EAB}"/>
+              </a:ext>
+            </a:extLst>
+          </p:cNvPr>
           <p:cNvSpPr>
             <a:spLocks noGrp="1"/>
           </p:cNvSpPr>
@@ -6570,7 +11570,7 @@
           <a:lstStyle/>
           <a:p>
             <a:r>
-              <a:rPr lang="en-US" smtClean="0"/>
+              <a:rPr lang="en-US"/>
               <a:t>2019</a:t>
             </a:r>
             <a:endParaRPr lang="en-US" dirty="0"/>
@@ -6579,7 +11579,13 @@
       </p:sp>
       <p:sp>
         <p:nvSpPr>
-          <p:cNvPr id="3" name="Footer Placeholder 2"/>
+          <p:cNvPr id="4" name="Footer Placeholder 3">
+            <a:extLst>
+              <a:ext uri="{FF2B5EF4-FFF2-40B4-BE49-F238E27FC236}">
+                <a16:creationId xmlns:a16="http://schemas.microsoft.com/office/drawing/2014/main" id="{0B61157D-C09B-2247-A790-03DF6132B1DD}"/>
+              </a:ext>
+            </a:extLst>
+          </p:cNvPr>
           <p:cNvSpPr>
             <a:spLocks noGrp="1"/>
           </p:cNvSpPr>
@@ -6593,7 +11599,7 @@
           <a:lstStyle/>
           <a:p>
             <a:r>
-              <a:rPr lang="en-US" smtClean="0"/>
+              <a:rPr lang="en-US"/>
               <a:t>SS - Nuno Santos</a:t>
             </a:r>
             <a:endParaRPr lang="en-US" dirty="0"/>
@@ -6602,7 +11608,13 @@
       </p:sp>
       <p:sp>
         <p:nvSpPr>
-          <p:cNvPr id="4" name="Slide Number Placeholder 3"/>
+          <p:cNvPr id="5" name="Slide Number Placeholder 4">
+            <a:extLst>
+              <a:ext uri="{FF2B5EF4-FFF2-40B4-BE49-F238E27FC236}">
+                <a16:creationId xmlns:a16="http://schemas.microsoft.com/office/drawing/2014/main" id="{78D637AA-B154-0242-A9EF-BEC001D0AB10}"/>
+              </a:ext>
+            </a:extLst>
+          </p:cNvPr>
           <p:cNvSpPr>
             <a:spLocks noGrp="1"/>
           </p:cNvSpPr>
@@ -6623,10 +11635,191 @@
           </a:p>
         </p:txBody>
       </p:sp>
+      <p:sp>
+        <p:nvSpPr>
+          <p:cNvPr id="6" name="Content Placeholder 5">
+            <a:extLst>
+              <a:ext uri="{FF2B5EF4-FFF2-40B4-BE49-F238E27FC236}">
+                <a16:creationId xmlns:a16="http://schemas.microsoft.com/office/drawing/2014/main" id="{31B52E53-1DFD-4C45-A008-012C464AC0D0}"/>
+              </a:ext>
+            </a:extLst>
+          </p:cNvPr>
+          <p:cNvSpPr>
+            <a:spLocks noGrp="1"/>
+          </p:cNvSpPr>
+          <p:nvPr>
+            <p:ph sz="quarter" idx="1"/>
+          </p:nvPr>
+        </p:nvSpPr>
+        <p:spPr/>
+        <p:txBody>
+          <a:bodyPr/>
+          <a:lstStyle/>
+          <a:p>
+            <a:pPr>
+              <a:lnSpc>
+                <a:spcPct val="90000"/>
+              </a:lnSpc>
+            </a:pPr>
+            <a:r>
+              <a:rPr lang="en-US" sz="2400" b="1" dirty="0"/>
+              <a:t>S</a:t>
+            </a:r>
+            <a:r>
+              <a:rPr lang="en-US" sz="2400" dirty="0"/>
+              <a:t>poofing identity</a:t>
+            </a:r>
+          </a:p>
+          <a:p>
+            <a:pPr lvl="1">
+              <a:lnSpc>
+                <a:spcPct val="90000"/>
+              </a:lnSpc>
+            </a:pPr>
+            <a:r>
+              <a:rPr lang="en-US" sz="1800" dirty="0"/>
+              <a:t>attacker poses as a valid entity</a:t>
+            </a:r>
+          </a:p>
+          <a:p>
+            <a:pPr>
+              <a:lnSpc>
+                <a:spcPct val="90000"/>
+              </a:lnSpc>
+            </a:pPr>
+            <a:r>
+              <a:rPr lang="en-US" sz="2400" b="1" dirty="0"/>
+              <a:t>T</a:t>
+            </a:r>
+            <a:r>
+              <a:rPr lang="en-US" sz="2400" dirty="0"/>
+              <a:t>ampering with data</a:t>
+            </a:r>
+          </a:p>
+          <a:p>
+            <a:pPr lvl="1">
+              <a:lnSpc>
+                <a:spcPct val="90000"/>
+              </a:lnSpc>
+            </a:pPr>
+            <a:r>
+              <a:rPr lang="en-US" sz="1800" dirty="0"/>
+              <a:t>malicious modification of data</a:t>
+            </a:r>
+          </a:p>
+          <a:p>
+            <a:pPr>
+              <a:lnSpc>
+                <a:spcPct val="90000"/>
+              </a:lnSpc>
+            </a:pPr>
+            <a:r>
+              <a:rPr lang="en-US" sz="2400" b="1" dirty="0"/>
+              <a:t>R</a:t>
+            </a:r>
+            <a:r>
+              <a:rPr lang="en-US" sz="2400" dirty="0"/>
+              <a:t>epudiation</a:t>
+            </a:r>
+          </a:p>
+          <a:p>
+            <a:pPr lvl="1">
+              <a:lnSpc>
+                <a:spcPct val="90000"/>
+              </a:lnSpc>
+            </a:pPr>
+            <a:r>
+              <a:rPr lang="en-US" sz="1800" dirty="0"/>
+              <a:t>denying an event</a:t>
+            </a:r>
+          </a:p>
+          <a:p>
+            <a:pPr>
+              <a:lnSpc>
+                <a:spcPct val="90000"/>
+              </a:lnSpc>
+            </a:pPr>
+            <a:r>
+              <a:rPr lang="en-US" sz="2400" b="1" dirty="0"/>
+              <a:t>I</a:t>
+            </a:r>
+            <a:r>
+              <a:rPr lang="en-US" sz="2400" dirty="0"/>
+              <a:t>nformation disclosure</a:t>
+            </a:r>
+          </a:p>
+          <a:p>
+            <a:pPr lvl="1">
+              <a:lnSpc>
+                <a:spcPct val="90000"/>
+              </a:lnSpc>
+            </a:pPr>
+            <a:r>
+              <a:rPr lang="en-US" sz="1800" dirty="0"/>
+              <a:t>exposure of information to entities that were not supposed to</a:t>
+            </a:r>
+          </a:p>
+          <a:p>
+            <a:pPr>
+              <a:lnSpc>
+                <a:spcPct val="90000"/>
+              </a:lnSpc>
+            </a:pPr>
+            <a:r>
+              <a:rPr lang="en-US" sz="2400" b="1" dirty="0"/>
+              <a:t>D</a:t>
+            </a:r>
+            <a:r>
+              <a:rPr lang="en-US" sz="2400" dirty="0"/>
+              <a:t>enial of service</a:t>
+            </a:r>
+          </a:p>
+          <a:p>
+            <a:pPr lvl="1">
+              <a:lnSpc>
+                <a:spcPct val="90000"/>
+              </a:lnSpc>
+            </a:pPr>
+            <a:r>
+              <a:rPr lang="en-US" sz="1800" dirty="0"/>
+              <a:t>negation of some component’s service to users/components</a:t>
+            </a:r>
+          </a:p>
+          <a:p>
+            <a:pPr>
+              <a:lnSpc>
+                <a:spcPct val="90000"/>
+              </a:lnSpc>
+            </a:pPr>
+            <a:r>
+              <a:rPr lang="en-US" sz="2400" b="1" dirty="0"/>
+              <a:t>E</a:t>
+            </a:r>
+            <a:r>
+              <a:rPr lang="en-US" sz="2400" dirty="0"/>
+              <a:t>levation of privilege</a:t>
+            </a:r>
+          </a:p>
+          <a:p>
+            <a:pPr lvl="1">
+              <a:lnSpc>
+                <a:spcPct val="90000"/>
+              </a:lnSpc>
+            </a:pPr>
+            <a:r>
+              <a:rPr lang="en-US" sz="1800" dirty="0"/>
+              <a:t>increase of the privileges of the attacker</a:t>
+            </a:r>
+          </a:p>
+          <a:p>
+            <a:endParaRPr lang="en-US" dirty="0"/>
+          </a:p>
+        </p:txBody>
+      </p:sp>
     </p:spTree>
     <p:extLst>
       <p:ext uri="{BB962C8B-B14F-4D97-AF65-F5344CB8AC3E}">
-        <p14:creationId xmlns:p14="http://schemas.microsoft.com/office/powerpoint/2010/main" val="1020667248"/>
+        <p14:creationId xmlns:p14="http://schemas.microsoft.com/office/powerpoint/2010/main" val="3682847771"/>
       </p:ext>
     </p:extLst>
   </p:cSld>

--- a/teoricas/acite2019-06-auditoria_teste.pptx
+++ b/teoricas/acite2019-06-auditoria_teste.pptx
@@ -13,20 +13,20 @@
   <p:sldIdLst>
     <p:sldId id="256" r:id="rId2"/>
     <p:sldId id="1336" r:id="rId3"/>
-    <p:sldId id="1410" r:id="rId4"/>
-    <p:sldId id="1392" r:id="rId5"/>
-    <p:sldId id="1393" r:id="rId6"/>
+    <p:sldId id="1392" r:id="rId4"/>
+    <p:sldId id="1393" r:id="rId5"/>
+    <p:sldId id="1466" r:id="rId6"/>
     <p:sldId id="1450" r:id="rId7"/>
     <p:sldId id="1456" r:id="rId8"/>
     <p:sldId id="1451" r:id="rId9"/>
-    <p:sldId id="1452" r:id="rId10"/>
-    <p:sldId id="1453" r:id="rId11"/>
-    <p:sldId id="1454" r:id="rId12"/>
-    <p:sldId id="1415" r:id="rId13"/>
-    <p:sldId id="1457" r:id="rId14"/>
-    <p:sldId id="1458" r:id="rId15"/>
-    <p:sldId id="1459" r:id="rId16"/>
-    <p:sldId id="1460" r:id="rId17"/>
+    <p:sldId id="1467" r:id="rId10"/>
+    <p:sldId id="1452" r:id="rId11"/>
+    <p:sldId id="1453" r:id="rId12"/>
+    <p:sldId id="1454" r:id="rId13"/>
+    <p:sldId id="1415" r:id="rId14"/>
+    <p:sldId id="1457" r:id="rId15"/>
+    <p:sldId id="1460" r:id="rId16"/>
+    <p:sldId id="1459" r:id="rId17"/>
     <p:sldId id="1461" r:id="rId18"/>
     <p:sldId id="1463" r:id="rId19"/>
     <p:sldId id="1462" r:id="rId20"/>
@@ -5211,7 +5211,7 @@
           <p:cNvPr id="2" name="Title 1">
             <a:extLst>
               <a:ext uri="{FF2B5EF4-FFF2-40B4-BE49-F238E27FC236}">
-                <a16:creationId xmlns:a16="http://schemas.microsoft.com/office/drawing/2014/main" id="{C6781C5F-2A70-734F-92E8-7A9F12284A0B}"/>
+                <a16:creationId xmlns:a16="http://schemas.microsoft.com/office/drawing/2014/main" id="{D0BB8394-B103-DB43-9CD9-A78C76F3BB04}"/>
               </a:ext>
             </a:extLst>
           </p:cNvPr>
@@ -5222,7 +5222,12 @@
             <p:ph type="title"/>
           </p:nvPr>
         </p:nvSpPr>
-        <p:spPr/>
+        <p:spPr>
+          <a:xfrm>
+            <a:off x="1219200" y="152400"/>
+            <a:ext cx="7467600" cy="914400"/>
+          </a:xfrm>
+        </p:spPr>
         <p:txBody>
           <a:bodyPr>
             <a:normAutofit fontScale="90000"/>
@@ -5231,27 +5236,19 @@
           <a:p>
             <a:r>
               <a:rPr lang="en-US" dirty="0"/>
-              <a:t>DREAD: </a:t>
-            </a:r>
-            <a:r>
-              <a:rPr lang="en-US" dirty="0" err="1"/>
-              <a:t>Classificação</a:t>
-            </a:r>
-            <a:r>
-              <a:rPr lang="en-US" dirty="0"/>
-              <a:t> dos </a:t>
-            </a:r>
-            <a:r>
-              <a:rPr lang="en-US" dirty="0" err="1"/>
-              <a:t>ataques</a:t>
-            </a:r>
-            <a:r>
-              <a:rPr lang="en-US" dirty="0"/>
-              <a:t> / </a:t>
-            </a:r>
-            <a:r>
-              <a:rPr lang="en-US" dirty="0" err="1"/>
-              <a:t>ameaças</a:t>
+              <a:t>STRIDE taxonomy: </a:t>
+            </a:r>
+            <a:r>
+              <a:rPr lang="en-US" dirty="0" err="1"/>
+              <a:t>Identificar</a:t>
+            </a:r>
+            <a:r>
+              <a:rPr lang="en-US" dirty="0"/>
+              <a:t> </a:t>
+            </a:r>
+            <a:r>
+              <a:rPr lang="en-US" dirty="0" err="1"/>
+              <a:t>vulnerabilidades</a:t>
             </a:r>
             <a:endParaRPr lang="en-US" dirty="0"/>
           </a:p>
@@ -5262,7 +5259,7 @@
           <p:cNvPr id="3" name="Date Placeholder 2">
             <a:extLst>
               <a:ext uri="{FF2B5EF4-FFF2-40B4-BE49-F238E27FC236}">
-                <a16:creationId xmlns:a16="http://schemas.microsoft.com/office/drawing/2014/main" id="{93740264-8B6E-374E-B869-E5EC3B46F4A8}"/>
+                <a16:creationId xmlns:a16="http://schemas.microsoft.com/office/drawing/2014/main" id="{BCBDD4D5-69D0-E442-8269-E39914575EAB}"/>
               </a:ext>
             </a:extLst>
           </p:cNvPr>
@@ -5291,7 +5288,7 @@
           <p:cNvPr id="4" name="Footer Placeholder 3">
             <a:extLst>
               <a:ext uri="{FF2B5EF4-FFF2-40B4-BE49-F238E27FC236}">
-                <a16:creationId xmlns:a16="http://schemas.microsoft.com/office/drawing/2014/main" id="{A768B1DA-D941-1F47-B120-ABC407E5D691}"/>
+                <a16:creationId xmlns:a16="http://schemas.microsoft.com/office/drawing/2014/main" id="{0B61157D-C09B-2247-A790-03DF6132B1DD}"/>
               </a:ext>
             </a:extLst>
           </p:cNvPr>
@@ -5320,7 +5317,7 @@
           <p:cNvPr id="5" name="Slide Number Placeholder 4">
             <a:extLst>
               <a:ext uri="{FF2B5EF4-FFF2-40B4-BE49-F238E27FC236}">
-                <a16:creationId xmlns:a16="http://schemas.microsoft.com/office/drawing/2014/main" id="{D65C184B-B7F2-424E-89CF-4BF39F445B59}"/>
+                <a16:creationId xmlns:a16="http://schemas.microsoft.com/office/drawing/2014/main" id="{78D637AA-B154-0242-A9EF-BEC001D0AB10}"/>
               </a:ext>
             </a:extLst>
           </p:cNvPr>
@@ -5349,7 +5346,7 @@
           <p:cNvPr id="6" name="Content Placeholder 5">
             <a:extLst>
               <a:ext uri="{FF2B5EF4-FFF2-40B4-BE49-F238E27FC236}">
-                <a16:creationId xmlns:a16="http://schemas.microsoft.com/office/drawing/2014/main" id="{4D91D990-FFB0-314A-B8E7-BE480DF21716}"/>
+                <a16:creationId xmlns:a16="http://schemas.microsoft.com/office/drawing/2014/main" id="{31B52E53-1DFD-4C45-A008-012C464AC0D0}"/>
               </a:ext>
             </a:extLst>
           </p:cNvPr>
@@ -5362,7 +5359,9 @@
         </p:nvSpPr>
         <p:spPr/>
         <p:txBody>
-          <a:bodyPr/>
+          <a:bodyPr>
+            <a:normAutofit fontScale="92500" lnSpcReduction="10000"/>
+          </a:bodyPr>
           <a:lstStyle/>
           <a:p>
             <a:pPr>
@@ -5370,7 +5369,66 @@
                 <a:spcPct val="90000"/>
               </a:lnSpc>
             </a:pPr>
-            <a:endParaRPr lang="en-US" sz="2400" b="1" dirty="0"/>
+            <a:r>
+              <a:rPr lang="en-US" sz="2400" b="1" dirty="0"/>
+              <a:t>S</a:t>
+            </a:r>
+            <a:r>
+              <a:rPr lang="en-US" sz="2400" dirty="0"/>
+              <a:t>poofing identity</a:t>
+            </a:r>
+          </a:p>
+          <a:p>
+            <a:pPr lvl="1">
+              <a:lnSpc>
+                <a:spcPct val="90000"/>
+              </a:lnSpc>
+            </a:pPr>
+            <a:r>
+              <a:rPr lang="en-US" sz="1800" dirty="0" err="1"/>
+              <a:t>Atacante</a:t>
+            </a:r>
+            <a:r>
+              <a:rPr lang="en-US" sz="1800" dirty="0"/>
+              <a:t> </a:t>
+            </a:r>
+            <a:r>
+              <a:rPr lang="en-US" sz="1800" dirty="0" err="1"/>
+              <a:t>apresenta</a:t>
+            </a:r>
+            <a:r>
+              <a:rPr lang="en-US" sz="1800" dirty="0"/>
+              <a:t>-se </a:t>
+            </a:r>
+            <a:r>
+              <a:rPr lang="en-US" sz="1800" dirty="0" err="1"/>
+              <a:t>como</a:t>
+            </a:r>
+            <a:r>
+              <a:rPr lang="en-US" sz="1800" dirty="0"/>
+              <a:t> </a:t>
+            </a:r>
+            <a:r>
+              <a:rPr lang="en-US" sz="1800" dirty="0" err="1"/>
+              <a:t>entidade</a:t>
+            </a:r>
+            <a:r>
+              <a:rPr lang="en-US" sz="1800" dirty="0"/>
+              <a:t> </a:t>
+            </a:r>
+            <a:r>
+              <a:rPr lang="en-US" sz="1800" dirty="0" err="1"/>
+              <a:t>válida</a:t>
+            </a:r>
+            <a:endParaRPr lang="en-US" sz="1800" dirty="0"/>
+          </a:p>
+          <a:p>
+            <a:pPr lvl="3">
+              <a:lnSpc>
+                <a:spcPct val="90000"/>
+              </a:lnSpc>
+            </a:pPr>
+            <a:endParaRPr lang="en-US" sz="1200" dirty="0"/>
           </a:p>
           <a:p>
             <a:pPr>
@@ -5380,11 +5438,11 @@
             </a:pPr>
             <a:r>
               <a:rPr lang="en-US" sz="2400" b="1" dirty="0"/>
-              <a:t>D</a:t>
+              <a:t>T</a:t>
             </a:r>
             <a:r>
               <a:rPr lang="en-US" sz="2400" dirty="0"/>
-              <a:t>amage potential</a:t>
+              <a:t>ampering with data</a:t>
             </a:r>
           </a:p>
           <a:p>
@@ -5394,9 +5452,29 @@
               </a:lnSpc>
             </a:pPr>
             <a:r>
-              <a:rPr lang="en-US" sz="2000" dirty="0"/>
-              <a:t>10 if attacker circumvents all security mechanisms</a:t>
-            </a:r>
+              <a:rPr lang="en-US" sz="1800" dirty="0" err="1"/>
+              <a:t>Modificação</a:t>
+            </a:r>
+            <a:r>
+              <a:rPr lang="en-US" sz="1800" dirty="0"/>
+              <a:t> </a:t>
+            </a:r>
+            <a:r>
+              <a:rPr lang="en-US" sz="1800" dirty="0" err="1"/>
+              <a:t>maliciosa</a:t>
+            </a:r>
+            <a:r>
+              <a:rPr lang="en-US" sz="1800" dirty="0"/>
+              <a:t> de dados</a:t>
+            </a:r>
+          </a:p>
+          <a:p>
+            <a:pPr lvl="3">
+              <a:lnSpc>
+                <a:spcPct val="90000"/>
+              </a:lnSpc>
+            </a:pPr>
+            <a:endParaRPr lang="en-US" sz="1200" dirty="0"/>
           </a:p>
           <a:p>
             <a:pPr>
@@ -5410,7 +5488,7 @@
             </a:r>
             <a:r>
               <a:rPr lang="en-US" sz="2400" dirty="0"/>
-              <a:t>eproducibility</a:t>
+              <a:t>epudiation</a:t>
             </a:r>
           </a:p>
           <a:p>
@@ -5420,9 +5498,38 @@
               </a:lnSpc>
             </a:pPr>
             <a:r>
-              <a:rPr lang="en-US" sz="2000" dirty="0"/>
-              <a:t>how easy is it to put the attack to work?</a:t>
-            </a:r>
+              <a:rPr lang="en-US" sz="1800" dirty="0"/>
+              <a:t>Negar que um </a:t>
+            </a:r>
+            <a:r>
+              <a:rPr lang="en-US" sz="1800" dirty="0" err="1"/>
+              <a:t>determinado</a:t>
+            </a:r>
+            <a:r>
+              <a:rPr lang="en-US" sz="1800" dirty="0"/>
+              <a:t> </a:t>
+            </a:r>
+            <a:r>
+              <a:rPr lang="en-US" sz="1800" dirty="0" err="1"/>
+              <a:t>evento</a:t>
+            </a:r>
+            <a:r>
+              <a:rPr lang="en-US" sz="1800" dirty="0"/>
+              <a:t> </a:t>
+            </a:r>
+            <a:r>
+              <a:rPr lang="en-US" sz="1800" dirty="0" err="1"/>
+              <a:t>aconteceu</a:t>
+            </a:r>
+            <a:endParaRPr lang="en-US" sz="1800" dirty="0"/>
+          </a:p>
+          <a:p>
+            <a:pPr lvl="3">
+              <a:lnSpc>
+                <a:spcPct val="90000"/>
+              </a:lnSpc>
+            </a:pPr>
+            <a:endParaRPr lang="en-US" sz="1200" dirty="0"/>
           </a:p>
           <a:p>
             <a:pPr>
@@ -5432,11 +5539,11 @@
             </a:pPr>
             <a:r>
               <a:rPr lang="en-US" sz="2400" b="1" dirty="0"/>
-              <a:t>E</a:t>
+              <a:t>I</a:t>
             </a:r>
             <a:r>
               <a:rPr lang="en-US" sz="2400" dirty="0"/>
-              <a:t>xploitability</a:t>
+              <a:t>nformation disclosure</a:t>
             </a:r>
           </a:p>
           <a:p>
@@ -5446,9 +5553,50 @@
               </a:lnSpc>
             </a:pPr>
             <a:r>
-              <a:rPr lang="en-US" sz="2000" dirty="0"/>
-              <a:t>how much effort and expertise is required to mount the attack?</a:t>
-            </a:r>
+              <a:rPr lang="en-US" sz="1800" dirty="0" err="1"/>
+              <a:t>Exposição</a:t>
+            </a:r>
+            <a:r>
+              <a:rPr lang="en-US" sz="1800" dirty="0"/>
+              <a:t> de </a:t>
+            </a:r>
+            <a:r>
+              <a:rPr lang="en-US" sz="1800" dirty="0" err="1"/>
+              <a:t>informação</a:t>
+            </a:r>
+            <a:r>
+              <a:rPr lang="en-US" sz="1800" dirty="0"/>
+              <a:t> a </a:t>
+            </a:r>
+            <a:r>
+              <a:rPr lang="en-US" sz="1800" dirty="0" err="1"/>
+              <a:t>entidades</a:t>
+            </a:r>
+            <a:r>
+              <a:rPr lang="en-US" sz="1800" dirty="0"/>
+              <a:t> que </a:t>
+            </a:r>
+            <a:r>
+              <a:rPr lang="en-US" sz="1800" dirty="0" err="1"/>
+              <a:t>não</a:t>
+            </a:r>
+            <a:r>
+              <a:rPr lang="en-US" sz="1800" dirty="0"/>
+              <a:t> era </a:t>
+            </a:r>
+            <a:r>
+              <a:rPr lang="en-US" sz="1800" dirty="0" err="1"/>
+              <a:t>suposto</a:t>
+            </a:r>
+            <a:endParaRPr lang="en-US" sz="1800" dirty="0"/>
+          </a:p>
+          <a:p>
+            <a:pPr lvl="3">
+              <a:lnSpc>
+                <a:spcPct val="90000"/>
+              </a:lnSpc>
+            </a:pPr>
+            <a:endParaRPr lang="en-US" sz="1200" dirty="0"/>
           </a:p>
           <a:p>
             <a:pPr>
@@ -5458,11 +5606,11 @@
             </a:pPr>
             <a:r>
               <a:rPr lang="en-US" sz="2400" b="1" dirty="0"/>
-              <a:t>A</a:t>
+              <a:t>D</a:t>
             </a:r>
             <a:r>
               <a:rPr lang="en-US" sz="2400" dirty="0"/>
-              <a:t>ffected users</a:t>
+              <a:t>enial of service</a:t>
             </a:r>
           </a:p>
           <a:p>
@@ -5472,9 +5620,61 @@
               </a:lnSpc>
             </a:pPr>
             <a:r>
-              <a:rPr lang="en-US" sz="2000" dirty="0"/>
-              <a:t>if the attack is successful how many users are affected?</a:t>
-            </a:r>
+              <a:rPr lang="en-US" sz="1800" dirty="0" err="1"/>
+              <a:t>Negação</a:t>
+            </a:r>
+            <a:r>
+              <a:rPr lang="en-US" sz="1800" dirty="0"/>
+              <a:t> de </a:t>
+            </a:r>
+            <a:r>
+              <a:rPr lang="en-US" sz="1800" dirty="0" err="1"/>
+              <a:t>serviço</a:t>
+            </a:r>
+            <a:r>
+              <a:rPr lang="en-US" sz="1800" dirty="0"/>
+              <a:t> </a:t>
+            </a:r>
+            <a:r>
+              <a:rPr lang="en-US" sz="1800" dirty="0" err="1"/>
+              <a:t>por</a:t>
+            </a:r>
+            <a:r>
+              <a:rPr lang="en-US" sz="1800" dirty="0"/>
+              <a:t> </a:t>
+            </a:r>
+            <a:r>
+              <a:rPr lang="en-US" sz="1800" dirty="0" err="1"/>
+              <a:t>algum</a:t>
+            </a:r>
+            <a:r>
+              <a:rPr lang="en-US" sz="1800" dirty="0"/>
+              <a:t> </a:t>
+            </a:r>
+            <a:r>
+              <a:rPr lang="en-US" sz="1800" dirty="0" err="1"/>
+              <a:t>componente</a:t>
+            </a:r>
+            <a:r>
+              <a:rPr lang="en-US" sz="1800" dirty="0"/>
+              <a:t> a </a:t>
+            </a:r>
+            <a:r>
+              <a:rPr lang="en-US" sz="1800" dirty="0" err="1"/>
+              <a:t>utilizadores</a:t>
+            </a:r>
+            <a:r>
+              <a:rPr lang="en-US" sz="1800" dirty="0"/>
+              <a:t> / components</a:t>
+            </a:r>
+          </a:p>
+          <a:p>
+            <a:pPr lvl="3">
+              <a:lnSpc>
+                <a:spcPct val="90000"/>
+              </a:lnSpc>
+            </a:pPr>
+            <a:endParaRPr lang="en-US" sz="1200" dirty="0"/>
           </a:p>
           <a:p>
             <a:pPr>
@@ -5484,11 +5684,11 @@
             </a:pPr>
             <a:r>
               <a:rPr lang="en-US" sz="2400" b="1" dirty="0"/>
-              <a:t>D</a:t>
+              <a:t>E</a:t>
             </a:r>
             <a:r>
               <a:rPr lang="en-US" sz="2400" dirty="0"/>
-              <a:t>iscoverability</a:t>
+              <a:t>levation of privilege</a:t>
             </a:r>
           </a:p>
           <a:p>
@@ -5498,9 +5698,26 @@
               </a:lnSpc>
             </a:pPr>
             <a:r>
-              <a:rPr lang="en-US" sz="2000" dirty="0"/>
-              <a:t>the better is to set it to 10…</a:t>
-            </a:r>
+              <a:rPr lang="en-US" sz="1800" dirty="0" err="1"/>
+              <a:t>Aumento</a:t>
+            </a:r>
+            <a:r>
+              <a:rPr lang="en-US" sz="1800" dirty="0"/>
+              <a:t> de </a:t>
+            </a:r>
+            <a:r>
+              <a:rPr lang="en-US" sz="1800" dirty="0" err="1"/>
+              <a:t>privilégios</a:t>
+            </a:r>
+            <a:r>
+              <a:rPr lang="en-US" sz="1800" dirty="0"/>
+              <a:t> do </a:t>
+            </a:r>
+            <a:r>
+              <a:rPr lang="en-US" sz="1800" dirty="0" err="1"/>
+              <a:t>atacante</a:t>
+            </a:r>
+            <a:endParaRPr lang="en-US" sz="1800" dirty="0"/>
           </a:p>
           <a:p>
             <a:endParaRPr lang="en-US" dirty="0"/>
@@ -5510,7 +5727,7 @@
     </p:spTree>
     <p:extLst>
       <p:ext uri="{BB962C8B-B14F-4D97-AF65-F5344CB8AC3E}">
-        <p14:creationId xmlns:p14="http://schemas.microsoft.com/office/powerpoint/2010/main" val="1836745850"/>
+        <p14:creationId xmlns:p14="http://schemas.microsoft.com/office/powerpoint/2010/main" val="3682847771"/>
       </p:ext>
     </p:extLst>
   </p:cSld>
@@ -5542,6 +5759,652 @@
           <p:cNvPr id="2" name="Title 1">
             <a:extLst>
               <a:ext uri="{FF2B5EF4-FFF2-40B4-BE49-F238E27FC236}">
+                <a16:creationId xmlns:a16="http://schemas.microsoft.com/office/drawing/2014/main" id="{C6781C5F-2A70-734F-92E8-7A9F12284A0B}"/>
+              </a:ext>
+            </a:extLst>
+          </p:cNvPr>
+          <p:cNvSpPr>
+            <a:spLocks noGrp="1"/>
+          </p:cNvSpPr>
+          <p:nvPr>
+            <p:ph type="title"/>
+          </p:nvPr>
+        </p:nvSpPr>
+        <p:spPr/>
+        <p:txBody>
+          <a:bodyPr>
+            <a:normAutofit fontScale="90000"/>
+          </a:bodyPr>
+          <a:lstStyle/>
+          <a:p>
+            <a:r>
+              <a:rPr lang="en-US" dirty="0"/>
+              <a:t>DREAD: </a:t>
+            </a:r>
+            <a:r>
+              <a:rPr lang="en-US" dirty="0" err="1"/>
+              <a:t>Classificação</a:t>
+            </a:r>
+            <a:r>
+              <a:rPr lang="en-US" dirty="0"/>
+              <a:t> dos </a:t>
+            </a:r>
+            <a:r>
+              <a:rPr lang="en-US" dirty="0" err="1"/>
+              <a:t>ataques</a:t>
+            </a:r>
+            <a:r>
+              <a:rPr lang="en-US" dirty="0"/>
+              <a:t> / </a:t>
+            </a:r>
+            <a:r>
+              <a:rPr lang="en-US" dirty="0" err="1"/>
+              <a:t>ameaças</a:t>
+            </a:r>
+            <a:endParaRPr lang="en-US" dirty="0"/>
+          </a:p>
+        </p:txBody>
+      </p:sp>
+      <p:sp>
+        <p:nvSpPr>
+          <p:cNvPr id="3" name="Date Placeholder 2">
+            <a:extLst>
+              <a:ext uri="{FF2B5EF4-FFF2-40B4-BE49-F238E27FC236}">
+                <a16:creationId xmlns:a16="http://schemas.microsoft.com/office/drawing/2014/main" id="{93740264-8B6E-374E-B869-E5EC3B46F4A8}"/>
+              </a:ext>
+            </a:extLst>
+          </p:cNvPr>
+          <p:cNvSpPr>
+            <a:spLocks noGrp="1"/>
+          </p:cNvSpPr>
+          <p:nvPr>
+            <p:ph type="dt" sz="half" idx="10"/>
+          </p:nvPr>
+        </p:nvSpPr>
+        <p:spPr/>
+        <p:txBody>
+          <a:bodyPr/>
+          <a:lstStyle/>
+          <a:p>
+            <a:r>
+              <a:rPr lang="en-US"/>
+              <a:t>2019</a:t>
+            </a:r>
+            <a:endParaRPr lang="en-US" dirty="0"/>
+          </a:p>
+        </p:txBody>
+      </p:sp>
+      <p:sp>
+        <p:nvSpPr>
+          <p:cNvPr id="4" name="Footer Placeholder 3">
+            <a:extLst>
+              <a:ext uri="{FF2B5EF4-FFF2-40B4-BE49-F238E27FC236}">
+                <a16:creationId xmlns:a16="http://schemas.microsoft.com/office/drawing/2014/main" id="{A768B1DA-D941-1F47-B120-ABC407E5D691}"/>
+              </a:ext>
+            </a:extLst>
+          </p:cNvPr>
+          <p:cNvSpPr>
+            <a:spLocks noGrp="1"/>
+          </p:cNvSpPr>
+          <p:nvPr>
+            <p:ph type="ftr" sz="quarter" idx="11"/>
+          </p:nvPr>
+        </p:nvSpPr>
+        <p:spPr/>
+        <p:txBody>
+          <a:bodyPr/>
+          <a:lstStyle/>
+          <a:p>
+            <a:r>
+              <a:rPr lang="en-US"/>
+              <a:t>SS - Nuno Santos</a:t>
+            </a:r>
+            <a:endParaRPr lang="en-US" dirty="0"/>
+          </a:p>
+        </p:txBody>
+      </p:sp>
+      <p:sp>
+        <p:nvSpPr>
+          <p:cNvPr id="5" name="Slide Number Placeholder 4">
+            <a:extLst>
+              <a:ext uri="{FF2B5EF4-FFF2-40B4-BE49-F238E27FC236}">
+                <a16:creationId xmlns:a16="http://schemas.microsoft.com/office/drawing/2014/main" id="{D65C184B-B7F2-424E-89CF-4BF39F445B59}"/>
+              </a:ext>
+            </a:extLst>
+          </p:cNvPr>
+          <p:cNvSpPr>
+            <a:spLocks noGrp="1"/>
+          </p:cNvSpPr>
+          <p:nvPr>
+            <p:ph type="sldNum" sz="quarter" idx="12"/>
+          </p:nvPr>
+        </p:nvSpPr>
+        <p:spPr/>
+        <p:txBody>
+          <a:bodyPr/>
+          <a:lstStyle/>
+          <a:p>
+            <a:fld id="{BAFC06C6-5388-EF48-9B75-F2C2BBFC0E68}" type="slidenum">
+              <a:rPr lang="en-US" smtClean="0"/>
+              <a:t>11</a:t>
+            </a:fld>
+            <a:endParaRPr lang="en-US" dirty="0"/>
+          </a:p>
+        </p:txBody>
+      </p:sp>
+      <p:sp>
+        <p:nvSpPr>
+          <p:cNvPr id="6" name="Content Placeholder 5">
+            <a:extLst>
+              <a:ext uri="{FF2B5EF4-FFF2-40B4-BE49-F238E27FC236}">
+                <a16:creationId xmlns:a16="http://schemas.microsoft.com/office/drawing/2014/main" id="{4D91D990-FFB0-314A-B8E7-BE480DF21716}"/>
+              </a:ext>
+            </a:extLst>
+          </p:cNvPr>
+          <p:cNvSpPr>
+            <a:spLocks noGrp="1"/>
+          </p:cNvSpPr>
+          <p:nvPr>
+            <p:ph sz="quarter" idx="1"/>
+          </p:nvPr>
+        </p:nvSpPr>
+        <p:spPr/>
+        <p:txBody>
+          <a:bodyPr>
+            <a:normAutofit fontScale="92500" lnSpcReduction="10000"/>
+          </a:bodyPr>
+          <a:lstStyle/>
+          <a:p>
+            <a:pPr>
+              <a:lnSpc>
+                <a:spcPct val="90000"/>
+              </a:lnSpc>
+            </a:pPr>
+            <a:endParaRPr lang="en-US" sz="2400" b="1" dirty="0"/>
+          </a:p>
+          <a:p>
+            <a:pPr>
+              <a:lnSpc>
+                <a:spcPct val="90000"/>
+              </a:lnSpc>
+            </a:pPr>
+            <a:r>
+              <a:rPr lang="en-US" sz="2400" b="1" dirty="0"/>
+              <a:t>D</a:t>
+            </a:r>
+            <a:r>
+              <a:rPr lang="en-US" sz="2400" dirty="0"/>
+              <a:t>amage potential</a:t>
+            </a:r>
+          </a:p>
+          <a:p>
+            <a:pPr lvl="1">
+              <a:lnSpc>
+                <a:spcPct val="90000"/>
+              </a:lnSpc>
+            </a:pPr>
+            <a:r>
+              <a:rPr lang="en-US" sz="2000" dirty="0"/>
+              <a:t>10 se o </a:t>
+            </a:r>
+            <a:r>
+              <a:rPr lang="en-US" sz="2000" dirty="0" err="1"/>
+              <a:t>atacante</a:t>
+            </a:r>
+            <a:r>
+              <a:rPr lang="en-US" sz="2000" dirty="0"/>
+              <a:t> </a:t>
+            </a:r>
+            <a:r>
+              <a:rPr lang="en-US" sz="2000" dirty="0" err="1"/>
+              <a:t>consegue</a:t>
+            </a:r>
+            <a:r>
+              <a:rPr lang="en-US" sz="2000" dirty="0"/>
+              <a:t> </a:t>
+            </a:r>
+            <a:r>
+              <a:rPr lang="en-US" sz="2000" dirty="0" err="1"/>
+              <a:t>ultrapassar</a:t>
+            </a:r>
+            <a:r>
+              <a:rPr lang="en-US" sz="2000" dirty="0"/>
+              <a:t> </a:t>
+            </a:r>
+            <a:r>
+              <a:rPr lang="en-US" sz="2000" dirty="0" err="1"/>
+              <a:t>todos</a:t>
+            </a:r>
+            <a:r>
+              <a:rPr lang="en-US" sz="2000" dirty="0"/>
+              <a:t> </a:t>
+            </a:r>
+            <a:r>
+              <a:rPr lang="en-US" sz="2000" dirty="0" err="1"/>
+              <a:t>os</a:t>
+            </a:r>
+            <a:r>
+              <a:rPr lang="en-US" sz="2000" dirty="0"/>
+              <a:t> </a:t>
+            </a:r>
+            <a:r>
+              <a:rPr lang="en-US" sz="2000" dirty="0" err="1"/>
+              <a:t>mecanismos</a:t>
+            </a:r>
+            <a:r>
+              <a:rPr lang="en-US" sz="2000" dirty="0"/>
+              <a:t> de </a:t>
+            </a:r>
+            <a:r>
+              <a:rPr lang="en-US" sz="2000" dirty="0" err="1"/>
+              <a:t>segurança</a:t>
+            </a:r>
+            <a:endParaRPr lang="en-US" sz="2000" dirty="0"/>
+          </a:p>
+          <a:p>
+            <a:pPr lvl="1">
+              <a:lnSpc>
+                <a:spcPct val="90000"/>
+              </a:lnSpc>
+            </a:pPr>
+            <a:endParaRPr lang="en-US" sz="2000" dirty="0"/>
+          </a:p>
+          <a:p>
+            <a:pPr>
+              <a:lnSpc>
+                <a:spcPct val="90000"/>
+              </a:lnSpc>
+            </a:pPr>
+            <a:r>
+              <a:rPr lang="en-US" sz="2400" b="1" dirty="0"/>
+              <a:t>R</a:t>
+            </a:r>
+            <a:r>
+              <a:rPr lang="en-US" sz="2400" dirty="0"/>
+              <a:t>eproducibility</a:t>
+            </a:r>
+          </a:p>
+          <a:p>
+            <a:pPr lvl="1">
+              <a:lnSpc>
+                <a:spcPct val="90000"/>
+              </a:lnSpc>
+            </a:pPr>
+            <a:r>
+              <a:rPr lang="en-US" sz="2000" dirty="0" err="1"/>
+              <a:t>Quão</a:t>
+            </a:r>
+            <a:r>
+              <a:rPr lang="en-US" sz="2000" dirty="0"/>
+              <a:t> </a:t>
+            </a:r>
+            <a:r>
+              <a:rPr lang="en-US" sz="2000" dirty="0" err="1"/>
+              <a:t>fácil</a:t>
+            </a:r>
+            <a:r>
+              <a:rPr lang="en-US" sz="2000" dirty="0"/>
+              <a:t> </a:t>
+            </a:r>
+            <a:r>
+              <a:rPr lang="en-US" sz="2000" dirty="0" err="1"/>
+              <a:t>é</a:t>
+            </a:r>
+            <a:r>
+              <a:rPr lang="en-US" sz="2000" dirty="0"/>
+              <a:t> </a:t>
+            </a:r>
+            <a:r>
+              <a:rPr lang="en-US" sz="2000" dirty="0" err="1"/>
+              <a:t>realizar</a:t>
+            </a:r>
+            <a:r>
+              <a:rPr lang="en-US" sz="2000" dirty="0"/>
+              <a:t> o </a:t>
+            </a:r>
+            <a:r>
+              <a:rPr lang="en-US" sz="2000" dirty="0" err="1"/>
+              <a:t>ataque</a:t>
+            </a:r>
+            <a:r>
+              <a:rPr lang="en-US" sz="2000" dirty="0"/>
+              <a:t> </a:t>
+            </a:r>
+            <a:r>
+              <a:rPr lang="en-US" sz="2000" dirty="0" err="1"/>
+              <a:t>na</a:t>
+            </a:r>
+            <a:r>
+              <a:rPr lang="en-US" sz="2000" dirty="0"/>
+              <a:t> </a:t>
+            </a:r>
+            <a:r>
+              <a:rPr lang="en-US" sz="2000" dirty="0" err="1"/>
+              <a:t>prática</a:t>
+            </a:r>
+            <a:r>
+              <a:rPr lang="en-US" sz="2000" dirty="0"/>
+              <a:t>?</a:t>
+            </a:r>
+          </a:p>
+          <a:p>
+            <a:pPr lvl="1">
+              <a:lnSpc>
+                <a:spcPct val="90000"/>
+              </a:lnSpc>
+            </a:pPr>
+            <a:endParaRPr lang="en-US" sz="2000" dirty="0"/>
+          </a:p>
+          <a:p>
+            <a:pPr>
+              <a:lnSpc>
+                <a:spcPct val="90000"/>
+              </a:lnSpc>
+            </a:pPr>
+            <a:r>
+              <a:rPr lang="en-US" sz="2400" b="1" dirty="0"/>
+              <a:t>E</a:t>
+            </a:r>
+            <a:r>
+              <a:rPr lang="en-US" sz="2400" dirty="0"/>
+              <a:t>xploitability</a:t>
+            </a:r>
+          </a:p>
+          <a:p>
+            <a:pPr lvl="1">
+              <a:lnSpc>
+                <a:spcPct val="90000"/>
+              </a:lnSpc>
+            </a:pPr>
+            <a:r>
+              <a:rPr lang="en-US" sz="2000" dirty="0" err="1"/>
+              <a:t>Quanto</a:t>
+            </a:r>
+            <a:r>
+              <a:rPr lang="en-US" sz="2000" dirty="0"/>
+              <a:t> </a:t>
+            </a:r>
+            <a:r>
+              <a:rPr lang="en-US" sz="2000" dirty="0" err="1"/>
+              <a:t>esforço</a:t>
+            </a:r>
+            <a:r>
+              <a:rPr lang="en-US" sz="2000" dirty="0"/>
+              <a:t> e </a:t>
+            </a:r>
+            <a:r>
+              <a:rPr lang="en-US" sz="2000" dirty="0" err="1"/>
+              <a:t>perícia</a:t>
+            </a:r>
+            <a:r>
+              <a:rPr lang="en-US" sz="2000" dirty="0"/>
+              <a:t> </a:t>
+            </a:r>
+            <a:r>
+              <a:rPr lang="en-US" sz="2000" dirty="0" err="1"/>
+              <a:t>é</a:t>
+            </a:r>
+            <a:r>
+              <a:rPr lang="en-US" sz="2000" dirty="0"/>
+              <a:t> </a:t>
+            </a:r>
+            <a:r>
+              <a:rPr lang="en-US" sz="2000" dirty="0" err="1"/>
+              <a:t>necessário</a:t>
+            </a:r>
+            <a:r>
+              <a:rPr lang="en-US" sz="2000" dirty="0"/>
+              <a:t> para </a:t>
+            </a:r>
+            <a:r>
+              <a:rPr lang="en-US" sz="2000" dirty="0" err="1"/>
+              <a:t>montar</a:t>
+            </a:r>
+            <a:r>
+              <a:rPr lang="en-US" sz="2000" dirty="0"/>
+              <a:t> o </a:t>
+            </a:r>
+            <a:r>
+              <a:rPr lang="en-US" sz="2000" dirty="0" err="1"/>
+              <a:t>ataque</a:t>
+            </a:r>
+            <a:r>
+              <a:rPr lang="en-US" sz="2000" dirty="0"/>
+              <a:t>?</a:t>
+            </a:r>
+          </a:p>
+          <a:p>
+            <a:pPr lvl="1">
+              <a:lnSpc>
+                <a:spcPct val="90000"/>
+              </a:lnSpc>
+            </a:pPr>
+            <a:endParaRPr lang="en-US" sz="2000" dirty="0"/>
+          </a:p>
+          <a:p>
+            <a:pPr>
+              <a:lnSpc>
+                <a:spcPct val="90000"/>
+              </a:lnSpc>
+            </a:pPr>
+            <a:r>
+              <a:rPr lang="en-US" sz="2400" b="1" dirty="0"/>
+              <a:t>A</a:t>
+            </a:r>
+            <a:r>
+              <a:rPr lang="en-US" sz="2400" dirty="0"/>
+              <a:t>ffected users</a:t>
+            </a:r>
+          </a:p>
+          <a:p>
+            <a:pPr lvl="1">
+              <a:lnSpc>
+                <a:spcPct val="90000"/>
+              </a:lnSpc>
+            </a:pPr>
+            <a:r>
+              <a:rPr lang="en-US" sz="2000" dirty="0"/>
+              <a:t>Se o </a:t>
+            </a:r>
+            <a:r>
+              <a:rPr lang="en-US" sz="2000" dirty="0" err="1"/>
+              <a:t>ataque</a:t>
+            </a:r>
+            <a:r>
+              <a:rPr lang="en-US" sz="2000" dirty="0"/>
+              <a:t> </a:t>
+            </a:r>
+            <a:r>
+              <a:rPr lang="en-US" sz="2000" dirty="0" err="1"/>
+              <a:t>é</a:t>
+            </a:r>
+            <a:r>
+              <a:rPr lang="en-US" sz="2000" dirty="0"/>
+              <a:t> </a:t>
+            </a:r>
+            <a:r>
+              <a:rPr lang="en-US" sz="2000" dirty="0" err="1"/>
+              <a:t>bem</a:t>
+            </a:r>
+            <a:r>
+              <a:rPr lang="en-US" sz="2000" dirty="0"/>
+              <a:t> </a:t>
+            </a:r>
+            <a:r>
+              <a:rPr lang="en-US" sz="2000" dirty="0" err="1"/>
+              <a:t>sucedido</a:t>
+            </a:r>
+            <a:r>
+              <a:rPr lang="en-US" sz="2000" dirty="0"/>
+              <a:t> </a:t>
+            </a:r>
+            <a:r>
+              <a:rPr lang="en-US" sz="2000" dirty="0" err="1"/>
+              <a:t>quantos</a:t>
+            </a:r>
+            <a:r>
+              <a:rPr lang="en-US" sz="2000" dirty="0"/>
+              <a:t> </a:t>
+            </a:r>
+            <a:r>
+              <a:rPr lang="en-US" sz="2000" dirty="0" err="1"/>
+              <a:t>utilizadores</a:t>
+            </a:r>
+            <a:r>
+              <a:rPr lang="en-US" sz="2000" dirty="0"/>
+              <a:t> </a:t>
+            </a:r>
+            <a:r>
+              <a:rPr lang="en-US" sz="2000" dirty="0" err="1"/>
+              <a:t>são</a:t>
+            </a:r>
+            <a:r>
+              <a:rPr lang="en-US" sz="2000" dirty="0"/>
+              <a:t> </a:t>
+            </a:r>
+            <a:r>
+              <a:rPr lang="en-US" sz="2000" dirty="0" err="1"/>
+              <a:t>afectados</a:t>
+            </a:r>
+            <a:r>
+              <a:rPr lang="en-US" sz="2000" dirty="0"/>
+              <a:t>?</a:t>
+            </a:r>
+          </a:p>
+          <a:p>
+            <a:pPr lvl="1">
+              <a:lnSpc>
+                <a:spcPct val="90000"/>
+              </a:lnSpc>
+            </a:pPr>
+            <a:endParaRPr lang="en-US" sz="2000" dirty="0"/>
+          </a:p>
+          <a:p>
+            <a:pPr>
+              <a:lnSpc>
+                <a:spcPct val="90000"/>
+              </a:lnSpc>
+            </a:pPr>
+            <a:r>
+              <a:rPr lang="en-US" sz="2400" b="1" dirty="0"/>
+              <a:t>D</a:t>
+            </a:r>
+            <a:r>
+              <a:rPr lang="en-US" sz="2400" dirty="0"/>
+              <a:t>iscoverability</a:t>
+            </a:r>
+          </a:p>
+          <a:p>
+            <a:pPr lvl="1">
+              <a:lnSpc>
+                <a:spcPct val="90000"/>
+              </a:lnSpc>
+            </a:pPr>
+            <a:r>
+              <a:rPr lang="en-US" sz="2000" dirty="0" err="1"/>
+              <a:t>Quão</a:t>
+            </a:r>
+            <a:r>
+              <a:rPr lang="en-US" sz="2000" dirty="0"/>
+              <a:t> </a:t>
+            </a:r>
+            <a:r>
+              <a:rPr lang="en-US" sz="2000" dirty="0" err="1"/>
+              <a:t>fácil</a:t>
+            </a:r>
+            <a:r>
+              <a:rPr lang="en-US" sz="2000" dirty="0"/>
+              <a:t> </a:t>
+            </a:r>
+            <a:r>
+              <a:rPr lang="en-US" sz="2000" dirty="0" err="1"/>
+              <a:t>é</a:t>
+            </a:r>
+            <a:r>
+              <a:rPr lang="en-US" sz="2000" dirty="0"/>
+              <a:t> </a:t>
+            </a:r>
+            <a:r>
+              <a:rPr lang="en-US" sz="2000" dirty="0" err="1"/>
+              <a:t>descobrir</a:t>
+            </a:r>
+            <a:r>
+              <a:rPr lang="en-US" sz="2000" dirty="0"/>
+              <a:t> a </a:t>
+            </a:r>
+            <a:r>
+              <a:rPr lang="en-US" sz="2000" dirty="0" err="1"/>
+              <a:t>vulnerabilidade</a:t>
+            </a:r>
+            <a:r>
+              <a:rPr lang="en-US" sz="2000" dirty="0"/>
+              <a:t>? </a:t>
+            </a:r>
+            <a:r>
+              <a:rPr lang="en-US" sz="2000" dirty="0" err="1"/>
+              <a:t>Mais</a:t>
+            </a:r>
+            <a:r>
+              <a:rPr lang="en-US" sz="2000" dirty="0"/>
+              <a:t> </a:t>
+            </a:r>
+            <a:r>
+              <a:rPr lang="en-US" sz="2000" dirty="0" err="1"/>
+              <a:t>prudente</a:t>
+            </a:r>
+            <a:r>
+              <a:rPr lang="en-US" sz="2000" dirty="0"/>
+              <a:t>: </a:t>
+            </a:r>
+            <a:r>
+              <a:rPr lang="en-US" sz="2000" dirty="0" err="1"/>
+              <a:t>colocar</a:t>
+            </a:r>
+            <a:r>
+              <a:rPr lang="en-US" sz="2000" dirty="0"/>
+              <a:t> a 10…</a:t>
+            </a:r>
+          </a:p>
+          <a:p>
+            <a:endParaRPr lang="en-US" dirty="0"/>
+          </a:p>
+        </p:txBody>
+      </p:sp>
+    </p:spTree>
+    <p:extLst>
+      <p:ext uri="{BB962C8B-B14F-4D97-AF65-F5344CB8AC3E}">
+        <p14:creationId xmlns:p14="http://schemas.microsoft.com/office/powerpoint/2010/main" val="1836745850"/>
+      </p:ext>
+    </p:extLst>
+  </p:cSld>
+  <p:clrMapOvr>
+    <a:masterClrMapping/>
+  </p:clrMapOvr>
+</p:sld>
+</file>
+
+<file path=ppt/slides/slide12.xml><?xml version="1.0" encoding="utf-8"?>
+<p:sld xmlns:a="http://schemas.openxmlformats.org/drawingml/2006/main" xmlns:r="http://schemas.openxmlformats.org/officeDocument/2006/relationships" xmlns:p="http://schemas.openxmlformats.org/presentationml/2006/main">
+  <p:cSld>
+    <p:spTree>
+      <p:nvGrpSpPr>
+        <p:cNvPr id="1" name=""/>
+        <p:cNvGrpSpPr/>
+        <p:nvPr/>
+      </p:nvGrpSpPr>
+      <p:grpSpPr>
+        <a:xfrm>
+          <a:off x="0" y="0"/>
+          <a:ext cx="0" cy="0"/>
+          <a:chOff x="0" y="0"/>
+          <a:chExt cx="0" cy="0"/>
+        </a:xfrm>
+      </p:grpSpPr>
+      <p:sp>
+        <p:nvSpPr>
+          <p:cNvPr id="2" name="Title 1">
+            <a:extLst>
+              <a:ext uri="{FF2B5EF4-FFF2-40B4-BE49-F238E27FC236}">
                 <a16:creationId xmlns:a16="http://schemas.microsoft.com/office/drawing/2014/main" id="{04328330-77D8-1A4B-984E-F887E8777CC7}"/>
               </a:ext>
             </a:extLst>
@@ -5568,9 +6431,12 @@
             </a:r>
             <a:r>
               <a:rPr lang="en-US" dirty="0" err="1"/>
-              <a:t>ataque</a:t>
-            </a:r>
-            <a:endParaRPr lang="en-US" dirty="0"/>
+              <a:t>resultado</a:t>
+            </a:r>
+            <a:r>
+              <a:rPr lang="en-US" dirty="0"/>
+              <a:t> de auditoria</a:t>
+            </a:r>
           </a:p>
         </p:txBody>
       </p:sp>
@@ -5655,7 +6521,7 @@
           <a:p>
             <a:fld id="{BAFC06C6-5388-EF48-9B75-F2C2BBFC0E68}" type="slidenum">
               <a:rPr lang="en-US" smtClean="0"/>
-              <a:t>11</a:t>
+              <a:t>12</a:t>
             </a:fld>
             <a:endParaRPr lang="en-US" dirty="0"/>
           </a:p>
@@ -5953,15 +6819,17 @@
         </p:blipFill>
         <p:spPr bwMode="auto">
           <a:xfrm>
-            <a:off x="6934200" y="2514600"/>
-            <a:ext cx="1536700" cy="1676400"/>
+            <a:off x="6889749" y="2019300"/>
+            <a:ext cx="2130425" cy="2324100"/>
           </a:xfrm>
           <a:prstGeom prst="rect">
             <a:avLst/>
           </a:prstGeom>
           <a:noFill/>
           <a:ln w="9525">
-            <a:noFill/>
+            <a:solidFill>
+              <a:schemeClr val="tx1"/>
+            </a:solidFill>
             <a:miter lim="800000"/>
             <a:headEnd/>
             <a:tailEnd/>
@@ -6171,152 +7039,6 @@
     <p:extLst>
       <p:ext uri="{BB962C8B-B14F-4D97-AF65-F5344CB8AC3E}">
         <p14:creationId xmlns:p14="http://schemas.microsoft.com/office/powerpoint/2010/main" val="2550111057"/>
-      </p:ext>
-    </p:extLst>
-  </p:cSld>
-  <p:clrMapOvr>
-    <a:masterClrMapping/>
-  </p:clrMapOvr>
-</p:sld>
-</file>
-
-<file path=ppt/slides/slide12.xml><?xml version="1.0" encoding="utf-8"?>
-<p:sld xmlns:a="http://schemas.openxmlformats.org/drawingml/2006/main" xmlns:r="http://schemas.openxmlformats.org/officeDocument/2006/relationships" xmlns:p="http://schemas.openxmlformats.org/presentationml/2006/main">
-  <p:cSld>
-    <p:spTree>
-      <p:nvGrpSpPr>
-        <p:cNvPr id="1" name=""/>
-        <p:cNvGrpSpPr/>
-        <p:nvPr/>
-      </p:nvGrpSpPr>
-      <p:grpSpPr>
-        <a:xfrm>
-          <a:off x="0" y="0"/>
-          <a:ext cx="0" cy="0"/>
-          <a:chOff x="0" y="0"/>
-          <a:chExt cx="0" cy="0"/>
-        </a:xfrm>
-      </p:grpSpPr>
-      <p:sp>
-        <p:nvSpPr>
-          <p:cNvPr id="7" name="Title 6">
-            <a:extLst>
-              <a:ext uri="{FF2B5EF4-FFF2-40B4-BE49-F238E27FC236}">
-                <a16:creationId xmlns:a16="http://schemas.microsoft.com/office/drawing/2014/main" id="{CA065597-B38C-3C4A-A732-97A489122D28}"/>
-              </a:ext>
-            </a:extLst>
-          </p:cNvPr>
-          <p:cNvSpPr>
-            <a:spLocks noGrp="1"/>
-          </p:cNvSpPr>
-          <p:nvPr>
-            <p:ph type="title"/>
-          </p:nvPr>
-        </p:nvSpPr>
-        <p:spPr/>
-        <p:txBody>
-          <a:bodyPr/>
-          <a:lstStyle/>
-          <a:p>
-            <a:r>
-              <a:rPr lang="en-US" dirty="0" err="1"/>
-              <a:t>Fuzzers</a:t>
-            </a:r>
-            <a:endParaRPr lang="en-US" dirty="0"/>
-          </a:p>
-        </p:txBody>
-      </p:sp>
-      <p:sp>
-        <p:nvSpPr>
-          <p:cNvPr id="3" name="Date Placeholder 2">
-            <a:extLst>
-              <a:ext uri="{FF2B5EF4-FFF2-40B4-BE49-F238E27FC236}">
-                <a16:creationId xmlns:a16="http://schemas.microsoft.com/office/drawing/2014/main" id="{AD4493F9-01A7-D544-81BA-3EB4C049A4CD}"/>
-              </a:ext>
-            </a:extLst>
-          </p:cNvPr>
-          <p:cNvSpPr>
-            <a:spLocks noGrp="1"/>
-          </p:cNvSpPr>
-          <p:nvPr>
-            <p:ph type="dt" sz="half" idx="10"/>
-          </p:nvPr>
-        </p:nvSpPr>
-        <p:spPr/>
-        <p:txBody>
-          <a:bodyPr/>
-          <a:lstStyle/>
-          <a:p>
-            <a:r>
-              <a:rPr lang="en-US"/>
-              <a:t>2019</a:t>
-            </a:r>
-            <a:endParaRPr lang="en-US" dirty="0"/>
-          </a:p>
-        </p:txBody>
-      </p:sp>
-      <p:sp>
-        <p:nvSpPr>
-          <p:cNvPr id="4" name="Footer Placeholder 3">
-            <a:extLst>
-              <a:ext uri="{FF2B5EF4-FFF2-40B4-BE49-F238E27FC236}">
-                <a16:creationId xmlns:a16="http://schemas.microsoft.com/office/drawing/2014/main" id="{8177CA35-7D0A-6D4A-9185-3373EC74F745}"/>
-              </a:ext>
-            </a:extLst>
-          </p:cNvPr>
-          <p:cNvSpPr>
-            <a:spLocks noGrp="1"/>
-          </p:cNvSpPr>
-          <p:nvPr>
-            <p:ph type="ftr" sz="quarter" idx="11"/>
-          </p:nvPr>
-        </p:nvSpPr>
-        <p:spPr/>
-        <p:txBody>
-          <a:bodyPr/>
-          <a:lstStyle/>
-          <a:p>
-            <a:r>
-              <a:rPr lang="en-US"/>
-              <a:t>SS - Nuno Santos</a:t>
-            </a:r>
-            <a:endParaRPr lang="en-US" dirty="0"/>
-          </a:p>
-        </p:txBody>
-      </p:sp>
-      <p:sp>
-        <p:nvSpPr>
-          <p:cNvPr id="5" name="Slide Number Placeholder 4">
-            <a:extLst>
-              <a:ext uri="{FF2B5EF4-FFF2-40B4-BE49-F238E27FC236}">
-                <a16:creationId xmlns:a16="http://schemas.microsoft.com/office/drawing/2014/main" id="{A9726EED-259C-9F47-AD3A-0A6F09C3FB7F}"/>
-              </a:ext>
-            </a:extLst>
-          </p:cNvPr>
-          <p:cNvSpPr>
-            <a:spLocks noGrp="1"/>
-          </p:cNvSpPr>
-          <p:nvPr>
-            <p:ph type="sldNum" sz="quarter" idx="12"/>
-          </p:nvPr>
-        </p:nvSpPr>
-        <p:spPr/>
-        <p:txBody>
-          <a:bodyPr/>
-          <a:lstStyle/>
-          <a:p>
-            <a:fld id="{BAFC06C6-5388-EF48-9B75-F2C2BBFC0E68}" type="slidenum">
-              <a:rPr lang="en-US" smtClean="0"/>
-              <a:t>12</a:t>
-            </a:fld>
-            <a:endParaRPr lang="en-US" dirty="0"/>
-          </a:p>
-        </p:txBody>
-      </p:sp>
-    </p:spTree>
-    <p:extLst>
-      <p:ext uri="{BB962C8B-B14F-4D97-AF65-F5344CB8AC3E}">
-        <p14:creationId xmlns:p14="http://schemas.microsoft.com/office/powerpoint/2010/main" val="3718666015"/>
       </p:ext>
     </p:extLst>
   </p:cSld>
@@ -6345,10 +7067,10 @@
       </p:grpSpPr>
       <p:sp>
         <p:nvSpPr>
-          <p:cNvPr id="2" name="Title 1">
+          <p:cNvPr id="7" name="Title 6">
             <a:extLst>
               <a:ext uri="{FF2B5EF4-FFF2-40B4-BE49-F238E27FC236}">
-                <a16:creationId xmlns:a16="http://schemas.microsoft.com/office/drawing/2014/main" id="{5F87B243-73EF-8C4F-904B-EA78B662249A}"/>
+                <a16:creationId xmlns:a16="http://schemas.microsoft.com/office/drawing/2014/main" id="{CA065597-B38C-3C4A-A732-97A489122D28}"/>
               </a:ext>
             </a:extLst>
           </p:cNvPr>
@@ -6377,7 +7099,7 @@
           <p:cNvPr id="3" name="Date Placeholder 2">
             <a:extLst>
               <a:ext uri="{FF2B5EF4-FFF2-40B4-BE49-F238E27FC236}">
-                <a16:creationId xmlns:a16="http://schemas.microsoft.com/office/drawing/2014/main" id="{94FEAFFF-C035-C34F-906B-65E6EA2B6BB5}"/>
+                <a16:creationId xmlns:a16="http://schemas.microsoft.com/office/drawing/2014/main" id="{AD4493F9-01A7-D544-81BA-3EB4C049A4CD}"/>
               </a:ext>
             </a:extLst>
           </p:cNvPr>
@@ -6406,7 +7128,7 @@
           <p:cNvPr id="4" name="Footer Placeholder 3">
             <a:extLst>
               <a:ext uri="{FF2B5EF4-FFF2-40B4-BE49-F238E27FC236}">
-                <a16:creationId xmlns:a16="http://schemas.microsoft.com/office/drawing/2014/main" id="{E72D6DEC-1E70-834D-8204-38944D5EF467}"/>
+                <a16:creationId xmlns:a16="http://schemas.microsoft.com/office/drawing/2014/main" id="{8177CA35-7D0A-6D4A-9185-3373EC74F745}"/>
               </a:ext>
             </a:extLst>
           </p:cNvPr>
@@ -6435,7 +7157,7 @@
           <p:cNvPr id="5" name="Slide Number Placeholder 4">
             <a:extLst>
               <a:ext uri="{FF2B5EF4-FFF2-40B4-BE49-F238E27FC236}">
-                <a16:creationId xmlns:a16="http://schemas.microsoft.com/office/drawing/2014/main" id="{12DB6EDB-A65D-724A-AC47-8234BB2A79F4}"/>
+                <a16:creationId xmlns:a16="http://schemas.microsoft.com/office/drawing/2014/main" id="{A9726EED-259C-9F47-AD3A-0A6F09C3FB7F}"/>
               </a:ext>
             </a:extLst>
           </p:cNvPr>
@@ -6459,120 +7181,10 @@
           </a:p>
         </p:txBody>
       </p:sp>
-      <p:sp>
-        <p:nvSpPr>
-          <p:cNvPr id="6" name="Content Placeholder 5">
-            <a:extLst>
-              <a:ext uri="{FF2B5EF4-FFF2-40B4-BE49-F238E27FC236}">
-                <a16:creationId xmlns:a16="http://schemas.microsoft.com/office/drawing/2014/main" id="{27817D4A-D825-244E-8BB6-6675D5266F9B}"/>
-              </a:ext>
-            </a:extLst>
-          </p:cNvPr>
-          <p:cNvSpPr>
-            <a:spLocks noGrp="1"/>
-          </p:cNvSpPr>
-          <p:nvPr>
-            <p:ph sz="quarter" idx="1"/>
-          </p:nvPr>
-        </p:nvSpPr>
-        <p:spPr/>
-        <p:txBody>
-          <a:bodyPr>
-            <a:normAutofit fontScale="92500" lnSpcReduction="10000"/>
-          </a:bodyPr>
-          <a:lstStyle/>
-          <a:p>
-            <a:r>
-              <a:rPr lang="en-US" sz="2400" dirty="0"/>
-              <a:t>“Operating system facilities, such as the kernel and utility programs, are typically assumed to be reliable. In our recent experiments, we have been able to crash 25-33% of the utility programs on any version of UNIX that was tested.”</a:t>
-            </a:r>
-          </a:p>
-          <a:p>
-            <a:pPr lvl="1"/>
-            <a:r>
-              <a:rPr lang="en-US" sz="1800" dirty="0"/>
-              <a:t>Barton P. Miller, Lars </a:t>
-            </a:r>
-            <a:r>
-              <a:rPr lang="en-US" sz="1800" dirty="0" err="1"/>
-              <a:t>Fredriksen</a:t>
-            </a:r>
-            <a:r>
-              <a:rPr lang="en-US" sz="1800" dirty="0"/>
-              <a:t> e Bryan So, An Empirical Study of the Reliability of UNIX Utilities, CACM, Dec. 1990</a:t>
-            </a:r>
-          </a:p>
-          <a:p>
-            <a:r>
-              <a:rPr lang="en-US" sz="2600" dirty="0"/>
-              <a:t>The authors built a tool called </a:t>
-            </a:r>
-            <a:r>
-              <a:rPr lang="en-US" sz="2600" i="1" dirty="0"/>
-              <a:t>fuzz</a:t>
-            </a:r>
-            <a:endParaRPr lang="en-US" sz="2600" dirty="0"/>
-          </a:p>
-          <a:p>
-            <a:pPr lvl="1"/>
-            <a:r>
-              <a:rPr lang="en-US" sz="1800" dirty="0"/>
-              <a:t>The tool reproduced conditions they found by accident</a:t>
-            </a:r>
-          </a:p>
-          <a:p>
-            <a:pPr lvl="1"/>
-            <a:endParaRPr lang="en-US" dirty="0"/>
-          </a:p>
-          <a:p>
-            <a:r>
-              <a:rPr lang="en-US" dirty="0"/>
-              <a:t>Origin: story in the beginning</a:t>
-            </a:r>
-          </a:p>
-          <a:p>
-            <a:pPr lvl="1"/>
-            <a:r>
-              <a:rPr lang="en-US" sz="2000" dirty="0"/>
-              <a:t>Thunderstorm, then fuzz tool to inject random input</a:t>
-            </a:r>
-            <a:endParaRPr lang="en-US" dirty="0"/>
-          </a:p>
-          <a:p>
-            <a:r>
-              <a:rPr lang="en-US" dirty="0" err="1"/>
-              <a:t>Fuzzers</a:t>
-            </a:r>
-            <a:r>
-              <a:rPr lang="en-US" dirty="0"/>
-              <a:t> do “brute force search for vulnerabilities”;</a:t>
-            </a:r>
-          </a:p>
-          <a:p>
-            <a:r>
-              <a:rPr lang="en-US" dirty="0"/>
-              <a:t>Today fuzzing is much used for security testing</a:t>
-            </a:r>
-          </a:p>
-          <a:p>
-            <a:pPr lvl="1"/>
-            <a:r>
-              <a:rPr lang="en-US" sz="2000" dirty="0"/>
-              <a:t>Many recent vulnerabilities were found using fuzzing</a:t>
-            </a:r>
-          </a:p>
-          <a:p>
-            <a:endParaRPr lang="pt-PT" dirty="0"/>
-          </a:p>
-          <a:p>
-            <a:endParaRPr lang="en-US" dirty="0"/>
-          </a:p>
-        </p:txBody>
-      </p:sp>
     </p:spTree>
     <p:extLst>
       <p:ext uri="{BB962C8B-B14F-4D97-AF65-F5344CB8AC3E}">
-        <p14:creationId xmlns:p14="http://schemas.microsoft.com/office/powerpoint/2010/main" val="4206596873"/>
+        <p14:creationId xmlns:p14="http://schemas.microsoft.com/office/powerpoint/2010/main" val="3718666015"/>
       </p:ext>
     </p:extLst>
   </p:cSld>
@@ -6604,7 +7216,7 @@
           <p:cNvPr id="2" name="Title 1">
             <a:extLst>
               <a:ext uri="{FF2B5EF4-FFF2-40B4-BE49-F238E27FC236}">
-                <a16:creationId xmlns:a16="http://schemas.microsoft.com/office/drawing/2014/main" id="{A7833232-7A19-6645-8B2A-5001D9518F74}"/>
+                <a16:creationId xmlns:a16="http://schemas.microsoft.com/office/drawing/2014/main" id="{5F87B243-73EF-8C4F-904B-EA78B662249A}"/>
               </a:ext>
             </a:extLst>
           </p:cNvPr>
@@ -6622,16 +7234,21 @@
           <a:p>
             <a:r>
               <a:rPr lang="en-US" dirty="0"/>
-              <a:t>Um </a:t>
-            </a:r>
-            <a:r>
-              <a:rPr lang="en-US" dirty="0" err="1"/>
-              <a:t>fuzzer</a:t>
-            </a:r>
-            <a:r>
-              <a:rPr lang="en-US" dirty="0"/>
-              <a:t> simples</a:t>
-            </a:r>
+              <a:t>Teste de software </a:t>
+            </a:r>
+            <a:r>
+              <a:rPr lang="en-US" dirty="0" err="1"/>
+              <a:t>usando</a:t>
+            </a:r>
+            <a:r>
+              <a:rPr lang="en-US" dirty="0"/>
+              <a:t> </a:t>
+            </a:r>
+            <a:r>
+              <a:rPr lang="en-US" dirty="0" err="1"/>
+              <a:t>fuzzers</a:t>
+            </a:r>
+            <a:endParaRPr lang="en-US" dirty="0"/>
           </a:p>
         </p:txBody>
       </p:sp>
@@ -6640,7 +7257,7 @@
           <p:cNvPr id="3" name="Date Placeholder 2">
             <a:extLst>
               <a:ext uri="{FF2B5EF4-FFF2-40B4-BE49-F238E27FC236}">
-                <a16:creationId xmlns:a16="http://schemas.microsoft.com/office/drawing/2014/main" id="{B74E8F9E-1E7B-4248-98E5-94F5448DB7D1}"/>
+                <a16:creationId xmlns:a16="http://schemas.microsoft.com/office/drawing/2014/main" id="{94FEAFFF-C035-C34F-906B-65E6EA2B6BB5}"/>
               </a:ext>
             </a:extLst>
           </p:cNvPr>
@@ -6669,7 +7286,7 @@
           <p:cNvPr id="4" name="Footer Placeholder 3">
             <a:extLst>
               <a:ext uri="{FF2B5EF4-FFF2-40B4-BE49-F238E27FC236}">
-                <a16:creationId xmlns:a16="http://schemas.microsoft.com/office/drawing/2014/main" id="{3EAABEC0-1887-1D43-A1B3-0A7A72B1452A}"/>
+                <a16:creationId xmlns:a16="http://schemas.microsoft.com/office/drawing/2014/main" id="{E72D6DEC-1E70-834D-8204-38944D5EF467}"/>
               </a:ext>
             </a:extLst>
           </p:cNvPr>
@@ -6698,7 +7315,7 @@
           <p:cNvPr id="5" name="Slide Number Placeholder 4">
             <a:extLst>
               <a:ext uri="{FF2B5EF4-FFF2-40B4-BE49-F238E27FC236}">
-                <a16:creationId xmlns:a16="http://schemas.microsoft.com/office/drawing/2014/main" id="{EE80D63B-D1B0-F24D-8359-D167A1A0720C}"/>
+                <a16:creationId xmlns:a16="http://schemas.microsoft.com/office/drawing/2014/main" id="{12DB6EDB-A65D-724A-AC47-8234BB2A79F4}"/>
               </a:ext>
             </a:extLst>
           </p:cNvPr>
@@ -6727,7 +7344,7 @@
           <p:cNvPr id="6" name="Content Placeholder 5">
             <a:extLst>
               <a:ext uri="{FF2B5EF4-FFF2-40B4-BE49-F238E27FC236}">
-                <a16:creationId xmlns:a16="http://schemas.microsoft.com/office/drawing/2014/main" id="{2DB76332-7162-2C4C-8D75-5FE6E162A6DE}"/>
+                <a16:creationId xmlns:a16="http://schemas.microsoft.com/office/drawing/2014/main" id="{27817D4A-D825-244E-8BB6-6675D5266F9B}"/>
               </a:ext>
             </a:extLst>
           </p:cNvPr>
@@ -6740,97 +7357,346 @@
         </p:nvSpPr>
         <p:spPr/>
         <p:txBody>
-          <a:bodyPr/>
-          <a:lstStyle/>
-          <a:p>
-            <a:r>
-              <a:rPr lang="en-US" i="1" dirty="0" err="1"/>
-              <a:t>sharefuzz</a:t>
-            </a:r>
-            <a:endParaRPr lang="en-US" dirty="0"/>
+          <a:bodyPr>
+            <a:normAutofit fontScale="92500" lnSpcReduction="20000"/>
+          </a:bodyPr>
+          <a:lstStyle/>
+          <a:p>
+            <a:r>
+              <a:rPr lang="en-US" sz="2400" dirty="0"/>
+              <a:t>“Operating system facilities, such as the kernel and utility programs, are typically assumed to be reliable. In our recent experiments, we have been able to crash 25-33% of the utility programs on any version of UNIX that was tested.”</a:t>
+            </a:r>
           </a:p>
           <a:p>
             <a:pPr lvl="1"/>
             <a:r>
+              <a:rPr lang="en-US" sz="1800" dirty="0"/>
+              <a:t>Barton P. Miller, Lars </a:t>
+            </a:r>
+            <a:r>
+              <a:rPr lang="en-US" sz="1800" dirty="0" err="1"/>
+              <a:t>Fredriksen</a:t>
+            </a:r>
+            <a:r>
+              <a:rPr lang="en-US" sz="1800" dirty="0"/>
+              <a:t> e Bryan So, An Empirical Study of the Reliability of UNIX Utilities, CACM, Dec. 1990</a:t>
+            </a:r>
+          </a:p>
+          <a:p>
+            <a:pPr lvl="3"/>
+            <a:endParaRPr lang="en-US" sz="1600" dirty="0"/>
+          </a:p>
+          <a:p>
+            <a:r>
+              <a:rPr lang="en-US" sz="2600" dirty="0"/>
+              <a:t>Estes </a:t>
+            </a:r>
+            <a:r>
+              <a:rPr lang="en-US" sz="2600" dirty="0" err="1"/>
+              <a:t>autores</a:t>
+            </a:r>
+            <a:r>
+              <a:rPr lang="en-US" sz="2600" dirty="0"/>
+              <a:t> </a:t>
+            </a:r>
+            <a:r>
+              <a:rPr lang="en-US" sz="2600" dirty="0" err="1"/>
+              <a:t>utilizaram</a:t>
+            </a:r>
+            <a:r>
+              <a:rPr lang="en-US" sz="2600" dirty="0"/>
+              <a:t> </a:t>
+            </a:r>
+            <a:r>
+              <a:rPr lang="en-US" sz="2600" dirty="0" err="1"/>
+              <a:t>uma</a:t>
+            </a:r>
+            <a:r>
+              <a:rPr lang="en-US" sz="2600" dirty="0"/>
+              <a:t> ferramenta </a:t>
+            </a:r>
+            <a:r>
+              <a:rPr lang="en-US" sz="2600" dirty="0" err="1"/>
+              <a:t>chamada</a:t>
+            </a:r>
+            <a:r>
+              <a:rPr lang="en-US" sz="2600" dirty="0"/>
+              <a:t> </a:t>
+            </a:r>
+            <a:r>
+              <a:rPr lang="en-US" sz="2600" i="1" dirty="0"/>
+              <a:t>fuzz</a:t>
+            </a:r>
+          </a:p>
+          <a:p>
+            <a:pPr lvl="1"/>
+            <a:r>
+              <a:rPr lang="en-US" sz="1800" dirty="0"/>
+              <a:t>A ferramenta </a:t>
+            </a:r>
+            <a:r>
+              <a:rPr lang="en-US" sz="1800" dirty="0" err="1"/>
+              <a:t>conseguia</a:t>
+            </a:r>
+            <a:r>
+              <a:rPr lang="en-US" sz="1800" dirty="0"/>
+              <a:t> </a:t>
+            </a:r>
+            <a:r>
+              <a:rPr lang="en-US" sz="1800" dirty="0" err="1"/>
+              <a:t>reproduzir</a:t>
+            </a:r>
+            <a:r>
+              <a:rPr lang="en-US" sz="1800" dirty="0"/>
+              <a:t> as </a:t>
+            </a:r>
+            <a:r>
+              <a:rPr lang="en-US" sz="1800" dirty="0" err="1"/>
+              <a:t>condições</a:t>
+            </a:r>
+            <a:r>
+              <a:rPr lang="en-US" sz="1800" dirty="0"/>
+              <a:t> que </a:t>
+            </a:r>
+            <a:r>
+              <a:rPr lang="en-US" sz="1800" dirty="0" err="1"/>
+              <a:t>faziam</a:t>
+            </a:r>
+            <a:r>
+              <a:rPr lang="en-US" sz="1800" dirty="0"/>
+              <a:t> </a:t>
+            </a:r>
+            <a:r>
+              <a:rPr lang="en-US" sz="1800" dirty="0" err="1"/>
+              <a:t>crashar</a:t>
+            </a:r>
+            <a:r>
+              <a:rPr lang="en-US" sz="1800" dirty="0"/>
+              <a:t> </a:t>
+            </a:r>
+            <a:r>
+              <a:rPr lang="en-US" sz="1800" dirty="0" err="1"/>
+              <a:t>os</a:t>
+            </a:r>
+            <a:r>
+              <a:rPr lang="en-US" sz="1800" dirty="0"/>
+              <a:t> </a:t>
+            </a:r>
+            <a:r>
+              <a:rPr lang="en-US" sz="1800" dirty="0" err="1"/>
+              <a:t>programas</a:t>
+            </a:r>
+            <a:endParaRPr lang="en-US" sz="1800" dirty="0"/>
+          </a:p>
+          <a:p>
+            <a:pPr lvl="4"/>
+            <a:endParaRPr lang="en-US" dirty="0"/>
+          </a:p>
+          <a:p>
+            <a:r>
+              <a:rPr lang="en-US" dirty="0" err="1"/>
+              <a:t>Fuzzers</a:t>
+            </a:r>
+            <a:r>
+              <a:rPr lang="en-US" dirty="0"/>
+              <a:t> do “brute force search for vulnerabilities”</a:t>
+            </a:r>
+          </a:p>
+          <a:p>
+            <a:pPr lvl="1"/>
+            <a:r>
+              <a:rPr lang="en-US" dirty="0" err="1"/>
+              <a:t>Injectam</a:t>
+            </a:r>
+            <a:r>
+              <a:rPr lang="en-US" dirty="0"/>
+              <a:t> input </a:t>
+            </a:r>
+            <a:r>
+              <a:rPr lang="en-US" dirty="0" err="1"/>
+              <a:t>aleatório</a:t>
+            </a:r>
+            <a:r>
+              <a:rPr lang="en-US" dirty="0"/>
+              <a:t> </a:t>
+            </a:r>
+            <a:r>
+              <a:rPr lang="en-US" dirty="0" err="1"/>
+              <a:t>na</a:t>
+            </a:r>
+            <a:r>
+              <a:rPr lang="en-US" dirty="0"/>
+              <a:t> </a:t>
+            </a:r>
+            <a:r>
+              <a:rPr lang="en-US" dirty="0" err="1"/>
+              <a:t>aplicação</a:t>
+            </a:r>
+            <a:r>
+              <a:rPr lang="en-US" dirty="0"/>
+              <a:t>, e </a:t>
+            </a:r>
+            <a:r>
+              <a:rPr lang="en-US" dirty="0" err="1"/>
+              <a:t>vê</a:t>
+            </a:r>
+            <a:r>
+              <a:rPr lang="en-US" dirty="0"/>
+              <a:t> se a </a:t>
+            </a:r>
+            <a:r>
+              <a:rPr lang="en-US" dirty="0" err="1"/>
+              <a:t>aplicação</a:t>
+            </a:r>
+            <a:r>
+              <a:rPr lang="en-US" dirty="0"/>
+              <a:t> </a:t>
+            </a:r>
+            <a:r>
+              <a:rPr lang="en-US" dirty="0" err="1"/>
+              <a:t>crasha</a:t>
+            </a:r>
+            <a:r>
+              <a:rPr lang="en-US" dirty="0"/>
+              <a:t> (</a:t>
+            </a:r>
+            <a:r>
+              <a:rPr lang="en-US" dirty="0" err="1"/>
+              <a:t>ou</a:t>
+            </a:r>
+            <a:r>
+              <a:rPr lang="en-US" dirty="0"/>
+              <a:t> </a:t>
+            </a:r>
+            <a:r>
+              <a:rPr lang="en-US" dirty="0" err="1"/>
+              <a:t>ocorre</a:t>
+            </a:r>
+            <a:r>
+              <a:rPr lang="en-US" dirty="0"/>
+              <a:t> </a:t>
+            </a:r>
+            <a:r>
+              <a:rPr lang="en-US" dirty="0" err="1"/>
+              <a:t>outra</a:t>
+            </a:r>
+            <a:r>
+              <a:rPr lang="en-US" dirty="0"/>
+              <a:t> </a:t>
+            </a:r>
+            <a:r>
+              <a:rPr lang="en-US" dirty="0" err="1"/>
+              <a:t>violação</a:t>
+            </a:r>
+            <a:r>
+              <a:rPr lang="en-US" dirty="0"/>
+              <a:t> de </a:t>
+            </a:r>
+            <a:r>
+              <a:rPr lang="en-US" dirty="0" err="1"/>
+              <a:t>segurança</a:t>
+            </a:r>
+            <a:r>
+              <a:rPr lang="en-US" dirty="0"/>
+              <a:t>)</a:t>
+            </a:r>
+          </a:p>
+          <a:p>
+            <a:pPr lvl="3"/>
+            <a:endParaRPr lang="en-US" dirty="0"/>
+          </a:p>
+          <a:p>
+            <a:r>
+              <a:rPr lang="en-US" dirty="0" err="1"/>
+              <a:t>Hoje</a:t>
+            </a:r>
+            <a:r>
+              <a:rPr lang="en-US" dirty="0"/>
+              <a:t> o fuzzing </a:t>
+            </a:r>
+            <a:r>
+              <a:rPr lang="en-US" dirty="0" err="1"/>
+              <a:t>é</a:t>
+            </a:r>
+            <a:r>
+              <a:rPr lang="en-US" dirty="0"/>
+              <a:t> </a:t>
+            </a:r>
+            <a:r>
+              <a:rPr lang="en-US" dirty="0" err="1"/>
+              <a:t>muito</a:t>
+            </a:r>
+            <a:r>
+              <a:rPr lang="en-US" dirty="0"/>
+              <a:t> </a:t>
+            </a:r>
+            <a:r>
+              <a:rPr lang="en-US" dirty="0" err="1"/>
+              <a:t>usado</a:t>
+            </a:r>
+            <a:r>
+              <a:rPr lang="en-US" dirty="0"/>
+              <a:t> para testes de </a:t>
+            </a:r>
+            <a:r>
+              <a:rPr lang="en-US" dirty="0" err="1"/>
+              <a:t>segurança</a:t>
+            </a:r>
+            <a:endParaRPr lang="en-US" dirty="0"/>
+          </a:p>
+          <a:p>
+            <a:pPr lvl="1"/>
+            <a:r>
+              <a:rPr lang="en-US" sz="2000" dirty="0" err="1"/>
+              <a:t>Muitas</a:t>
+            </a:r>
+            <a:r>
               <a:rPr lang="en-US" sz="2000" dirty="0"/>
-              <a:t>simple </a:t>
+              <a:t> </a:t>
             </a:r>
             <a:r>
               <a:rPr lang="en-US" sz="2000" dirty="0" err="1"/>
-              <a:t>fuzzer</a:t>
+              <a:t>vulnerabilidades</a:t>
             </a:r>
             <a:r>
               <a:rPr lang="en-US" sz="2000" dirty="0"/>
-              <a:t> that tests environment variable usage</a:t>
-            </a:r>
-            <a:r>
-              <a:rPr lang="en-US" sz="1800" dirty="0"/>
-              <a:t> </a:t>
-            </a:r>
-            <a:r>
-              <a:rPr lang="en-US" sz="1600" dirty="0"/>
-              <a:t>(&lt;100locs)</a:t>
-            </a:r>
-          </a:p>
-          <a:p>
-            <a:r>
-              <a:rPr lang="en-US" dirty="0"/>
-              <a:t>Method of insertion</a:t>
-            </a:r>
-          </a:p>
-          <a:p>
-            <a:pPr lvl="1"/>
+              <a:t> </a:t>
+            </a:r>
+            <a:r>
+              <a:rPr lang="en-US" sz="2000" dirty="0" err="1"/>
+              <a:t>recentes</a:t>
+            </a:r>
             <a:r>
               <a:rPr lang="en-US" sz="2000" dirty="0"/>
-              <a:t>Creates a shared library that:</a:t>
-            </a:r>
-          </a:p>
-          <a:p>
-            <a:pPr lvl="1"/>
+              <a:t> </a:t>
+            </a:r>
+            <a:r>
+              <a:rPr lang="en-US" sz="2000" dirty="0" err="1"/>
+              <a:t>foram</a:t>
+            </a:r>
             <a:r>
               <a:rPr lang="en-US" sz="2000" dirty="0"/>
-              <a:t>is specified in LD_PRELOAD, thus always loaded</a:t>
-            </a:r>
-          </a:p>
-          <a:p>
-            <a:pPr lvl="1"/>
+              <a:t> </a:t>
+            </a:r>
+            <a:r>
+              <a:rPr lang="en-US" sz="2000" dirty="0" err="1"/>
+              <a:t>descobertas</a:t>
+            </a:r>
             <a:r>
               <a:rPr lang="en-US" sz="2000" dirty="0"/>
-              <a:t>redefines </a:t>
-            </a:r>
-            <a:r>
-              <a:rPr lang="en-US" sz="2000" i="1" dirty="0" err="1"/>
-              <a:t>getenv</a:t>
-            </a:r>
-            <a:r>
-              <a:rPr lang="en-US" sz="2000" i="1" dirty="0"/>
-              <a:t>()</a:t>
+              <a:t> </a:t>
+            </a:r>
+            <a:r>
+              <a:rPr lang="en-US" sz="2000" dirty="0" err="1"/>
+              <a:t>utilizando</a:t>
             </a:r>
             <a:r>
               <a:rPr lang="en-US" sz="2000" dirty="0"/>
-              <a:t>, overriding the original one,</a:t>
-            </a:r>
-            <a:r>
-              <a:rPr lang="en-US" sz="2000" i="1" dirty="0"/>
-              <a:t> </a:t>
-            </a:r>
-            <a:r>
-              <a:rPr lang="en-US" sz="2000" dirty="0"/>
-              <a:t>that always returns a long list of identical characters for any environment variable (except DISPLAY) – by default returns 11500 A’s</a:t>
-            </a:r>
-          </a:p>
-          <a:p>
-            <a:r>
-              <a:rPr lang="en-US" dirty="0"/>
-              <a:t>Detection </a:t>
-            </a:r>
-          </a:p>
-          <a:p>
-            <a:pPr lvl="1"/>
-            <a:r>
-              <a:rPr lang="en-US" sz="2000" dirty="0"/>
-              <a:t>If the application crashes it is vulnerable (no monitoring)</a:t>
-            </a:r>
+              <a:t> fuzzing</a:t>
+            </a:r>
+          </a:p>
+          <a:p>
+            <a:endParaRPr lang="pt-PT" dirty="0"/>
           </a:p>
           <a:p>
             <a:endParaRPr lang="en-US" dirty="0"/>
@@ -6840,7 +7706,7 @@
     </p:spTree>
     <p:extLst>
       <p:ext uri="{BB962C8B-B14F-4D97-AF65-F5344CB8AC3E}">
-        <p14:creationId xmlns:p14="http://schemas.microsoft.com/office/powerpoint/2010/main" val="1404595413"/>
+        <p14:creationId xmlns:p14="http://schemas.microsoft.com/office/powerpoint/2010/main" val="4206596873"/>
       </p:ext>
     </p:extLst>
   </p:cSld>
@@ -6872,7 +7738,7 @@
           <p:cNvPr id="2" name="Title 1">
             <a:extLst>
               <a:ext uri="{FF2B5EF4-FFF2-40B4-BE49-F238E27FC236}">
-                <a16:creationId xmlns:a16="http://schemas.microsoft.com/office/drawing/2014/main" id="{55BE337A-18F4-3F45-9FF1-E592D2FAE4F3}"/>
+                <a16:creationId xmlns:a16="http://schemas.microsoft.com/office/drawing/2014/main" id="{775B7DA9-EEB5-2541-8577-43CF74D566BB}"/>
               </a:ext>
             </a:extLst>
           </p:cNvPr>
@@ -6890,11 +7756,11 @@
           <a:p>
             <a:r>
               <a:rPr lang="en-US" dirty="0" err="1"/>
-              <a:t>Exemplo</a:t>
-            </a:r>
-            <a:r>
-              <a:rPr lang="en-US" dirty="0"/>
-              <a:t> de </a:t>
+              <a:t>Elementos</a:t>
+            </a:r>
+            <a:r>
+              <a:rPr lang="en-US" dirty="0"/>
+              <a:t> para </a:t>
             </a:r>
             <a:r>
               <a:rPr lang="en-US" dirty="0" err="1"/>
@@ -6912,7 +7778,7 @@
           <p:cNvPr id="3" name="Date Placeholder 2">
             <a:extLst>
               <a:ext uri="{FF2B5EF4-FFF2-40B4-BE49-F238E27FC236}">
-                <a16:creationId xmlns:a16="http://schemas.microsoft.com/office/drawing/2014/main" id="{CB2AC079-CDCE-EA4A-8BE9-628F1F7367BA}"/>
+                <a16:creationId xmlns:a16="http://schemas.microsoft.com/office/drawing/2014/main" id="{8E2AED83-EF32-0B45-A1B0-99F5625908B7}"/>
               </a:ext>
             </a:extLst>
           </p:cNvPr>
@@ -6941,7 +7807,7 @@
           <p:cNvPr id="4" name="Footer Placeholder 3">
             <a:extLst>
               <a:ext uri="{FF2B5EF4-FFF2-40B4-BE49-F238E27FC236}">
-                <a16:creationId xmlns:a16="http://schemas.microsoft.com/office/drawing/2014/main" id="{C53B201D-C05B-0F40-83DC-A64A23CFA187}"/>
+                <a16:creationId xmlns:a16="http://schemas.microsoft.com/office/drawing/2014/main" id="{0016700E-C622-2944-ABE7-B6C93701E694}"/>
               </a:ext>
             </a:extLst>
           </p:cNvPr>
@@ -6970,7 +7836,7 @@
           <p:cNvPr id="5" name="Slide Number Placeholder 4">
             <a:extLst>
               <a:ext uri="{FF2B5EF4-FFF2-40B4-BE49-F238E27FC236}">
-                <a16:creationId xmlns:a16="http://schemas.microsoft.com/office/drawing/2014/main" id="{DC30457E-36C1-C34C-BC18-CDF3E354FAFA}"/>
+                <a16:creationId xmlns:a16="http://schemas.microsoft.com/office/drawing/2014/main" id="{96AEA59A-4C2F-0640-AE13-718A3E0DFE27}"/>
               </a:ext>
             </a:extLst>
           </p:cNvPr>
@@ -6999,7 +7865,7 @@
           <p:cNvPr id="6" name="Content Placeholder 5">
             <a:extLst>
               <a:ext uri="{FF2B5EF4-FFF2-40B4-BE49-F238E27FC236}">
-                <a16:creationId xmlns:a16="http://schemas.microsoft.com/office/drawing/2014/main" id="{5F4428D1-4E26-AE43-97F1-298B5C9B55E2}"/>
+                <a16:creationId xmlns:a16="http://schemas.microsoft.com/office/drawing/2014/main" id="{5F301BE7-0F98-DE44-BE15-0C9C5C9F5625}"/>
               </a:ext>
             </a:extLst>
           </p:cNvPr>
@@ -7015,199 +7881,396 @@
           <a:bodyPr/>
           <a:lstStyle/>
           <a:p>
-            <a:r>
-              <a:rPr lang="en-US" sz="2400" dirty="0"/>
-              <a:t>To test for SQL injection</a:t>
-            </a:r>
+            <a:pPr>
+              <a:lnSpc>
+                <a:spcPct val="90000"/>
+              </a:lnSpc>
+            </a:pPr>
+            <a:r>
+              <a:rPr lang="en-US" sz="2000" dirty="0" err="1"/>
+              <a:t>Pensar</a:t>
+            </a:r>
+            <a:r>
+              <a:rPr lang="en-US" sz="2000" dirty="0"/>
+              <a:t> </a:t>
+            </a:r>
+            <a:r>
+              <a:rPr lang="en-US" sz="2000" dirty="0" err="1"/>
+              <a:t>em</a:t>
+            </a:r>
+            <a:r>
+              <a:rPr lang="en-US" sz="2000" dirty="0"/>
+              <a:t> </a:t>
+            </a:r>
+            <a:r>
+              <a:rPr lang="en-US" sz="2000" dirty="0" err="1"/>
+              <a:t>ataques</a:t>
+            </a:r>
+            <a:r>
+              <a:rPr lang="en-US" sz="2000" dirty="0"/>
+              <a:t> </a:t>
+            </a:r>
+            <a:r>
+              <a:rPr lang="en-US" sz="2000" dirty="0" err="1"/>
+              <a:t>conhecidos</a:t>
+            </a:r>
+            <a:r>
+              <a:rPr lang="en-US" sz="2000" dirty="0"/>
+              <a:t>: BOs, SQL inj., XSS,…</a:t>
+            </a:r>
+          </a:p>
+          <a:p>
+            <a:pPr>
+              <a:lnSpc>
+                <a:spcPct val="90000"/>
+              </a:lnSpc>
+            </a:pPr>
+            <a:r>
+              <a:rPr lang="en-US" sz="2000" dirty="0" err="1"/>
+              <a:t>Metacaracters</a:t>
+            </a:r>
+            <a:endParaRPr lang="en-US" sz="2000" dirty="0"/>
           </a:p>
           <a:p>
             <a:pPr lvl="1">
-              <a:buFont typeface="Wingdings" pitchFamily="2" charset="2"/>
-              <a:buNone/>
+              <a:lnSpc>
+                <a:spcPct val="90000"/>
+              </a:lnSpc>
             </a:pPr>
             <a:r>
-              <a:rPr lang="pt-PT" sz="1800" dirty="0"/>
-              <a:t>’ </a:t>
-            </a:r>
-            <a:r>
-              <a:rPr lang="pt-PT" sz="1800" dirty="0" err="1"/>
-              <a:t>or</a:t>
-            </a:r>
-            <a:r>
-              <a:rPr lang="pt-PT" sz="1800" dirty="0"/>
-              <a:t> 1=1--</a:t>
+              <a:rPr lang="en-US" sz="1600" dirty="0">
+                <a:solidFill>
+                  <a:srgbClr val="163CFF"/>
+                </a:solidFill>
+              </a:rPr>
+              <a:t>HTML  &lt;  &gt;</a:t>
             </a:r>
           </a:p>
           <a:p>
             <a:pPr lvl="1">
-              <a:buFont typeface="Wingdings" pitchFamily="2" charset="2"/>
-              <a:buNone/>
+              <a:lnSpc>
+                <a:spcPct val="90000"/>
+              </a:lnSpc>
             </a:pPr>
             <a:r>
-              <a:rPr lang="pt-PT" sz="1800" dirty="0"/>
-              <a:t>" </a:t>
-            </a:r>
-            <a:r>
-              <a:rPr lang="pt-PT" sz="1800" dirty="0" err="1"/>
-              <a:t>or</a:t>
-            </a:r>
-            <a:r>
-              <a:rPr lang="pt-PT" sz="1800" dirty="0"/>
-              <a:t> 1=1--</a:t>
+              <a:rPr lang="en-US" sz="1600" dirty="0">
+                <a:solidFill>
+                  <a:srgbClr val="163CFF"/>
+                </a:solidFill>
+              </a:rPr>
+              <a:t>SQL  -  ;  ’  ”</a:t>
             </a:r>
           </a:p>
           <a:p>
             <a:pPr lvl="1">
-              <a:buFont typeface="Wingdings" pitchFamily="2" charset="2"/>
-              <a:buNone/>
+              <a:lnSpc>
+                <a:spcPct val="90000"/>
+              </a:lnSpc>
             </a:pPr>
             <a:r>
-              <a:rPr lang="pt-PT" sz="1800" dirty="0"/>
-              <a:t>’ </a:t>
-            </a:r>
-            <a:r>
-              <a:rPr lang="pt-PT" sz="1800" dirty="0" err="1"/>
-              <a:t>or</a:t>
-            </a:r>
-            <a:r>
-              <a:rPr lang="pt-PT" sz="1800" dirty="0"/>
-              <a:t> 1=1 /*</a:t>
+              <a:rPr lang="en-US" sz="1600" dirty="0">
+                <a:solidFill>
+                  <a:srgbClr val="163CFF"/>
+                </a:solidFill>
+              </a:rPr>
+              <a:t>OS  .  /  %00  *  |  ‘  ’</a:t>
             </a:r>
           </a:p>
           <a:p>
             <a:pPr lvl="1">
-              <a:buFont typeface="Wingdings" pitchFamily="2" charset="2"/>
-              <a:buNone/>
+              <a:lnSpc>
+                <a:spcPct val="90000"/>
+              </a:lnSpc>
             </a:pPr>
             <a:r>
-              <a:rPr lang="pt-PT" sz="1800" dirty="0" err="1"/>
-              <a:t>or</a:t>
-            </a:r>
-            <a:r>
-              <a:rPr lang="pt-PT" sz="1800" dirty="0"/>
-              <a:t> 1=1--</a:t>
+              <a:rPr lang="en-US" sz="1600" dirty="0">
+                <a:solidFill>
+                  <a:srgbClr val="163CFF"/>
+                </a:solidFill>
+              </a:rPr>
+              <a:t>Web server  ../   %00</a:t>
             </a:r>
           </a:p>
           <a:p>
             <a:pPr lvl="1">
-              <a:buFont typeface="Wingdings" pitchFamily="2" charset="2"/>
-              <a:buNone/>
+              <a:lnSpc>
+                <a:spcPct val="90000"/>
+              </a:lnSpc>
             </a:pPr>
             <a:r>
-              <a:rPr lang="pt-PT" sz="1800" dirty="0"/>
-              <a:t>’ </a:t>
-            </a:r>
-            <a:r>
-              <a:rPr lang="pt-PT" sz="1800" dirty="0" err="1"/>
-              <a:t>or</a:t>
-            </a:r>
-            <a:r>
-              <a:rPr lang="pt-PT" sz="1800" dirty="0"/>
-              <a:t> ’a’=’a</a:t>
-            </a:r>
+              <a:rPr lang="en-US" sz="1600" dirty="0">
+                <a:solidFill>
+                  <a:srgbClr val="163CFF"/>
+                </a:solidFill>
+              </a:rPr>
+              <a:t>C / C++  %00</a:t>
+            </a:r>
+          </a:p>
+          <a:p>
+            <a:pPr>
+              <a:lnSpc>
+                <a:spcPct val="90000"/>
+              </a:lnSpc>
+            </a:pPr>
+            <a:r>
+              <a:rPr lang="en-US" sz="2000" dirty="0" err="1"/>
+              <a:t>Exemplos</a:t>
+            </a:r>
+            <a:endParaRPr lang="en-US" sz="2000" dirty="0"/>
           </a:p>
           <a:p>
             <a:pPr lvl="1">
-              <a:buFont typeface="Wingdings" pitchFamily="2" charset="2"/>
-              <a:buNone/>
+              <a:lnSpc>
+                <a:spcPct val="90000"/>
+              </a:lnSpc>
             </a:pPr>
             <a:r>
-              <a:rPr lang="pt-PT" sz="1800" dirty="0"/>
-              <a:t>" </a:t>
-            </a:r>
-            <a:r>
-              <a:rPr lang="pt-PT" sz="1800" dirty="0" err="1"/>
-              <a:t>or</a:t>
-            </a:r>
-            <a:r>
-              <a:rPr lang="pt-PT" sz="1800" dirty="0"/>
-              <a:t> "a"="a</a:t>
+              <a:rPr lang="en-US" sz="1600" dirty="0">
+                <a:solidFill>
+                  <a:srgbClr val="163CFF"/>
+                </a:solidFill>
+              </a:rPr>
+              <a:t>String longa: 10K A’s </a:t>
             </a:r>
           </a:p>
           <a:p>
             <a:pPr lvl="1">
-              <a:buFont typeface="Wingdings" pitchFamily="2" charset="2"/>
-              <a:buNone/>
+              <a:lnSpc>
+                <a:spcPct val="90000"/>
+              </a:lnSpc>
             </a:pPr>
             <a:r>
-              <a:rPr lang="pt-PT" sz="1800" dirty="0"/>
-              <a:t>’) </a:t>
-            </a:r>
-            <a:r>
-              <a:rPr lang="pt-PT" sz="1800" dirty="0" err="1"/>
-              <a:t>or</a:t>
-            </a:r>
-            <a:r>
-              <a:rPr lang="pt-PT" sz="1800" dirty="0"/>
-              <a:t> (’a’=’a</a:t>
+              <a:rPr lang="en-US" sz="1600" dirty="0">
+                <a:solidFill>
+                  <a:srgbClr val="163CFF"/>
+                </a:solidFill>
+              </a:rPr>
+              <a:t>String </a:t>
+            </a:r>
+            <a:r>
+              <a:rPr lang="en-US" sz="1600" dirty="0" err="1">
+                <a:solidFill>
+                  <a:srgbClr val="163CFF"/>
+                </a:solidFill>
+              </a:rPr>
+              <a:t>muito</a:t>
+            </a:r>
+            <a:r>
+              <a:rPr lang="en-US" sz="1600" dirty="0">
+                <a:solidFill>
+                  <a:srgbClr val="163CFF"/>
+                </a:solidFill>
+              </a:rPr>
+              <a:t> longa: 100K A’s</a:t>
             </a:r>
           </a:p>
           <a:p>
             <a:pPr lvl="1">
-              <a:buFont typeface="Wingdings" pitchFamily="2" charset="2"/>
-              <a:buNone/>
+              <a:lnSpc>
+                <a:spcPct val="90000"/>
+              </a:lnSpc>
             </a:pPr>
             <a:r>
-              <a:rPr lang="pt-PT" sz="1800" dirty="0" err="1"/>
-              <a:t>Admin</a:t>
-            </a:r>
-            <a:r>
-              <a:rPr lang="pt-PT" sz="1800" dirty="0"/>
-              <a:t>’ OR ’</a:t>
+              <a:rPr lang="en-US" sz="1600" dirty="0">
+                <a:solidFill>
+                  <a:srgbClr val="163CFF"/>
+                </a:solidFill>
+              </a:rPr>
+              <a:t>Format strings %</a:t>
+            </a:r>
+            <a:r>
+              <a:rPr lang="en-US" sz="1600" dirty="0" err="1">
+                <a:solidFill>
+                  <a:srgbClr val="163CFF"/>
+                </a:solidFill>
+              </a:rPr>
+              <a:t>n%n%n</a:t>
+            </a:r>
+            <a:r>
+              <a:rPr lang="en-US" sz="1600" dirty="0">
+                <a:solidFill>
+                  <a:srgbClr val="163CFF"/>
+                </a:solidFill>
+              </a:rPr>
+              <a:t>…</a:t>
             </a:r>
           </a:p>
           <a:p>
             <a:pPr lvl="1">
-              <a:buFont typeface="Wingdings" pitchFamily="2" charset="2"/>
-              <a:buNone/>
+              <a:lnSpc>
+                <a:spcPct val="90000"/>
+              </a:lnSpc>
             </a:pPr>
             <a:r>
-              <a:rPr lang="en-US" sz="1800" dirty="0"/>
-              <a:t>’ or 1 in (select @@version)--</a:t>
-            </a:r>
+              <a:rPr lang="en-US" sz="1600" dirty="0" err="1">
+                <a:solidFill>
+                  <a:srgbClr val="163CFF"/>
+                </a:solidFill>
+              </a:rPr>
+              <a:t>Caminhos</a:t>
+            </a:r>
+            <a:r>
+              <a:rPr lang="en-US" sz="1600" dirty="0">
+                <a:solidFill>
+                  <a:srgbClr val="163CFF"/>
+                </a:solidFill>
+              </a:rPr>
+              <a:t> ../../../../../../../../../../../../</a:t>
+            </a:r>
+            <a:r>
+              <a:rPr lang="en-US" sz="1600" dirty="0" err="1">
+                <a:solidFill>
+                  <a:srgbClr val="163CFF"/>
+                </a:solidFill>
+              </a:rPr>
+              <a:t>etc</a:t>
+            </a:r>
+            <a:r>
+              <a:rPr lang="en-US" sz="1600" dirty="0">
+                <a:solidFill>
+                  <a:srgbClr val="163CFF"/>
+                </a:solidFill>
+              </a:rPr>
+              <a:t>/</a:t>
+            </a:r>
+            <a:r>
+              <a:rPr lang="en-US" sz="1600" dirty="0" err="1">
+                <a:solidFill>
+                  <a:srgbClr val="163CFF"/>
+                </a:solidFill>
+              </a:rPr>
+              <a:t>passwd</a:t>
+            </a:r>
+            <a:endParaRPr lang="en-US" sz="1600" dirty="0">
+              <a:solidFill>
+                <a:srgbClr val="163CFF"/>
+              </a:solidFill>
+            </a:endParaRPr>
           </a:p>
           <a:p>
             <a:pPr lvl="1">
-              <a:buFont typeface="Wingdings" pitchFamily="2" charset="2"/>
-              <a:buNone/>
+              <a:lnSpc>
+                <a:spcPct val="90000"/>
+              </a:lnSpc>
             </a:pPr>
             <a:r>
-              <a:rPr lang="pt-PT" sz="1800" dirty="0"/>
-              <a:t>’ </a:t>
-            </a:r>
-            <a:r>
-              <a:rPr lang="pt-PT" sz="1800" dirty="0" err="1"/>
-              <a:t>union</a:t>
-            </a:r>
-            <a:r>
-              <a:rPr lang="pt-PT" sz="1800" dirty="0"/>
-              <a:t> </a:t>
-            </a:r>
-            <a:r>
-              <a:rPr lang="pt-PT" sz="1800" dirty="0" err="1"/>
-              <a:t>all</a:t>
-            </a:r>
-            <a:r>
-              <a:rPr lang="pt-PT" sz="1800" dirty="0"/>
-              <a:t> </a:t>
-            </a:r>
-            <a:r>
-              <a:rPr lang="pt-PT" sz="1800" dirty="0" err="1"/>
-              <a:t>select</a:t>
-            </a:r>
-            <a:r>
-              <a:rPr lang="pt-PT" sz="1800" dirty="0"/>
-              <a:t> @@</a:t>
-            </a:r>
-            <a:r>
-              <a:rPr lang="pt-PT" sz="1800" dirty="0" err="1"/>
-              <a:t>version</a:t>
-            </a:r>
-            <a:r>
-              <a:rPr lang="pt-PT" sz="1800" dirty="0"/>
-              <a:t>--</a:t>
-            </a:r>
-            <a:endParaRPr lang="en-US" sz="1800" dirty="0"/>
+              <a:rPr lang="en-US" sz="1600" dirty="0" err="1">
+                <a:solidFill>
+                  <a:srgbClr val="163CFF"/>
+                </a:solidFill>
+              </a:rPr>
+              <a:t>Caminhos</a:t>
+            </a:r>
+            <a:r>
+              <a:rPr lang="en-US" sz="1600" dirty="0">
+                <a:solidFill>
+                  <a:srgbClr val="163CFF"/>
+                </a:solidFill>
+              </a:rPr>
+              <a:t> ../../../../../../../../../../../../</a:t>
+            </a:r>
+            <a:r>
+              <a:rPr lang="en-US" sz="1600" dirty="0" err="1">
+                <a:solidFill>
+                  <a:srgbClr val="163CFF"/>
+                </a:solidFill>
+              </a:rPr>
+              <a:t>etc</a:t>
+            </a:r>
+            <a:r>
+              <a:rPr lang="en-US" sz="1600" dirty="0">
+                <a:solidFill>
+                  <a:srgbClr val="163CFF"/>
+                </a:solidFill>
+              </a:rPr>
+              <a:t>/passwd%00</a:t>
+            </a:r>
+          </a:p>
+          <a:p>
+            <a:pPr lvl="1">
+              <a:lnSpc>
+                <a:spcPct val="90000"/>
+              </a:lnSpc>
+            </a:pPr>
+            <a:r>
+              <a:rPr lang="en-US" sz="1600" dirty="0" err="1">
+                <a:solidFill>
+                  <a:srgbClr val="163CFF"/>
+                </a:solidFill>
+              </a:rPr>
+              <a:t>Caracteres</a:t>
+            </a:r>
+            <a:r>
+              <a:rPr lang="en-US" sz="1600" dirty="0">
+                <a:solidFill>
+                  <a:srgbClr val="163CFF"/>
+                </a:solidFill>
+              </a:rPr>
+              <a:t> </a:t>
+            </a:r>
+            <a:r>
+              <a:rPr lang="en-US" sz="1600" dirty="0" err="1">
+                <a:solidFill>
+                  <a:srgbClr val="163CFF"/>
+                </a:solidFill>
+              </a:rPr>
+              <a:t>invulgares</a:t>
+            </a:r>
+            <a:r>
+              <a:rPr lang="en-US" sz="1600" dirty="0">
+                <a:solidFill>
+                  <a:srgbClr val="163CFF"/>
+                </a:solidFill>
+              </a:rPr>
+              <a:t>: </a:t>
+            </a:r>
+            <a:r>
+              <a:rPr lang="en-US" sz="1600" dirty="0" err="1">
+                <a:solidFill>
+                  <a:srgbClr val="163CFF"/>
+                </a:solidFill>
+              </a:rPr>
+              <a:t>metacaracters</a:t>
+            </a:r>
+            <a:r>
+              <a:rPr lang="en-US" sz="1600" dirty="0">
+                <a:solidFill>
+                  <a:srgbClr val="163CFF"/>
+                </a:solidFill>
+              </a:rPr>
+              <a:t> e outros</a:t>
+            </a:r>
+          </a:p>
+          <a:p>
+            <a:pPr lvl="1">
+              <a:lnSpc>
+                <a:spcPct val="90000"/>
+              </a:lnSpc>
+            </a:pPr>
+            <a:r>
+              <a:rPr lang="en-US" sz="1600" dirty="0">
+                <a:solidFill>
+                  <a:srgbClr val="163CFF"/>
+                </a:solidFill>
+              </a:rPr>
+              <a:t>XSS  &lt;script&gt;alert(</a:t>
+            </a:r>
+            <a:r>
+              <a:rPr lang="en-US" sz="1600" dirty="0" err="1">
+                <a:solidFill>
+                  <a:srgbClr val="163CFF"/>
+                </a:solidFill>
+              </a:rPr>
+              <a:t>document.location</a:t>
+            </a:r>
+            <a:r>
+              <a:rPr lang="en-US" sz="1600" dirty="0">
+                <a:solidFill>
+                  <a:srgbClr val="163CFF"/>
+                </a:solidFill>
+              </a:rPr>
+              <a:t>);&lt;/script&gt;</a:t>
+            </a:r>
           </a:p>
           <a:p>
             <a:endParaRPr lang="en-US" dirty="0"/>
@@ -7217,7 +8280,7 @@
     </p:spTree>
     <p:extLst>
       <p:ext uri="{BB962C8B-B14F-4D97-AF65-F5344CB8AC3E}">
-        <p14:creationId xmlns:p14="http://schemas.microsoft.com/office/powerpoint/2010/main" val="2922725707"/>
+        <p14:creationId xmlns:p14="http://schemas.microsoft.com/office/powerpoint/2010/main" val="1513082448"/>
       </p:ext>
     </p:extLst>
   </p:cSld>
@@ -7249,7 +8312,7 @@
           <p:cNvPr id="2" name="Title 1">
             <a:extLst>
               <a:ext uri="{FF2B5EF4-FFF2-40B4-BE49-F238E27FC236}">
-                <a16:creationId xmlns:a16="http://schemas.microsoft.com/office/drawing/2014/main" id="{775B7DA9-EEB5-2541-8577-43CF74D566BB}"/>
+                <a16:creationId xmlns:a16="http://schemas.microsoft.com/office/drawing/2014/main" id="{55BE337A-18F4-3F45-9FF1-E592D2FAE4F3}"/>
               </a:ext>
             </a:extLst>
           </p:cNvPr>
@@ -7267,11 +8330,11 @@
           <a:p>
             <a:r>
               <a:rPr lang="en-US" dirty="0" err="1"/>
-              <a:t>Elementos</a:t>
-            </a:r>
-            <a:r>
-              <a:rPr lang="en-US" dirty="0"/>
-              <a:t> para </a:t>
+              <a:t>Exemplo</a:t>
+            </a:r>
+            <a:r>
+              <a:rPr lang="en-US" dirty="0"/>
+              <a:t> de </a:t>
             </a:r>
             <a:r>
               <a:rPr lang="en-US" dirty="0" err="1"/>
@@ -7289,7 +8352,7 @@
           <p:cNvPr id="3" name="Date Placeholder 2">
             <a:extLst>
               <a:ext uri="{FF2B5EF4-FFF2-40B4-BE49-F238E27FC236}">
-                <a16:creationId xmlns:a16="http://schemas.microsoft.com/office/drawing/2014/main" id="{8E2AED83-EF32-0B45-A1B0-99F5625908B7}"/>
+                <a16:creationId xmlns:a16="http://schemas.microsoft.com/office/drawing/2014/main" id="{CB2AC079-CDCE-EA4A-8BE9-628F1F7367BA}"/>
               </a:ext>
             </a:extLst>
           </p:cNvPr>
@@ -7318,7 +8381,7 @@
           <p:cNvPr id="4" name="Footer Placeholder 3">
             <a:extLst>
               <a:ext uri="{FF2B5EF4-FFF2-40B4-BE49-F238E27FC236}">
-                <a16:creationId xmlns:a16="http://schemas.microsoft.com/office/drawing/2014/main" id="{0016700E-C622-2944-ABE7-B6C93701E694}"/>
+                <a16:creationId xmlns:a16="http://schemas.microsoft.com/office/drawing/2014/main" id="{C53B201D-C05B-0F40-83DC-A64A23CFA187}"/>
               </a:ext>
             </a:extLst>
           </p:cNvPr>
@@ -7347,7 +8410,7 @@
           <p:cNvPr id="5" name="Slide Number Placeholder 4">
             <a:extLst>
               <a:ext uri="{FF2B5EF4-FFF2-40B4-BE49-F238E27FC236}">
-                <a16:creationId xmlns:a16="http://schemas.microsoft.com/office/drawing/2014/main" id="{96AEA59A-4C2F-0640-AE13-718A3E0DFE27}"/>
+                <a16:creationId xmlns:a16="http://schemas.microsoft.com/office/drawing/2014/main" id="{DC30457E-36C1-C34C-BC18-CDF3E354FAFA}"/>
               </a:ext>
             </a:extLst>
           </p:cNvPr>
@@ -7376,7 +8439,7 @@
           <p:cNvPr id="6" name="Content Placeholder 5">
             <a:extLst>
               <a:ext uri="{FF2B5EF4-FFF2-40B4-BE49-F238E27FC236}">
-                <a16:creationId xmlns:a16="http://schemas.microsoft.com/office/drawing/2014/main" id="{5F301BE7-0F98-DE44-BE15-0C9C5C9F5625}"/>
+                <a16:creationId xmlns:a16="http://schemas.microsoft.com/office/drawing/2014/main" id="{5F4428D1-4E26-AE43-97F1-298B5C9B55E2}"/>
               </a:ext>
             </a:extLst>
           </p:cNvPr>
@@ -7389,209 +8452,415 @@
         </p:nvSpPr>
         <p:spPr/>
         <p:txBody>
-          <a:bodyPr/>
-          <a:lstStyle/>
-          <a:p>
-            <a:pPr>
-              <a:lnSpc>
-                <a:spcPct val="90000"/>
-              </a:lnSpc>
+          <a:bodyPr>
+            <a:normAutofit/>
+          </a:bodyPr>
+          <a:lstStyle/>
+          <a:p>
+            <a:r>
+              <a:rPr lang="en-US" sz="2400" dirty="0"/>
+              <a:t>Para </a:t>
+            </a:r>
+            <a:r>
+              <a:rPr lang="en-US" sz="2400" dirty="0" err="1"/>
+              <a:t>testar</a:t>
+            </a:r>
+            <a:r>
+              <a:rPr lang="en-US" sz="2400" dirty="0"/>
+              <a:t> </a:t>
+            </a:r>
+            <a:r>
+              <a:rPr lang="en-US" sz="2400" dirty="0" err="1"/>
+              <a:t>vulnerabilidades</a:t>
+            </a:r>
+            <a:r>
+              <a:rPr lang="en-US" sz="2400" dirty="0"/>
+              <a:t> de SQL injection</a:t>
+            </a:r>
+          </a:p>
+          <a:p>
+            <a:pPr lvl="1">
+              <a:buFont typeface="Wingdings" pitchFamily="2" charset="2"/>
+              <a:buNone/>
             </a:pPr>
-            <a:r>
-              <a:rPr lang="en-US" sz="2000" dirty="0"/>
-              <a:t>Think about known attacks: BOs, SQL inj., XSS,…</a:t>
-            </a:r>
-          </a:p>
-          <a:p>
-            <a:pPr>
-              <a:lnSpc>
-                <a:spcPct val="90000"/>
-              </a:lnSpc>
+            <a:endParaRPr lang="pt-PT" sz="1800" dirty="0"/>
+          </a:p>
+          <a:p>
+            <a:pPr lvl="2">
+              <a:buNone/>
             </a:pPr>
             <a:r>
-              <a:rPr lang="en-US" sz="2000" dirty="0"/>
-              <a:t>Metacharacters</a:t>
-            </a:r>
-          </a:p>
-          <a:p>
-            <a:pPr lvl="1">
-              <a:lnSpc>
-                <a:spcPct val="90000"/>
-              </a:lnSpc>
+              <a:rPr lang="pt-PT" dirty="0">
+                <a:solidFill>
+                  <a:srgbClr val="163CFF"/>
+                </a:solidFill>
+                <a:latin typeface="Consolas" panose="020B0609020204030204" pitchFamily="49" charset="0"/>
+                <a:cs typeface="Consolas" panose="020B0609020204030204" pitchFamily="49" charset="0"/>
+              </a:rPr>
+              <a:t>’ </a:t>
+            </a:r>
+            <a:r>
+              <a:rPr lang="pt-PT" dirty="0" err="1">
+                <a:solidFill>
+                  <a:srgbClr val="163CFF"/>
+                </a:solidFill>
+                <a:latin typeface="Consolas" panose="020B0609020204030204" pitchFamily="49" charset="0"/>
+                <a:cs typeface="Consolas" panose="020B0609020204030204" pitchFamily="49" charset="0"/>
+              </a:rPr>
+              <a:t>or</a:t>
+            </a:r>
+            <a:r>
+              <a:rPr lang="pt-PT" dirty="0">
+                <a:solidFill>
+                  <a:srgbClr val="163CFF"/>
+                </a:solidFill>
+                <a:latin typeface="Consolas" panose="020B0609020204030204" pitchFamily="49" charset="0"/>
+                <a:cs typeface="Consolas" panose="020B0609020204030204" pitchFamily="49" charset="0"/>
+              </a:rPr>
+              <a:t> 1=1--</a:t>
+            </a:r>
+          </a:p>
+          <a:p>
+            <a:pPr lvl="2">
+              <a:buNone/>
             </a:pPr>
             <a:r>
-              <a:rPr lang="en-US" sz="1600" dirty="0"/>
-              <a:t>HTML  &lt;  &gt;</a:t>
-            </a:r>
-          </a:p>
-          <a:p>
-            <a:pPr lvl="1">
-              <a:lnSpc>
-                <a:spcPct val="90000"/>
-              </a:lnSpc>
+              <a:rPr lang="pt-PT" dirty="0">
+                <a:solidFill>
+                  <a:srgbClr val="163CFF"/>
+                </a:solidFill>
+                <a:latin typeface="Consolas" panose="020B0609020204030204" pitchFamily="49" charset="0"/>
+                <a:cs typeface="Consolas" panose="020B0609020204030204" pitchFamily="49" charset="0"/>
+              </a:rPr>
+              <a:t>" </a:t>
+            </a:r>
+            <a:r>
+              <a:rPr lang="pt-PT" dirty="0" err="1">
+                <a:solidFill>
+                  <a:srgbClr val="163CFF"/>
+                </a:solidFill>
+                <a:latin typeface="Consolas" panose="020B0609020204030204" pitchFamily="49" charset="0"/>
+                <a:cs typeface="Consolas" panose="020B0609020204030204" pitchFamily="49" charset="0"/>
+              </a:rPr>
+              <a:t>or</a:t>
+            </a:r>
+            <a:r>
+              <a:rPr lang="pt-PT" dirty="0">
+                <a:solidFill>
+                  <a:srgbClr val="163CFF"/>
+                </a:solidFill>
+                <a:latin typeface="Consolas" panose="020B0609020204030204" pitchFamily="49" charset="0"/>
+                <a:cs typeface="Consolas" panose="020B0609020204030204" pitchFamily="49" charset="0"/>
+              </a:rPr>
+              <a:t> 1=1--</a:t>
+            </a:r>
+          </a:p>
+          <a:p>
+            <a:pPr lvl="2">
+              <a:buNone/>
             </a:pPr>
             <a:r>
-              <a:rPr lang="en-US" sz="1600" dirty="0"/>
-              <a:t>SQL  -  ;  ’  ”</a:t>
-            </a:r>
-          </a:p>
-          <a:p>
-            <a:pPr lvl="1">
-              <a:lnSpc>
-                <a:spcPct val="90000"/>
-              </a:lnSpc>
+              <a:rPr lang="pt-PT" dirty="0">
+                <a:solidFill>
+                  <a:srgbClr val="163CFF"/>
+                </a:solidFill>
+                <a:latin typeface="Consolas" panose="020B0609020204030204" pitchFamily="49" charset="0"/>
+                <a:cs typeface="Consolas" panose="020B0609020204030204" pitchFamily="49" charset="0"/>
+              </a:rPr>
+              <a:t>’ </a:t>
+            </a:r>
+            <a:r>
+              <a:rPr lang="pt-PT" dirty="0" err="1">
+                <a:solidFill>
+                  <a:srgbClr val="163CFF"/>
+                </a:solidFill>
+                <a:latin typeface="Consolas" panose="020B0609020204030204" pitchFamily="49" charset="0"/>
+                <a:cs typeface="Consolas" panose="020B0609020204030204" pitchFamily="49" charset="0"/>
+              </a:rPr>
+              <a:t>or</a:t>
+            </a:r>
+            <a:r>
+              <a:rPr lang="pt-PT" dirty="0">
+                <a:solidFill>
+                  <a:srgbClr val="163CFF"/>
+                </a:solidFill>
+                <a:latin typeface="Consolas" panose="020B0609020204030204" pitchFamily="49" charset="0"/>
+                <a:cs typeface="Consolas" panose="020B0609020204030204" pitchFamily="49" charset="0"/>
+              </a:rPr>
+              <a:t> 1=1 /*</a:t>
+            </a:r>
+          </a:p>
+          <a:p>
+            <a:pPr lvl="2">
+              <a:buNone/>
             </a:pPr>
             <a:r>
-              <a:rPr lang="en-US" sz="1600" dirty="0"/>
-              <a:t>OS  .  /  %00  *  |  ‘  ’</a:t>
-            </a:r>
-          </a:p>
-          <a:p>
-            <a:pPr lvl="1">
-              <a:lnSpc>
-                <a:spcPct val="90000"/>
-              </a:lnSpc>
+              <a:rPr lang="pt-PT" dirty="0" err="1">
+                <a:solidFill>
+                  <a:srgbClr val="163CFF"/>
+                </a:solidFill>
+                <a:latin typeface="Consolas" panose="020B0609020204030204" pitchFamily="49" charset="0"/>
+                <a:cs typeface="Consolas" panose="020B0609020204030204" pitchFamily="49" charset="0"/>
+              </a:rPr>
+              <a:t>or</a:t>
+            </a:r>
+            <a:r>
+              <a:rPr lang="pt-PT" dirty="0">
+                <a:solidFill>
+                  <a:srgbClr val="163CFF"/>
+                </a:solidFill>
+                <a:latin typeface="Consolas" panose="020B0609020204030204" pitchFamily="49" charset="0"/>
+                <a:cs typeface="Consolas" panose="020B0609020204030204" pitchFamily="49" charset="0"/>
+              </a:rPr>
+              <a:t> 1=1--</a:t>
+            </a:r>
+          </a:p>
+          <a:p>
+            <a:pPr lvl="2">
+              <a:buNone/>
             </a:pPr>
             <a:r>
-              <a:rPr lang="en-US" sz="1600" dirty="0"/>
-              <a:t>Web server  ../   %00</a:t>
-            </a:r>
-          </a:p>
-          <a:p>
-            <a:pPr lvl="1">
-              <a:lnSpc>
-                <a:spcPct val="90000"/>
-              </a:lnSpc>
+              <a:rPr lang="pt-PT" dirty="0">
+                <a:solidFill>
+                  <a:srgbClr val="163CFF"/>
+                </a:solidFill>
+                <a:latin typeface="Consolas" panose="020B0609020204030204" pitchFamily="49" charset="0"/>
+                <a:cs typeface="Consolas" panose="020B0609020204030204" pitchFamily="49" charset="0"/>
+              </a:rPr>
+              <a:t>’ </a:t>
+            </a:r>
+            <a:r>
+              <a:rPr lang="pt-PT" dirty="0" err="1">
+                <a:solidFill>
+                  <a:srgbClr val="163CFF"/>
+                </a:solidFill>
+                <a:latin typeface="Consolas" panose="020B0609020204030204" pitchFamily="49" charset="0"/>
+                <a:cs typeface="Consolas" panose="020B0609020204030204" pitchFamily="49" charset="0"/>
+              </a:rPr>
+              <a:t>or</a:t>
+            </a:r>
+            <a:r>
+              <a:rPr lang="pt-PT" dirty="0">
+                <a:solidFill>
+                  <a:srgbClr val="163CFF"/>
+                </a:solidFill>
+                <a:latin typeface="Consolas" panose="020B0609020204030204" pitchFamily="49" charset="0"/>
+                <a:cs typeface="Consolas" panose="020B0609020204030204" pitchFamily="49" charset="0"/>
+              </a:rPr>
+              <a:t> ’a’=’a</a:t>
+            </a:r>
+          </a:p>
+          <a:p>
+            <a:pPr lvl="2">
+              <a:buNone/>
             </a:pPr>
             <a:r>
-              <a:rPr lang="en-US" sz="1600" dirty="0"/>
-              <a:t>C / C++  %00</a:t>
-            </a:r>
-          </a:p>
-          <a:p>
-            <a:pPr>
-              <a:lnSpc>
-                <a:spcPct val="90000"/>
-              </a:lnSpc>
+              <a:rPr lang="pt-PT" dirty="0">
+                <a:solidFill>
+                  <a:srgbClr val="163CFF"/>
+                </a:solidFill>
+                <a:latin typeface="Consolas" panose="020B0609020204030204" pitchFamily="49" charset="0"/>
+                <a:cs typeface="Consolas" panose="020B0609020204030204" pitchFamily="49" charset="0"/>
+              </a:rPr>
+              <a:t>" </a:t>
+            </a:r>
+            <a:r>
+              <a:rPr lang="pt-PT" dirty="0" err="1">
+                <a:solidFill>
+                  <a:srgbClr val="163CFF"/>
+                </a:solidFill>
+                <a:latin typeface="Consolas" panose="020B0609020204030204" pitchFamily="49" charset="0"/>
+                <a:cs typeface="Consolas" panose="020B0609020204030204" pitchFamily="49" charset="0"/>
+              </a:rPr>
+              <a:t>or</a:t>
+            </a:r>
+            <a:r>
+              <a:rPr lang="pt-PT" dirty="0">
+                <a:solidFill>
+                  <a:srgbClr val="163CFF"/>
+                </a:solidFill>
+                <a:latin typeface="Consolas" panose="020B0609020204030204" pitchFamily="49" charset="0"/>
+                <a:cs typeface="Consolas" panose="020B0609020204030204" pitchFamily="49" charset="0"/>
+              </a:rPr>
+              <a:t> "a"="a</a:t>
+            </a:r>
+          </a:p>
+          <a:p>
+            <a:pPr lvl="2">
+              <a:buNone/>
             </a:pPr>
             <a:r>
-              <a:rPr lang="en-US" sz="2000" dirty="0"/>
-              <a:t>Examples</a:t>
-            </a:r>
-          </a:p>
-          <a:p>
-            <a:pPr lvl="1">
-              <a:lnSpc>
-                <a:spcPct val="90000"/>
-              </a:lnSpc>
+              <a:rPr lang="pt-PT" dirty="0">
+                <a:solidFill>
+                  <a:srgbClr val="163CFF"/>
+                </a:solidFill>
+                <a:latin typeface="Consolas" panose="020B0609020204030204" pitchFamily="49" charset="0"/>
+                <a:cs typeface="Consolas" panose="020B0609020204030204" pitchFamily="49" charset="0"/>
+              </a:rPr>
+              <a:t>’) </a:t>
+            </a:r>
+            <a:r>
+              <a:rPr lang="pt-PT" dirty="0" err="1">
+                <a:solidFill>
+                  <a:srgbClr val="163CFF"/>
+                </a:solidFill>
+                <a:latin typeface="Consolas" panose="020B0609020204030204" pitchFamily="49" charset="0"/>
+                <a:cs typeface="Consolas" panose="020B0609020204030204" pitchFamily="49" charset="0"/>
+              </a:rPr>
+              <a:t>or</a:t>
+            </a:r>
+            <a:r>
+              <a:rPr lang="pt-PT" dirty="0">
+                <a:solidFill>
+                  <a:srgbClr val="163CFF"/>
+                </a:solidFill>
+                <a:latin typeface="Consolas" panose="020B0609020204030204" pitchFamily="49" charset="0"/>
+                <a:cs typeface="Consolas" panose="020B0609020204030204" pitchFamily="49" charset="0"/>
+              </a:rPr>
+              <a:t> (’a’=’a</a:t>
+            </a:r>
+          </a:p>
+          <a:p>
+            <a:pPr lvl="2">
+              <a:buNone/>
             </a:pPr>
             <a:r>
-              <a:rPr lang="en-US" sz="1600" dirty="0"/>
-              <a:t>Long string: 10K A’s </a:t>
-            </a:r>
-          </a:p>
-          <a:p>
-            <a:pPr lvl="1">
-              <a:lnSpc>
-                <a:spcPct val="90000"/>
-              </a:lnSpc>
+              <a:rPr lang="pt-PT" dirty="0" err="1">
+                <a:solidFill>
+                  <a:srgbClr val="163CFF"/>
+                </a:solidFill>
+                <a:latin typeface="Consolas" panose="020B0609020204030204" pitchFamily="49" charset="0"/>
+                <a:cs typeface="Consolas" panose="020B0609020204030204" pitchFamily="49" charset="0"/>
+              </a:rPr>
+              <a:t>Admin</a:t>
+            </a:r>
+            <a:r>
+              <a:rPr lang="pt-PT" dirty="0">
+                <a:solidFill>
+                  <a:srgbClr val="163CFF"/>
+                </a:solidFill>
+                <a:latin typeface="Consolas" panose="020B0609020204030204" pitchFamily="49" charset="0"/>
+                <a:cs typeface="Consolas" panose="020B0609020204030204" pitchFamily="49" charset="0"/>
+              </a:rPr>
+              <a:t>’ OR ’</a:t>
+            </a:r>
+          </a:p>
+          <a:p>
+            <a:pPr lvl="2">
+              <a:buNone/>
             </a:pPr>
             <a:r>
-              <a:rPr lang="en-US" sz="1600" dirty="0"/>
-              <a:t>Very long string: 100K A’s</a:t>
-            </a:r>
-          </a:p>
-          <a:p>
-            <a:pPr lvl="1">
-              <a:lnSpc>
-                <a:spcPct val="90000"/>
-              </a:lnSpc>
+              <a:rPr lang="en-US" dirty="0">
+                <a:solidFill>
+                  <a:srgbClr val="163CFF"/>
+                </a:solidFill>
+                <a:latin typeface="Consolas" panose="020B0609020204030204" pitchFamily="49" charset="0"/>
+                <a:cs typeface="Consolas" panose="020B0609020204030204" pitchFamily="49" charset="0"/>
+              </a:rPr>
+              <a:t>’ or 1 in (select @@version)--</a:t>
+            </a:r>
+          </a:p>
+          <a:p>
+            <a:pPr lvl="2">
+              <a:buNone/>
             </a:pPr>
             <a:r>
-              <a:rPr lang="en-US" sz="1600" dirty="0"/>
-              <a:t>Format strings %</a:t>
-            </a:r>
-            <a:r>
-              <a:rPr lang="en-US" sz="1600" dirty="0" err="1"/>
-              <a:t>n%n%n</a:t>
-            </a:r>
-            <a:r>
-              <a:rPr lang="en-US" sz="1600" dirty="0"/>
-              <a:t>…</a:t>
-            </a:r>
-          </a:p>
-          <a:p>
-            <a:pPr lvl="1">
-              <a:lnSpc>
-                <a:spcPct val="90000"/>
-              </a:lnSpc>
-            </a:pPr>
-            <a:r>
-              <a:rPr lang="en-US" sz="1600" dirty="0"/>
-              <a:t>Paths ../../../../../../../../../../../../</a:t>
-            </a:r>
-            <a:r>
-              <a:rPr lang="en-US" sz="1600" dirty="0" err="1"/>
-              <a:t>etc</a:t>
-            </a:r>
-            <a:r>
-              <a:rPr lang="en-US" sz="1600" dirty="0"/>
-              <a:t>/</a:t>
-            </a:r>
-            <a:r>
-              <a:rPr lang="en-US" sz="1600" dirty="0" err="1"/>
-              <a:t>passwd</a:t>
-            </a:r>
-            <a:endParaRPr lang="en-US" sz="1600" dirty="0"/>
-          </a:p>
-          <a:p>
-            <a:pPr lvl="1">
-              <a:lnSpc>
-                <a:spcPct val="90000"/>
-              </a:lnSpc>
-            </a:pPr>
-            <a:r>
-              <a:rPr lang="en-US" sz="1600" dirty="0"/>
-              <a:t>Paths ../../../../../../../../../../../../</a:t>
-            </a:r>
-            <a:r>
-              <a:rPr lang="en-US" sz="1600" dirty="0" err="1"/>
-              <a:t>etc</a:t>
-            </a:r>
-            <a:r>
-              <a:rPr lang="en-US" sz="1600" dirty="0"/>
-              <a:t>/passwd%00</a:t>
-            </a:r>
-          </a:p>
-          <a:p>
-            <a:pPr lvl="1">
-              <a:lnSpc>
-                <a:spcPct val="90000"/>
-              </a:lnSpc>
-            </a:pPr>
-            <a:r>
-              <a:rPr lang="en-US" sz="1600" dirty="0"/>
-              <a:t>Odd characters: metacharacters and others</a:t>
-            </a:r>
-          </a:p>
-          <a:p>
-            <a:pPr lvl="1">
-              <a:lnSpc>
-                <a:spcPct val="90000"/>
-              </a:lnSpc>
-            </a:pPr>
-            <a:r>
-              <a:rPr lang="en-US" sz="1600" dirty="0"/>
-              <a:t>XSS  &lt;script&gt;alert(</a:t>
-            </a:r>
-            <a:r>
-              <a:rPr lang="en-US" sz="1600" dirty="0" err="1"/>
-              <a:t>document.location</a:t>
-            </a:r>
-            <a:r>
-              <a:rPr lang="en-US" sz="1600" dirty="0"/>
-              <a:t>);&lt;/script&gt;</a:t>
-            </a:r>
+              <a:rPr lang="pt-PT" dirty="0">
+                <a:solidFill>
+                  <a:srgbClr val="163CFF"/>
+                </a:solidFill>
+                <a:latin typeface="Consolas" panose="020B0609020204030204" pitchFamily="49" charset="0"/>
+                <a:cs typeface="Consolas" panose="020B0609020204030204" pitchFamily="49" charset="0"/>
+              </a:rPr>
+              <a:t>’ </a:t>
+            </a:r>
+            <a:r>
+              <a:rPr lang="pt-PT" dirty="0" err="1">
+                <a:solidFill>
+                  <a:srgbClr val="163CFF"/>
+                </a:solidFill>
+                <a:latin typeface="Consolas" panose="020B0609020204030204" pitchFamily="49" charset="0"/>
+                <a:cs typeface="Consolas" panose="020B0609020204030204" pitchFamily="49" charset="0"/>
+              </a:rPr>
+              <a:t>union</a:t>
+            </a:r>
+            <a:r>
+              <a:rPr lang="pt-PT" dirty="0">
+                <a:solidFill>
+                  <a:srgbClr val="163CFF"/>
+                </a:solidFill>
+                <a:latin typeface="Consolas" panose="020B0609020204030204" pitchFamily="49" charset="0"/>
+                <a:cs typeface="Consolas" panose="020B0609020204030204" pitchFamily="49" charset="0"/>
+              </a:rPr>
+              <a:t> </a:t>
+            </a:r>
+            <a:r>
+              <a:rPr lang="pt-PT" dirty="0" err="1">
+                <a:solidFill>
+                  <a:srgbClr val="163CFF"/>
+                </a:solidFill>
+                <a:latin typeface="Consolas" panose="020B0609020204030204" pitchFamily="49" charset="0"/>
+                <a:cs typeface="Consolas" panose="020B0609020204030204" pitchFamily="49" charset="0"/>
+              </a:rPr>
+              <a:t>all</a:t>
+            </a:r>
+            <a:r>
+              <a:rPr lang="pt-PT" dirty="0">
+                <a:solidFill>
+                  <a:srgbClr val="163CFF"/>
+                </a:solidFill>
+                <a:latin typeface="Consolas" panose="020B0609020204030204" pitchFamily="49" charset="0"/>
+                <a:cs typeface="Consolas" panose="020B0609020204030204" pitchFamily="49" charset="0"/>
+              </a:rPr>
+              <a:t> </a:t>
+            </a:r>
+            <a:r>
+              <a:rPr lang="pt-PT" dirty="0" err="1">
+                <a:solidFill>
+                  <a:srgbClr val="163CFF"/>
+                </a:solidFill>
+                <a:latin typeface="Consolas" panose="020B0609020204030204" pitchFamily="49" charset="0"/>
+                <a:cs typeface="Consolas" panose="020B0609020204030204" pitchFamily="49" charset="0"/>
+              </a:rPr>
+              <a:t>select</a:t>
+            </a:r>
+            <a:r>
+              <a:rPr lang="pt-PT" dirty="0">
+                <a:solidFill>
+                  <a:srgbClr val="163CFF"/>
+                </a:solidFill>
+                <a:latin typeface="Consolas" panose="020B0609020204030204" pitchFamily="49" charset="0"/>
+                <a:cs typeface="Consolas" panose="020B0609020204030204" pitchFamily="49" charset="0"/>
+              </a:rPr>
+              <a:t> @@</a:t>
+            </a:r>
+            <a:r>
+              <a:rPr lang="pt-PT" dirty="0" err="1">
+                <a:solidFill>
+                  <a:srgbClr val="163CFF"/>
+                </a:solidFill>
+                <a:latin typeface="Consolas" panose="020B0609020204030204" pitchFamily="49" charset="0"/>
+                <a:cs typeface="Consolas" panose="020B0609020204030204" pitchFamily="49" charset="0"/>
+              </a:rPr>
+              <a:t>version</a:t>
+            </a:r>
+            <a:r>
+              <a:rPr lang="pt-PT" dirty="0">
+                <a:solidFill>
+                  <a:srgbClr val="163CFF"/>
+                </a:solidFill>
+                <a:latin typeface="Consolas" panose="020B0609020204030204" pitchFamily="49" charset="0"/>
+                <a:cs typeface="Consolas" panose="020B0609020204030204" pitchFamily="49" charset="0"/>
+              </a:rPr>
+              <a:t>--</a:t>
+            </a:r>
+            <a:endParaRPr lang="en-US" dirty="0">
+              <a:solidFill>
+                <a:srgbClr val="163CFF"/>
+              </a:solidFill>
+              <a:latin typeface="Consolas" panose="020B0609020204030204" pitchFamily="49" charset="0"/>
+              <a:cs typeface="Consolas" panose="020B0609020204030204" pitchFamily="49" charset="0"/>
+            </a:endParaRPr>
           </a:p>
           <a:p>
             <a:endParaRPr lang="en-US" dirty="0"/>
@@ -7601,7 +8870,7 @@
     </p:spTree>
     <p:extLst>
       <p:ext uri="{BB962C8B-B14F-4D97-AF65-F5344CB8AC3E}">
-        <p14:creationId xmlns:p14="http://schemas.microsoft.com/office/powerpoint/2010/main" val="1513082448"/>
+        <p14:creationId xmlns:p14="http://schemas.microsoft.com/office/powerpoint/2010/main" val="2922725707"/>
       </p:ext>
     </p:extLst>
   </p:cSld>
@@ -7771,7 +9040,7 @@
         <p:spPr/>
         <p:txBody>
           <a:bodyPr>
-            <a:normAutofit fontScale="92500"/>
+            <a:normAutofit/>
           </a:bodyPr>
           <a:lstStyle/>
           <a:p>
@@ -7779,141 +9048,455 @@
               <a:buNone/>
             </a:pPr>
             <a:r>
-              <a:rPr lang="en-US" dirty="0"/>
-              <a:t>In terms of </a:t>
-            </a:r>
-            <a:r>
-              <a:rPr lang="en-US" i="1" dirty="0"/>
-              <a:t>knowledge </a:t>
-            </a:r>
-            <a:r>
-              <a:rPr lang="en-US" dirty="0"/>
-              <a:t>of the target</a:t>
-            </a:r>
-          </a:p>
-          <a:p>
-            <a:r>
-              <a:rPr lang="en-US" dirty="0">
+              <a:rPr lang="en-US" sz="2400" dirty="0" err="1"/>
+              <a:t>Em</a:t>
+            </a:r>
+            <a:r>
+              <a:rPr lang="en-US" sz="2400" dirty="0"/>
+              <a:t> </a:t>
+            </a:r>
+            <a:r>
+              <a:rPr lang="en-US" sz="2400" dirty="0" err="1"/>
+              <a:t>termos</a:t>
+            </a:r>
+            <a:r>
+              <a:rPr lang="en-US" sz="2400" dirty="0"/>
+              <a:t> de </a:t>
+            </a:r>
+            <a:r>
+              <a:rPr lang="en-US" sz="2400" dirty="0" err="1"/>
+              <a:t>conhecimento</a:t>
+            </a:r>
+            <a:r>
+              <a:rPr lang="en-US" sz="2400" dirty="0"/>
+              <a:t> do </a:t>
+            </a:r>
+            <a:r>
+              <a:rPr lang="en-US" sz="2400" dirty="0" err="1"/>
+              <a:t>alvo</a:t>
+            </a:r>
+            <a:r>
+              <a:rPr lang="en-US" sz="2400" dirty="0"/>
+              <a:t>:</a:t>
+            </a:r>
+          </a:p>
+          <a:p>
+            <a:r>
+              <a:rPr lang="en-US" sz="2400" dirty="0" err="1">
+                <a:solidFill>
+                  <a:srgbClr val="163CFF"/>
+                </a:solidFill>
+              </a:rPr>
+              <a:t>Fuzzers</a:t>
+            </a:r>
+            <a:r>
+              <a:rPr lang="en-US" sz="2400" dirty="0">
+                <a:solidFill>
+                  <a:srgbClr val="163CFF"/>
+                </a:solidFill>
+              </a:rPr>
+              <a:t> </a:t>
+            </a:r>
+            <a:r>
+              <a:rPr lang="en-US" sz="2400" dirty="0" err="1">
+                <a:solidFill>
+                  <a:srgbClr val="163CFF"/>
+                </a:solidFill>
+              </a:rPr>
+              <a:t>magros</a:t>
+            </a:r>
+            <a:r>
+              <a:rPr lang="en-US" sz="2400" dirty="0">
                 <a:solidFill>
                   <a:schemeClr val="accent4"/>
                 </a:solidFill>
               </a:rPr>
-              <a:t>Thin </a:t>
-            </a:r>
-            <a:r>
-              <a:rPr lang="en-US" dirty="0" err="1">
+              <a:t> </a:t>
+            </a:r>
+            <a:r>
+              <a:rPr lang="en-US" sz="2400" dirty="0"/>
+              <a:t>– ferramentas simples com </a:t>
+            </a:r>
+            <a:r>
+              <a:rPr lang="en-US" sz="2400" dirty="0" err="1"/>
+              <a:t>pouco</a:t>
+            </a:r>
+            <a:r>
+              <a:rPr lang="en-US" sz="2400" dirty="0"/>
+              <a:t> </a:t>
+            </a:r>
+            <a:r>
+              <a:rPr lang="en-US" sz="2400" dirty="0" err="1"/>
+              <a:t>conhecimento</a:t>
+            </a:r>
+            <a:r>
+              <a:rPr lang="en-US" sz="2400" dirty="0"/>
+              <a:t> </a:t>
+            </a:r>
+            <a:r>
+              <a:rPr lang="en-US" sz="2400" dirty="0" err="1"/>
+              <a:t>sobre</a:t>
+            </a:r>
+            <a:r>
+              <a:rPr lang="en-US" sz="2400" dirty="0"/>
+              <a:t> a </a:t>
+            </a:r>
+            <a:r>
+              <a:rPr lang="en-US" sz="2400" dirty="0" err="1"/>
+              <a:t>aplicação</a:t>
+            </a:r>
+            <a:r>
+              <a:rPr lang="en-US" sz="2400" dirty="0"/>
+              <a:t> a </a:t>
+            </a:r>
+            <a:r>
+              <a:rPr lang="en-US" sz="2400" dirty="0" err="1"/>
+              <a:t>testar</a:t>
+            </a:r>
+            <a:r>
+              <a:rPr lang="en-US" sz="2400" dirty="0"/>
+              <a:t>; </a:t>
+            </a:r>
+            <a:r>
+              <a:rPr lang="en-US" sz="2400" dirty="0" err="1"/>
+              <a:t>enviam</a:t>
+            </a:r>
+            <a:r>
+              <a:rPr lang="en-US" sz="2400" dirty="0"/>
+              <a:t> input </a:t>
+            </a:r>
+            <a:r>
+              <a:rPr lang="en-US" sz="2400" dirty="0" err="1"/>
+              <a:t>aleatório</a:t>
+            </a:r>
+            <a:r>
+              <a:rPr lang="en-US" sz="2400" dirty="0"/>
+              <a:t> </a:t>
+            </a:r>
+            <a:r>
+              <a:rPr lang="en-US" sz="2400" dirty="0" err="1"/>
+              <a:t>inválido</a:t>
+            </a:r>
+            <a:r>
+              <a:rPr lang="en-US" sz="2400" dirty="0"/>
+              <a:t> para o </a:t>
+            </a:r>
+            <a:r>
+              <a:rPr lang="en-US" sz="2400" dirty="0" err="1"/>
+              <a:t>alvo</a:t>
+            </a:r>
+            <a:endParaRPr lang="en-US" sz="2400" dirty="0"/>
+          </a:p>
+          <a:p>
+            <a:r>
+              <a:rPr lang="en-US" sz="2400" dirty="0" err="1">
+                <a:solidFill>
+                  <a:srgbClr val="163CFF"/>
+                </a:solidFill>
+              </a:rPr>
+              <a:t>Fuzzers</a:t>
+            </a:r>
+            <a:r>
+              <a:rPr lang="en-US" sz="2400" dirty="0">
+                <a:solidFill>
+                  <a:srgbClr val="163CFF"/>
+                </a:solidFill>
+              </a:rPr>
+              <a:t> </a:t>
+            </a:r>
+            <a:r>
+              <a:rPr lang="en-US" sz="2400" dirty="0" err="1">
+                <a:solidFill>
+                  <a:srgbClr val="163CFF"/>
+                </a:solidFill>
+              </a:rPr>
+              <a:t>gordos</a:t>
+            </a:r>
+            <a:r>
+              <a:rPr lang="en-US" sz="2400" dirty="0">
+                <a:solidFill>
+                  <a:srgbClr val="163CFF"/>
+                </a:solidFill>
+              </a:rPr>
+              <a:t> </a:t>
+            </a:r>
+            <a:r>
+              <a:rPr lang="en-US" sz="2400" dirty="0"/>
+              <a:t>– </a:t>
+            </a:r>
+            <a:r>
+              <a:rPr lang="en-US" sz="2400" dirty="0" err="1"/>
+              <a:t>podem</a:t>
+            </a:r>
+            <a:r>
+              <a:rPr lang="en-US" sz="2400" dirty="0"/>
+              <a:t> </a:t>
+            </a:r>
+            <a:r>
+              <a:rPr lang="en-US" sz="2400" dirty="0" err="1"/>
+              <a:t>gerar</a:t>
+            </a:r>
+            <a:r>
+              <a:rPr lang="en-US" sz="2400" dirty="0"/>
+              <a:t> input que </a:t>
+            </a:r>
+            <a:r>
+              <a:rPr lang="en-US" sz="2400" dirty="0" err="1"/>
+              <a:t>é</a:t>
+            </a:r>
+            <a:r>
+              <a:rPr lang="en-US" sz="2400" dirty="0"/>
+              <a:t> </a:t>
+            </a:r>
+            <a:r>
+              <a:rPr lang="en-US" sz="2400" dirty="0" err="1"/>
+              <a:t>válido</a:t>
+            </a:r>
+            <a:r>
+              <a:rPr lang="en-US" sz="2400" dirty="0"/>
+              <a:t> (</a:t>
+            </a:r>
+            <a:r>
+              <a:rPr lang="en-US" sz="2400" dirty="0" err="1"/>
+              <a:t>aceite</a:t>
+            </a:r>
+            <a:r>
+              <a:rPr lang="en-US" sz="2400" dirty="0"/>
+              <a:t> </a:t>
+            </a:r>
+            <a:r>
+              <a:rPr lang="en-US" sz="2400" dirty="0" err="1"/>
+              <a:t>pelo</a:t>
+            </a:r>
+            <a:r>
+              <a:rPr lang="en-US" sz="2400" dirty="0"/>
+              <a:t> parser) mas irregular; </a:t>
+            </a:r>
+            <a:r>
+              <a:rPr lang="en-US" sz="2400" dirty="0" err="1"/>
+              <a:t>melhor</a:t>
+            </a:r>
+            <a:r>
+              <a:rPr lang="en-US" sz="2400" dirty="0"/>
+              <a:t> </a:t>
+            </a:r>
+            <a:r>
+              <a:rPr lang="en-US" sz="2400" dirty="0" err="1"/>
+              <a:t>cobertura</a:t>
+            </a:r>
+            <a:endParaRPr lang="en-US" sz="2400" dirty="0"/>
+          </a:p>
+          <a:p>
+            <a:pPr marL="0" indent="0">
+              <a:buNone/>
+            </a:pPr>
+            <a:endParaRPr lang="en-US" sz="2400" dirty="0"/>
+          </a:p>
+          <a:p>
+            <a:pPr marL="0" indent="0">
+              <a:buNone/>
+            </a:pPr>
+            <a:r>
+              <a:rPr lang="en-US" sz="2400" dirty="0" err="1"/>
+              <a:t>Em</a:t>
+            </a:r>
+            <a:r>
+              <a:rPr lang="en-US" sz="2400" dirty="0"/>
+              <a:t> </a:t>
+            </a:r>
+            <a:r>
+              <a:rPr lang="en-US" sz="2400" dirty="0" err="1"/>
+              <a:t>termos</a:t>
+            </a:r>
+            <a:r>
+              <a:rPr lang="en-US" sz="2400" dirty="0"/>
+              <a:t> de </a:t>
+            </a:r>
+            <a:r>
+              <a:rPr lang="en-US" sz="2400" dirty="0" err="1"/>
+              <a:t>especialização</a:t>
+            </a:r>
+            <a:r>
+              <a:rPr lang="en-US" sz="2400" dirty="0"/>
+              <a:t>:</a:t>
+            </a:r>
+            <a:endParaRPr lang="en-US" sz="2400" i="1" dirty="0"/>
+          </a:p>
+          <a:p>
+            <a:r>
+              <a:rPr lang="en-US" sz="2400" dirty="0" err="1">
+                <a:solidFill>
+                  <a:srgbClr val="163CFF"/>
+                </a:solidFill>
+              </a:rPr>
+              <a:t>Especializados</a:t>
+            </a:r>
+            <a:r>
+              <a:rPr lang="en-US" sz="2400" dirty="0">
+                <a:solidFill>
+                  <a:srgbClr val="163CFF"/>
+                </a:solidFill>
+              </a:rPr>
+              <a:t> </a:t>
+            </a:r>
+            <a:r>
+              <a:rPr lang="en-US" sz="2400" dirty="0"/>
+              <a:t>– </a:t>
+            </a:r>
+            <a:r>
+              <a:rPr lang="en-US" sz="2400" dirty="0" err="1"/>
+              <a:t>implementados</a:t>
+            </a:r>
+            <a:r>
+              <a:rPr lang="en-US" sz="2400" dirty="0"/>
+              <a:t> para </a:t>
+            </a:r>
+            <a:r>
+              <a:rPr lang="en-US" sz="2400" dirty="0" err="1"/>
+              <a:t>tipo</a:t>
+            </a:r>
+            <a:r>
+              <a:rPr lang="en-US" sz="2400" dirty="0"/>
+              <a:t> </a:t>
+            </a:r>
+            <a:r>
+              <a:rPr lang="en-US" sz="2400" dirty="0" err="1"/>
+              <a:t>específico</a:t>
+            </a:r>
+            <a:r>
+              <a:rPr lang="en-US" sz="2400" dirty="0"/>
+              <a:t> de </a:t>
+            </a:r>
+            <a:r>
+              <a:rPr lang="en-US" sz="2400" dirty="0" err="1"/>
+              <a:t>aplicação</a:t>
+            </a:r>
+            <a:r>
+              <a:rPr lang="en-US" sz="2400" dirty="0"/>
+              <a:t>, </a:t>
+            </a:r>
+            <a:r>
+              <a:rPr lang="en-US" sz="2400" dirty="0" err="1"/>
+              <a:t>protocolo</a:t>
+            </a:r>
+            <a:r>
+              <a:rPr lang="en-US" sz="2400" dirty="0"/>
+              <a:t> de </a:t>
+            </a:r>
+            <a:r>
+              <a:rPr lang="en-US" sz="2400" dirty="0" err="1"/>
+              <a:t>rede</a:t>
+            </a:r>
+            <a:r>
+              <a:rPr lang="en-US" sz="2400" dirty="0"/>
+              <a:t>, </a:t>
+            </a:r>
+            <a:r>
+              <a:rPr lang="en-US" sz="2400" dirty="0" err="1"/>
+              <a:t>formato</a:t>
+            </a:r>
+            <a:r>
+              <a:rPr lang="en-US" sz="2400" dirty="0"/>
+              <a:t> de </a:t>
+            </a:r>
+            <a:r>
+              <a:rPr lang="en-US" sz="2400" dirty="0" err="1"/>
+              <a:t>ficheiro</a:t>
+            </a:r>
+            <a:endParaRPr lang="en-US" sz="2400" dirty="0"/>
+          </a:p>
+          <a:p>
+            <a:r>
+              <a:rPr lang="en-US" sz="2400" dirty="0" err="1">
+                <a:solidFill>
+                  <a:srgbClr val="163CFF"/>
+                </a:solidFill>
+              </a:rPr>
+              <a:t>Genéricos</a:t>
+            </a:r>
+            <a:r>
+              <a:rPr lang="en-US" sz="2400" dirty="0">
                 <a:solidFill>
                   <a:schemeClr val="accent4"/>
                 </a:solidFill>
               </a:rPr>
-              <a:t>fuzzers</a:t>
-            </a:r>
-            <a:r>
-              <a:rPr lang="en-US" dirty="0">
+              <a:t> </a:t>
+            </a:r>
+            <a:r>
+              <a:rPr lang="en-US" sz="2400" dirty="0"/>
+              <a:t>– </a:t>
+            </a:r>
+            <a:r>
+              <a:rPr lang="en-US" sz="2400" dirty="0" err="1"/>
+              <a:t>pode</a:t>
+            </a:r>
+            <a:r>
+              <a:rPr lang="en-US" sz="2400" dirty="0"/>
+              <a:t> </a:t>
+            </a:r>
+            <a:r>
+              <a:rPr lang="en-US" sz="2400" dirty="0" err="1"/>
+              <a:t>ser</a:t>
+            </a:r>
+            <a:r>
+              <a:rPr lang="en-US" sz="2400" dirty="0"/>
+              <a:t> </a:t>
+            </a:r>
+            <a:r>
+              <a:rPr lang="en-US" sz="2400" dirty="0" err="1"/>
+              <a:t>aplicado</a:t>
+            </a:r>
+            <a:r>
+              <a:rPr lang="en-US" sz="2400" dirty="0"/>
+              <a:t> a um </a:t>
+            </a:r>
+            <a:r>
+              <a:rPr lang="en-US" sz="2400" dirty="0" err="1"/>
+              <a:t>espectro</a:t>
+            </a:r>
+            <a:r>
+              <a:rPr lang="en-US" sz="2400" dirty="0"/>
+              <a:t> </a:t>
+            </a:r>
+            <a:r>
+              <a:rPr lang="en-US" sz="2400" dirty="0" err="1"/>
+              <a:t>alargado</a:t>
+            </a:r>
+            <a:r>
+              <a:rPr lang="en-US" sz="2400" dirty="0"/>
+              <a:t> de </a:t>
+            </a:r>
+            <a:r>
+              <a:rPr lang="en-US" sz="2400" dirty="0" err="1"/>
+              <a:t>alvos</a:t>
+            </a:r>
+            <a:r>
+              <a:rPr lang="en-US" sz="2400" dirty="0"/>
+              <a:t> (</a:t>
+            </a:r>
+            <a:r>
+              <a:rPr lang="en-US" sz="2400" i="1" dirty="0" err="1">
                 <a:solidFill>
-                  <a:schemeClr val="accent4"/>
-                </a:solidFill>
-              </a:rPr>
-              <a:t> </a:t>
-            </a:r>
-            <a:r>
-              <a:rPr lang="en-US" dirty="0"/>
-              <a:t>– simple tools with little knowledge about the app tested; send random invalid input to the target</a:t>
-            </a:r>
-          </a:p>
-          <a:p>
-            <a:r>
-              <a:rPr lang="en-US" dirty="0">
-                <a:solidFill>
-                  <a:schemeClr val="accent4"/>
-                </a:solidFill>
-              </a:rPr>
-              <a:t>Fat </a:t>
-            </a:r>
-            <a:r>
-              <a:rPr lang="en-US" dirty="0" err="1">
-                <a:solidFill>
-                  <a:schemeClr val="accent4"/>
-                </a:solidFill>
-              </a:rPr>
-              <a:t>fuzzers</a:t>
-            </a:r>
-            <a:r>
-              <a:rPr lang="en-US" dirty="0">
-                <a:solidFill>
-                  <a:schemeClr val="accent4"/>
-                </a:solidFill>
-              </a:rPr>
-              <a:t> </a:t>
-            </a:r>
-            <a:r>
-              <a:rPr lang="en-US" dirty="0"/>
-              <a:t>– can generate input that is valid (accepted by the parser) but irregular; better coverage</a:t>
-            </a:r>
-          </a:p>
-          <a:p>
-            <a:pPr marL="0" indent="0">
-              <a:buNone/>
-            </a:pPr>
-            <a:r>
-              <a:rPr lang="en-US" dirty="0"/>
-              <a:t>In terms of </a:t>
-            </a:r>
-            <a:r>
-              <a:rPr lang="en-US" i="1" dirty="0"/>
-              <a:t>specialization </a:t>
-            </a:r>
-          </a:p>
-          <a:p>
-            <a:r>
-              <a:rPr lang="en-US" dirty="0">
-                <a:solidFill>
-                  <a:schemeClr val="accent4"/>
-                </a:solidFill>
-              </a:rPr>
-              <a:t>Specialized</a:t>
-            </a:r>
-            <a:r>
-              <a:rPr lang="en-US" dirty="0"/>
-              <a:t> – implemented for a specific type of application, network protocol, file format; can be “intelligent”</a:t>
-            </a:r>
-          </a:p>
-          <a:p>
-            <a:r>
-              <a:rPr lang="en-US" dirty="0">
-                <a:solidFill>
-                  <a:schemeClr val="accent4"/>
-                </a:solidFill>
-              </a:rPr>
-              <a:t>Generic </a:t>
-            </a:r>
-            <a:r>
-              <a:rPr lang="en-US" dirty="0"/>
-              <a:t>– can be applied on a large spectrum of targets (</a:t>
-            </a:r>
-            <a:r>
-              <a:rPr lang="en-US" i="1" dirty="0" err="1">
-                <a:solidFill>
-                  <a:schemeClr val="accent4"/>
+                  <a:srgbClr val="163CFF"/>
                 </a:solidFill>
               </a:rPr>
               <a:t>fuzzer</a:t>
             </a:r>
             <a:r>
-              <a:rPr lang="en-US" i="1" dirty="0">
+              <a:rPr lang="en-US" sz="2400" i="1" dirty="0">
                 <a:solidFill>
-                  <a:schemeClr val="accent4"/>
+                  <a:srgbClr val="163CFF"/>
                 </a:solidFill>
               </a:rPr>
               <a:t> frameworks</a:t>
             </a:r>
             <a:r>
-              <a:rPr lang="en-US" dirty="0"/>
-              <a:t>)</a:t>
-            </a:r>
-          </a:p>
-          <a:p>
-            <a:endParaRPr lang="en-US" dirty="0"/>
+              <a:rPr lang="en-US" sz="2400" dirty="0"/>
+              <a:t>, ex. SPIKE)</a:t>
+            </a:r>
+          </a:p>
+          <a:p>
+            <a:endParaRPr lang="en-US" sz="2400" dirty="0"/>
           </a:p>
         </p:txBody>
       </p:sp>
@@ -8238,10 +9821,62 @@
           <a:bodyPr/>
           <a:lstStyle/>
           <a:p>
-            <a:r>
-              <a:rPr lang="en-US" dirty="0"/>
-              <a:t>The classical way to search for vulnerabilities in computer networks </a:t>
-            </a:r>
+            <a:endParaRPr lang="en-US" dirty="0"/>
+          </a:p>
+          <a:p>
+            <a:r>
+              <a:rPr lang="en-US" dirty="0" err="1"/>
+              <a:t>Método</a:t>
+            </a:r>
+            <a:r>
+              <a:rPr lang="en-US" dirty="0"/>
+              <a:t> </a:t>
+            </a:r>
+            <a:r>
+              <a:rPr lang="en-US" dirty="0" err="1"/>
+              <a:t>clássico</a:t>
+            </a:r>
+            <a:r>
+              <a:rPr lang="en-US" dirty="0"/>
+              <a:t> para </a:t>
+            </a:r>
+            <a:r>
+              <a:rPr lang="en-US" dirty="0" err="1"/>
+              <a:t>procurar</a:t>
+            </a:r>
+            <a:r>
+              <a:rPr lang="en-US" dirty="0"/>
+              <a:t> </a:t>
+            </a:r>
+            <a:r>
+              <a:rPr lang="en-US" dirty="0" err="1"/>
+              <a:t>vulnerabilidades</a:t>
+            </a:r>
+            <a:r>
+              <a:rPr lang="en-US" dirty="0"/>
+              <a:t> </a:t>
+            </a:r>
+            <a:r>
+              <a:rPr lang="en-US" dirty="0" err="1"/>
+              <a:t>em</a:t>
+            </a:r>
+            <a:r>
+              <a:rPr lang="en-US" dirty="0"/>
+              <a:t> </a:t>
+            </a:r>
+            <a:r>
+              <a:rPr lang="en-US" dirty="0" err="1"/>
+              <a:t>redes</a:t>
+            </a:r>
+            <a:r>
+              <a:rPr lang="en-US" dirty="0"/>
+              <a:t> de </a:t>
+            </a:r>
+            <a:r>
+              <a:rPr lang="en-US" dirty="0" err="1"/>
+              <a:t>computadores</a:t>
+            </a:r>
+            <a:endParaRPr lang="en-US" dirty="0"/>
           </a:p>
           <a:p>
             <a:pPr lvl="1"/>
@@ -8256,16 +9891,27 @@
             <a:endParaRPr lang="en-US" dirty="0"/>
           </a:p>
           <a:p>
-            <a:r>
-              <a:rPr lang="en-US" dirty="0"/>
-              <a:t>Web vulnerability scanners – for web applications</a:t>
+            <a:endParaRPr lang="en-US" dirty="0"/>
+          </a:p>
+          <a:p>
+            <a:r>
+              <a:rPr lang="en-US" dirty="0"/>
+              <a:t>Web vulnerability scanners – para </a:t>
+            </a:r>
+            <a:r>
+              <a:rPr lang="en-US" dirty="0" err="1"/>
+              <a:t>aplicações</a:t>
+            </a:r>
+            <a:r>
+              <a:rPr lang="en-US" dirty="0"/>
+              <a:t> web</a:t>
             </a:r>
           </a:p>
           <a:p>
             <a:pPr lvl="1"/>
             <a:r>
               <a:rPr lang="en-US" dirty="0"/>
-              <a:t>Also called web application scanners, web application security scanners, web application vulnerability scanners </a:t>
+              <a:t>AKA web application scanners, web application security scanners, web application vulnerability scanners </a:t>
             </a:r>
           </a:p>
           <a:p>
@@ -8832,15 +10478,15 @@
             </a:r>
             <a:r>
               <a:rPr lang="en-US" sz="2000" dirty="0" err="1"/>
-              <a:t>validação</a:t>
+              <a:t>desenvolvimento</a:t>
             </a:r>
             <a:r>
               <a:rPr lang="en-US" sz="2000" dirty="0"/>
-              <a:t> e </a:t>
+              <a:t> de software </a:t>
             </a:r>
             <a:r>
               <a:rPr lang="en-US" sz="2000" dirty="0" err="1"/>
-              <a:t>codificação</a:t>
+              <a:t>seguro</a:t>
             </a:r>
             <a:endParaRPr lang="en-US" sz="2000" dirty="0"/>
           </a:p>
@@ -9068,7 +10714,9 @@
         </p:nvSpPr>
         <p:spPr/>
         <p:txBody>
-          <a:bodyPr/>
+          <a:bodyPr>
+            <a:normAutofit/>
+          </a:bodyPr>
           <a:lstStyle/>
           <a:p>
             <a:pPr>
@@ -9078,8 +10726,45 @@
             </a:pPr>
             <a:r>
               <a:rPr lang="en-US" dirty="0"/>
-              <a:t>NIST defined 14 mandatory classes of vulnerabilities that have to be detected</a:t>
-            </a:r>
+              <a:t>NIST </a:t>
+            </a:r>
+            <a:r>
+              <a:rPr lang="en-US" dirty="0" err="1"/>
+              <a:t>definiu</a:t>
+            </a:r>
+            <a:r>
+              <a:rPr lang="en-US" dirty="0"/>
+              <a:t> 14 classes de </a:t>
+            </a:r>
+            <a:r>
+              <a:rPr lang="en-US" dirty="0" err="1"/>
+              <a:t>vulnerabilidades</a:t>
+            </a:r>
+            <a:r>
+              <a:rPr lang="en-US" dirty="0"/>
+              <a:t> que </a:t>
+            </a:r>
+            <a:r>
+              <a:rPr lang="en-US" dirty="0" err="1"/>
+              <a:t>devem</a:t>
+            </a:r>
+            <a:r>
+              <a:rPr lang="en-US" dirty="0"/>
+              <a:t> </a:t>
+            </a:r>
+            <a:r>
+              <a:rPr lang="en-US" dirty="0" err="1"/>
+              <a:t>ser</a:t>
+            </a:r>
+            <a:r>
+              <a:rPr lang="en-US" dirty="0"/>
+              <a:t> </a:t>
+            </a:r>
+            <a:r>
+              <a:rPr lang="en-US" dirty="0" err="1"/>
+              <a:t>detectadas</a:t>
+            </a:r>
+            <a:endParaRPr lang="en-US" dirty="0"/>
           </a:p>
           <a:p>
             <a:pPr lvl="1">
@@ -9098,10 +10783,71 @@
                 <a:spcPct val="110000"/>
               </a:lnSpc>
             </a:pPr>
-            <a:r>
-              <a:rPr lang="en-US" dirty="0"/>
-              <a:t>But not all vulnerabilities (impossible), only all the best-known classes</a:t>
-            </a:r>
+            <a:endParaRPr lang="en-US" dirty="0"/>
+          </a:p>
+          <a:p>
+            <a:pPr>
+              <a:lnSpc>
+                <a:spcPct val="110000"/>
+              </a:lnSpc>
+            </a:pPr>
+            <a:r>
+              <a:rPr lang="en-US" dirty="0"/>
+              <a:t>Mas </a:t>
+            </a:r>
+            <a:r>
+              <a:rPr lang="en-US" dirty="0" err="1"/>
+              <a:t>não</a:t>
+            </a:r>
+            <a:r>
+              <a:rPr lang="en-US" dirty="0"/>
+              <a:t> </a:t>
+            </a:r>
+            <a:r>
+              <a:rPr lang="en-US" dirty="0" err="1"/>
+              <a:t>todas</a:t>
+            </a:r>
+            <a:r>
+              <a:rPr lang="en-US" dirty="0"/>
+              <a:t> as </a:t>
+            </a:r>
+            <a:r>
+              <a:rPr lang="en-US" dirty="0" err="1"/>
+              <a:t>vulnerabilidades</a:t>
+            </a:r>
+            <a:r>
+              <a:rPr lang="en-US" dirty="0"/>
+              <a:t> (impossible), </a:t>
+            </a:r>
+            <a:r>
+              <a:rPr lang="en-US" dirty="0" err="1"/>
+              <a:t>só</a:t>
+            </a:r>
+            <a:r>
+              <a:rPr lang="en-US" dirty="0"/>
+              <a:t> as classes </a:t>
+            </a:r>
+            <a:r>
+              <a:rPr lang="en-US" dirty="0" err="1"/>
+              <a:t>mais</a:t>
+            </a:r>
+            <a:r>
+              <a:rPr lang="en-US" dirty="0"/>
+              <a:t> </a:t>
+            </a:r>
+            <a:r>
+              <a:rPr lang="en-US" dirty="0" err="1"/>
+              <a:t>bem</a:t>
+            </a:r>
+            <a:r>
+              <a:rPr lang="en-US" dirty="0"/>
+              <a:t> </a:t>
+            </a:r>
+            <a:r>
+              <a:rPr lang="en-US" dirty="0" err="1"/>
+              <a:t>conhecidas</a:t>
+            </a:r>
+            <a:endParaRPr lang="en-US" dirty="0"/>
           </a:p>
         </p:txBody>
       </p:sp>
@@ -9281,134 +11027,373 @@
         </p:nvSpPr>
         <p:spPr/>
         <p:txBody>
-          <a:bodyPr/>
-          <a:lstStyle/>
-          <a:p>
-            <a:r>
-              <a:rPr lang="en-US" dirty="0"/>
-              <a:t>Web vulnerability scanners also “inject attacks”, similarly to attack injectors and </a:t>
-            </a:r>
-            <a:r>
-              <a:rPr lang="en-US" dirty="0" err="1"/>
+          <a:bodyPr>
+            <a:normAutofit/>
+          </a:bodyPr>
+          <a:lstStyle/>
+          <a:p>
+            <a:endParaRPr lang="en-US" sz="2400" dirty="0"/>
+          </a:p>
+          <a:p>
+            <a:r>
+              <a:rPr lang="en-US" sz="2400" dirty="0"/>
+              <a:t>Web vulnerability scanners </a:t>
+            </a:r>
+            <a:r>
+              <a:rPr lang="en-US" sz="2400" dirty="0" err="1"/>
+              <a:t>também</a:t>
+            </a:r>
+            <a:r>
+              <a:rPr lang="en-US" sz="2400" dirty="0"/>
+              <a:t> “</a:t>
+            </a:r>
+            <a:r>
+              <a:rPr lang="en-US" sz="2400" dirty="0" err="1"/>
+              <a:t>injectam</a:t>
+            </a:r>
+            <a:r>
+              <a:rPr lang="en-US" sz="2400" dirty="0"/>
+              <a:t> </a:t>
+            </a:r>
+            <a:r>
+              <a:rPr lang="en-US" sz="2400" dirty="0" err="1"/>
+              <a:t>ataques</a:t>
+            </a:r>
+            <a:r>
+              <a:rPr lang="en-US" sz="2400" dirty="0"/>
+              <a:t>”, de forma </a:t>
+            </a:r>
+            <a:r>
+              <a:rPr lang="en-US" sz="2400" dirty="0" err="1"/>
+              <a:t>parecida</a:t>
+            </a:r>
+            <a:r>
+              <a:rPr lang="en-US" sz="2400" dirty="0"/>
+              <a:t> com </a:t>
+            </a:r>
+            <a:r>
+              <a:rPr lang="en-US" sz="2400" dirty="0" err="1"/>
+              <a:t>os</a:t>
+            </a:r>
+            <a:r>
+              <a:rPr lang="en-US" sz="2400" dirty="0"/>
+              <a:t> </a:t>
+            </a:r>
+            <a:r>
+              <a:rPr lang="en-US" sz="2400" dirty="0" err="1"/>
               <a:t>fuzzers</a:t>
             </a:r>
-            <a:endParaRPr lang="en-US" dirty="0"/>
+            <a:endParaRPr lang="en-US" sz="2400" dirty="0"/>
           </a:p>
           <a:p>
             <a:pPr lvl="1"/>
             <a:r>
-              <a:rPr lang="en-US" dirty="0"/>
-              <a:t>Attack injectors / </a:t>
-            </a:r>
-            <a:r>
-              <a:rPr lang="en-US" dirty="0" err="1"/>
-              <a:t>fuzzers</a:t>
-            </a:r>
-            <a:r>
-              <a:rPr lang="en-US" dirty="0"/>
-              <a:t> – they do </a:t>
-            </a:r>
-            <a:r>
-              <a:rPr lang="en-US" dirty="0">
+              <a:rPr lang="en-US" sz="2000" dirty="0" err="1"/>
+              <a:t>Fuzzers</a:t>
+            </a:r>
+            <a:r>
+              <a:rPr lang="en-US" sz="2000" dirty="0"/>
+              <a:t> – </a:t>
+            </a:r>
+            <a:r>
+              <a:rPr lang="en-US" sz="2000" dirty="0" err="1"/>
+              <a:t>fazem</a:t>
+            </a:r>
+            <a:r>
+              <a:rPr lang="en-US" sz="2000" dirty="0"/>
+              <a:t> </a:t>
+            </a:r>
+            <a:r>
+              <a:rPr lang="en-US" sz="2000" dirty="0" err="1">
                 <a:solidFill>
                   <a:srgbClr val="4E8542"/>
                 </a:solidFill>
               </a:rPr>
-              <a:t>exhaustive search</a:t>
-            </a:r>
-            <a:r>
-              <a:rPr lang="en-US" dirty="0"/>
-              <a:t>, so they look for </a:t>
-            </a:r>
-            <a:r>
-              <a:rPr lang="en-US" dirty="0">
+              <a:t>uma</a:t>
+            </a:r>
+            <a:r>
+              <a:rPr lang="en-US" sz="2000" dirty="0">
+                <a:solidFill>
+                  <a:srgbClr val="4E8542"/>
+                </a:solidFill>
+              </a:rPr>
+              <a:t> </a:t>
+            </a:r>
+            <a:r>
+              <a:rPr lang="en-US" sz="2000" dirty="0" err="1">
+                <a:solidFill>
+                  <a:srgbClr val="4E8542"/>
+                </a:solidFill>
+              </a:rPr>
+              <a:t>procura</a:t>
+            </a:r>
+            <a:r>
+              <a:rPr lang="en-US" sz="2000" dirty="0">
+                <a:solidFill>
+                  <a:srgbClr val="4E8542"/>
+                </a:solidFill>
+              </a:rPr>
+              <a:t> </a:t>
+            </a:r>
+            <a:r>
+              <a:rPr lang="en-US" sz="2000" dirty="0" err="1">
+                <a:solidFill>
+                  <a:srgbClr val="4E8542"/>
+                </a:solidFill>
+              </a:rPr>
+              <a:t>exaustiva</a:t>
+            </a:r>
+            <a:r>
+              <a:rPr lang="en-US" sz="2000" dirty="0"/>
+              <a:t>, </a:t>
+            </a:r>
+            <a:r>
+              <a:rPr lang="en-US" sz="2000" dirty="0" err="1"/>
+              <a:t>pelo</a:t>
+            </a:r>
+            <a:r>
+              <a:rPr lang="en-US" sz="2000" dirty="0"/>
+              <a:t> que </a:t>
+            </a:r>
+            <a:r>
+              <a:rPr lang="en-US" sz="2000" dirty="0" err="1"/>
+              <a:t>procuram</a:t>
+            </a:r>
+            <a:r>
+              <a:rPr lang="en-US" sz="2000" dirty="0"/>
+              <a:t> </a:t>
+            </a:r>
+            <a:r>
+              <a:rPr lang="en-US" sz="2000" dirty="0" err="1"/>
+              <a:t>por</a:t>
+            </a:r>
+            <a:r>
+              <a:rPr lang="en-US" sz="2000" dirty="0"/>
+              <a:t> </a:t>
+            </a:r>
+            <a:r>
+              <a:rPr lang="en-US" sz="2000" dirty="0" err="1">
                 <a:solidFill>
                   <a:srgbClr val="0070C0"/>
                 </a:solidFill>
               </a:rPr>
-              <a:t>new vulnerabilities </a:t>
-            </a:r>
-            <a:endParaRPr lang="en-US" dirty="0"/>
+              <a:t>novas</a:t>
+            </a:r>
+            <a:r>
+              <a:rPr lang="en-US" sz="2000" dirty="0">
+                <a:solidFill>
+                  <a:srgbClr val="0070C0"/>
+                </a:solidFill>
+              </a:rPr>
+              <a:t> </a:t>
+            </a:r>
+            <a:r>
+              <a:rPr lang="en-US" sz="2000" dirty="0" err="1">
+                <a:solidFill>
+                  <a:srgbClr val="0070C0"/>
+                </a:solidFill>
+              </a:rPr>
+              <a:t>vulnerabilidades</a:t>
+            </a:r>
+            <a:endParaRPr lang="en-US" sz="2000" dirty="0"/>
           </a:p>
           <a:p>
             <a:pPr lvl="1"/>
             <a:r>
-              <a:rPr lang="en-US" dirty="0"/>
-              <a:t>Scanners – they use </a:t>
-            </a:r>
-            <a:r>
-              <a:rPr lang="en-US" dirty="0">
+              <a:rPr lang="en-US" sz="2000" dirty="0"/>
+              <a:t>Scanners – </a:t>
+            </a:r>
+            <a:r>
+              <a:rPr lang="en-US" sz="2000" dirty="0" err="1"/>
+              <a:t>utilizam</a:t>
+            </a:r>
+            <a:r>
+              <a:rPr lang="en-US" sz="2000" dirty="0"/>
+              <a:t> </a:t>
+            </a:r>
+            <a:r>
+              <a:rPr lang="en-US" sz="2000" dirty="0" err="1">
                 <a:solidFill>
                   <a:srgbClr val="4E8542"/>
                 </a:solidFill>
               </a:rPr>
-              <a:t>known attacks and heuristics </a:t>
-            </a:r>
-            <a:r>
-              <a:rPr lang="en-US" dirty="0"/>
-              <a:t>to look mostly for </a:t>
-            </a:r>
-            <a:r>
-              <a:rPr lang="en-US" dirty="0">
+              <a:t>ataques</a:t>
+            </a:r>
+            <a:r>
+              <a:rPr lang="en-US" sz="2000" dirty="0">
+                <a:solidFill>
+                  <a:srgbClr val="4E8542"/>
+                </a:solidFill>
+              </a:rPr>
+              <a:t> </a:t>
+            </a:r>
+            <a:r>
+              <a:rPr lang="en-US" sz="2000" dirty="0" err="1">
+                <a:solidFill>
+                  <a:srgbClr val="4E8542"/>
+                </a:solidFill>
+              </a:rPr>
+              <a:t>conhecidos</a:t>
+            </a:r>
+            <a:r>
+              <a:rPr lang="en-US" sz="2000" dirty="0">
+                <a:solidFill>
+                  <a:srgbClr val="4E8542"/>
+                </a:solidFill>
+              </a:rPr>
+              <a:t> e </a:t>
+            </a:r>
+            <a:r>
+              <a:rPr lang="en-US" sz="2000" dirty="0" err="1">
+                <a:solidFill>
+                  <a:srgbClr val="4E8542"/>
+                </a:solidFill>
+              </a:rPr>
+              <a:t>heurísticas</a:t>
+            </a:r>
+            <a:r>
+              <a:rPr lang="en-US" sz="2000" dirty="0">
+                <a:solidFill>
+                  <a:srgbClr val="4E8542"/>
+                </a:solidFill>
+              </a:rPr>
+              <a:t> </a:t>
+            </a:r>
+            <a:r>
+              <a:rPr lang="en-US" sz="2000" dirty="0"/>
+              <a:t>para </a:t>
+            </a:r>
+            <a:r>
+              <a:rPr lang="en-US" sz="2000" dirty="0" err="1"/>
+              <a:t>procurar</a:t>
+            </a:r>
+            <a:r>
+              <a:rPr lang="en-US" sz="2000" dirty="0"/>
+              <a:t> </a:t>
+            </a:r>
+            <a:r>
+              <a:rPr lang="en-US" sz="2000" dirty="0" err="1"/>
+              <a:t>sobretudo</a:t>
+            </a:r>
+            <a:r>
+              <a:rPr lang="en-US" sz="2000" dirty="0"/>
+              <a:t> </a:t>
+            </a:r>
+            <a:r>
+              <a:rPr lang="en-US" sz="2000" dirty="0" err="1"/>
+              <a:t>por</a:t>
+            </a:r>
+            <a:r>
+              <a:rPr lang="en-US" sz="2000" dirty="0"/>
+              <a:t> </a:t>
+            </a:r>
+            <a:r>
+              <a:rPr lang="en-US" sz="2000" dirty="0" err="1">
                 <a:solidFill>
                   <a:srgbClr val="0070C0"/>
                 </a:solidFill>
               </a:rPr>
-              <a:t>known vulnerabilities</a:t>
-            </a:r>
-            <a:endParaRPr lang="en-US" dirty="0"/>
-          </a:p>
-          <a:p>
-            <a:r>
-              <a:rPr lang="en-US" dirty="0"/>
-              <a:t>Web vulnerability scanners are often commercial tools, while the others tend to be free/open</a:t>
-            </a:r>
+              <a:t>vulnerabilidades</a:t>
+            </a:r>
+            <a:r>
+              <a:rPr lang="en-US" sz="2000" dirty="0">
+                <a:solidFill>
+                  <a:srgbClr val="0070C0"/>
+                </a:solidFill>
+              </a:rPr>
+              <a:t> </a:t>
+            </a:r>
+            <a:r>
+              <a:rPr lang="en-US" sz="2000" dirty="0" err="1">
+                <a:solidFill>
+                  <a:srgbClr val="0070C0"/>
+                </a:solidFill>
+              </a:rPr>
+              <a:t>conhecidas</a:t>
+            </a:r>
+            <a:endParaRPr lang="en-US" sz="2000" dirty="0">
+              <a:solidFill>
+                <a:srgbClr val="0070C0"/>
+              </a:solidFill>
+            </a:endParaRPr>
           </a:p>
           <a:p>
             <a:pPr lvl="1"/>
-            <a:r>
-              <a:rPr lang="pt-PT" dirty="0" err="1"/>
+            <a:endParaRPr lang="en-US" sz="2000" dirty="0"/>
+          </a:p>
+          <a:p>
+            <a:pPr lvl="1"/>
+            <a:endParaRPr lang="en-US" sz="2000" dirty="0"/>
+          </a:p>
+          <a:p>
+            <a:r>
+              <a:rPr lang="en-US" sz="2400" dirty="0"/>
+              <a:t>Web vulnerability scanners </a:t>
+            </a:r>
+            <a:r>
+              <a:rPr lang="en-US" sz="2400" dirty="0" err="1"/>
+              <a:t>são</a:t>
+            </a:r>
+            <a:r>
+              <a:rPr lang="en-US" sz="2400" dirty="0"/>
+              <a:t> </a:t>
+            </a:r>
+            <a:r>
+              <a:rPr lang="en-US" sz="2400" dirty="0" err="1"/>
+              <a:t>muitas</a:t>
+            </a:r>
+            <a:r>
+              <a:rPr lang="en-US" sz="2400" dirty="0"/>
+              <a:t> </a:t>
+            </a:r>
+            <a:r>
+              <a:rPr lang="en-US" sz="2400" dirty="0" err="1"/>
+              <a:t>vezes</a:t>
+            </a:r>
+            <a:r>
+              <a:rPr lang="en-US" sz="2400" dirty="0"/>
+              <a:t> ferramentas </a:t>
+            </a:r>
+            <a:r>
+              <a:rPr lang="en-US" sz="2400" dirty="0" err="1"/>
+              <a:t>comerciais</a:t>
+            </a:r>
+            <a:endParaRPr lang="en-US" sz="2400" dirty="0"/>
+          </a:p>
+          <a:p>
+            <a:pPr lvl="1"/>
+            <a:r>
+              <a:rPr lang="pt-PT" sz="2000" dirty="0" err="1"/>
               <a:t>Acunetix</a:t>
             </a:r>
             <a:r>
-              <a:rPr lang="pt-PT" dirty="0"/>
+              <a:rPr lang="pt-PT" sz="2000" dirty="0"/>
               <a:t> WVS, IBM </a:t>
             </a:r>
             <a:r>
-              <a:rPr lang="pt-PT" dirty="0" err="1"/>
+              <a:rPr lang="pt-PT" sz="2000" dirty="0" err="1"/>
               <a:t>Rational</a:t>
             </a:r>
             <a:r>
-              <a:rPr lang="pt-PT" dirty="0"/>
-              <a:t> </a:t>
-            </a:r>
-            <a:r>
-              <a:rPr lang="pt-PT" dirty="0" err="1"/>
+              <a:rPr lang="pt-PT" sz="2000" dirty="0"/>
+              <a:t> </a:t>
+            </a:r>
+            <a:r>
+              <a:rPr lang="pt-PT" sz="2000" dirty="0" err="1"/>
               <a:t>AppScan</a:t>
             </a:r>
             <a:r>
-              <a:rPr lang="pt-PT" dirty="0"/>
+              <a:rPr lang="pt-PT" sz="2000" dirty="0"/>
               <a:t>, </a:t>
             </a:r>
             <a:r>
-              <a:rPr lang="pt-PT" dirty="0" err="1"/>
+              <a:rPr lang="pt-PT" sz="2000" dirty="0" err="1"/>
               <a:t>HPWebInspect</a:t>
             </a:r>
-            <a:endParaRPr lang="pt-PT" dirty="0"/>
-          </a:p>
-          <a:p>
-            <a:pPr lvl="1"/>
-            <a:r>
-              <a:rPr lang="pt-PT" dirty="0" err="1"/>
-              <a:t>Why</a:t>
-            </a:r>
-            <a:r>
-              <a:rPr lang="pt-PT" dirty="0"/>
-              <a:t>?</a:t>
-            </a:r>
-          </a:p>
-          <a:p>
-            <a:endParaRPr lang="en-US" dirty="0"/>
+            <a:endParaRPr lang="pt-PT" sz="2000" dirty="0"/>
+          </a:p>
+          <a:p>
+            <a:endParaRPr lang="en-US" sz="2400" dirty="0"/>
           </a:p>
         </p:txBody>
       </p:sp>
@@ -9582,12 +11567,16 @@
           <a:lstStyle/>
           <a:p>
             <a:r>
+              <a:rPr lang="en-US" sz="2400" dirty="0" err="1"/>
+              <a:t>Modelação</a:t>
+            </a:r>
+            <a:r>
               <a:rPr lang="en-US" sz="2400" dirty="0"/>
-              <a:t>Corridas </a:t>
+              <a:t> de </a:t>
             </a:r>
             <a:r>
               <a:rPr lang="en-US" sz="2400" dirty="0" err="1"/>
-              <a:t>são</a:t>
+              <a:t>ameaças</a:t>
             </a:r>
             <a:r>
               <a:rPr lang="en-US" sz="2400" dirty="0"/>
@@ -9595,31 +11584,166 @@
             </a:r>
             <a:r>
               <a:rPr lang="en-US" sz="2400" dirty="0" err="1"/>
-              <a:t>violações</a:t>
+              <a:t>tem</a:t>
             </a:r>
             <a:r>
               <a:rPr lang="en-US" sz="2400" dirty="0"/>
-              <a:t> das </a:t>
+              <a:t> </a:t>
             </a:r>
             <a:r>
               <a:rPr lang="en-US" sz="2400" dirty="0" err="1"/>
-              <a:t>espectativas</a:t>
+              <a:t>por</a:t>
             </a:r>
             <a:r>
               <a:rPr lang="en-US" sz="2400" dirty="0"/>
-              <a:t> do </a:t>
+              <a:t> objectivo </a:t>
             </a:r>
             <a:r>
               <a:rPr lang="en-US" sz="2400" dirty="0" err="1"/>
-              <a:t>programador</a:t>
+              <a:t>modelar</a:t>
             </a:r>
             <a:r>
               <a:rPr lang="en-US" sz="2400" dirty="0"/>
-              <a:t> </a:t>
+              <a:t> de forma </a:t>
             </a:r>
             <a:r>
               <a:rPr lang="en-US" sz="2400" dirty="0" err="1"/>
-              <a:t>sobre</a:t>
+              <a:t>exaustiva</a:t>
+            </a:r>
+            <a:r>
+              <a:rPr lang="en-US" sz="2400" dirty="0"/>
+              <a:t> as </a:t>
+            </a:r>
+            <a:r>
+              <a:rPr lang="en-US" sz="2400" dirty="0" err="1"/>
+              <a:t>vulnerabilidades</a:t>
+            </a:r>
+            <a:r>
+              <a:rPr lang="en-US" sz="2400" dirty="0"/>
+              <a:t> do software e </a:t>
+            </a:r>
+            <a:r>
+              <a:rPr lang="en-US" sz="2400" dirty="0" err="1"/>
+              <a:t>analizar</a:t>
+            </a:r>
+            <a:r>
+              <a:rPr lang="en-US" sz="2400" dirty="0"/>
+              <a:t> o </a:t>
+            </a:r>
+            <a:r>
+              <a:rPr lang="en-US" sz="2400" dirty="0" err="1"/>
+              <a:t>impacto</a:t>
+            </a:r>
+            <a:r>
+              <a:rPr lang="en-US" sz="2400" dirty="0"/>
+              <a:t> de </a:t>
+            </a:r>
+            <a:r>
+              <a:rPr lang="en-US" sz="2400" dirty="0" err="1"/>
+              <a:t>potenciais</a:t>
+            </a:r>
+            <a:r>
+              <a:rPr lang="en-US" sz="2400" dirty="0"/>
+              <a:t> </a:t>
+            </a:r>
+            <a:r>
+              <a:rPr lang="en-US" sz="2400" dirty="0" err="1"/>
+              <a:t>ataques</a:t>
+            </a:r>
+            <a:r>
+              <a:rPr lang="en-US" sz="2400" dirty="0"/>
+              <a:t> </a:t>
+            </a:r>
+          </a:p>
+          <a:p>
+            <a:endParaRPr lang="en-US" sz="2400" dirty="0"/>
+          </a:p>
+          <a:p>
+            <a:r>
+              <a:rPr lang="en-US" sz="2400" dirty="0"/>
+              <a:t>Para </a:t>
+            </a:r>
+            <a:r>
+              <a:rPr lang="en-US" sz="2400" dirty="0" err="1"/>
+              <a:t>descoberta</a:t>
+            </a:r>
+            <a:r>
+              <a:rPr lang="en-US" sz="2400" dirty="0"/>
+              <a:t> de </a:t>
+            </a:r>
+            <a:r>
+              <a:rPr lang="en-US" sz="2400" dirty="0" err="1"/>
+              <a:t>vulnerabilidades</a:t>
+            </a:r>
+            <a:r>
+              <a:rPr lang="en-US" sz="2400" dirty="0"/>
+              <a:t> </a:t>
+            </a:r>
+            <a:r>
+              <a:rPr lang="en-US" sz="2400" dirty="0" err="1"/>
+              <a:t>desconhecidas</a:t>
+            </a:r>
+            <a:r>
+              <a:rPr lang="en-US" sz="2400" dirty="0"/>
+              <a:t> </a:t>
+            </a:r>
+            <a:r>
+              <a:rPr lang="en-US" sz="2400" dirty="0" err="1"/>
+              <a:t>em</a:t>
+            </a:r>
+            <a:r>
+              <a:rPr lang="en-US" sz="2400" dirty="0"/>
+              <a:t> software, </a:t>
+            </a:r>
+            <a:r>
+              <a:rPr lang="en-US" sz="2400" dirty="0" err="1"/>
+              <a:t>não</a:t>
+            </a:r>
+            <a:r>
+              <a:rPr lang="en-US" sz="2400" dirty="0"/>
+              <a:t> </a:t>
+            </a:r>
+            <a:r>
+              <a:rPr lang="en-US" sz="2400" dirty="0" err="1"/>
+              <a:t>muito</a:t>
+            </a:r>
+            <a:r>
+              <a:rPr lang="en-US" sz="2400" dirty="0"/>
+              <a:t> </a:t>
+            </a:r>
+            <a:r>
+              <a:rPr lang="en-US" sz="2400" dirty="0" err="1"/>
+              <a:t>utilizadas</a:t>
+            </a:r>
+            <a:r>
+              <a:rPr lang="en-US" sz="2400" dirty="0"/>
+              <a:t> ferramentas de teste </a:t>
+            </a:r>
+            <a:r>
+              <a:rPr lang="en-US" sz="2400" dirty="0" err="1"/>
+              <a:t>chamadas</a:t>
+            </a:r>
+            <a:r>
+              <a:rPr lang="en-US" sz="2400" dirty="0"/>
+              <a:t> </a:t>
+            </a:r>
+            <a:r>
+              <a:rPr lang="en-US" sz="2400" dirty="0" err="1"/>
+              <a:t>fuzzers</a:t>
+            </a:r>
+            <a:endParaRPr lang="en-US" sz="2400" dirty="0"/>
+          </a:p>
+          <a:p>
+            <a:endParaRPr lang="en-US" sz="2400" i="1" dirty="0"/>
+          </a:p>
+          <a:p>
+            <a:r>
+              <a:rPr lang="en-US" sz="2400" dirty="0"/>
+              <a:t>Para </a:t>
+            </a:r>
+            <a:r>
+              <a:rPr lang="en-US" sz="2400" dirty="0" err="1"/>
+              <a:t>determinar</a:t>
             </a:r>
             <a:r>
               <a:rPr lang="en-US" sz="2400" dirty="0"/>
@@ -9627,39 +11751,7 @@
             </a:r>
             <a:r>
               <a:rPr lang="en-US" sz="2400" dirty="0" err="1"/>
-              <a:t>atomicidade</a:t>
-            </a:r>
-            <a:r>
-              <a:rPr lang="en-US" sz="2400" dirty="0"/>
-              <a:t> de um </a:t>
-            </a:r>
-            <a:r>
-              <a:rPr lang="en-US" sz="2400" dirty="0" err="1"/>
-              <a:t>programa</a:t>
-            </a:r>
-            <a:r>
-              <a:rPr lang="en-US" sz="2400" dirty="0"/>
-              <a:t> </a:t>
-            </a:r>
-            <a:r>
-              <a:rPr lang="en-US" sz="2400" dirty="0" err="1"/>
-              <a:t>durante</a:t>
-            </a:r>
-            <a:r>
-              <a:rPr lang="en-US" sz="2400" dirty="0"/>
-              <a:t> </a:t>
-            </a:r>
-            <a:r>
-              <a:rPr lang="en-US" sz="2400" dirty="0" err="1"/>
-              <a:t>uma</a:t>
-            </a:r>
-            <a:r>
-              <a:rPr lang="en-US" sz="2400" dirty="0"/>
-              <a:t> </a:t>
-            </a:r>
-            <a:r>
-              <a:rPr lang="en-US" sz="2400" dirty="0" err="1"/>
-              <a:t>janela</a:t>
+              <a:t>existência</a:t>
             </a:r>
             <a:r>
               <a:rPr lang="en-US" sz="2400" dirty="0"/>
@@ -9667,17 +11759,15 @@
             </a:r>
             <a:r>
               <a:rPr lang="en-US" sz="2400" dirty="0" err="1"/>
-              <a:t>vulnerabilidade</a:t>
-            </a:r>
-            <a:endParaRPr lang="en-US" sz="2400" dirty="0"/>
-          </a:p>
-          <a:p>
-            <a:endParaRPr lang="en-US" sz="2400" dirty="0"/>
-          </a:p>
-          <a:p>
+              <a:t>vulnerabilidades</a:t>
+            </a:r>
+            <a:r>
+              <a:rPr lang="en-US" sz="2400" dirty="0"/>
+              <a:t> </a:t>
+            </a:r>
             <a:r>
               <a:rPr lang="en-US" sz="2400" dirty="0" err="1"/>
-              <a:t>Os</a:t>
+              <a:t>conhecidas</a:t>
             </a:r>
             <a:r>
               <a:rPr lang="en-US" sz="2400" dirty="0"/>
@@ -9685,7 +11775,7 @@
             </a:r>
             <a:r>
               <a:rPr lang="en-US" sz="2400" dirty="0" err="1"/>
-              <a:t>principais</a:t>
+              <a:t>em</a:t>
             </a:r>
             <a:r>
               <a:rPr lang="en-US" sz="2400" dirty="0"/>
@@ -9693,7 +11783,47 @@
             </a:r>
             <a:r>
               <a:rPr lang="en-US" sz="2400" dirty="0" err="1"/>
-              <a:t>objectivos</a:t>
+              <a:t>aplicações</a:t>
+            </a:r>
+            <a:r>
+              <a:rPr lang="en-US" sz="2400" dirty="0"/>
+              <a:t>, </a:t>
+            </a:r>
+            <a:r>
+              <a:rPr lang="en-US" sz="2400" dirty="0" err="1"/>
+              <a:t>utilizam</a:t>
+            </a:r>
+            <a:r>
+              <a:rPr lang="en-US" sz="2400" dirty="0"/>
+              <a:t>-se </a:t>
+            </a:r>
+            <a:r>
+              <a:rPr lang="en-US" sz="2400" dirty="0" err="1"/>
+              <a:t>os</a:t>
+            </a:r>
+            <a:r>
+              <a:rPr lang="en-US" sz="2400" dirty="0"/>
+              <a:t> scanners de </a:t>
+            </a:r>
+            <a:r>
+              <a:rPr lang="en-US" sz="2400" dirty="0" err="1"/>
+              <a:t>vulnerabilidades</a:t>
+            </a:r>
+            <a:r>
+              <a:rPr lang="en-US" sz="2400" dirty="0"/>
+              <a:t>, </a:t>
+            </a:r>
+            <a:r>
+              <a:rPr lang="en-US" sz="2400" dirty="0" err="1"/>
+              <a:t>especialmente</a:t>
+            </a:r>
+            <a:r>
+              <a:rPr lang="en-US" sz="2400" dirty="0"/>
+              <a:t> no </a:t>
+            </a:r>
+            <a:r>
+              <a:rPr lang="en-US" sz="2400" dirty="0" err="1"/>
+              <a:t>âmbito</a:t>
             </a:r>
             <a:r>
               <a:rPr lang="en-US" sz="2400" dirty="0"/>
@@ -9701,217 +11831,11 @@
             </a:r>
             <a:r>
               <a:rPr lang="en-US" sz="2400" dirty="0" err="1"/>
-              <a:t>explorar</a:t>
+              <a:t>aplicações</a:t>
             </a:r>
             <a:r>
               <a:rPr lang="en-US" sz="2400" dirty="0"/>
-              <a:t> </a:t>
-            </a:r>
-            <a:r>
-              <a:rPr lang="en-US" sz="2400" dirty="0" err="1"/>
-              <a:t>essas</a:t>
-            </a:r>
-            <a:r>
-              <a:rPr lang="en-US" sz="2400" dirty="0"/>
-              <a:t> </a:t>
-            </a:r>
-            <a:r>
-              <a:rPr lang="en-US" sz="2400" dirty="0" err="1"/>
-              <a:t>vulnerabilidades</a:t>
-            </a:r>
-            <a:r>
-              <a:rPr lang="en-US" sz="2400" dirty="0"/>
-              <a:t> </a:t>
-            </a:r>
-            <a:r>
-              <a:rPr lang="en-US" sz="2400" dirty="0" err="1"/>
-              <a:t>são</a:t>
-            </a:r>
-            <a:r>
-              <a:rPr lang="en-US" sz="2400" dirty="0"/>
-              <a:t> </a:t>
-            </a:r>
-            <a:r>
-              <a:rPr lang="en-US" sz="2400" dirty="0" err="1"/>
-              <a:t>escalar</a:t>
-            </a:r>
-            <a:r>
-              <a:rPr lang="en-US" sz="2400" dirty="0"/>
-              <a:t> </a:t>
-            </a:r>
-            <a:r>
-              <a:rPr lang="en-US" sz="2400" dirty="0" err="1"/>
-              <a:t>privilégios</a:t>
-            </a:r>
-            <a:r>
-              <a:rPr lang="en-US" sz="2400" dirty="0"/>
-              <a:t> e as </a:t>
-            </a:r>
-            <a:r>
-              <a:rPr lang="en-US" sz="2400" dirty="0" err="1"/>
-              <a:t>mais</a:t>
-            </a:r>
-            <a:r>
-              <a:rPr lang="en-US" sz="2400" dirty="0"/>
-              <a:t> </a:t>
-            </a:r>
-            <a:r>
-              <a:rPr lang="en-US" sz="2400" dirty="0" err="1"/>
-              <a:t>comuns</a:t>
-            </a:r>
-            <a:r>
-              <a:rPr lang="en-US" sz="2400" dirty="0"/>
-              <a:t> </a:t>
-            </a:r>
-            <a:r>
-              <a:rPr lang="en-US" sz="2400" dirty="0" err="1"/>
-              <a:t>são</a:t>
-            </a:r>
-            <a:r>
-              <a:rPr lang="en-US" sz="2400" dirty="0"/>
-              <a:t>: TOCTOU, </a:t>
-            </a:r>
-            <a:r>
-              <a:rPr lang="en-US" sz="2400" dirty="0" err="1"/>
-              <a:t>ficheiros</a:t>
-            </a:r>
-            <a:r>
-              <a:rPr lang="en-US" sz="2400" dirty="0"/>
-              <a:t> </a:t>
-            </a:r>
-            <a:r>
-              <a:rPr lang="en-US" sz="2400" dirty="0" err="1"/>
-              <a:t>temporários</a:t>
-            </a:r>
-            <a:r>
-              <a:rPr lang="en-US" sz="2400" dirty="0"/>
-              <a:t>, e </a:t>
-            </a:r>
-            <a:r>
-              <a:rPr lang="en-US" sz="2400" dirty="0" err="1"/>
-              <a:t>concorrência</a:t>
-            </a:r>
-            <a:endParaRPr lang="en-US" sz="2400" dirty="0"/>
-          </a:p>
-          <a:p>
-            <a:endParaRPr lang="en-US" sz="2400" i="1" dirty="0"/>
-          </a:p>
-          <a:p>
-            <a:r>
-              <a:rPr lang="en-US" sz="2400" dirty="0" err="1"/>
-              <a:t>Outra</a:t>
-            </a:r>
-            <a:r>
-              <a:rPr lang="en-US" sz="2400" dirty="0"/>
-              <a:t> </a:t>
-            </a:r>
-            <a:r>
-              <a:rPr lang="en-US" sz="2400" dirty="0" err="1"/>
-              <a:t>classe</a:t>
-            </a:r>
-            <a:r>
-              <a:rPr lang="en-US" sz="2400" dirty="0"/>
-              <a:t> de </a:t>
-            </a:r>
-            <a:r>
-              <a:rPr lang="en-US" sz="2400" dirty="0" err="1"/>
-              <a:t>vulnerabilidades</a:t>
-            </a:r>
-            <a:r>
-              <a:rPr lang="en-US" sz="2400" dirty="0"/>
-              <a:t> </a:t>
-            </a:r>
-            <a:r>
-              <a:rPr lang="en-US" sz="2400" dirty="0" err="1"/>
-              <a:t>é</a:t>
-            </a:r>
-            <a:r>
-              <a:rPr lang="en-US" sz="2400" dirty="0"/>
-              <a:t> </a:t>
-            </a:r>
-            <a:r>
-              <a:rPr lang="en-US" sz="2400" dirty="0" err="1"/>
-              <a:t>deficiente</a:t>
-            </a:r>
-            <a:r>
-              <a:rPr lang="en-US" sz="2400" dirty="0"/>
-              <a:t> </a:t>
-            </a:r>
-            <a:r>
-              <a:rPr lang="en-US" sz="2400" dirty="0" err="1"/>
-              <a:t>validação</a:t>
-            </a:r>
-            <a:r>
-              <a:rPr lang="en-US" sz="2400" dirty="0"/>
-              <a:t> de entradas, que </a:t>
-            </a:r>
-            <a:r>
-              <a:rPr lang="en-US" sz="2400" dirty="0" err="1"/>
-              <a:t>permite</a:t>
-            </a:r>
-            <a:r>
-              <a:rPr lang="en-US" sz="2400" dirty="0"/>
-              <a:t> </a:t>
-            </a:r>
-            <a:r>
-              <a:rPr lang="en-US" sz="2400" dirty="0" err="1"/>
-              <a:t>ao</a:t>
-            </a:r>
-            <a:r>
-              <a:rPr lang="en-US" sz="2400" dirty="0"/>
-              <a:t> </a:t>
-            </a:r>
-            <a:r>
-              <a:rPr lang="en-US" sz="2400" dirty="0" err="1"/>
-              <a:t>atancante</a:t>
-            </a:r>
-            <a:r>
-              <a:rPr lang="en-US" sz="2400" dirty="0"/>
-              <a:t> </a:t>
-            </a:r>
-            <a:r>
-              <a:rPr lang="en-US" sz="2400" dirty="0" err="1"/>
-              <a:t>injectar</a:t>
-            </a:r>
-            <a:r>
-              <a:rPr lang="en-US" sz="2400" dirty="0"/>
-              <a:t> dados que </a:t>
-            </a:r>
-            <a:r>
-              <a:rPr lang="en-US" sz="2400" dirty="0" err="1"/>
-              <a:t>resultem</a:t>
-            </a:r>
-            <a:r>
-              <a:rPr lang="en-US" sz="2400" dirty="0"/>
-              <a:t> </a:t>
-            </a:r>
-            <a:r>
-              <a:rPr lang="en-US" sz="2400" dirty="0" err="1"/>
-              <a:t>num</a:t>
-            </a:r>
-            <a:r>
-              <a:rPr lang="en-US" sz="2400" dirty="0"/>
-              <a:t> </a:t>
-            </a:r>
-            <a:r>
-              <a:rPr lang="en-US" sz="2400" dirty="0" err="1"/>
-              <a:t>desvio</a:t>
-            </a:r>
-            <a:r>
-              <a:rPr lang="en-US" sz="2400" dirty="0"/>
-              <a:t> do </a:t>
-            </a:r>
-            <a:r>
-              <a:rPr lang="en-US" sz="2400" dirty="0" err="1"/>
-              <a:t>comportamento</a:t>
-            </a:r>
-            <a:r>
-              <a:rPr lang="en-US" sz="2400" dirty="0"/>
-              <a:t> normal do </a:t>
-            </a:r>
-            <a:r>
-              <a:rPr lang="en-US" sz="2400" dirty="0" err="1"/>
-              <a:t>programa</a:t>
+              <a:t> web</a:t>
             </a:r>
             <a:endParaRPr lang="en-US" sz="2000" dirty="0"/>
           </a:p>
@@ -10063,7 +11987,7 @@
             </a:r>
             <a:r>
               <a:rPr lang="en-US" dirty="0"/>
-              <a:t> 6 e 7</a:t>
+              <a:t> 12 e 13</a:t>
             </a:r>
           </a:p>
           <a:p>
@@ -10083,28 +12007,33 @@
             <a:pPr lvl="1"/>
             <a:r>
               <a:rPr lang="en-US" dirty="0" err="1"/>
-              <a:t>Vulnerabilidades</a:t>
-            </a:r>
-            <a:r>
-              <a:rPr lang="en-US" dirty="0"/>
-              <a:t> </a:t>
-            </a:r>
-            <a:r>
-              <a:rPr lang="en-US" dirty="0" err="1"/>
-              <a:t>na</a:t>
-            </a:r>
-            <a:r>
-              <a:rPr lang="en-US" dirty="0"/>
-              <a:t> Web e </a:t>
-            </a:r>
-            <a:r>
-              <a:rPr lang="en-US" dirty="0" err="1"/>
-              <a:t>em</a:t>
-            </a:r>
-            <a:r>
-              <a:rPr lang="en-US" dirty="0"/>
-              <a:t> bases de dados</a:t>
-            </a:r>
+              <a:t>Análise</a:t>
+            </a:r>
+            <a:r>
+              <a:rPr lang="en-US" dirty="0"/>
+              <a:t> </a:t>
+            </a:r>
+            <a:r>
+              <a:rPr lang="en-US" dirty="0" err="1"/>
+              <a:t>Estática</a:t>
+            </a:r>
+            <a:r>
+              <a:rPr lang="en-US" dirty="0"/>
+              <a:t> e </a:t>
+            </a:r>
+            <a:r>
+              <a:rPr lang="en-US" dirty="0" err="1"/>
+              <a:t>Protecção</a:t>
+            </a:r>
+            <a:r>
+              <a:rPr lang="en-US" dirty="0"/>
+              <a:t> </a:t>
+            </a:r>
+            <a:r>
+              <a:rPr lang="en-US" dirty="0" err="1"/>
+              <a:t>Dinâmica</a:t>
+            </a:r>
+            <a:endParaRPr lang="en-US" dirty="0"/>
           </a:p>
           <a:p>
             <a:endParaRPr lang="en-US" dirty="0"/>
@@ -10169,7 +12098,7 @@
           <p:cNvPr id="2" name="Title 1">
             <a:extLst>
               <a:ext uri="{FF2B5EF4-FFF2-40B4-BE49-F238E27FC236}">
-                <a16:creationId xmlns:a16="http://schemas.microsoft.com/office/drawing/2014/main" id="{32A95344-4164-4B4D-9FE5-50EAFAF9C036}"/>
+                <a16:creationId xmlns:a16="http://schemas.microsoft.com/office/drawing/2014/main" id="{6C7DA053-E710-DD40-80C5-0996E2E7A55B}"/>
               </a:ext>
             </a:extLst>
           </p:cNvPr>
@@ -10187,13 +12116,16 @@
           <a:p>
             <a:r>
               <a:rPr lang="en-US" dirty="0"/>
-              <a:t>Aula </a:t>
-            </a:r>
-            <a:r>
-              <a:rPr lang="en-US" dirty="0" err="1"/>
-              <a:t>passada</a:t>
-            </a:r>
-            <a:endParaRPr lang="en-US" dirty="0"/>
+              <a:t>Plano para </a:t>
+            </a:r>
+            <a:r>
+              <a:rPr lang="en-US" dirty="0" err="1"/>
+              <a:t>esta</a:t>
+            </a:r>
+            <a:r>
+              <a:rPr lang="en-US" dirty="0"/>
+              <a:t> aula</a:t>
+            </a:r>
           </a:p>
         </p:txBody>
       </p:sp>
@@ -10202,7 +12134,7 @@
           <p:cNvPr id="3" name="Date Placeholder 2">
             <a:extLst>
               <a:ext uri="{FF2B5EF4-FFF2-40B4-BE49-F238E27FC236}">
-                <a16:creationId xmlns:a16="http://schemas.microsoft.com/office/drawing/2014/main" id="{ED774F1F-B0C5-274F-959D-65A14A0E1980}"/>
+                <a16:creationId xmlns:a16="http://schemas.microsoft.com/office/drawing/2014/main" id="{B995B8F0-DF35-734F-AFA8-1909F9DE3ADE}"/>
               </a:ext>
             </a:extLst>
           </p:cNvPr>
@@ -10231,7 +12163,7 @@
           <p:cNvPr id="4" name="Footer Placeholder 3">
             <a:extLst>
               <a:ext uri="{FF2B5EF4-FFF2-40B4-BE49-F238E27FC236}">
-                <a16:creationId xmlns:a16="http://schemas.microsoft.com/office/drawing/2014/main" id="{9CC325DC-0B32-2F46-A410-C67BF44CE02E}"/>
+                <a16:creationId xmlns:a16="http://schemas.microsoft.com/office/drawing/2014/main" id="{FA25D9C6-8BB1-2642-9412-838726AB0C2E}"/>
               </a:ext>
             </a:extLst>
           </p:cNvPr>
@@ -10260,7 +12192,7 @@
           <p:cNvPr id="5" name="Slide Number Placeholder 4">
             <a:extLst>
               <a:ext uri="{FF2B5EF4-FFF2-40B4-BE49-F238E27FC236}">
-                <a16:creationId xmlns:a16="http://schemas.microsoft.com/office/drawing/2014/main" id="{AC40A020-1A9F-F045-BE9D-659AEF8E0495}"/>
+                <a16:creationId xmlns:a16="http://schemas.microsoft.com/office/drawing/2014/main" id="{AA882DF4-115C-724A-975C-BC9F80A8105C}"/>
               </a:ext>
             </a:extLst>
           </p:cNvPr>
@@ -10289,7 +12221,7 @@
           <p:cNvPr id="6" name="Content Placeholder 5">
             <a:extLst>
               <a:ext uri="{FF2B5EF4-FFF2-40B4-BE49-F238E27FC236}">
-                <a16:creationId xmlns:a16="http://schemas.microsoft.com/office/drawing/2014/main" id="{A52EEBCF-EE55-C94A-9BF4-D2D10AF73196}"/>
+                <a16:creationId xmlns:a16="http://schemas.microsoft.com/office/drawing/2014/main" id="{B8340191-56CF-B240-ADF6-14217E25AEA6}"/>
               </a:ext>
             </a:extLst>
           </p:cNvPr>
@@ -10300,123 +12232,76 @@
             <p:ph sz="quarter" idx="1"/>
           </p:nvPr>
         </p:nvSpPr>
-        <p:spPr/>
-        <p:txBody>
-          <a:bodyPr/>
-          <a:lstStyle/>
-          <a:p>
-            <a:r>
-              <a:rPr lang="en-US" dirty="0" err="1"/>
-              <a:t>Estudámos</a:t>
-            </a:r>
-            <a:r>
-              <a:rPr lang="en-US" dirty="0"/>
-              <a:t> </a:t>
-            </a:r>
-            <a:r>
-              <a:rPr lang="en-US" dirty="0" err="1"/>
-              <a:t>mais</a:t>
-            </a:r>
-            <a:r>
-              <a:rPr lang="en-US" dirty="0"/>
-              <a:t> </a:t>
-            </a:r>
-            <a:r>
-              <a:rPr lang="en-US" dirty="0" err="1"/>
-              <a:t>duas</a:t>
-            </a:r>
-            <a:r>
-              <a:rPr lang="en-US" dirty="0"/>
-              <a:t> classes de </a:t>
-            </a:r>
-            <a:r>
-              <a:rPr lang="en-US" dirty="0" err="1"/>
-              <a:t>vulnerabilidades</a:t>
-            </a:r>
-            <a:r>
-              <a:rPr lang="en-US" dirty="0"/>
-              <a:t>:</a:t>
-            </a:r>
-          </a:p>
-          <a:p>
-            <a:endParaRPr lang="en-US" dirty="0"/>
-          </a:p>
-          <a:p>
-            <a:endParaRPr lang="en-US" dirty="0"/>
-          </a:p>
-          <a:p>
-            <a:endParaRPr lang="en-US" dirty="0"/>
-          </a:p>
-          <a:p>
-            <a:endParaRPr lang="en-US" dirty="0"/>
-          </a:p>
-          <a:p>
-            <a:r>
-              <a:rPr lang="en-US" dirty="0" err="1"/>
-              <a:t>Devido</a:t>
-            </a:r>
-            <a:r>
-              <a:rPr lang="en-US" dirty="0"/>
-              <a:t> a corridas</a:t>
-            </a:r>
-          </a:p>
-          <a:p>
-            <a:endParaRPr lang="en-US" dirty="0"/>
-          </a:p>
-          <a:p>
-            <a:r>
-              <a:rPr lang="en-US" dirty="0" err="1"/>
-              <a:t>Devido</a:t>
-            </a:r>
-            <a:r>
-              <a:rPr lang="en-US" dirty="0"/>
-              <a:t> a </a:t>
-            </a:r>
-            <a:r>
-              <a:rPr lang="en-US" dirty="0" err="1"/>
-              <a:t>validação</a:t>
-            </a:r>
-            <a:r>
-              <a:rPr lang="en-US" dirty="0"/>
-              <a:t> de entradas</a:t>
-            </a:r>
-          </a:p>
-        </p:txBody>
-      </p:sp>
-      <p:pic>
-        <p:nvPicPr>
-          <p:cNvPr id="7" name="Picture 6">
-            <a:extLst>
-              <a:ext uri="{FF2B5EF4-FFF2-40B4-BE49-F238E27FC236}">
-                <a16:creationId xmlns:a16="http://schemas.microsoft.com/office/drawing/2014/main" id="{0A98A871-D597-234B-924E-B54F702DB011}"/>
-              </a:ext>
-            </a:extLst>
-          </p:cNvPr>
-          <p:cNvPicPr>
-            <a:picLocks noChangeAspect="1"/>
-          </p:cNvPicPr>
-          <p:nvPr/>
-        </p:nvPicPr>
-        <p:blipFill>
-          <a:blip r:embed="rId2"/>
-          <a:stretch>
-            <a:fillRect/>
-          </a:stretch>
-        </p:blipFill>
         <p:spPr>
           <a:xfrm>
-            <a:off x="3695700" y="2060761"/>
-            <a:ext cx="1752600" cy="1752600"/>
+            <a:off x="457200" y="1219200"/>
+            <a:ext cx="8229600" cy="4937760"/>
           </a:xfrm>
-          <a:prstGeom prst="rect">
-            <a:avLst/>
-          </a:prstGeom>
         </p:spPr>
-      </p:pic>
+        <p:txBody>
+          <a:bodyPr/>
+          <a:lstStyle/>
+          <a:p>
+            <a:endParaRPr lang="en-US" dirty="0"/>
+          </a:p>
+          <a:p>
+            <a:r>
+              <a:rPr lang="en-US" dirty="0" err="1"/>
+              <a:t>Modelação</a:t>
+            </a:r>
+            <a:r>
+              <a:rPr lang="en-US" dirty="0"/>
+              <a:t> de </a:t>
+            </a:r>
+            <a:r>
+              <a:rPr lang="en-US" dirty="0" err="1"/>
+              <a:t>ameaças</a:t>
+            </a:r>
+            <a:endParaRPr lang="en-US" dirty="0"/>
+          </a:p>
+          <a:p>
+            <a:endParaRPr lang="en-US" dirty="0"/>
+          </a:p>
+          <a:p>
+            <a:r>
+              <a:rPr lang="en-US" dirty="0"/>
+              <a:t>Teste de software: </a:t>
+            </a:r>
+            <a:r>
+              <a:rPr lang="en-US" dirty="0" err="1"/>
+              <a:t>fuzzers</a:t>
+            </a:r>
+            <a:endParaRPr lang="en-US" dirty="0"/>
+          </a:p>
+          <a:p>
+            <a:endParaRPr lang="en-US" dirty="0"/>
+          </a:p>
+          <a:p>
+            <a:r>
+              <a:rPr lang="en-US" dirty="0"/>
+              <a:t>Teste de software: scanners de </a:t>
+            </a:r>
+            <a:r>
+              <a:rPr lang="en-US" dirty="0" err="1"/>
+              <a:t>vulnerabilidades</a:t>
+            </a:r>
+            <a:endParaRPr lang="en-US" dirty="0"/>
+          </a:p>
+          <a:p>
+            <a:endParaRPr lang="en-US" dirty="0"/>
+          </a:p>
+          <a:p>
+            <a:endParaRPr lang="en-US" dirty="0"/>
+          </a:p>
+          <a:p>
+            <a:endParaRPr lang="en-US" dirty="0"/>
+          </a:p>
+        </p:txBody>
+      </p:sp>
     </p:spTree>
     <p:extLst>
       <p:ext uri="{BB962C8B-B14F-4D97-AF65-F5344CB8AC3E}">
-        <p14:creationId xmlns:p14="http://schemas.microsoft.com/office/powerpoint/2010/main" val="3604188621"/>
+        <p14:creationId xmlns:p14="http://schemas.microsoft.com/office/powerpoint/2010/main" val="4285884446"/>
       </p:ext>
     </p:extLst>
   </p:cSld>
@@ -10445,10 +12330,10 @@
       </p:grpSpPr>
       <p:sp>
         <p:nvSpPr>
-          <p:cNvPr id="2" name="Title 1">
+          <p:cNvPr id="7" name="Title 6">
             <a:extLst>
               <a:ext uri="{FF2B5EF4-FFF2-40B4-BE49-F238E27FC236}">
-                <a16:creationId xmlns:a16="http://schemas.microsoft.com/office/drawing/2014/main" id="{6C7DA053-E710-DD40-80C5-0996E2E7A55B}"/>
+                <a16:creationId xmlns:a16="http://schemas.microsoft.com/office/drawing/2014/main" id="{CA065597-B38C-3C4A-A732-97A489122D28}"/>
               </a:ext>
             </a:extLst>
           </p:cNvPr>
@@ -10465,17 +12350,26 @@
           <a:lstStyle/>
           <a:p>
             <a:r>
-              <a:rPr lang="en-US" dirty="0"/>
-              <a:t>Plano para </a:t>
-            </a:r>
-            <a:r>
-              <a:rPr lang="en-US" dirty="0" err="1"/>
-              <a:t>esta</a:t>
-            </a:r>
-            <a:r>
-              <a:rPr lang="en-US" dirty="0"/>
-              <a:t> aula</a:t>
-            </a:r>
+              <a:rPr lang="en-US" dirty="0" err="1"/>
+              <a:t>Modelação</a:t>
+            </a:r>
+            <a:r>
+              <a:rPr lang="en-US" dirty="0"/>
+              <a:t> de </a:t>
+            </a:r>
+            <a:r>
+              <a:rPr lang="en-US" dirty="0" err="1"/>
+              <a:t>ataques</a:t>
+            </a:r>
+            <a:r>
+              <a:rPr lang="en-US" dirty="0"/>
+              <a:t> / </a:t>
+            </a:r>
+            <a:r>
+              <a:rPr lang="en-US" dirty="0" err="1"/>
+              <a:t>ameaças</a:t>
+            </a:r>
+            <a:endParaRPr lang="en-US" dirty="0"/>
           </a:p>
         </p:txBody>
       </p:sp>
@@ -10484,7 +12378,7 @@
           <p:cNvPr id="3" name="Date Placeholder 2">
             <a:extLst>
               <a:ext uri="{FF2B5EF4-FFF2-40B4-BE49-F238E27FC236}">
-                <a16:creationId xmlns:a16="http://schemas.microsoft.com/office/drawing/2014/main" id="{B995B8F0-DF35-734F-AFA8-1909F9DE3ADE}"/>
+                <a16:creationId xmlns:a16="http://schemas.microsoft.com/office/drawing/2014/main" id="{AD4493F9-01A7-D544-81BA-3EB4C049A4CD}"/>
               </a:ext>
             </a:extLst>
           </p:cNvPr>
@@ -10513,7 +12407,7 @@
           <p:cNvPr id="4" name="Footer Placeholder 3">
             <a:extLst>
               <a:ext uri="{FF2B5EF4-FFF2-40B4-BE49-F238E27FC236}">
-                <a16:creationId xmlns:a16="http://schemas.microsoft.com/office/drawing/2014/main" id="{FA25D9C6-8BB1-2642-9412-838726AB0C2E}"/>
+                <a16:creationId xmlns:a16="http://schemas.microsoft.com/office/drawing/2014/main" id="{8177CA35-7D0A-6D4A-9185-3373EC74F745}"/>
               </a:ext>
             </a:extLst>
           </p:cNvPr>
@@ -10542,7 +12436,7 @@
           <p:cNvPr id="5" name="Slide Number Placeholder 4">
             <a:extLst>
               <a:ext uri="{FF2B5EF4-FFF2-40B4-BE49-F238E27FC236}">
-                <a16:creationId xmlns:a16="http://schemas.microsoft.com/office/drawing/2014/main" id="{AA882DF4-115C-724A-975C-BC9F80A8105C}"/>
+                <a16:creationId xmlns:a16="http://schemas.microsoft.com/office/drawing/2014/main" id="{A9726EED-259C-9F47-AD3A-0A6F09C3FB7F}"/>
               </a:ext>
             </a:extLst>
           </p:cNvPr>
@@ -10566,98 +12460,10 @@
           </a:p>
         </p:txBody>
       </p:sp>
-      <p:sp>
-        <p:nvSpPr>
-          <p:cNvPr id="6" name="Content Placeholder 5">
-            <a:extLst>
-              <a:ext uri="{FF2B5EF4-FFF2-40B4-BE49-F238E27FC236}">
-                <a16:creationId xmlns:a16="http://schemas.microsoft.com/office/drawing/2014/main" id="{B8340191-56CF-B240-ADF6-14217E25AEA6}"/>
-              </a:ext>
-            </a:extLst>
-          </p:cNvPr>
-          <p:cNvSpPr>
-            <a:spLocks noGrp="1"/>
-          </p:cNvSpPr>
-          <p:nvPr>
-            <p:ph sz="quarter" idx="1"/>
-          </p:nvPr>
-        </p:nvSpPr>
-        <p:spPr>
-          <a:xfrm>
-            <a:off x="457200" y="1219200"/>
-            <a:ext cx="8229600" cy="4937760"/>
-          </a:xfrm>
-        </p:spPr>
-        <p:txBody>
-          <a:bodyPr/>
-          <a:lstStyle/>
-          <a:p>
-            <a:endParaRPr lang="en-US" dirty="0"/>
-          </a:p>
-          <a:p>
-            <a:r>
-              <a:rPr lang="en-US" dirty="0" err="1"/>
-              <a:t>Arquitectura</a:t>
-            </a:r>
-            <a:r>
-              <a:rPr lang="en-US" dirty="0"/>
-              <a:t> das </a:t>
-            </a:r>
-            <a:r>
-              <a:rPr lang="en-US" dirty="0" err="1"/>
-              <a:t>aplicações</a:t>
-            </a:r>
-            <a:r>
-              <a:rPr lang="en-US" dirty="0"/>
-              <a:t> Web</a:t>
-            </a:r>
-          </a:p>
-          <a:p>
-            <a:endParaRPr lang="en-US" dirty="0"/>
-          </a:p>
-          <a:p>
-            <a:r>
-              <a:rPr lang="en-US" dirty="0" err="1"/>
-              <a:t>Principais</a:t>
-            </a:r>
-            <a:r>
-              <a:rPr lang="en-US" dirty="0"/>
-              <a:t> </a:t>
-            </a:r>
-            <a:r>
-              <a:rPr lang="en-US" dirty="0" err="1"/>
-              <a:t>vulnerabilidades</a:t>
-            </a:r>
-            <a:r>
-              <a:rPr lang="en-US" dirty="0"/>
-              <a:t> </a:t>
-            </a:r>
-            <a:r>
-              <a:rPr lang="en-US" dirty="0" err="1"/>
-              <a:t>em</a:t>
-            </a:r>
-            <a:r>
-              <a:rPr lang="en-US" dirty="0"/>
-              <a:t> </a:t>
-            </a:r>
-            <a:r>
-              <a:rPr lang="en-US" dirty="0" err="1"/>
-              <a:t>aplicações</a:t>
-            </a:r>
-            <a:r>
-              <a:rPr lang="en-US" dirty="0"/>
-              <a:t> Web</a:t>
-            </a:r>
-          </a:p>
-          <a:p>
-            <a:endParaRPr lang="en-US" dirty="0"/>
-          </a:p>
-        </p:txBody>
-      </p:sp>
     </p:spTree>
     <p:extLst>
       <p:ext uri="{BB962C8B-B14F-4D97-AF65-F5344CB8AC3E}">
-        <p14:creationId xmlns:p14="http://schemas.microsoft.com/office/powerpoint/2010/main" val="4285884446"/>
+        <p14:creationId xmlns:p14="http://schemas.microsoft.com/office/powerpoint/2010/main" val="1435246701"/>
       </p:ext>
     </p:extLst>
   </p:cSld>
@@ -10686,10 +12492,10 @@
       </p:grpSpPr>
       <p:sp>
         <p:nvSpPr>
-          <p:cNvPr id="7" name="Title 6">
+          <p:cNvPr id="2" name="Title 1">
             <a:extLst>
               <a:ext uri="{FF2B5EF4-FFF2-40B4-BE49-F238E27FC236}">
-                <a16:creationId xmlns:a16="http://schemas.microsoft.com/office/drawing/2014/main" id="{CA065597-B38C-3C4A-A732-97A489122D28}"/>
+                <a16:creationId xmlns:a16="http://schemas.microsoft.com/office/drawing/2014/main" id="{FE7BAAEC-4D11-744F-A843-037FB9E0A7F2}"/>
               </a:ext>
             </a:extLst>
           </p:cNvPr>
@@ -10707,23 +12513,7 @@
           <a:p>
             <a:r>
               <a:rPr lang="en-US" dirty="0" err="1"/>
-              <a:t>Modelação</a:t>
-            </a:r>
-            <a:r>
-              <a:rPr lang="en-US" dirty="0"/>
-              <a:t> de </a:t>
-            </a:r>
-            <a:r>
-              <a:rPr lang="en-US" dirty="0" err="1"/>
-              <a:t>ataques</a:t>
-            </a:r>
-            <a:r>
-              <a:rPr lang="en-US" dirty="0"/>
-              <a:t> / </a:t>
-            </a:r>
-            <a:r>
-              <a:rPr lang="en-US" dirty="0" err="1"/>
-              <a:t>ameaças</a:t>
+              <a:t>Motivação</a:t>
             </a:r>
             <a:endParaRPr lang="en-US" dirty="0"/>
           </a:p>
@@ -10734,7 +12524,7 @@
           <p:cNvPr id="3" name="Date Placeholder 2">
             <a:extLst>
               <a:ext uri="{FF2B5EF4-FFF2-40B4-BE49-F238E27FC236}">
-                <a16:creationId xmlns:a16="http://schemas.microsoft.com/office/drawing/2014/main" id="{AD4493F9-01A7-D544-81BA-3EB4C049A4CD}"/>
+                <a16:creationId xmlns:a16="http://schemas.microsoft.com/office/drawing/2014/main" id="{C2AB5C82-A917-6248-8648-A07BA66106AE}"/>
               </a:ext>
             </a:extLst>
           </p:cNvPr>
@@ -10763,7 +12553,7 @@
           <p:cNvPr id="4" name="Footer Placeholder 3">
             <a:extLst>
               <a:ext uri="{FF2B5EF4-FFF2-40B4-BE49-F238E27FC236}">
-                <a16:creationId xmlns:a16="http://schemas.microsoft.com/office/drawing/2014/main" id="{8177CA35-7D0A-6D4A-9185-3373EC74F745}"/>
+                <a16:creationId xmlns:a16="http://schemas.microsoft.com/office/drawing/2014/main" id="{0D6D286D-2934-EA41-94DF-8261E305718A}"/>
               </a:ext>
             </a:extLst>
           </p:cNvPr>
@@ -10792,7 +12582,7 @@
           <p:cNvPr id="5" name="Slide Number Placeholder 4">
             <a:extLst>
               <a:ext uri="{FF2B5EF4-FFF2-40B4-BE49-F238E27FC236}">
-                <a16:creationId xmlns:a16="http://schemas.microsoft.com/office/drawing/2014/main" id="{A9726EED-259C-9F47-AD3A-0A6F09C3FB7F}"/>
+                <a16:creationId xmlns:a16="http://schemas.microsoft.com/office/drawing/2014/main" id="{EADC1AFD-4C2B-4040-909A-7720BED155EE}"/>
               </a:ext>
             </a:extLst>
           </p:cNvPr>
@@ -10816,10 +12606,79 @@
           </a:p>
         </p:txBody>
       </p:sp>
+      <p:sp>
+        <p:nvSpPr>
+          <p:cNvPr id="6" name="Content Placeholder 5">
+            <a:extLst>
+              <a:ext uri="{FF2B5EF4-FFF2-40B4-BE49-F238E27FC236}">
+                <a16:creationId xmlns:a16="http://schemas.microsoft.com/office/drawing/2014/main" id="{6BB53F36-DD1F-BB4F-B536-9C518E33A6B7}"/>
+              </a:ext>
+            </a:extLst>
+          </p:cNvPr>
+          <p:cNvSpPr>
+            <a:spLocks noGrp="1"/>
+          </p:cNvSpPr>
+          <p:nvPr>
+            <p:ph sz="quarter" idx="1"/>
+          </p:nvPr>
+        </p:nvSpPr>
+        <p:spPr/>
+        <p:txBody>
+          <a:bodyPr/>
+          <a:lstStyle/>
+          <a:p>
+            <a:endParaRPr lang="en-US" sz="2400" dirty="0"/>
+          </a:p>
+          <a:p>
+            <a:r>
+              <a:rPr lang="en-US" sz="2400" dirty="0"/>
+              <a:t>“All software projects are guaranteed to have one artifact in common – source code. Together with architectural risk analysis, code review for security ranks very high on the list of software security best practices.”</a:t>
+            </a:r>
+          </a:p>
+          <a:p>
+            <a:pPr lvl="1"/>
+            <a:r>
+              <a:rPr lang="en-US" sz="1800" dirty="0"/>
+              <a:t>Brian Chess &amp; Gary McGraw</a:t>
+            </a:r>
+          </a:p>
+          <a:p>
+            <a:pPr lvl="1"/>
+            <a:endParaRPr lang="en-US" sz="1800" dirty="0"/>
+          </a:p>
+          <a:p>
+            <a:r>
+              <a:rPr lang="en-US" sz="2400" dirty="0"/>
+              <a:t>“during the Windows Security Push (…) [Feb-Mar 2002] we found that the most important aspect of the software design process, from a security viewpoint, is </a:t>
+            </a:r>
+            <a:r>
+              <a:rPr lang="en-US" sz="2400" b="1" dirty="0"/>
+              <a:t>threat modeling</a:t>
+            </a:r>
+            <a:r>
+              <a:rPr lang="en-US" sz="2400" dirty="0"/>
+              <a:t>”</a:t>
+            </a:r>
+          </a:p>
+          <a:p>
+            <a:pPr lvl="1"/>
+            <a:r>
+              <a:rPr lang="en-US" sz="1800" dirty="0"/>
+              <a:t>Howard &amp; LeBlanc </a:t>
+            </a:r>
+          </a:p>
+          <a:p>
+            <a:pPr marL="0" indent="0">
+              <a:buNone/>
+            </a:pPr>
+            <a:endParaRPr lang="en-US" dirty="0"/>
+          </a:p>
+        </p:txBody>
+      </p:sp>
     </p:spTree>
     <p:extLst>
       <p:ext uri="{BB962C8B-B14F-4D97-AF65-F5344CB8AC3E}">
-        <p14:creationId xmlns:p14="http://schemas.microsoft.com/office/powerpoint/2010/main" val="1435246701"/>
+        <p14:creationId xmlns:p14="http://schemas.microsoft.com/office/powerpoint/2010/main" val="2101266889"/>
       </p:ext>
     </p:extLst>
   </p:cSld>
@@ -10996,31 +12855,324 @@
         </p:nvSpPr>
         <p:spPr/>
         <p:txBody>
-          <a:bodyPr/>
-          <a:lstStyle/>
-          <a:p>
-            <a:r>
-              <a:rPr lang="en-US" dirty="0"/>
-              <a:t>What is modeling? Why is it important in so many areas?</a:t>
-            </a:r>
-          </a:p>
-          <a:p>
-            <a:r>
-              <a:rPr lang="en-US" dirty="0"/>
-              <a:t>Objective is to model attacks, i.e., to characterize how they can affect the system</a:t>
-            </a:r>
-          </a:p>
-          <a:p>
-            <a:r>
-              <a:rPr lang="en-US" dirty="0"/>
-              <a:t>Then remediate the problems found</a:t>
-            </a:r>
-          </a:p>
-          <a:p>
-            <a:r>
-              <a:rPr lang="en-US" dirty="0"/>
-              <a:t>Can be part of the software development cycle (recommended) or done later</a:t>
-            </a:r>
+          <a:bodyPr>
+            <a:normAutofit fontScale="92500" lnSpcReduction="10000"/>
+          </a:bodyPr>
+          <a:lstStyle/>
+          <a:p>
+            <a:endParaRPr lang="en-US" dirty="0"/>
+          </a:p>
+          <a:p>
+            <a:r>
+              <a:rPr lang="en-US" dirty="0"/>
+              <a:t>O que </a:t>
+            </a:r>
+            <a:r>
+              <a:rPr lang="en-US" dirty="0" err="1"/>
+              <a:t>é</a:t>
+            </a:r>
+            <a:r>
+              <a:rPr lang="en-US" dirty="0"/>
+              <a:t> </a:t>
+            </a:r>
+            <a:r>
+              <a:rPr lang="en-US" dirty="0" err="1"/>
+              <a:t>modelação</a:t>
+            </a:r>
+            <a:r>
+              <a:rPr lang="en-US" dirty="0"/>
+              <a:t>? </a:t>
+            </a:r>
+            <a:r>
+              <a:rPr lang="en-US" dirty="0" err="1"/>
+              <a:t>Porque</a:t>
+            </a:r>
+            <a:r>
+              <a:rPr lang="en-US" dirty="0"/>
+              <a:t> </a:t>
+            </a:r>
+            <a:r>
+              <a:rPr lang="en-US" dirty="0" err="1"/>
+              <a:t>é</a:t>
+            </a:r>
+            <a:r>
+              <a:rPr lang="en-US" dirty="0"/>
+              <a:t> </a:t>
+            </a:r>
+            <a:r>
+              <a:rPr lang="en-US" dirty="0" err="1"/>
+              <a:t>importante</a:t>
+            </a:r>
+            <a:r>
+              <a:rPr lang="en-US" dirty="0"/>
+              <a:t> </a:t>
+            </a:r>
+            <a:r>
+              <a:rPr lang="en-US" dirty="0" err="1"/>
+              <a:t>em</a:t>
+            </a:r>
+            <a:r>
+              <a:rPr lang="en-US" dirty="0"/>
+              <a:t> </a:t>
+            </a:r>
+            <a:r>
+              <a:rPr lang="en-US" dirty="0" err="1"/>
+              <a:t>tantas</a:t>
+            </a:r>
+            <a:r>
+              <a:rPr lang="en-US" dirty="0"/>
+              <a:t> </a:t>
+            </a:r>
+            <a:r>
+              <a:rPr lang="en-US" dirty="0" err="1"/>
+              <a:t>áreas</a:t>
+            </a:r>
+            <a:r>
+              <a:rPr lang="en-US" dirty="0"/>
+              <a:t>?</a:t>
+            </a:r>
+          </a:p>
+          <a:p>
+            <a:endParaRPr lang="en-US" dirty="0"/>
+          </a:p>
+          <a:p>
+            <a:r>
+              <a:rPr lang="en-US" dirty="0"/>
+              <a:t>O objectivo </a:t>
+            </a:r>
+            <a:r>
+              <a:rPr lang="en-US" dirty="0" err="1"/>
+              <a:t>é</a:t>
+            </a:r>
+            <a:r>
+              <a:rPr lang="en-US" dirty="0"/>
+              <a:t> </a:t>
+            </a:r>
+            <a:r>
+              <a:rPr lang="en-US" dirty="0" err="1"/>
+              <a:t>modelar</a:t>
+            </a:r>
+            <a:r>
+              <a:rPr lang="en-US" dirty="0"/>
+              <a:t> </a:t>
+            </a:r>
+            <a:r>
+              <a:rPr lang="en-US" dirty="0" err="1"/>
+              <a:t>ataques</a:t>
+            </a:r>
+            <a:r>
+              <a:rPr lang="en-US" dirty="0"/>
+              <a:t> / </a:t>
+            </a:r>
+            <a:r>
+              <a:rPr lang="en-US" dirty="0" err="1"/>
+              <a:t>ameaças</a:t>
+            </a:r>
+            <a:r>
+              <a:rPr lang="en-US" dirty="0"/>
+              <a:t>, </a:t>
+            </a:r>
+            <a:r>
+              <a:rPr lang="en-US" dirty="0" err="1"/>
+              <a:t>ou</a:t>
+            </a:r>
+            <a:r>
+              <a:rPr lang="en-US" dirty="0"/>
+              <a:t> </a:t>
+            </a:r>
+            <a:r>
+              <a:rPr lang="en-US" dirty="0" err="1"/>
+              <a:t>seja</a:t>
+            </a:r>
+            <a:r>
+              <a:rPr lang="en-US" dirty="0"/>
+              <a:t>, </a:t>
+            </a:r>
+            <a:r>
+              <a:rPr lang="en-US" dirty="0" err="1"/>
+              <a:t>caracterizar</a:t>
+            </a:r>
+            <a:r>
+              <a:rPr lang="en-US" dirty="0"/>
+              <a:t> </a:t>
+            </a:r>
+            <a:r>
+              <a:rPr lang="en-US" dirty="0" err="1"/>
+              <a:t>como</a:t>
+            </a:r>
+            <a:r>
+              <a:rPr lang="en-US" dirty="0"/>
+              <a:t> </a:t>
+            </a:r>
+            <a:r>
+              <a:rPr lang="en-US" dirty="0" err="1"/>
+              <a:t>é</a:t>
+            </a:r>
+            <a:r>
+              <a:rPr lang="en-US" dirty="0"/>
+              <a:t> que </a:t>
+            </a:r>
+            <a:r>
+              <a:rPr lang="en-US" dirty="0" err="1"/>
+              <a:t>elas</a:t>
+            </a:r>
+            <a:r>
+              <a:rPr lang="en-US" dirty="0"/>
+              <a:t> </a:t>
+            </a:r>
+            <a:r>
+              <a:rPr lang="en-US" dirty="0" err="1"/>
+              <a:t>podem</a:t>
+            </a:r>
+            <a:r>
+              <a:rPr lang="en-US" dirty="0"/>
+              <a:t> </a:t>
+            </a:r>
+            <a:r>
+              <a:rPr lang="en-US" dirty="0" err="1"/>
+              <a:t>afectar</a:t>
+            </a:r>
+            <a:r>
+              <a:rPr lang="en-US" dirty="0"/>
+              <a:t> um </a:t>
+            </a:r>
+            <a:r>
+              <a:rPr lang="en-US" dirty="0" err="1"/>
+              <a:t>sistema</a:t>
+            </a:r>
+            <a:endParaRPr lang="en-US" dirty="0"/>
+          </a:p>
+          <a:p>
+            <a:endParaRPr lang="en-US" dirty="0"/>
+          </a:p>
+          <a:p>
+            <a:r>
+              <a:rPr lang="en-US" dirty="0" err="1"/>
+              <a:t>Depois</a:t>
+            </a:r>
+            <a:r>
+              <a:rPr lang="en-US" dirty="0"/>
+              <a:t> </a:t>
+            </a:r>
+            <a:r>
+              <a:rPr lang="en-US" dirty="0" err="1"/>
+              <a:t>remediar</a:t>
+            </a:r>
+            <a:r>
+              <a:rPr lang="en-US" dirty="0"/>
+              <a:t> </a:t>
+            </a:r>
+            <a:r>
+              <a:rPr lang="en-US" dirty="0" err="1"/>
+              <a:t>os</a:t>
+            </a:r>
+            <a:r>
+              <a:rPr lang="en-US" dirty="0"/>
+              <a:t> </a:t>
+            </a:r>
+            <a:r>
+              <a:rPr lang="en-US" dirty="0" err="1"/>
+              <a:t>problemas</a:t>
+            </a:r>
+            <a:r>
+              <a:rPr lang="en-US" dirty="0"/>
+              <a:t> </a:t>
+            </a:r>
+            <a:r>
+              <a:rPr lang="en-US" dirty="0" err="1"/>
+              <a:t>encontrados</a:t>
+            </a:r>
+            <a:endParaRPr lang="en-US" dirty="0"/>
+          </a:p>
+          <a:p>
+            <a:endParaRPr lang="en-US" dirty="0"/>
+          </a:p>
+          <a:p>
+            <a:r>
+              <a:rPr lang="en-US" dirty="0" err="1"/>
+              <a:t>Pode</a:t>
+            </a:r>
+            <a:r>
+              <a:rPr lang="en-US" dirty="0"/>
+              <a:t> </a:t>
+            </a:r>
+            <a:r>
+              <a:rPr lang="en-US" dirty="0" err="1"/>
+              <a:t>ser</a:t>
+            </a:r>
+            <a:r>
+              <a:rPr lang="en-US" dirty="0"/>
+              <a:t> </a:t>
+            </a:r>
+            <a:r>
+              <a:rPr lang="en-US" dirty="0" err="1"/>
+              <a:t>realizado</a:t>
+            </a:r>
+            <a:r>
+              <a:rPr lang="en-US" dirty="0"/>
+              <a:t> </a:t>
+            </a:r>
+            <a:r>
+              <a:rPr lang="en-US" dirty="0" err="1"/>
+              <a:t>durante</a:t>
+            </a:r>
+            <a:r>
+              <a:rPr lang="en-US" dirty="0"/>
+              <a:t> o </a:t>
+            </a:r>
+            <a:r>
+              <a:rPr lang="en-US" dirty="0" err="1"/>
+              <a:t>ciclo</a:t>
+            </a:r>
+            <a:r>
+              <a:rPr lang="en-US" dirty="0"/>
+              <a:t> de </a:t>
+            </a:r>
+            <a:r>
+              <a:rPr lang="en-US" dirty="0" err="1"/>
+              <a:t>desenvolvimento</a:t>
+            </a:r>
+            <a:r>
+              <a:rPr lang="en-US" dirty="0"/>
+              <a:t> de software (</a:t>
+            </a:r>
+            <a:r>
+              <a:rPr lang="en-US" dirty="0" err="1"/>
+              <a:t>recomendado</a:t>
+            </a:r>
+            <a:r>
+              <a:rPr lang="en-US" dirty="0"/>
+              <a:t>) </a:t>
+            </a:r>
+            <a:r>
+              <a:rPr lang="en-US" dirty="0" err="1"/>
+              <a:t>ou</a:t>
+            </a:r>
+            <a:r>
+              <a:rPr lang="en-US" dirty="0"/>
+              <a:t> </a:t>
+            </a:r>
+            <a:r>
+              <a:rPr lang="en-US" dirty="0" err="1"/>
+              <a:t>ser</a:t>
+            </a:r>
+            <a:r>
+              <a:rPr lang="en-US" dirty="0"/>
+              <a:t> </a:t>
+            </a:r>
+            <a:r>
+              <a:rPr lang="en-US" dirty="0" err="1"/>
+              <a:t>feito</a:t>
+            </a:r>
+            <a:r>
+              <a:rPr lang="en-US" dirty="0"/>
+              <a:t> </a:t>
+            </a:r>
+            <a:r>
+              <a:rPr lang="en-US" dirty="0" err="1"/>
+              <a:t>depois</a:t>
+            </a:r>
+            <a:endParaRPr lang="en-US" dirty="0"/>
           </a:p>
           <a:p>
             <a:endParaRPr lang="en-US" dirty="0"/>
@@ -11211,39 +13363,296 @@
           <a:lstStyle/>
           <a:p>
             <a:r>
+              <a:rPr lang="en-US" u="sng" dirty="0" err="1"/>
+              <a:t>Mais</a:t>
+            </a:r>
+            <a:r>
               <a:rPr lang="en-US" u="sng" dirty="0"/>
-              <a:t>helps identity risks </a:t>
-            </a:r>
-          </a:p>
-          <a:p>
-            <a:r>
-              <a:rPr lang="en-US" dirty="0"/>
-              <a:t>helps understanding the application</a:t>
-            </a:r>
-          </a:p>
-          <a:p>
-            <a:r>
-              <a:rPr lang="en-US" dirty="0"/>
-              <a:t>helps find bugs</a:t>
-            </a:r>
-          </a:p>
-          <a:p>
-            <a:r>
-              <a:rPr lang="en-US" dirty="0"/>
-              <a:t>can help new team members understand the application</a:t>
-            </a:r>
-          </a:p>
-          <a:p>
-            <a:r>
-              <a:rPr lang="en-US" dirty="0"/>
-              <a:t>documents the application for other teams that may use it as a component</a:t>
-            </a:r>
-          </a:p>
-          <a:p>
-            <a:r>
-              <a:rPr lang="en-US" dirty="0"/>
-              <a:t>help testers define what has to be tested</a:t>
-            </a:r>
+              <a:t> </a:t>
+            </a:r>
+            <a:r>
+              <a:rPr lang="en-US" u="sng" dirty="0" err="1"/>
+              <a:t>importante</a:t>
+            </a:r>
+            <a:r>
+              <a:rPr lang="en-US" u="sng" dirty="0"/>
+              <a:t>: </a:t>
+            </a:r>
+            <a:r>
+              <a:rPr lang="en-US" u="sng" dirty="0" err="1"/>
+              <a:t>Ajuda</a:t>
+            </a:r>
+            <a:r>
+              <a:rPr lang="en-US" u="sng" dirty="0"/>
+              <a:t> a </a:t>
+            </a:r>
+            <a:r>
+              <a:rPr lang="en-US" u="sng" dirty="0" err="1"/>
+              <a:t>identificar</a:t>
+            </a:r>
+            <a:r>
+              <a:rPr lang="en-US" u="sng" dirty="0"/>
+              <a:t> </a:t>
+            </a:r>
+            <a:r>
+              <a:rPr lang="en-US" u="sng" dirty="0" err="1"/>
+              <a:t>os</a:t>
+            </a:r>
+            <a:r>
+              <a:rPr lang="en-US" u="sng" dirty="0"/>
+              <a:t> </a:t>
+            </a:r>
+            <a:r>
+              <a:rPr lang="en-US" u="sng" dirty="0" err="1"/>
+              <a:t>risos</a:t>
+            </a:r>
+            <a:endParaRPr lang="en-US" u="sng" dirty="0"/>
+          </a:p>
+          <a:p>
+            <a:endParaRPr lang="en-US" u="sng" dirty="0"/>
+          </a:p>
+          <a:p>
+            <a:pPr lvl="1"/>
+            <a:r>
+              <a:rPr lang="en-US" dirty="0" err="1"/>
+              <a:t>Ajuda</a:t>
+            </a:r>
+            <a:r>
+              <a:rPr lang="en-US" dirty="0"/>
+              <a:t> a </a:t>
+            </a:r>
+            <a:r>
+              <a:rPr lang="en-US" dirty="0" err="1"/>
+              <a:t>compreender</a:t>
+            </a:r>
+            <a:r>
+              <a:rPr lang="en-US" dirty="0"/>
+              <a:t> o </a:t>
+            </a:r>
+            <a:r>
+              <a:rPr lang="en-US" dirty="0" err="1"/>
+              <a:t>funcionamento</a:t>
+            </a:r>
+            <a:r>
+              <a:rPr lang="en-US" dirty="0"/>
+              <a:t> da </a:t>
+            </a:r>
+            <a:r>
+              <a:rPr lang="en-US" dirty="0" err="1"/>
+              <a:t>aplicação</a:t>
+            </a:r>
+            <a:endParaRPr lang="en-US" dirty="0"/>
+          </a:p>
+          <a:p>
+            <a:pPr lvl="1"/>
+            <a:r>
+              <a:rPr lang="en-US" dirty="0" err="1"/>
+              <a:t>Ajuda</a:t>
+            </a:r>
+            <a:r>
+              <a:rPr lang="en-US" dirty="0"/>
+              <a:t> a </a:t>
+            </a:r>
+            <a:r>
+              <a:rPr lang="en-US" dirty="0" err="1"/>
+              <a:t>encontrar</a:t>
+            </a:r>
+            <a:r>
+              <a:rPr lang="en-US" dirty="0"/>
+              <a:t> bugs</a:t>
+            </a:r>
+          </a:p>
+          <a:p>
+            <a:pPr lvl="1"/>
+            <a:r>
+              <a:rPr lang="en-US" dirty="0" err="1"/>
+              <a:t>Pode</a:t>
+            </a:r>
+            <a:r>
+              <a:rPr lang="en-US" dirty="0"/>
+              <a:t> </a:t>
+            </a:r>
+            <a:r>
+              <a:rPr lang="en-US" dirty="0" err="1"/>
+              <a:t>ajudar</a:t>
+            </a:r>
+            <a:r>
+              <a:rPr lang="en-US" dirty="0"/>
+              <a:t> </a:t>
+            </a:r>
+            <a:r>
+              <a:rPr lang="en-US" dirty="0" err="1"/>
+              <a:t>novos</a:t>
+            </a:r>
+            <a:r>
+              <a:rPr lang="en-US" dirty="0"/>
+              <a:t> </a:t>
+            </a:r>
+            <a:r>
+              <a:rPr lang="en-US" dirty="0" err="1"/>
+              <a:t>membros</a:t>
+            </a:r>
+            <a:r>
+              <a:rPr lang="en-US" dirty="0"/>
+              <a:t> da </a:t>
+            </a:r>
+            <a:r>
+              <a:rPr lang="en-US" dirty="0" err="1"/>
+              <a:t>equipa</a:t>
+            </a:r>
+            <a:r>
+              <a:rPr lang="en-US" dirty="0"/>
+              <a:t> a </a:t>
+            </a:r>
+            <a:r>
+              <a:rPr lang="en-US" dirty="0" err="1"/>
+              <a:t>compreender</a:t>
+            </a:r>
+            <a:r>
+              <a:rPr lang="en-US" dirty="0"/>
+              <a:t> </a:t>
+            </a:r>
+            <a:r>
+              <a:rPr lang="en-US" dirty="0" err="1"/>
+              <a:t>como</a:t>
+            </a:r>
+            <a:r>
+              <a:rPr lang="en-US" dirty="0"/>
+              <a:t> </a:t>
+            </a:r>
+            <a:r>
+              <a:rPr lang="en-US" dirty="0" err="1"/>
+              <a:t>funciona</a:t>
+            </a:r>
+            <a:r>
+              <a:rPr lang="en-US" dirty="0"/>
+              <a:t> a </a:t>
+            </a:r>
+            <a:r>
+              <a:rPr lang="en-US" dirty="0" err="1"/>
+              <a:t>aplicação</a:t>
+            </a:r>
+            <a:endParaRPr lang="en-US" dirty="0"/>
+          </a:p>
+          <a:p>
+            <a:pPr lvl="1"/>
+            <a:r>
+              <a:rPr lang="en-US" dirty="0" err="1"/>
+              <a:t>Documenta</a:t>
+            </a:r>
+            <a:r>
+              <a:rPr lang="en-US" dirty="0"/>
+              <a:t> a </a:t>
+            </a:r>
+            <a:r>
+              <a:rPr lang="en-US" dirty="0" err="1"/>
+              <a:t>aplicação</a:t>
+            </a:r>
+            <a:r>
+              <a:rPr lang="en-US" dirty="0"/>
+              <a:t> para </a:t>
+            </a:r>
+            <a:r>
+              <a:rPr lang="en-US" dirty="0" err="1"/>
+              <a:t>outras</a:t>
+            </a:r>
+            <a:r>
+              <a:rPr lang="en-US" dirty="0"/>
+              <a:t> </a:t>
+            </a:r>
+            <a:r>
+              <a:rPr lang="en-US" dirty="0" err="1"/>
+              <a:t>equipas</a:t>
+            </a:r>
+            <a:r>
+              <a:rPr lang="en-US" dirty="0"/>
+              <a:t> que a  </a:t>
+            </a:r>
+            <a:r>
+              <a:rPr lang="en-US" dirty="0" err="1"/>
+              <a:t>podem</a:t>
+            </a:r>
+            <a:r>
+              <a:rPr lang="en-US" dirty="0"/>
+              <a:t> </a:t>
+            </a:r>
+            <a:r>
+              <a:rPr lang="en-US" dirty="0" err="1"/>
+              <a:t>estar</a:t>
+            </a:r>
+            <a:r>
+              <a:rPr lang="en-US" dirty="0"/>
+              <a:t> a </a:t>
+            </a:r>
+            <a:r>
+              <a:rPr lang="en-US" dirty="0" err="1"/>
+              <a:t>utilizar</a:t>
+            </a:r>
+            <a:r>
+              <a:rPr lang="en-US" dirty="0"/>
+              <a:t> </a:t>
+            </a:r>
+            <a:r>
+              <a:rPr lang="en-US" dirty="0" err="1"/>
+              <a:t>como</a:t>
+            </a:r>
+            <a:r>
+              <a:rPr lang="en-US" dirty="0"/>
+              <a:t> </a:t>
+            </a:r>
+            <a:r>
+              <a:rPr lang="en-US" dirty="0" err="1"/>
+              <a:t>componente</a:t>
+            </a:r>
+            <a:endParaRPr lang="en-US" dirty="0"/>
+          </a:p>
+          <a:p>
+            <a:pPr lvl="1"/>
+            <a:r>
+              <a:rPr lang="en-US" dirty="0" err="1"/>
+              <a:t>Ajuda</a:t>
+            </a:r>
+            <a:r>
+              <a:rPr lang="en-US" dirty="0"/>
+              <a:t> a </a:t>
+            </a:r>
+            <a:r>
+              <a:rPr lang="en-US" dirty="0" err="1"/>
+              <a:t>equipa</a:t>
+            </a:r>
+            <a:r>
+              <a:rPr lang="en-US" dirty="0"/>
+              <a:t> de teste a </a:t>
+            </a:r>
+            <a:r>
+              <a:rPr lang="en-US" dirty="0" err="1"/>
+              <a:t>definir</a:t>
+            </a:r>
+            <a:r>
+              <a:rPr lang="en-US" dirty="0"/>
+              <a:t> o que </a:t>
+            </a:r>
+            <a:r>
+              <a:rPr lang="en-US" dirty="0" err="1"/>
+              <a:t>deve</a:t>
+            </a:r>
+            <a:r>
+              <a:rPr lang="en-US" dirty="0"/>
+              <a:t> </a:t>
+            </a:r>
+            <a:r>
+              <a:rPr lang="en-US" dirty="0" err="1"/>
+              <a:t>ser</a:t>
+            </a:r>
+            <a:r>
+              <a:rPr lang="en-US" dirty="0"/>
+              <a:t> </a:t>
+            </a:r>
+            <a:r>
+              <a:rPr lang="en-US" dirty="0" err="1"/>
+              <a:t>testado</a:t>
+            </a:r>
+            <a:endParaRPr lang="en-US" dirty="0"/>
           </a:p>
           <a:p>
             <a:endParaRPr lang="en-US" dirty="0"/>
@@ -11430,37 +13839,224 @@
         </p:nvSpPr>
         <p:spPr/>
         <p:txBody>
-          <a:bodyPr/>
-          <a:lstStyle/>
-          <a:p>
-            <a:r>
-              <a:rPr lang="en-US" dirty="0"/>
-              <a:t>Step 0: information gathering</a:t>
-            </a:r>
-          </a:p>
-          <a:p>
-            <a:r>
-              <a:rPr lang="en-US" dirty="0"/>
-              <a:t>Step 1: decompose the application into attack targets – create the model</a:t>
-            </a:r>
-          </a:p>
-          <a:p>
-            <a:r>
-              <a:rPr lang="en-US" dirty="0"/>
-              <a:t>Step 2: identify vulnerabilities</a:t>
-            </a:r>
-          </a:p>
-          <a:p>
-            <a:r>
-              <a:rPr lang="en-US" dirty="0"/>
-              <a:t>Step 3: describe the threats/attacks for each target</a:t>
-            </a:r>
-          </a:p>
-          <a:p>
-            <a:r>
-              <a:rPr lang="en-US" dirty="0"/>
-              <a:t>Step 4: rank risk for each attack</a:t>
-            </a:r>
+          <a:bodyPr>
+            <a:normAutofit lnSpcReduction="10000"/>
+          </a:bodyPr>
+          <a:lstStyle/>
+          <a:p>
+            <a:r>
+              <a:rPr lang="en-US" b="1" dirty="0" err="1"/>
+              <a:t>Passo</a:t>
+            </a:r>
+            <a:r>
+              <a:rPr lang="en-US" b="1" dirty="0"/>
+              <a:t> 0: </a:t>
+            </a:r>
+            <a:r>
+              <a:rPr lang="en-US" dirty="0" err="1"/>
+              <a:t>Recolha</a:t>
+            </a:r>
+            <a:r>
+              <a:rPr lang="en-US" dirty="0"/>
+              <a:t> de </a:t>
+            </a:r>
+            <a:r>
+              <a:rPr lang="en-US" dirty="0" err="1"/>
+              <a:t>informação</a:t>
+            </a:r>
+            <a:endParaRPr lang="en-US" dirty="0"/>
+          </a:p>
+          <a:p>
+            <a:endParaRPr lang="en-US" dirty="0"/>
+          </a:p>
+          <a:p>
+            <a:r>
+              <a:rPr lang="en-US" b="1" dirty="0" err="1"/>
+              <a:t>Passo</a:t>
+            </a:r>
+            <a:r>
+              <a:rPr lang="en-US" b="1" dirty="0"/>
+              <a:t> 1: </a:t>
+            </a:r>
+            <a:r>
+              <a:rPr lang="en-US" dirty="0" err="1"/>
+              <a:t>Decompor</a:t>
+            </a:r>
+            <a:r>
+              <a:rPr lang="en-US" dirty="0"/>
+              <a:t> a </a:t>
+            </a:r>
+            <a:r>
+              <a:rPr lang="en-US" dirty="0" err="1"/>
+              <a:t>aplicação</a:t>
+            </a:r>
+            <a:r>
+              <a:rPr lang="en-US" dirty="0"/>
+              <a:t> </a:t>
+            </a:r>
+            <a:r>
+              <a:rPr lang="en-US" dirty="0" err="1"/>
+              <a:t>em</a:t>
+            </a:r>
+            <a:r>
+              <a:rPr lang="en-US" dirty="0"/>
+              <a:t> </a:t>
+            </a:r>
+            <a:r>
+              <a:rPr lang="en-US" dirty="0" err="1"/>
+              <a:t>alvos</a:t>
+            </a:r>
+            <a:r>
+              <a:rPr lang="en-US" dirty="0"/>
+              <a:t> de </a:t>
+            </a:r>
+            <a:r>
+              <a:rPr lang="en-US" dirty="0" err="1"/>
+              <a:t>ataque</a:t>
+            </a:r>
+            <a:r>
+              <a:rPr lang="en-US" dirty="0"/>
+              <a:t> – </a:t>
+            </a:r>
+            <a:r>
+              <a:rPr lang="en-US" dirty="0" err="1"/>
+              <a:t>criar</a:t>
+            </a:r>
+            <a:r>
+              <a:rPr lang="en-US" dirty="0"/>
+              <a:t> o </a:t>
+            </a:r>
+            <a:r>
+              <a:rPr lang="en-US" dirty="0" err="1"/>
+              <a:t>modelo</a:t>
+            </a:r>
+            <a:endParaRPr lang="en-US" dirty="0"/>
+          </a:p>
+          <a:p>
+            <a:endParaRPr lang="en-US" dirty="0"/>
+          </a:p>
+          <a:p>
+            <a:r>
+              <a:rPr lang="en-US" b="1" dirty="0" err="1"/>
+              <a:t>Passo</a:t>
+            </a:r>
+            <a:r>
+              <a:rPr lang="en-US" b="1" dirty="0"/>
+              <a:t> 2: </a:t>
+            </a:r>
+            <a:r>
+              <a:rPr lang="en-US" dirty="0" err="1"/>
+              <a:t>Identificar</a:t>
+            </a:r>
+            <a:r>
+              <a:rPr lang="en-US" dirty="0"/>
+              <a:t> as </a:t>
+            </a:r>
+            <a:r>
+              <a:rPr lang="en-US" dirty="0" err="1"/>
+              <a:t>vulnerabilidades</a:t>
+            </a:r>
+            <a:endParaRPr lang="en-US" dirty="0"/>
+          </a:p>
+          <a:p>
+            <a:endParaRPr lang="en-US" dirty="0"/>
+          </a:p>
+          <a:p>
+            <a:r>
+              <a:rPr lang="en-US" b="1" dirty="0" err="1"/>
+              <a:t>Passo</a:t>
+            </a:r>
+            <a:r>
+              <a:rPr lang="en-US" b="1" dirty="0"/>
+              <a:t> 3: </a:t>
+            </a:r>
+            <a:r>
+              <a:rPr lang="en-US" dirty="0" err="1"/>
+              <a:t>Descrever</a:t>
+            </a:r>
+            <a:r>
+              <a:rPr lang="en-US" dirty="0"/>
+              <a:t> </a:t>
+            </a:r>
+            <a:r>
+              <a:rPr lang="en-US" dirty="0" err="1"/>
+              <a:t>os</a:t>
+            </a:r>
+            <a:r>
+              <a:rPr lang="en-US" dirty="0"/>
+              <a:t> </a:t>
+            </a:r>
+            <a:r>
+              <a:rPr lang="en-US" dirty="0" err="1"/>
+              <a:t>ataques</a:t>
+            </a:r>
+            <a:r>
+              <a:rPr lang="en-US" dirty="0"/>
+              <a:t> / </a:t>
+            </a:r>
+            <a:r>
+              <a:rPr lang="en-US" dirty="0" err="1"/>
+              <a:t>ameaças</a:t>
+            </a:r>
+            <a:r>
+              <a:rPr lang="en-US" dirty="0"/>
+              <a:t> para </a:t>
+            </a:r>
+            <a:r>
+              <a:rPr lang="en-US" dirty="0" err="1"/>
+              <a:t>cada</a:t>
+            </a:r>
+            <a:r>
+              <a:rPr lang="en-US" dirty="0"/>
+              <a:t> </a:t>
+            </a:r>
+            <a:r>
+              <a:rPr lang="en-US" dirty="0" err="1"/>
+              <a:t>alvo</a:t>
+            </a:r>
+            <a:endParaRPr lang="en-US" dirty="0"/>
+          </a:p>
+          <a:p>
+            <a:endParaRPr lang="en-US" dirty="0"/>
+          </a:p>
+          <a:p>
+            <a:r>
+              <a:rPr lang="en-US" b="1" dirty="0" err="1"/>
+              <a:t>Passo</a:t>
+            </a:r>
+            <a:r>
+              <a:rPr lang="en-US" b="1" dirty="0"/>
+              <a:t> 4: </a:t>
+            </a:r>
+            <a:r>
+              <a:rPr lang="en-US" dirty="0" err="1"/>
+              <a:t>Classificar</a:t>
+            </a:r>
+            <a:r>
+              <a:rPr lang="en-US" dirty="0"/>
+              <a:t> o </a:t>
+            </a:r>
+            <a:r>
+              <a:rPr lang="en-US" dirty="0" err="1"/>
+              <a:t>risco</a:t>
+            </a:r>
+            <a:r>
+              <a:rPr lang="en-US" dirty="0"/>
+              <a:t> para </a:t>
+            </a:r>
+            <a:r>
+              <a:rPr lang="en-US" dirty="0" err="1"/>
+              <a:t>cada</a:t>
+            </a:r>
+            <a:r>
+              <a:rPr lang="en-US" dirty="0"/>
+              <a:t> </a:t>
+            </a:r>
+            <a:r>
+              <a:rPr lang="en-US" dirty="0" err="1"/>
+              <a:t>ataque</a:t>
+            </a:r>
+            <a:endParaRPr lang="en-US" dirty="0"/>
           </a:p>
           <a:p>
             <a:endParaRPr lang="en-US" dirty="0"/>
@@ -11505,7 +14101,7 @@
           <p:cNvPr id="2" name="Title 1">
             <a:extLst>
               <a:ext uri="{FF2B5EF4-FFF2-40B4-BE49-F238E27FC236}">
-                <a16:creationId xmlns:a16="http://schemas.microsoft.com/office/drawing/2014/main" id="{D0BB8394-B103-DB43-9CD9-A78C76F3BB04}"/>
+                <a16:creationId xmlns:a16="http://schemas.microsoft.com/office/drawing/2014/main" id="{A38A9805-9C7A-CE45-8AC0-73FE4FB7C076}"/>
               </a:ext>
             </a:extLst>
           </p:cNvPr>
@@ -11516,33 +14112,30 @@
             <p:ph type="title"/>
           </p:nvPr>
         </p:nvSpPr>
-        <p:spPr>
-          <a:xfrm>
-            <a:off x="1219200" y="152400"/>
-            <a:ext cx="7467600" cy="914400"/>
-          </a:xfrm>
-        </p:spPr>
-        <p:txBody>
-          <a:bodyPr>
-            <a:normAutofit fontScale="90000"/>
-          </a:bodyPr>
-          <a:lstStyle/>
-          <a:p>
-            <a:r>
-              <a:rPr lang="en-US" dirty="0"/>
-              <a:t>STRIDE taxonomy: </a:t>
-            </a:r>
-            <a:r>
-              <a:rPr lang="en-US" dirty="0" err="1"/>
-              <a:t>Identificação</a:t>
-            </a:r>
-            <a:r>
-              <a:rPr lang="en-US" dirty="0"/>
-              <a:t> das </a:t>
-            </a:r>
-            <a:r>
-              <a:rPr lang="en-US" dirty="0" err="1"/>
-              <a:t>vulnerabilidades</a:t>
+        <p:spPr/>
+        <p:txBody>
+          <a:bodyPr/>
+          <a:lstStyle/>
+          <a:p>
+            <a:r>
+              <a:rPr lang="en-US" dirty="0" err="1"/>
+              <a:t>Exemplo</a:t>
+            </a:r>
+            <a:r>
+              <a:rPr lang="en-US" dirty="0"/>
+              <a:t> de </a:t>
+            </a:r>
+            <a:r>
+              <a:rPr lang="en-US" dirty="0" err="1"/>
+              <a:t>decomposição</a:t>
+            </a:r>
+            <a:r>
+              <a:rPr lang="en-US" dirty="0"/>
+              <a:t> de </a:t>
+            </a:r>
+            <a:r>
+              <a:rPr lang="en-US" dirty="0" err="1"/>
+              <a:t>aplicação</a:t>
             </a:r>
             <a:endParaRPr lang="en-US" dirty="0"/>
           </a:p>
@@ -11553,7 +14146,7 @@
           <p:cNvPr id="3" name="Date Placeholder 2">
             <a:extLst>
               <a:ext uri="{FF2B5EF4-FFF2-40B4-BE49-F238E27FC236}">
-                <a16:creationId xmlns:a16="http://schemas.microsoft.com/office/drawing/2014/main" id="{BCBDD4D5-69D0-E442-8269-E39914575EAB}"/>
+                <a16:creationId xmlns:a16="http://schemas.microsoft.com/office/drawing/2014/main" id="{C67CFCED-CD3C-1D4D-90DB-59C43B210F56}"/>
               </a:ext>
             </a:extLst>
           </p:cNvPr>
@@ -11582,7 +14175,7 @@
           <p:cNvPr id="4" name="Footer Placeholder 3">
             <a:extLst>
               <a:ext uri="{FF2B5EF4-FFF2-40B4-BE49-F238E27FC236}">
-                <a16:creationId xmlns:a16="http://schemas.microsoft.com/office/drawing/2014/main" id="{0B61157D-C09B-2247-A790-03DF6132B1DD}"/>
+                <a16:creationId xmlns:a16="http://schemas.microsoft.com/office/drawing/2014/main" id="{2A74E415-5DEC-6443-9436-0B586349F674}"/>
               </a:ext>
             </a:extLst>
           </p:cNvPr>
@@ -11611,7 +14204,7 @@
           <p:cNvPr id="5" name="Slide Number Placeholder 4">
             <a:extLst>
               <a:ext uri="{FF2B5EF4-FFF2-40B4-BE49-F238E27FC236}">
-                <a16:creationId xmlns:a16="http://schemas.microsoft.com/office/drawing/2014/main" id="{78D637AA-B154-0242-A9EF-BEC001D0AB10}"/>
+                <a16:creationId xmlns:a16="http://schemas.microsoft.com/office/drawing/2014/main" id="{C6424241-87B2-6C4E-AB20-7D27F6041504}"/>
               </a:ext>
             </a:extLst>
           </p:cNvPr>
@@ -11640,7 +14233,7 @@
           <p:cNvPr id="6" name="Content Placeholder 5">
             <a:extLst>
               <a:ext uri="{FF2B5EF4-FFF2-40B4-BE49-F238E27FC236}">
-                <a16:creationId xmlns:a16="http://schemas.microsoft.com/office/drawing/2014/main" id="{31B52E53-1DFD-4C45-A008-012C464AC0D0}"/>
+                <a16:creationId xmlns:a16="http://schemas.microsoft.com/office/drawing/2014/main" id="{906F4E04-D3FF-8246-8F02-FBC5595E46A3}"/>
               </a:ext>
             </a:extLst>
           </p:cNvPr>
@@ -11656,170 +14249,126 @@
           <a:bodyPr/>
           <a:lstStyle/>
           <a:p>
-            <a:pPr>
-              <a:lnSpc>
-                <a:spcPct val="90000"/>
-              </a:lnSpc>
-            </a:pPr>
-            <a:r>
-              <a:rPr lang="en-US" sz="2400" b="1" dirty="0"/>
-              <a:t>S</a:t>
-            </a:r>
-            <a:r>
-              <a:rPr lang="en-US" sz="2400" dirty="0"/>
-              <a:t>poofing identity</a:t>
-            </a:r>
-          </a:p>
-          <a:p>
-            <a:pPr lvl="1">
-              <a:lnSpc>
-                <a:spcPct val="90000"/>
-              </a:lnSpc>
-            </a:pPr>
-            <a:r>
-              <a:rPr lang="en-US" sz="1800" dirty="0"/>
-              <a:t>attacker poses as a valid entity</a:t>
-            </a:r>
-          </a:p>
-          <a:p>
-            <a:pPr>
-              <a:lnSpc>
-                <a:spcPct val="90000"/>
-              </a:lnSpc>
-            </a:pPr>
-            <a:r>
-              <a:rPr lang="en-US" sz="2400" b="1" dirty="0"/>
-              <a:t>T</a:t>
-            </a:r>
-            <a:r>
-              <a:rPr lang="en-US" sz="2400" dirty="0"/>
-              <a:t>ampering with data</a:t>
-            </a:r>
-          </a:p>
-          <a:p>
-            <a:pPr lvl="1">
-              <a:lnSpc>
-                <a:spcPct val="90000"/>
-              </a:lnSpc>
-            </a:pPr>
-            <a:r>
-              <a:rPr lang="en-US" sz="1800" dirty="0"/>
-              <a:t>malicious modification of data</a:t>
-            </a:r>
-          </a:p>
-          <a:p>
-            <a:pPr>
-              <a:lnSpc>
-                <a:spcPct val="90000"/>
-              </a:lnSpc>
-            </a:pPr>
-            <a:r>
-              <a:rPr lang="en-US" sz="2400" b="1" dirty="0"/>
-              <a:t>R</a:t>
-            </a:r>
-            <a:r>
-              <a:rPr lang="en-US" sz="2400" dirty="0"/>
-              <a:t>epudiation</a:t>
-            </a:r>
-          </a:p>
-          <a:p>
-            <a:pPr lvl="1">
-              <a:lnSpc>
-                <a:spcPct val="90000"/>
-              </a:lnSpc>
-            </a:pPr>
-            <a:r>
-              <a:rPr lang="en-US" sz="1800" dirty="0"/>
-              <a:t>denying an event</a:t>
-            </a:r>
-          </a:p>
-          <a:p>
-            <a:pPr>
-              <a:lnSpc>
-                <a:spcPct val="90000"/>
-              </a:lnSpc>
-            </a:pPr>
-            <a:r>
-              <a:rPr lang="en-US" sz="2400" b="1" dirty="0"/>
-              <a:t>I</a:t>
-            </a:r>
-            <a:r>
-              <a:rPr lang="en-US" sz="2400" dirty="0"/>
-              <a:t>nformation disclosure</a:t>
-            </a:r>
-          </a:p>
-          <a:p>
-            <a:pPr lvl="1">
-              <a:lnSpc>
-                <a:spcPct val="90000"/>
-              </a:lnSpc>
-            </a:pPr>
-            <a:r>
-              <a:rPr lang="en-US" sz="1800" dirty="0"/>
-              <a:t>exposure of information to entities that were not supposed to</a:t>
-            </a:r>
-          </a:p>
-          <a:p>
-            <a:pPr>
-              <a:lnSpc>
-                <a:spcPct val="90000"/>
-              </a:lnSpc>
-            </a:pPr>
-            <a:r>
-              <a:rPr lang="en-US" sz="2400" b="1" dirty="0"/>
-              <a:t>D</a:t>
-            </a:r>
-            <a:r>
-              <a:rPr lang="en-US" sz="2400" dirty="0"/>
-              <a:t>enial of service</a:t>
-            </a:r>
-          </a:p>
-          <a:p>
-            <a:pPr lvl="1">
-              <a:lnSpc>
-                <a:spcPct val="90000"/>
-              </a:lnSpc>
-            </a:pPr>
-            <a:r>
-              <a:rPr lang="en-US" sz="1800" dirty="0"/>
-              <a:t>negation of some component’s service to users/components</a:t>
-            </a:r>
-          </a:p>
-          <a:p>
-            <a:pPr>
-              <a:lnSpc>
-                <a:spcPct val="90000"/>
-              </a:lnSpc>
-            </a:pPr>
-            <a:r>
-              <a:rPr lang="en-US" sz="2400" b="1" dirty="0"/>
-              <a:t>E</a:t>
-            </a:r>
-            <a:r>
-              <a:rPr lang="en-US" sz="2400" dirty="0"/>
-              <a:t>levation of privilege</a:t>
-            </a:r>
-          </a:p>
-          <a:p>
-            <a:pPr lvl="1">
-              <a:lnSpc>
-                <a:spcPct val="90000"/>
-              </a:lnSpc>
-            </a:pPr>
-            <a:r>
-              <a:rPr lang="en-US" sz="1800" dirty="0"/>
-              <a:t>increase of the privileges of the attacker</a:t>
-            </a:r>
-          </a:p>
-          <a:p>
-            <a:endParaRPr lang="en-US" dirty="0"/>
-          </a:p>
-        </p:txBody>
-      </p:sp>
+            <a:r>
+              <a:rPr lang="en-US" dirty="0" err="1"/>
+              <a:t>Caso</a:t>
+            </a:r>
+            <a:r>
+              <a:rPr lang="en-US" dirty="0"/>
+              <a:t> de </a:t>
+            </a:r>
+            <a:r>
+              <a:rPr lang="en-US" dirty="0" err="1"/>
+              <a:t>estudo</a:t>
+            </a:r>
+            <a:r>
+              <a:rPr lang="en-US" dirty="0"/>
+              <a:t>: </a:t>
+            </a:r>
+            <a:r>
+              <a:rPr lang="en-US" dirty="0" err="1"/>
+              <a:t>Aplicação</a:t>
+            </a:r>
+            <a:r>
+              <a:rPr lang="en-US" dirty="0"/>
+              <a:t> para </a:t>
+            </a:r>
+            <a:r>
+              <a:rPr lang="en-US" dirty="0" err="1"/>
+              <a:t>folha</a:t>
+            </a:r>
+            <a:r>
+              <a:rPr lang="en-US" dirty="0"/>
+              <a:t> de </a:t>
+            </a:r>
+            <a:r>
+              <a:rPr lang="en-US" dirty="0" err="1"/>
+              <a:t>pagamentos</a:t>
+            </a:r>
+            <a:endParaRPr lang="en-US" dirty="0"/>
+          </a:p>
+        </p:txBody>
+      </p:sp>
+      <p:pic>
+        <p:nvPicPr>
+          <p:cNvPr id="7" name="Picture 4" descr="untitled">
+            <a:extLst>
+              <a:ext uri="{FF2B5EF4-FFF2-40B4-BE49-F238E27FC236}">
+                <a16:creationId xmlns:a16="http://schemas.microsoft.com/office/drawing/2014/main" id="{CFD6C23A-A139-A945-9257-9002C7E5C938}"/>
+              </a:ext>
+            </a:extLst>
+          </p:cNvPr>
+          <p:cNvPicPr>
+            <a:picLocks noChangeAspect="1" noChangeArrowheads="1"/>
+          </p:cNvPicPr>
+          <p:nvPr/>
+        </p:nvPicPr>
+        <p:blipFill>
+          <a:blip r:embed="rId2" cstate="print"/>
+          <a:srcRect t="3288" b="3235"/>
+          <a:stretch>
+            <a:fillRect/>
+          </a:stretch>
+        </p:blipFill>
+        <p:spPr bwMode="auto">
+          <a:xfrm>
+            <a:off x="1366531" y="1873842"/>
+            <a:ext cx="2595869" cy="4303245"/>
+          </a:xfrm>
+          <a:prstGeom prst="rect">
+            <a:avLst/>
+          </a:prstGeom>
+          <a:noFill/>
+          <a:ln w="9525">
+            <a:noFill/>
+            <a:miter lim="800000"/>
+            <a:headEnd/>
+            <a:tailEnd/>
+          </a:ln>
+        </p:spPr>
+      </p:pic>
+      <p:pic>
+        <p:nvPicPr>
+          <p:cNvPr id="8" name="Picture 6" descr="untitled">
+            <a:extLst>
+              <a:ext uri="{FF2B5EF4-FFF2-40B4-BE49-F238E27FC236}">
+                <a16:creationId xmlns:a16="http://schemas.microsoft.com/office/drawing/2014/main" id="{7505F76B-F6DB-AF4F-A3BD-6F0D1E3F0C1A}"/>
+              </a:ext>
+            </a:extLst>
+          </p:cNvPr>
+          <p:cNvPicPr>
+            <a:picLocks noChangeAspect="1" noChangeArrowheads="1"/>
+          </p:cNvPicPr>
+          <p:nvPr/>
+        </p:nvPicPr>
+        <p:blipFill>
+          <a:blip r:embed="rId3" cstate="print"/>
+          <a:srcRect r="23962"/>
+          <a:stretch>
+            <a:fillRect/>
+          </a:stretch>
+        </p:blipFill>
+        <p:spPr bwMode="auto">
+          <a:xfrm>
+            <a:off x="6096000" y="2438400"/>
+            <a:ext cx="1633538" cy="2998788"/>
+          </a:xfrm>
+          <a:prstGeom prst="rect">
+            <a:avLst/>
+          </a:prstGeom>
+          <a:noFill/>
+          <a:ln w="9525">
+            <a:noFill/>
+            <a:miter lim="800000"/>
+            <a:headEnd/>
+            <a:tailEnd/>
+          </a:ln>
+        </p:spPr>
+      </p:pic>
     </p:spTree>
     <p:extLst>
       <p:ext uri="{BB962C8B-B14F-4D97-AF65-F5344CB8AC3E}">
-        <p14:creationId xmlns:p14="http://schemas.microsoft.com/office/powerpoint/2010/main" val="3682847771"/>
+        <p14:creationId xmlns:p14="http://schemas.microsoft.com/office/powerpoint/2010/main" val="2713282810"/>
       </p:ext>
     </p:extLst>
   </p:cSld>
